--- a/handin/Flow.pptx
+++ b/handin/Flow.pptx
@@ -203,7 +203,7 @@
             <a:fld id="{1EA83EF2-A169-4E4F-98E7-BC0C18C6E0BC}" type="datetimeFigureOut">
               <a:rPr lang="en-US" smtClean="0"/>
               <a:pPr/>
-              <a:t>11/3/2010</a:t>
+              <a:t>11/11/2010</a:t>
             </a:fld>
             <a:endParaRPr lang="en-US"/>
           </a:p>
@@ -1553,7 +1553,7 @@
             <a:fld id="{732979C2-7319-438A-96E4-F9B09D12820E}" type="datetimeFigureOut">
               <a:rPr lang="en-US" smtClean="0"/>
               <a:pPr/>
-              <a:t>11/3/2010</a:t>
+              <a:t>11/11/2010</a:t>
             </a:fld>
             <a:endParaRPr lang="en-US"/>
           </a:p>
@@ -1720,7 +1720,7 @@
             <a:fld id="{732979C2-7319-438A-96E4-F9B09D12820E}" type="datetimeFigureOut">
               <a:rPr lang="en-US" smtClean="0"/>
               <a:pPr/>
-              <a:t>11/3/2010</a:t>
+              <a:t>11/11/2010</a:t>
             </a:fld>
             <a:endParaRPr lang="en-US"/>
           </a:p>
@@ -1897,7 +1897,7 @@
             <a:fld id="{732979C2-7319-438A-96E4-F9B09D12820E}" type="datetimeFigureOut">
               <a:rPr lang="en-US" smtClean="0"/>
               <a:pPr/>
-              <a:t>11/3/2010</a:t>
+              <a:t>11/11/2010</a:t>
             </a:fld>
             <a:endParaRPr lang="en-US"/>
           </a:p>
@@ -2064,7 +2064,7 @@
             <a:fld id="{732979C2-7319-438A-96E4-F9B09D12820E}" type="datetimeFigureOut">
               <a:rPr lang="en-US" smtClean="0"/>
               <a:pPr/>
-              <a:t>11/3/2010</a:t>
+              <a:t>11/11/2010</a:t>
             </a:fld>
             <a:endParaRPr lang="en-US"/>
           </a:p>
@@ -2307,7 +2307,7 @@
             <a:fld id="{732979C2-7319-438A-96E4-F9B09D12820E}" type="datetimeFigureOut">
               <a:rPr lang="en-US" smtClean="0"/>
               <a:pPr/>
-              <a:t>11/3/2010</a:t>
+              <a:t>11/11/2010</a:t>
             </a:fld>
             <a:endParaRPr lang="en-US"/>
           </a:p>
@@ -2592,7 +2592,7 @@
             <a:fld id="{732979C2-7319-438A-96E4-F9B09D12820E}" type="datetimeFigureOut">
               <a:rPr lang="en-US" smtClean="0"/>
               <a:pPr/>
-              <a:t>11/3/2010</a:t>
+              <a:t>11/11/2010</a:t>
             </a:fld>
             <a:endParaRPr lang="en-US"/>
           </a:p>
@@ -3011,7 +3011,7 @@
             <a:fld id="{732979C2-7319-438A-96E4-F9B09D12820E}" type="datetimeFigureOut">
               <a:rPr lang="en-US" smtClean="0"/>
               <a:pPr/>
-              <a:t>11/3/2010</a:t>
+              <a:t>11/11/2010</a:t>
             </a:fld>
             <a:endParaRPr lang="en-US"/>
           </a:p>
@@ -3126,7 +3126,7 @@
             <a:fld id="{732979C2-7319-438A-96E4-F9B09D12820E}" type="datetimeFigureOut">
               <a:rPr lang="en-US" smtClean="0"/>
               <a:pPr/>
-              <a:t>11/3/2010</a:t>
+              <a:t>11/11/2010</a:t>
             </a:fld>
             <a:endParaRPr lang="en-US"/>
           </a:p>
@@ -3218,7 +3218,7 @@
             <a:fld id="{732979C2-7319-438A-96E4-F9B09D12820E}" type="datetimeFigureOut">
               <a:rPr lang="en-US" smtClean="0"/>
               <a:pPr/>
-              <a:t>11/3/2010</a:t>
+              <a:t>11/11/2010</a:t>
             </a:fld>
             <a:endParaRPr lang="en-US"/>
           </a:p>
@@ -3492,7 +3492,7 @@
             <a:fld id="{732979C2-7319-438A-96E4-F9B09D12820E}" type="datetimeFigureOut">
               <a:rPr lang="en-US" smtClean="0"/>
               <a:pPr/>
-              <a:t>11/3/2010</a:t>
+              <a:t>11/11/2010</a:t>
             </a:fld>
             <a:endParaRPr lang="en-US"/>
           </a:p>
@@ -3742,7 +3742,7 @@
             <a:fld id="{732979C2-7319-438A-96E4-F9B09D12820E}" type="datetimeFigureOut">
               <a:rPr lang="en-US" smtClean="0"/>
               <a:pPr/>
-              <a:t>11/3/2010</a:t>
+              <a:t>11/11/2010</a:t>
             </a:fld>
             <a:endParaRPr lang="en-US"/>
           </a:p>
@@ -3952,7 +3952,7 @@
             <a:fld id="{732979C2-7319-438A-96E4-F9B09D12820E}" type="datetimeFigureOut">
               <a:rPr lang="en-US" smtClean="0"/>
               <a:pPr/>
-              <a:t>11/3/2010</a:t>
+              <a:t>11/11/2010</a:t>
             </a:fld>
             <a:endParaRPr lang="en-US"/>
           </a:p>
@@ -5600,22 +5600,14 @@
           <a:p>
             <a:r>
               <a:rPr lang="en-US" dirty="0" smtClean="0"/>
-              <a:t>Analyze and Predict </a:t>
-            </a:r>
-            <a:r>
-              <a:rPr lang="en-US" dirty="0" smtClean="0"/>
-              <a:t>Stocks</a:t>
+              <a:t>Analyze and Predict Stocks</a:t>
             </a:r>
             <a:br>
               <a:rPr lang="en-US" dirty="0" smtClean="0"/>
             </a:br>
             <a:r>
               <a:rPr lang="en-US" dirty="0" smtClean="0"/>
-              <a:t>End </a:t>
-            </a:r>
-            <a:r>
-              <a:rPr lang="en-US" dirty="0" smtClean="0"/>
-              <a:t>Date Selection</a:t>
+              <a:t>End Date Selection</a:t>
             </a:r>
             <a:endParaRPr lang="en-US" dirty="0"/>
           </a:p>
@@ -8939,7 +8931,11 @@
           <a:p>
             <a:r>
               <a:rPr lang="en-US" dirty="0" smtClean="0"/>
-              <a:t>Portfolio Summary</a:t>
+              <a:t>Portfolio One </a:t>
+            </a:r>
+            <a:r>
+              <a:rPr lang="en-US" dirty="0" smtClean="0"/>
+              <a:t>Summary</a:t>
             </a:r>
             <a:endParaRPr lang="en-US" dirty="0"/>
           </a:p>
@@ -8984,8 +8980,13 @@
             </a:pPr>
             <a:r>
               <a:rPr lang="en-US" dirty="0" smtClean="0"/>
-              <a:t>Stock Two</a:t>
-            </a:r>
+              <a:t>Stock </a:t>
+            </a:r>
+            <a:r>
+              <a:rPr lang="en-US" dirty="0" smtClean="0"/>
+              <a:t>Two </a:t>
+            </a:r>
+            <a:endParaRPr lang="en-US" dirty="0" smtClean="0"/>
           </a:p>
           <a:p>
             <a:pPr lvl="1">
@@ -9233,7 +9234,7 @@
             <a:pPr algn="ctr"/>
             <a:r>
               <a:rPr lang="en-US" dirty="0" smtClean="0"/>
-              <a:t>Analyze/Predict</a:t>
+              <a:t>Portfolio Statistics</a:t>
             </a:r>
             <a:endParaRPr lang="en-US" dirty="0"/>
           </a:p>
@@ -9241,7 +9242,7 @@
       </p:sp>
       <p:sp>
         <p:nvSpPr>
-          <p:cNvPr id="10" name="Rounded Rectangle 9">
+          <p:cNvPr id="11" name="Rounded Rectangle 10">
             <a:hlinkClick r:id="rId7" action="ppaction://hlinksldjump"/>
           </p:cNvPr>
           <p:cNvSpPr/>
@@ -9249,7 +9250,7 @@
         </p:nvSpPr>
         <p:spPr>
           <a:xfrm>
-            <a:off x="1066800" y="4419600"/>
+            <a:off x="1143000" y="4572000"/>
             <a:ext cx="1752600" cy="381000"/>
           </a:xfrm>
           <a:prstGeom prst="roundRect">
@@ -9279,7 +9280,7 @@
             <a:pPr algn="ctr"/>
             <a:r>
               <a:rPr lang="en-US" dirty="0" smtClean="0"/>
-              <a:t>Buy</a:t>
+              <a:t>Sell</a:t>
             </a:r>
             <a:endParaRPr lang="en-US" dirty="0"/>
           </a:p>
@@ -9287,54 +9288,8 @@
       </p:sp>
       <p:sp>
         <p:nvSpPr>
-          <p:cNvPr id="11" name="Rounded Rectangle 10">
-            <a:hlinkClick r:id="rId8" action="ppaction://hlinksldjump"/>
-          </p:cNvPr>
-          <p:cNvSpPr/>
-          <p:nvPr/>
-        </p:nvSpPr>
-        <p:spPr>
-          <a:xfrm>
-            <a:off x="3048000" y="4419600"/>
-            <a:ext cx="1752600" cy="381000"/>
-          </a:xfrm>
-          <a:prstGeom prst="roundRect">
-            <a:avLst/>
-          </a:prstGeom>
-        </p:spPr>
-        <p:style>
-          <a:lnRef idx="2">
-            <a:schemeClr val="accent1">
-              <a:shade val="50000"/>
-            </a:schemeClr>
-          </a:lnRef>
-          <a:fillRef idx="1">
-            <a:schemeClr val="accent1"/>
-          </a:fillRef>
-          <a:effectRef idx="0">
-            <a:schemeClr val="accent1"/>
-          </a:effectRef>
-          <a:fontRef idx="minor">
-            <a:schemeClr val="lt1"/>
-          </a:fontRef>
-        </p:style>
-        <p:txBody>
-          <a:bodyPr rtlCol="0" anchor="ctr"/>
-          <a:lstStyle/>
-          <a:p>
-            <a:pPr algn="ctr"/>
-            <a:r>
-              <a:rPr lang="en-US" dirty="0" smtClean="0"/>
-              <a:t>Sell</a:t>
-            </a:r>
-            <a:endParaRPr lang="en-US" dirty="0"/>
-          </a:p>
-        </p:txBody>
-      </p:sp>
-      <p:sp>
-        <p:nvSpPr>
           <p:cNvPr id="13" name="Rounded Rectangle 12">
-            <a:hlinkClick r:id="rId8" action="ppaction://hlinksldjump"/>
+            <a:hlinkClick r:id="rId7" action="ppaction://hlinksldjump"/>
           </p:cNvPr>
           <p:cNvSpPr/>
           <p:nvPr/>
@@ -10169,45 +10124,55 @@
               <a:rPr lang="en-US" dirty="0" smtClean="0"/>
               <a:t>Enter Search: </a:t>
             </a:r>
-          </a:p>
-          <a:p>
-            <a:endParaRPr lang="en-US" dirty="0" smtClean="0"/>
+            <a:r>
+              <a:rPr lang="en-US" dirty="0" smtClean="0"/>
+              <a:t>Drop Down Menu</a:t>
+            </a:r>
           </a:p>
           <a:p>
             <a:pPr lvl="1">
-              <a:buFont typeface="Wingdings" pitchFamily="2" charset="2"/>
-              <a:buChar char="q"/>
-            </a:pPr>
-            <a:r>
-              <a:rPr lang="en-US" dirty="0" smtClean="0"/>
-              <a:t>Stock Five</a:t>
-            </a:r>
-          </a:p>
-          <a:p>
-            <a:pPr lvl="1">
-              <a:buFont typeface="Wingdings" pitchFamily="2" charset="2"/>
-              <a:buChar char="q"/>
-            </a:pPr>
-            <a:r>
-              <a:rPr lang="en-US" dirty="0" smtClean="0"/>
-              <a:t>Stock Six</a:t>
-            </a:r>
-            <a:br>
-              <a:rPr lang="en-US" dirty="0" smtClean="0"/>
-            </a:br>
-            <a:endParaRPr lang="en-US" dirty="0" smtClean="0"/>
-          </a:p>
-          <a:p>
-            <a:pPr>
               <a:buNone/>
             </a:pPr>
+            <a:r>
+              <a:rPr lang="en-US" dirty="0" smtClean="0"/>
+              <a:t>(Print) Cash </a:t>
+            </a:r>
+            <a:r>
+              <a:rPr lang="en-US" dirty="0" smtClean="0"/>
+              <a:t>Available : XXXX</a:t>
+            </a:r>
+          </a:p>
+          <a:p>
+            <a:pPr lvl="1">
+              <a:buNone/>
+            </a:pPr>
+            <a:r>
+              <a:rPr lang="en-US" dirty="0" smtClean="0"/>
+              <a:t>Enter Investment Amount: </a:t>
+            </a:r>
+            <a:endParaRPr lang="en-US" dirty="0" smtClean="0"/>
+          </a:p>
+          <a:p>
+            <a:pPr lvl="1">
+              <a:buNone/>
+            </a:pPr>
+            <a:r>
+              <a:rPr lang="en-US" dirty="0" smtClean="0"/>
+              <a:t>Enter </a:t>
+            </a:r>
+            <a:r>
+              <a:rPr lang="en-US" dirty="0" smtClean="0"/>
+              <a:t>Date Purchased: [default is today]</a:t>
+            </a:r>
+          </a:p>
+          <a:p>
             <a:endParaRPr lang="en-US" dirty="0"/>
           </a:p>
         </p:txBody>
       </p:sp>
       <p:sp>
         <p:nvSpPr>
-          <p:cNvPr id="4" name="Rounded Rectangle 3">
+          <p:cNvPr id="6" name="Rounded Rectangle 5">
             <a:hlinkClick r:id="rId3" action="ppaction://hlinksldjump"/>
           </p:cNvPr>
           <p:cNvSpPr/>
@@ -10215,93 +10180,7 @@
         </p:nvSpPr>
         <p:spPr>
           <a:xfrm>
-            <a:off x="5943600" y="1752600"/>
-            <a:ext cx="1905000" cy="457200"/>
-          </a:xfrm>
-          <a:prstGeom prst="roundRect">
-            <a:avLst/>
-          </a:prstGeom>
-        </p:spPr>
-        <p:style>
-          <a:lnRef idx="2">
-            <a:schemeClr val="accent1">
-              <a:shade val="50000"/>
-            </a:schemeClr>
-          </a:lnRef>
-          <a:fillRef idx="1">
-            <a:schemeClr val="accent1"/>
-          </a:fillRef>
-          <a:effectRef idx="0">
-            <a:schemeClr val="accent1"/>
-          </a:effectRef>
-          <a:fontRef idx="minor">
-            <a:schemeClr val="lt1"/>
-          </a:fontRef>
-        </p:style>
-        <p:txBody>
-          <a:bodyPr rtlCol="0" anchor="ctr"/>
-          <a:lstStyle/>
-          <a:p>
-            <a:pPr algn="ctr"/>
-            <a:r>
-              <a:rPr lang="en-US" dirty="0" smtClean="0"/>
-              <a:t>Search</a:t>
-            </a:r>
-            <a:endParaRPr lang="en-US" dirty="0"/>
-          </a:p>
-        </p:txBody>
-      </p:sp>
-      <p:sp>
-        <p:nvSpPr>
-          <p:cNvPr id="5" name="Rectangle 4"/>
-          <p:cNvSpPr/>
-          <p:nvPr/>
-        </p:nvSpPr>
-        <p:spPr>
-          <a:xfrm>
-            <a:off x="3200400" y="1676400"/>
-            <a:ext cx="2057400" cy="533400"/>
-          </a:xfrm>
-          <a:prstGeom prst="rect">
-            <a:avLst/>
-          </a:prstGeom>
-        </p:spPr>
-        <p:style>
-          <a:lnRef idx="2">
-            <a:schemeClr val="dk1"/>
-          </a:lnRef>
-          <a:fillRef idx="1">
-            <a:schemeClr val="lt1"/>
-          </a:fillRef>
-          <a:effectRef idx="0">
-            <a:schemeClr val="dk1"/>
-          </a:effectRef>
-          <a:fontRef idx="minor">
-            <a:schemeClr val="dk1"/>
-          </a:fontRef>
-        </p:style>
-        <p:txBody>
-          <a:bodyPr rtlCol="0" anchor="ctr"/>
-          <a:lstStyle/>
-          <a:p>
-            <a:endParaRPr lang="en-US" dirty="0">
-              <a:latin typeface="Times New Roman" pitchFamily="18" charset="0"/>
-              <a:cs typeface="Times New Roman" pitchFamily="18" charset="0"/>
-            </a:endParaRPr>
-          </a:p>
-        </p:txBody>
-      </p:sp>
-      <p:sp>
-        <p:nvSpPr>
-          <p:cNvPr id="6" name="Rounded Rectangle 5">
-            <a:hlinkClick r:id="rId4" action="ppaction://hlinksldjump"/>
-          </p:cNvPr>
-          <p:cNvSpPr/>
-          <p:nvPr/>
-        </p:nvSpPr>
-        <p:spPr>
-          <a:xfrm>
-            <a:off x="2362200" y="4572000"/>
+            <a:off x="2286000" y="4572000"/>
             <a:ext cx="2286000" cy="838200"/>
           </a:xfrm>
           <a:prstGeom prst="roundRect">
@@ -10334,6 +10213,47 @@
               <a:t>Buy</a:t>
             </a:r>
             <a:endParaRPr lang="en-US" dirty="0"/>
+          </a:p>
+        </p:txBody>
+      </p:sp>
+      <p:sp>
+        <p:nvSpPr>
+          <p:cNvPr id="7" name="Rectangle 6"/>
+          <p:cNvSpPr/>
+          <p:nvPr/>
+        </p:nvSpPr>
+        <p:spPr>
+          <a:xfrm>
+            <a:off x="5029200" y="2819400"/>
+            <a:ext cx="1219200" cy="304800"/>
+          </a:xfrm>
+          <a:prstGeom prst="rect">
+            <a:avLst/>
+          </a:prstGeom>
+          <a:noFill/>
+        </p:spPr>
+        <p:style>
+          <a:lnRef idx="2">
+            <a:schemeClr val="accent1">
+              <a:shade val="50000"/>
+            </a:schemeClr>
+          </a:lnRef>
+          <a:fillRef idx="1">
+            <a:schemeClr val="accent1"/>
+          </a:fillRef>
+          <a:effectRef idx="0">
+            <a:schemeClr val="accent1"/>
+          </a:effectRef>
+          <a:fontRef idx="minor">
+            <a:schemeClr val="lt1"/>
+          </a:fontRef>
+        </p:style>
+        <p:txBody>
+          <a:bodyPr rtlCol="0" anchor="ctr"/>
+          <a:lstStyle/>
+          <a:p>
+            <a:pPr algn="ctr"/>
+            <a:endParaRPr lang="en-US"/>
           </a:p>
         </p:txBody>
       </p:sp>
@@ -10415,6 +10335,10 @@
             <a:pPr lvl="1">
               <a:buNone/>
             </a:pPr>
+            <a:r>
+              <a:rPr lang="en-US" dirty="0" smtClean="0"/>
+              <a:t>Cash Available : XXXX</a:t>
+            </a:r>
             <a:endParaRPr lang="en-US" dirty="0" smtClean="0"/>
           </a:p>
           <a:p>
@@ -10423,8 +10347,13 @@
             </a:pPr>
             <a:r>
               <a:rPr lang="en-US" dirty="0" smtClean="0"/>
-              <a:t>Enter Amount:</a:t>
-            </a:r>
+              <a:t>Enter </a:t>
+            </a:r>
+            <a:r>
+              <a:rPr lang="en-US" dirty="0" smtClean="0"/>
+              <a:t>Investment Amount: XXXX</a:t>
+            </a:r>
+            <a:endParaRPr lang="en-US" dirty="0" smtClean="0"/>
           </a:p>
           <a:p>
             <a:pPr lvl="1">
@@ -10432,43 +10361,13 @@
             </a:pPr>
             <a:r>
               <a:rPr lang="en-US" dirty="0" smtClean="0"/>
-              <a:t>Enter Date Purchased</a:t>
+              <a:t>Enter Date Purchased: [default is today</a:t>
             </a:r>
             <a:r>
               <a:rPr lang="en-US" dirty="0" smtClean="0"/>
-              <a:t>: [default is today]</a:t>
+              <a:t>]</a:t>
             </a:r>
             <a:endParaRPr lang="en-US" dirty="0" smtClean="0"/>
-          </a:p>
-          <a:p>
-            <a:pPr lvl="1">
-              <a:buNone/>
-            </a:pPr>
-            <a:endParaRPr lang="en-US" dirty="0" smtClean="0"/>
-          </a:p>
-          <a:p>
-            <a:pPr lvl="1">
-              <a:buNone/>
-            </a:pPr>
-            <a:r>
-              <a:rPr lang="en-US" dirty="0" smtClean="0"/>
-              <a:t>		Stock Five</a:t>
-            </a:r>
-          </a:p>
-          <a:p>
-            <a:pPr lvl="1">
-              <a:buNone/>
-            </a:pPr>
-            <a:r>
-              <a:rPr lang="en-US" dirty="0" smtClean="0"/>
-              <a:t>		Stock Six</a:t>
-            </a:r>
-          </a:p>
-          <a:p>
-            <a:pPr>
-              <a:buNone/>
-            </a:pPr>
-            <a:endParaRPr lang="en-US" dirty="0"/>
           </a:p>
         </p:txBody>
       </p:sp>
@@ -10482,7 +10381,7 @@
         </p:nvSpPr>
         <p:spPr>
           <a:xfrm>
-            <a:off x="2362200" y="4572000"/>
+            <a:off x="2057400" y="3657600"/>
             <a:ext cx="2286000" cy="838200"/>
           </a:xfrm>
           <a:prstGeom prst="roundRect">
@@ -10513,90 +10412,6 @@
             <a:r>
               <a:rPr lang="en-US" dirty="0" smtClean="0"/>
               <a:t>Buy</a:t>
-            </a:r>
-            <a:endParaRPr lang="en-US" dirty="0"/>
-          </a:p>
-        </p:txBody>
-      </p:sp>
-      <p:sp>
-        <p:nvSpPr>
-          <p:cNvPr id="7" name="Rectangle 6"/>
-          <p:cNvSpPr/>
-          <p:nvPr/>
-        </p:nvSpPr>
-        <p:spPr>
-          <a:xfrm>
-            <a:off x="1295400" y="3352800"/>
-            <a:ext cx="533400" cy="381000"/>
-          </a:xfrm>
-          <a:prstGeom prst="rect">
-            <a:avLst/>
-          </a:prstGeom>
-        </p:spPr>
-        <p:style>
-          <a:lnRef idx="2">
-            <a:schemeClr val="dk1"/>
-          </a:lnRef>
-          <a:fillRef idx="1">
-            <a:schemeClr val="lt1"/>
-          </a:fillRef>
-          <a:effectRef idx="0">
-            <a:schemeClr val="dk1"/>
-          </a:effectRef>
-          <a:fontRef idx="minor">
-            <a:schemeClr val="dk1"/>
-          </a:fontRef>
-        </p:style>
-        <p:txBody>
-          <a:bodyPr rtlCol="0" anchor="ctr"/>
-          <a:lstStyle/>
-          <a:p>
-            <a:pPr algn="ctr"/>
-            <a:r>
-              <a:rPr lang="en-US" dirty="0" smtClean="0"/>
-              <a:t>10</a:t>
-            </a:r>
-            <a:endParaRPr lang="en-US" dirty="0"/>
-          </a:p>
-        </p:txBody>
-      </p:sp>
-      <p:sp>
-        <p:nvSpPr>
-          <p:cNvPr id="8" name="Rectangle 7"/>
-          <p:cNvSpPr/>
-          <p:nvPr/>
-        </p:nvSpPr>
-        <p:spPr>
-          <a:xfrm>
-            <a:off x="1295400" y="3810000"/>
-            <a:ext cx="533400" cy="381000"/>
-          </a:xfrm>
-          <a:prstGeom prst="rect">
-            <a:avLst/>
-          </a:prstGeom>
-        </p:spPr>
-        <p:style>
-          <a:lnRef idx="2">
-            <a:schemeClr val="dk1"/>
-          </a:lnRef>
-          <a:fillRef idx="1">
-            <a:schemeClr val="lt1"/>
-          </a:fillRef>
-          <a:effectRef idx="0">
-            <a:schemeClr val="dk1"/>
-          </a:effectRef>
-          <a:fontRef idx="minor">
-            <a:schemeClr val="dk1"/>
-          </a:fontRef>
-        </p:style>
-        <p:txBody>
-          <a:bodyPr rtlCol="0" anchor="ctr"/>
-          <a:lstStyle/>
-          <a:p>
-            <a:pPr algn="ctr"/>
-            <a:r>
-              <a:rPr lang="en-US" dirty="0" smtClean="0"/>
-              <a:t>?</a:t>
             </a:r>
             <a:endParaRPr lang="en-US" dirty="0"/>
           </a:p>

--- a/handin/Flow.pptx
+++ b/handin/Flow.pptx
@@ -1550,9 +1550,8 @@
           <a:bodyPr/>
           <a:lstStyle/>
           <a:p>
-            <a:fld id="{732979C2-7319-438A-96E4-F9B09D12820E}" type="datetimeFigureOut">
-              <a:rPr lang="en-US" smtClean="0"/>
-              <a:pPr/>
+            <a:fld id="{2E1473E9-663A-461C-BE59-D2D739A251D6}" type="datetime1">
+              <a:rPr lang="en-US" smtClean="0"/>
               <a:t>11/11/2010</a:t>
             </a:fld>
             <a:endParaRPr lang="en-US"/>
@@ -1717,9 +1716,8 @@
           <a:bodyPr/>
           <a:lstStyle/>
           <a:p>
-            <a:fld id="{732979C2-7319-438A-96E4-F9B09D12820E}" type="datetimeFigureOut">
-              <a:rPr lang="en-US" smtClean="0"/>
-              <a:pPr/>
+            <a:fld id="{06D32F85-50B9-49C6-90F2-EE368E42BE70}" type="datetime1">
+              <a:rPr lang="en-US" smtClean="0"/>
               <a:t>11/11/2010</a:t>
             </a:fld>
             <a:endParaRPr lang="en-US"/>
@@ -1894,9 +1892,8 @@
           <a:bodyPr/>
           <a:lstStyle/>
           <a:p>
-            <a:fld id="{732979C2-7319-438A-96E4-F9B09D12820E}" type="datetimeFigureOut">
-              <a:rPr lang="en-US" smtClean="0"/>
-              <a:pPr/>
+            <a:fld id="{79EC5A26-5247-4F19-8552-DABE94A49FA3}" type="datetime1">
+              <a:rPr lang="en-US" smtClean="0"/>
               <a:t>11/11/2010</a:t>
             </a:fld>
             <a:endParaRPr lang="en-US"/>
@@ -2061,9 +2058,8 @@
           <a:bodyPr/>
           <a:lstStyle/>
           <a:p>
-            <a:fld id="{732979C2-7319-438A-96E4-F9B09D12820E}" type="datetimeFigureOut">
-              <a:rPr lang="en-US" smtClean="0"/>
-              <a:pPr/>
+            <a:fld id="{471C6517-EA4C-498F-A2FE-D9E8C8504AB9}" type="datetime1">
+              <a:rPr lang="en-US" smtClean="0"/>
               <a:t>11/11/2010</a:t>
             </a:fld>
             <a:endParaRPr lang="en-US"/>
@@ -2304,9 +2300,8 @@
           <a:bodyPr/>
           <a:lstStyle/>
           <a:p>
-            <a:fld id="{732979C2-7319-438A-96E4-F9B09D12820E}" type="datetimeFigureOut">
-              <a:rPr lang="en-US" smtClean="0"/>
-              <a:pPr/>
+            <a:fld id="{EE3E2F3E-F3D6-423C-B2FA-DC3BC45FCD6F}" type="datetime1">
+              <a:rPr lang="en-US" smtClean="0"/>
               <a:t>11/11/2010</a:t>
             </a:fld>
             <a:endParaRPr lang="en-US"/>
@@ -2589,9 +2584,8 @@
           <a:bodyPr/>
           <a:lstStyle/>
           <a:p>
-            <a:fld id="{732979C2-7319-438A-96E4-F9B09D12820E}" type="datetimeFigureOut">
-              <a:rPr lang="en-US" smtClean="0"/>
-              <a:pPr/>
+            <a:fld id="{6B4F9612-EB05-4A3D-8A8B-18A59A4BCB74}" type="datetime1">
+              <a:rPr lang="en-US" smtClean="0"/>
               <a:t>11/11/2010</a:t>
             </a:fld>
             <a:endParaRPr lang="en-US"/>
@@ -3008,9 +3002,8 @@
           <a:bodyPr/>
           <a:lstStyle/>
           <a:p>
-            <a:fld id="{732979C2-7319-438A-96E4-F9B09D12820E}" type="datetimeFigureOut">
-              <a:rPr lang="en-US" smtClean="0"/>
-              <a:pPr/>
+            <a:fld id="{FCA8BD0F-86A3-4D20-860C-A155CF75F8BD}" type="datetime1">
+              <a:rPr lang="en-US" smtClean="0"/>
               <a:t>11/11/2010</a:t>
             </a:fld>
             <a:endParaRPr lang="en-US"/>
@@ -3123,9 +3116,8 @@
           <a:bodyPr/>
           <a:lstStyle/>
           <a:p>
-            <a:fld id="{732979C2-7319-438A-96E4-F9B09D12820E}" type="datetimeFigureOut">
-              <a:rPr lang="en-US" smtClean="0"/>
-              <a:pPr/>
+            <a:fld id="{0FB6D274-0B61-4F2E-AF3B-CDA3852CB025}" type="datetime1">
+              <a:rPr lang="en-US" smtClean="0"/>
               <a:t>11/11/2010</a:t>
             </a:fld>
             <a:endParaRPr lang="en-US"/>
@@ -3215,9 +3207,8 @@
           <a:bodyPr/>
           <a:lstStyle/>
           <a:p>
-            <a:fld id="{732979C2-7319-438A-96E4-F9B09D12820E}" type="datetimeFigureOut">
-              <a:rPr lang="en-US" smtClean="0"/>
-              <a:pPr/>
+            <a:fld id="{51355D52-41C1-4825-8D94-E99C0B2A22D9}" type="datetime1">
+              <a:rPr lang="en-US" smtClean="0"/>
               <a:t>11/11/2010</a:t>
             </a:fld>
             <a:endParaRPr lang="en-US"/>
@@ -3489,9 +3480,8 @@
           <a:bodyPr/>
           <a:lstStyle/>
           <a:p>
-            <a:fld id="{732979C2-7319-438A-96E4-F9B09D12820E}" type="datetimeFigureOut">
-              <a:rPr lang="en-US" smtClean="0"/>
-              <a:pPr/>
+            <a:fld id="{7AC9C890-E70A-419F-A072-1E4C8A0C9315}" type="datetime1">
+              <a:rPr lang="en-US" smtClean="0"/>
               <a:t>11/11/2010</a:t>
             </a:fld>
             <a:endParaRPr lang="en-US"/>
@@ -3739,9 +3729,8 @@
           <a:bodyPr/>
           <a:lstStyle/>
           <a:p>
-            <a:fld id="{732979C2-7319-438A-96E4-F9B09D12820E}" type="datetimeFigureOut">
-              <a:rPr lang="en-US" smtClean="0"/>
-              <a:pPr/>
+            <a:fld id="{58519D15-FC20-4D38-B270-2A4DCA6CF962}" type="datetime1">
+              <a:rPr lang="en-US" smtClean="0"/>
               <a:t>11/11/2010</a:t>
             </a:fld>
             <a:endParaRPr lang="en-US"/>
@@ -3949,9 +3938,8 @@
             </a:lvl1pPr>
           </a:lstStyle>
           <a:p>
-            <a:fld id="{732979C2-7319-438A-96E4-F9B09D12820E}" type="datetimeFigureOut">
-              <a:rPr lang="en-US" smtClean="0"/>
-              <a:pPr/>
+            <a:fld id="{F8078475-78A6-4A1D-AB20-08B67EB52370}" type="datetime1">
+              <a:rPr lang="en-US" smtClean="0"/>
               <a:t>11/11/2010</a:t>
             </a:fld>
             <a:endParaRPr lang="en-US"/>
@@ -4053,6 +4041,7 @@
     <p:sldLayoutId id="2147483658" r:id="rId10"/>
     <p:sldLayoutId id="2147483659" r:id="rId11"/>
   </p:sldLayoutIdLst>
+  <p:hf hdr="0" ftr="0" dt="0"/>
   <p:txStyles>
     <p:titleStyle>
       <a:lvl1pPr algn="ctr" defTabSz="914400" rtl="0" eaLnBrk="1" latinLnBrk="0" hangingPunct="1">
@@ -5276,6 +5265,30 @@
           </a:fontRef>
         </p:style>
       </p:cxnSp>
+      <p:sp>
+        <p:nvSpPr>
+          <p:cNvPr id="28" name="Slide Number Placeholder 27"/>
+          <p:cNvSpPr>
+            <a:spLocks noGrp="1"/>
+          </p:cNvSpPr>
+          <p:nvPr>
+            <p:ph type="sldNum" sz="quarter" idx="12"/>
+          </p:nvPr>
+        </p:nvSpPr>
+        <p:spPr/>
+        <p:txBody>
+          <a:bodyPr/>
+          <a:lstStyle/>
+          <a:p>
+            <a:fld id="{B0478B60-1448-486C-BA6D-779A9B0B0C87}" type="slidenum">
+              <a:rPr lang="en-US" smtClean="0"/>
+              <a:pPr/>
+              <a:t>1</a:t>
+            </a:fld>
+            <a:endParaRPr lang="en-US"/>
+          </a:p>
+        </p:txBody>
+      </p:sp>
     </p:spTree>
   </p:cSld>
   <p:clrMapOvr>
@@ -5546,6 +5559,30 @@
               <a:t>?</a:t>
             </a:r>
             <a:endParaRPr lang="en-US" dirty="0"/>
+          </a:p>
+        </p:txBody>
+      </p:sp>
+      <p:sp>
+        <p:nvSpPr>
+          <p:cNvPr id="9" name="Slide Number Placeholder 8"/>
+          <p:cNvSpPr>
+            <a:spLocks noGrp="1"/>
+          </p:cNvSpPr>
+          <p:nvPr>
+            <p:ph type="sldNum" sz="quarter" idx="12"/>
+          </p:nvPr>
+        </p:nvSpPr>
+        <p:spPr/>
+        <p:txBody>
+          <a:bodyPr/>
+          <a:lstStyle/>
+          <a:p>
+            <a:fld id="{B0478B60-1448-486C-BA6D-779A9B0B0C87}" type="slidenum">
+              <a:rPr lang="en-US" smtClean="0"/>
+              <a:pPr/>
+              <a:t>10</a:t>
+            </a:fld>
+            <a:endParaRPr lang="en-US"/>
           </a:p>
         </p:txBody>
       </p:sp>
@@ -8456,6 +8493,30 @@
           </a:p>
         </p:txBody>
       </p:sp>
+      <p:sp>
+        <p:nvSpPr>
+          <p:cNvPr id="16" name="Slide Number Placeholder 15"/>
+          <p:cNvSpPr>
+            <a:spLocks noGrp="1"/>
+          </p:cNvSpPr>
+          <p:nvPr>
+            <p:ph type="sldNum" sz="quarter" idx="12"/>
+          </p:nvPr>
+        </p:nvSpPr>
+        <p:spPr/>
+        <p:txBody>
+          <a:bodyPr/>
+          <a:lstStyle/>
+          <a:p>
+            <a:fld id="{B0478B60-1448-486C-BA6D-779A9B0B0C87}" type="slidenum">
+              <a:rPr lang="en-US" smtClean="0"/>
+              <a:pPr/>
+              <a:t>11</a:t>
+            </a:fld>
+            <a:endParaRPr lang="en-US"/>
+          </a:p>
+        </p:txBody>
+      </p:sp>
     </p:spTree>
   </p:cSld>
   <p:clrMapOvr>
@@ -8717,6 +8778,30 @@
           </a:p>
         </p:txBody>
       </p:sp>
+      <p:sp>
+        <p:nvSpPr>
+          <p:cNvPr id="10" name="Slide Number Placeholder 9"/>
+          <p:cNvSpPr>
+            <a:spLocks noGrp="1"/>
+          </p:cNvSpPr>
+          <p:nvPr>
+            <p:ph type="sldNum" sz="quarter" idx="12"/>
+          </p:nvPr>
+        </p:nvSpPr>
+        <p:spPr/>
+        <p:txBody>
+          <a:bodyPr/>
+          <a:lstStyle/>
+          <a:p>
+            <a:fld id="{B0478B60-1448-486C-BA6D-779A9B0B0C87}" type="slidenum">
+              <a:rPr lang="en-US" smtClean="0"/>
+              <a:pPr/>
+              <a:t>2</a:t>
+            </a:fld>
+            <a:endParaRPr lang="en-US"/>
+          </a:p>
+        </p:txBody>
+      </p:sp>
     </p:spTree>
   </p:cSld>
   <p:clrMapOvr>
@@ -8882,6 +8967,30 @@
           </a:p>
         </p:txBody>
       </p:sp>
+      <p:sp>
+        <p:nvSpPr>
+          <p:cNvPr id="5" name="Slide Number Placeholder 4"/>
+          <p:cNvSpPr>
+            <a:spLocks noGrp="1"/>
+          </p:cNvSpPr>
+          <p:nvPr>
+            <p:ph type="sldNum" sz="quarter" idx="12"/>
+          </p:nvPr>
+        </p:nvSpPr>
+        <p:spPr/>
+        <p:txBody>
+          <a:bodyPr/>
+          <a:lstStyle/>
+          <a:p>
+            <a:fld id="{B0478B60-1448-486C-BA6D-779A9B0B0C87}" type="slidenum">
+              <a:rPr lang="en-US" smtClean="0"/>
+              <a:pPr/>
+              <a:t>3</a:t>
+            </a:fld>
+            <a:endParaRPr lang="en-US"/>
+          </a:p>
+        </p:txBody>
+      </p:sp>
     </p:spTree>
   </p:cSld>
   <p:clrMapOvr>
@@ -9378,6 +9487,30 @@
           </a:p>
         </p:txBody>
       </p:sp>
+      <p:sp>
+        <p:nvSpPr>
+          <p:cNvPr id="12" name="Slide Number Placeholder 11"/>
+          <p:cNvSpPr>
+            <a:spLocks noGrp="1"/>
+          </p:cNvSpPr>
+          <p:nvPr>
+            <p:ph type="sldNum" sz="quarter" idx="12"/>
+          </p:nvPr>
+        </p:nvSpPr>
+        <p:spPr/>
+        <p:txBody>
+          <a:bodyPr/>
+          <a:lstStyle/>
+          <a:p>
+            <a:fld id="{B0478B60-1448-486C-BA6D-779A9B0B0C87}" type="slidenum">
+              <a:rPr lang="en-US" smtClean="0"/>
+              <a:pPr/>
+              <a:t>4</a:t>
+            </a:fld>
+            <a:endParaRPr lang="en-US"/>
+          </a:p>
+        </p:txBody>
+      </p:sp>
     </p:spTree>
   </p:cSld>
   <p:clrMapOvr>
@@ -9653,6 +9786,30 @@
           </a:p>
         </p:txBody>
       </p:sp>
+      <p:sp>
+        <p:nvSpPr>
+          <p:cNvPr id="8" name="Slide Number Placeholder 7"/>
+          <p:cNvSpPr>
+            <a:spLocks noGrp="1"/>
+          </p:cNvSpPr>
+          <p:nvPr>
+            <p:ph type="sldNum" sz="quarter" idx="12"/>
+          </p:nvPr>
+        </p:nvSpPr>
+        <p:spPr/>
+        <p:txBody>
+          <a:bodyPr/>
+          <a:lstStyle/>
+          <a:p>
+            <a:fld id="{B0478B60-1448-486C-BA6D-779A9B0B0C87}" type="slidenum">
+              <a:rPr lang="en-US" smtClean="0"/>
+              <a:pPr/>
+              <a:t>5</a:t>
+            </a:fld>
+            <a:endParaRPr lang="en-US"/>
+          </a:p>
+        </p:txBody>
+      </p:sp>
     </p:spTree>
   </p:cSld>
   <p:clrMapOvr>
@@ -9828,6 +9985,30 @@
           </a:p>
         </p:txBody>
       </p:sp>
+      <p:sp>
+        <p:nvSpPr>
+          <p:cNvPr id="6" name="Slide Number Placeholder 5"/>
+          <p:cNvSpPr>
+            <a:spLocks noGrp="1"/>
+          </p:cNvSpPr>
+          <p:nvPr>
+            <p:ph type="sldNum" sz="quarter" idx="12"/>
+          </p:nvPr>
+        </p:nvSpPr>
+        <p:spPr/>
+        <p:txBody>
+          <a:bodyPr/>
+          <a:lstStyle/>
+          <a:p>
+            <a:fld id="{B0478B60-1448-486C-BA6D-779A9B0B0C87}" type="slidenum">
+              <a:rPr lang="en-US" smtClean="0"/>
+              <a:pPr/>
+              <a:t>6</a:t>
+            </a:fld>
+            <a:endParaRPr lang="en-US"/>
+          </a:p>
+        </p:txBody>
+      </p:sp>
     </p:spTree>
   </p:cSld>
   <p:clrMapOvr>
@@ -9900,16 +10081,27 @@
           <a:p>
             <a:r>
               <a:rPr lang="en-US" dirty="0" smtClean="0"/>
-              <a:t>Enter Portfolio Name: </a:t>
-            </a:r>
-          </a:p>
-          <a:p>
-            <a:endParaRPr lang="en-US" dirty="0" smtClean="0"/>
-          </a:p>
-          <a:p>
+              <a:t>Portfolio </a:t>
+            </a:r>
             <a:r>
               <a:rPr lang="en-US" dirty="0" smtClean="0"/>
-              <a:t>Select Trading Strategy [Dropdown] </a:t>
+              <a:t>Name: </a:t>
+            </a:r>
+          </a:p>
+          <a:p>
+            <a:r>
+              <a:rPr lang="en-US" dirty="0" smtClean="0"/>
+              <a:t>Cash Amount:</a:t>
+            </a:r>
+          </a:p>
+          <a:p>
+            <a:r>
+              <a:rPr lang="en-US" dirty="0" smtClean="0"/>
+              <a:t>Select </a:t>
+            </a:r>
+            <a:r>
+              <a:rPr lang="en-US" dirty="0" smtClean="0"/>
+              <a:t>Trading Strategy [Dropdown] </a:t>
             </a:r>
           </a:p>
           <a:p>
@@ -9930,7 +10122,7 @@
         </p:nvSpPr>
         <p:spPr>
           <a:xfrm>
-            <a:off x="1447800" y="4038600"/>
+            <a:off x="1447800" y="4419600"/>
             <a:ext cx="2362200" cy="914400"/>
           </a:xfrm>
           <a:prstGeom prst="roundRect">
@@ -9976,7 +10168,7 @@
         </p:nvSpPr>
         <p:spPr>
           <a:xfrm>
-            <a:off x="4267200" y="4038600"/>
+            <a:off x="4191000" y="4343400"/>
             <a:ext cx="2362200" cy="914400"/>
           </a:xfrm>
           <a:prstGeom prst="roundRect">
@@ -10005,8 +10197,8 @@
           <a:p>
             <a:pPr algn="ctr"/>
             <a:r>
-              <a:rPr lang="en-US" dirty="0" smtClean="0"/>
-              <a:t>Cancel</a:t>
+              <a:rPr lang="en-US" smtClean="0"/>
+              <a:t>Reset</a:t>
             </a:r>
             <a:endParaRPr lang="en-US" dirty="0"/>
           </a:p>
@@ -10020,7 +10212,7 @@
         </p:nvSpPr>
         <p:spPr>
           <a:xfrm>
-            <a:off x="4572000" y="1676400"/>
+            <a:off x="3733800" y="1676400"/>
             <a:ext cx="3200400" cy="457200"/>
           </a:xfrm>
           <a:prstGeom prst="rect">
@@ -10046,6 +10238,68 @@
           <a:lstStyle/>
           <a:p>
             <a:pPr algn="ctr"/>
+            <a:endParaRPr lang="en-US"/>
+          </a:p>
+        </p:txBody>
+      </p:sp>
+      <p:sp>
+        <p:nvSpPr>
+          <p:cNvPr id="7" name="Rectangle 6"/>
+          <p:cNvSpPr/>
+          <p:nvPr/>
+        </p:nvSpPr>
+        <p:spPr>
+          <a:xfrm>
+            <a:off x="3733800" y="2286000"/>
+            <a:ext cx="3200400" cy="457200"/>
+          </a:xfrm>
+          <a:prstGeom prst="rect">
+            <a:avLst/>
+          </a:prstGeom>
+        </p:spPr>
+        <p:style>
+          <a:lnRef idx="2">
+            <a:schemeClr val="dk1"/>
+          </a:lnRef>
+          <a:fillRef idx="1">
+            <a:schemeClr val="lt1"/>
+          </a:fillRef>
+          <a:effectRef idx="0">
+            <a:schemeClr val="dk1"/>
+          </a:effectRef>
+          <a:fontRef idx="minor">
+            <a:schemeClr val="dk1"/>
+          </a:fontRef>
+        </p:style>
+        <p:txBody>
+          <a:bodyPr rtlCol="0" anchor="ctr"/>
+          <a:lstStyle/>
+          <a:p>
+            <a:pPr algn="ctr"/>
+            <a:endParaRPr lang="en-US"/>
+          </a:p>
+        </p:txBody>
+      </p:sp>
+      <p:sp>
+        <p:nvSpPr>
+          <p:cNvPr id="8" name="Slide Number Placeholder 7"/>
+          <p:cNvSpPr>
+            <a:spLocks noGrp="1"/>
+          </p:cNvSpPr>
+          <p:nvPr>
+            <p:ph type="sldNum" sz="quarter" idx="12"/>
+          </p:nvPr>
+        </p:nvSpPr>
+        <p:spPr/>
+        <p:txBody>
+          <a:bodyPr/>
+          <a:lstStyle/>
+          <a:p>
+            <a:fld id="{B0478B60-1448-486C-BA6D-779A9B0B0C87}" type="slidenum">
+              <a:rPr lang="en-US" smtClean="0"/>
+              <a:pPr/>
+              <a:t>7</a:t>
+            </a:fld>
             <a:endParaRPr lang="en-US"/>
           </a:p>
         </p:txBody>
@@ -10257,6 +10511,30 @@
           </a:p>
         </p:txBody>
       </p:sp>
+      <p:sp>
+        <p:nvSpPr>
+          <p:cNvPr id="8" name="Slide Number Placeholder 7"/>
+          <p:cNvSpPr>
+            <a:spLocks noGrp="1"/>
+          </p:cNvSpPr>
+          <p:nvPr>
+            <p:ph type="sldNum" sz="quarter" idx="12"/>
+          </p:nvPr>
+        </p:nvSpPr>
+        <p:spPr/>
+        <p:txBody>
+          <a:bodyPr/>
+          <a:lstStyle/>
+          <a:p>
+            <a:fld id="{B0478B60-1448-486C-BA6D-779A9B0B0C87}" type="slidenum">
+              <a:rPr lang="en-US" smtClean="0"/>
+              <a:pPr/>
+              <a:t>8</a:t>
+            </a:fld>
+            <a:endParaRPr lang="en-US"/>
+          </a:p>
+        </p:txBody>
+      </p:sp>
     </p:spTree>
   </p:cSld>
   <p:clrMapOvr>
@@ -10414,6 +10692,30 @@
               <a:t>Buy</a:t>
             </a:r>
             <a:endParaRPr lang="en-US" dirty="0"/>
+          </a:p>
+        </p:txBody>
+      </p:sp>
+      <p:sp>
+        <p:nvSpPr>
+          <p:cNvPr id="9" name="Slide Number Placeholder 8"/>
+          <p:cNvSpPr>
+            <a:spLocks noGrp="1"/>
+          </p:cNvSpPr>
+          <p:nvPr>
+            <p:ph type="sldNum" sz="quarter" idx="12"/>
+          </p:nvPr>
+        </p:nvSpPr>
+        <p:spPr/>
+        <p:txBody>
+          <a:bodyPr/>
+          <a:lstStyle/>
+          <a:p>
+            <a:fld id="{B0478B60-1448-486C-BA6D-779A9B0B0C87}" type="slidenum">
+              <a:rPr lang="en-US" smtClean="0"/>
+              <a:pPr/>
+              <a:t>9</a:t>
+            </a:fld>
+            <a:endParaRPr lang="en-US"/>
           </a:p>
         </p:txBody>
       </p:sp>

--- a/handin/Flow.pptx
+++ b/handin/Flow.pptx
@@ -5,20 +5,24 @@
     <p:sldMasterId id="2147483648" r:id="rId1"/>
   </p:sldMasterIdLst>
   <p:notesMasterIdLst>
-    <p:notesMasterId r:id="rId13"/>
+    <p:notesMasterId r:id="rId17"/>
   </p:notesMasterIdLst>
   <p:sldIdLst>
     <p:sldId id="257" r:id="rId2"/>
-    <p:sldId id="258" r:id="rId3"/>
-    <p:sldId id="259" r:id="rId4"/>
-    <p:sldId id="261" r:id="rId5"/>
-    <p:sldId id="262" r:id="rId6"/>
-    <p:sldId id="263" r:id="rId7"/>
-    <p:sldId id="265" r:id="rId8"/>
-    <p:sldId id="264" r:id="rId9"/>
-    <p:sldId id="266" r:id="rId10"/>
-    <p:sldId id="267" r:id="rId11"/>
-    <p:sldId id="270" r:id="rId12"/>
+    <p:sldId id="272" r:id="rId3"/>
+    <p:sldId id="258" r:id="rId4"/>
+    <p:sldId id="259" r:id="rId5"/>
+    <p:sldId id="261" r:id="rId6"/>
+    <p:sldId id="262" r:id="rId7"/>
+    <p:sldId id="263" r:id="rId8"/>
+    <p:sldId id="265" r:id="rId9"/>
+    <p:sldId id="264" r:id="rId10"/>
+    <p:sldId id="266" r:id="rId11"/>
+    <p:sldId id="271" r:id="rId12"/>
+    <p:sldId id="267" r:id="rId13"/>
+    <p:sldId id="273" r:id="rId14"/>
+    <p:sldId id="270" r:id="rId15"/>
+    <p:sldId id="275" r:id="rId16"/>
   </p:sldIdLst>
   <p:sldSz cx="9144000" cy="6858000" type="screen4x3"/>
   <p:notesSz cx="6858000" cy="9144000"/>
@@ -120,6 +124,38 @@
 </p:presentation>
 </file>
 
+<file path=ppt/activeX/activeX1.xml><?xml version="1.0" encoding="utf-8"?>
+<ax:ocx xmlns:ax="http://schemas.microsoft.com/office/2006/activeX" xmlns:r="http://schemas.openxmlformats.org/officeDocument/2006/relationships" ax:classid="{5512D11A-5CC6-11CF-8D67-00AA00BDCE1D}" ax:persistence="persistStream" r:id="rId1"/>
+</file>
+
+<file path=ppt/activeX/activeX2.xml><?xml version="1.0" encoding="utf-8"?>
+<ax:ocx xmlns:ax="http://schemas.microsoft.com/office/2006/activeX" xmlns:r="http://schemas.openxmlformats.org/officeDocument/2006/relationships" ax:classid="{5512D118-5CC6-11CF-8D67-00AA00BDCE1D}" ax:persistence="persistStream" r:id="rId1"/>
+</file>
+
+<file path=ppt/activeX/activeX3.xml><?xml version="1.0" encoding="utf-8"?>
+<ax:ocx xmlns:ax="http://schemas.microsoft.com/office/2006/activeX" xmlns:r="http://schemas.openxmlformats.org/officeDocument/2006/relationships" ax:classid="{5512D118-5CC6-11CF-8D67-00AA00BDCE1D}" ax:persistence="persistStream" r:id="rId1"/>
+</file>
+
+<file path=ppt/activeX/activeX4.xml><?xml version="1.0" encoding="utf-8"?>
+<ax:ocx xmlns:ax="http://schemas.microsoft.com/office/2006/activeX" xmlns:r="http://schemas.openxmlformats.org/officeDocument/2006/relationships" ax:classid="{5512D118-5CC6-11CF-8D67-00AA00BDCE1D}" ax:persistence="persistStream" r:id="rId1"/>
+</file>
+
+<file path=ppt/activeX/activeX5.xml><?xml version="1.0" encoding="utf-8"?>
+<ax:ocx xmlns:ax="http://schemas.microsoft.com/office/2006/activeX" xmlns:r="http://schemas.openxmlformats.org/officeDocument/2006/relationships" ax:classid="{5512D11A-5CC6-11CF-8D67-00AA00BDCE1D}" ax:persistence="persistStream" r:id="rId1"/>
+</file>
+
+<file path=ppt/activeX/activeX6.xml><?xml version="1.0" encoding="utf-8"?>
+<ax:ocx xmlns:ax="http://schemas.microsoft.com/office/2006/activeX" xmlns:r="http://schemas.openxmlformats.org/officeDocument/2006/relationships" ax:classid="{5512D118-5CC6-11CF-8D67-00AA00BDCE1D}" ax:persistence="persistStream" r:id="rId1"/>
+</file>
+
+<file path=ppt/activeX/activeX7.xml><?xml version="1.0" encoding="utf-8"?>
+<ax:ocx xmlns:ax="http://schemas.microsoft.com/office/2006/activeX" xmlns:r="http://schemas.openxmlformats.org/officeDocument/2006/relationships" ax:classid="{5512D118-5CC6-11CF-8D67-00AA00BDCE1D}" ax:persistence="persistStream" r:id="rId1"/>
+</file>
+
+<file path=ppt/activeX/activeX8.xml><?xml version="1.0" encoding="utf-8"?>
+<ax:ocx xmlns:ax="http://schemas.microsoft.com/office/2006/activeX" xmlns:r="http://schemas.openxmlformats.org/officeDocument/2006/relationships" ax:classid="{5512D118-5CC6-11CF-8D67-00AA00BDCE1D}" ax:persistence="persistStream" r:id="rId1"/>
+</file>
+
 <file path=ppt/notesMasters/notesMaster1.xml><?xml version="1.0" encoding="utf-8"?>
 <p:notesMaster xmlns:a="http://schemas.openxmlformats.org/drawingml/2006/main" xmlns:r="http://schemas.openxmlformats.org/officeDocument/2006/relationships" xmlns:p="http://schemas.openxmlformats.org/presentationml/2006/main">
   <p:cSld>
@@ -203,7 +239,7 @@
             <a:fld id="{1EA83EF2-A169-4E4F-98E7-BC0C18C6E0BC}" type="datetimeFigureOut">
               <a:rPr lang="en-US" smtClean="0"/>
               <a:pPr/>
-              <a:t>11/11/2010</a:t>
+              <a:t>11/22/2010</a:t>
             </a:fld>
             <a:endParaRPr lang="en-US"/>
           </a:p>
@@ -701,7 +737,171 @@
             <a:fld id="{34E90A96-98B3-485F-8E60-DFD00D9A8BC7}" type="slidenum">
               <a:rPr lang="en-US" smtClean="0"/>
               <a:pPr/>
-              <a:t>11</a:t>
+              <a:t>12</a:t>
+            </a:fld>
+            <a:endParaRPr lang="en-US"/>
+          </a:p>
+        </p:txBody>
+      </p:sp>
+    </p:spTree>
+  </p:cSld>
+  <p:clrMapOvr>
+    <a:masterClrMapping/>
+  </p:clrMapOvr>
+</p:notes>
+</file>
+
+<file path=ppt/notesSlides/notesSlide12.xml><?xml version="1.0" encoding="utf-8"?>
+<p:notes xmlns:a="http://schemas.openxmlformats.org/drawingml/2006/main" xmlns:r="http://schemas.openxmlformats.org/officeDocument/2006/relationships" xmlns:p="http://schemas.openxmlformats.org/presentationml/2006/main">
+  <p:cSld>
+    <p:spTree>
+      <p:nvGrpSpPr>
+        <p:cNvPr id="1" name=""/>
+        <p:cNvGrpSpPr/>
+        <p:nvPr/>
+      </p:nvGrpSpPr>
+      <p:grpSpPr>
+        <a:xfrm>
+          <a:off x="0" y="0"/>
+          <a:ext cx="0" cy="0"/>
+          <a:chOff x="0" y="0"/>
+          <a:chExt cx="0" cy="0"/>
+        </a:xfrm>
+      </p:grpSpPr>
+      <p:sp>
+        <p:nvSpPr>
+          <p:cNvPr id="2" name="Slide Image Placeholder 1"/>
+          <p:cNvSpPr>
+            <a:spLocks noGrp="1" noRot="1" noChangeAspect="1"/>
+          </p:cNvSpPr>
+          <p:nvPr>
+            <p:ph type="sldImg"/>
+          </p:nvPr>
+        </p:nvSpPr>
+        <p:spPr/>
+      </p:sp>
+      <p:sp>
+        <p:nvSpPr>
+          <p:cNvPr id="3" name="Notes Placeholder 2"/>
+          <p:cNvSpPr>
+            <a:spLocks noGrp="1"/>
+          </p:cNvSpPr>
+          <p:nvPr>
+            <p:ph type="body" idx="1"/>
+          </p:nvPr>
+        </p:nvSpPr>
+        <p:spPr/>
+        <p:txBody>
+          <a:bodyPr>
+            <a:normAutofit/>
+          </a:bodyPr>
+          <a:lstStyle/>
+          <a:p>
+            <a:endParaRPr lang="en-US"/>
+          </a:p>
+        </p:txBody>
+      </p:sp>
+      <p:sp>
+        <p:nvSpPr>
+          <p:cNvPr id="4" name="Slide Number Placeholder 3"/>
+          <p:cNvSpPr>
+            <a:spLocks noGrp="1"/>
+          </p:cNvSpPr>
+          <p:nvPr>
+            <p:ph type="sldNum" sz="quarter" idx="10"/>
+          </p:nvPr>
+        </p:nvSpPr>
+        <p:spPr/>
+        <p:txBody>
+          <a:bodyPr/>
+          <a:lstStyle/>
+          <a:p>
+            <a:fld id="{34E90A96-98B3-485F-8E60-DFD00D9A8BC7}" type="slidenum">
+              <a:rPr lang="en-US" smtClean="0"/>
+              <a:pPr/>
+              <a:t>14</a:t>
+            </a:fld>
+            <a:endParaRPr lang="en-US"/>
+          </a:p>
+        </p:txBody>
+      </p:sp>
+    </p:spTree>
+  </p:cSld>
+  <p:clrMapOvr>
+    <a:masterClrMapping/>
+  </p:clrMapOvr>
+</p:notes>
+</file>
+
+<file path=ppt/notesSlides/notesSlide13.xml><?xml version="1.0" encoding="utf-8"?>
+<p:notes xmlns:a="http://schemas.openxmlformats.org/drawingml/2006/main" xmlns:r="http://schemas.openxmlformats.org/officeDocument/2006/relationships" xmlns:p="http://schemas.openxmlformats.org/presentationml/2006/main">
+  <p:cSld>
+    <p:spTree>
+      <p:nvGrpSpPr>
+        <p:cNvPr id="1" name=""/>
+        <p:cNvGrpSpPr/>
+        <p:nvPr/>
+      </p:nvGrpSpPr>
+      <p:grpSpPr>
+        <a:xfrm>
+          <a:off x="0" y="0"/>
+          <a:ext cx="0" cy="0"/>
+          <a:chOff x="0" y="0"/>
+          <a:chExt cx="0" cy="0"/>
+        </a:xfrm>
+      </p:grpSpPr>
+      <p:sp>
+        <p:nvSpPr>
+          <p:cNvPr id="2" name="Slide Image Placeholder 1"/>
+          <p:cNvSpPr>
+            <a:spLocks noGrp="1" noRot="1" noChangeAspect="1"/>
+          </p:cNvSpPr>
+          <p:nvPr>
+            <p:ph type="sldImg"/>
+          </p:nvPr>
+        </p:nvSpPr>
+        <p:spPr/>
+      </p:sp>
+      <p:sp>
+        <p:nvSpPr>
+          <p:cNvPr id="3" name="Notes Placeholder 2"/>
+          <p:cNvSpPr>
+            <a:spLocks noGrp="1"/>
+          </p:cNvSpPr>
+          <p:nvPr>
+            <p:ph type="body" idx="1"/>
+          </p:nvPr>
+        </p:nvSpPr>
+        <p:spPr/>
+        <p:txBody>
+          <a:bodyPr>
+            <a:normAutofit/>
+          </a:bodyPr>
+          <a:lstStyle/>
+          <a:p>
+            <a:endParaRPr lang="en-US"/>
+          </a:p>
+        </p:txBody>
+      </p:sp>
+      <p:sp>
+        <p:nvSpPr>
+          <p:cNvPr id="4" name="Slide Number Placeholder 3"/>
+          <p:cNvSpPr>
+            <a:spLocks noGrp="1"/>
+          </p:cNvSpPr>
+          <p:nvPr>
+            <p:ph type="sldNum" sz="quarter" idx="10"/>
+          </p:nvPr>
+        </p:nvSpPr>
+        <p:spPr/>
+        <p:txBody>
+          <a:bodyPr/>
+          <a:lstStyle/>
+          <a:p>
+            <a:fld id="{34E90A96-98B3-485F-8E60-DFD00D9A8BC7}" type="slidenum">
+              <a:rPr lang="en-US" smtClean="0"/>
+              <a:pPr/>
+              <a:t>15</a:t>
             </a:fld>
             <a:endParaRPr lang="en-US"/>
           </a:p>
@@ -1552,7 +1752,8 @@
           <a:p>
             <a:fld id="{2E1473E9-663A-461C-BE59-D2D739A251D6}" type="datetime1">
               <a:rPr lang="en-US" smtClean="0"/>
-              <a:t>11/11/2010</a:t>
+              <a:pPr/>
+              <a:t>11/22/2010</a:t>
             </a:fld>
             <a:endParaRPr lang="en-US"/>
           </a:p>
@@ -1718,7 +1919,8 @@
           <a:p>
             <a:fld id="{06D32F85-50B9-49C6-90F2-EE368E42BE70}" type="datetime1">
               <a:rPr lang="en-US" smtClean="0"/>
-              <a:t>11/11/2010</a:t>
+              <a:pPr/>
+              <a:t>11/22/2010</a:t>
             </a:fld>
             <a:endParaRPr lang="en-US"/>
           </a:p>
@@ -1894,7 +2096,8 @@
           <a:p>
             <a:fld id="{79EC5A26-5247-4F19-8552-DABE94A49FA3}" type="datetime1">
               <a:rPr lang="en-US" smtClean="0"/>
-              <a:t>11/11/2010</a:t>
+              <a:pPr/>
+              <a:t>11/22/2010</a:t>
             </a:fld>
             <a:endParaRPr lang="en-US"/>
           </a:p>
@@ -2060,7 +2263,8 @@
           <a:p>
             <a:fld id="{471C6517-EA4C-498F-A2FE-D9E8C8504AB9}" type="datetime1">
               <a:rPr lang="en-US" smtClean="0"/>
-              <a:t>11/11/2010</a:t>
+              <a:pPr/>
+              <a:t>11/22/2010</a:t>
             </a:fld>
             <a:endParaRPr lang="en-US"/>
           </a:p>
@@ -2302,7 +2506,8 @@
           <a:p>
             <a:fld id="{EE3E2F3E-F3D6-423C-B2FA-DC3BC45FCD6F}" type="datetime1">
               <a:rPr lang="en-US" smtClean="0"/>
-              <a:t>11/11/2010</a:t>
+              <a:pPr/>
+              <a:t>11/22/2010</a:t>
             </a:fld>
             <a:endParaRPr lang="en-US"/>
           </a:p>
@@ -2586,7 +2791,8 @@
           <a:p>
             <a:fld id="{6B4F9612-EB05-4A3D-8A8B-18A59A4BCB74}" type="datetime1">
               <a:rPr lang="en-US" smtClean="0"/>
-              <a:t>11/11/2010</a:t>
+              <a:pPr/>
+              <a:t>11/22/2010</a:t>
             </a:fld>
             <a:endParaRPr lang="en-US"/>
           </a:p>
@@ -3004,7 +3210,8 @@
           <a:p>
             <a:fld id="{FCA8BD0F-86A3-4D20-860C-A155CF75F8BD}" type="datetime1">
               <a:rPr lang="en-US" smtClean="0"/>
-              <a:t>11/11/2010</a:t>
+              <a:pPr/>
+              <a:t>11/22/2010</a:t>
             </a:fld>
             <a:endParaRPr lang="en-US"/>
           </a:p>
@@ -3118,7 +3325,8 @@
           <a:p>
             <a:fld id="{0FB6D274-0B61-4F2E-AF3B-CDA3852CB025}" type="datetime1">
               <a:rPr lang="en-US" smtClean="0"/>
-              <a:t>11/11/2010</a:t>
+              <a:pPr/>
+              <a:t>11/22/2010</a:t>
             </a:fld>
             <a:endParaRPr lang="en-US"/>
           </a:p>
@@ -3209,7 +3417,8 @@
           <a:p>
             <a:fld id="{51355D52-41C1-4825-8D94-E99C0B2A22D9}" type="datetime1">
               <a:rPr lang="en-US" smtClean="0"/>
-              <a:t>11/11/2010</a:t>
+              <a:pPr/>
+              <a:t>11/22/2010</a:t>
             </a:fld>
             <a:endParaRPr lang="en-US"/>
           </a:p>
@@ -3482,7 +3691,8 @@
           <a:p>
             <a:fld id="{7AC9C890-E70A-419F-A072-1E4C8A0C9315}" type="datetime1">
               <a:rPr lang="en-US" smtClean="0"/>
-              <a:t>11/11/2010</a:t>
+              <a:pPr/>
+              <a:t>11/22/2010</a:t>
             </a:fld>
             <a:endParaRPr lang="en-US"/>
           </a:p>
@@ -3731,7 +3941,8 @@
           <a:p>
             <a:fld id="{58519D15-FC20-4D38-B270-2A4DCA6CF962}" type="datetime1">
               <a:rPr lang="en-US" smtClean="0"/>
-              <a:t>11/11/2010</a:t>
+              <a:pPr/>
+              <a:t>11/22/2010</a:t>
             </a:fld>
             <a:endParaRPr lang="en-US"/>
           </a:p>
@@ -3940,7 +4151,8 @@
           <a:p>
             <a:fld id="{F8078475-78A6-4A1D-AB20-08B67EB52370}" type="datetime1">
               <a:rPr lang="en-US" smtClean="0"/>
-              <a:t>11/11/2010</a:t>
+              <a:pPr/>
+              <a:t>11/22/2010</a:t>
             </a:fld>
             <a:endParaRPr lang="en-US"/>
           </a:p>
@@ -4352,7 +4564,7 @@
             <a:pPr algn="ctr"/>
             <a:r>
               <a:rPr lang="en-US" sz="1000" dirty="0" smtClean="0"/>
-              <a:t>2. Login</a:t>
+              <a:t> Login</a:t>
             </a:r>
             <a:endParaRPr lang="en-US" sz="1000" dirty="0"/>
           </a:p>
@@ -4398,7 +4610,7 @@
             <a:pPr algn="ctr"/>
             <a:r>
               <a:rPr lang="en-US" sz="1000" dirty="0" smtClean="0"/>
-              <a:t>3. Home</a:t>
+              <a:t>Home</a:t>
             </a:r>
             <a:endParaRPr lang="en-US" sz="1000" dirty="0"/>
           </a:p>
@@ -4444,13 +4656,15 @@
       </p:cxnSp>
       <p:sp>
         <p:nvSpPr>
-          <p:cNvPr id="25" name="Rounded Rectangle 24"/>
+          <p:cNvPr id="25" name="Rounded Rectangle 24">
+            <a:hlinkClick r:id="rId5" action="ppaction://hlinksldjump"/>
+          </p:cNvPr>
           <p:cNvSpPr/>
           <p:nvPr/>
         </p:nvSpPr>
         <p:spPr>
           <a:xfrm>
-            <a:off x="7696200" y="3657600"/>
+            <a:off x="7239000" y="4495800"/>
             <a:ext cx="838200" cy="457200"/>
           </a:xfrm>
           <a:prstGeom prst="roundRect">
@@ -4480,7 +4694,7 @@
             <a:pPr algn="ctr"/>
             <a:r>
               <a:rPr lang="en-US" sz="1000" dirty="0" smtClean="0"/>
-              <a:t>6. Manage Cash</a:t>
+              <a:t> Manage Cash</a:t>
             </a:r>
             <a:endParaRPr lang="en-US" sz="1000" dirty="0"/>
           </a:p>
@@ -4524,7 +4738,7 @@
             <a:pPr algn="ctr"/>
             <a:r>
               <a:rPr lang="en-US" sz="1000" dirty="0" smtClean="0"/>
-              <a:t>8. Add Portfolio</a:t>
+              <a:t> Add Portfolio</a:t>
             </a:r>
           </a:p>
         </p:txBody>
@@ -4532,7 +4746,7 @@
       <p:sp>
         <p:nvSpPr>
           <p:cNvPr id="27" name="Rounded Rectangle 26">
-            <a:hlinkClick r:id="rId5" action="ppaction://hlinksldjump"/>
+            <a:hlinkClick r:id="rId6" action="ppaction://hlinksldjump"/>
           </p:cNvPr>
           <p:cNvSpPr/>
           <p:nvPr/>
@@ -4569,136 +4783,7 @@
             <a:pPr algn="ctr"/>
             <a:r>
               <a:rPr lang="en-US" sz="1000" dirty="0" smtClean="0"/>
-              <a:t>5. Portfolio Summary</a:t>
-            </a:r>
-            <a:endParaRPr lang="en-US" sz="1000" dirty="0"/>
-          </a:p>
-        </p:txBody>
-      </p:sp>
-      <p:sp>
-        <p:nvSpPr>
-          <p:cNvPr id="35" name="Rounded Rectangle 34"/>
-          <p:cNvSpPr/>
-          <p:nvPr/>
-        </p:nvSpPr>
-        <p:spPr>
-          <a:xfrm>
-            <a:off x="1143000" y="3048000"/>
-            <a:ext cx="914400" cy="457200"/>
-          </a:xfrm>
-          <a:prstGeom prst="roundRect">
-            <a:avLst/>
-          </a:prstGeom>
-        </p:spPr>
-        <p:style>
-          <a:lnRef idx="2">
-            <a:schemeClr val="accent1">
-              <a:shade val="50000"/>
-            </a:schemeClr>
-          </a:lnRef>
-          <a:fillRef idx="1">
-            <a:schemeClr val="accent1"/>
-          </a:fillRef>
-          <a:effectRef idx="0">
-            <a:schemeClr val="accent1"/>
-          </a:effectRef>
-          <a:fontRef idx="minor">
-            <a:schemeClr val="lt1"/>
-          </a:fontRef>
-        </p:style>
-        <p:txBody>
-          <a:bodyPr rtlCol="0" anchor="ctr"/>
-          <a:lstStyle/>
-          <a:p>
-            <a:pPr algn="ctr"/>
-            <a:r>
-              <a:rPr lang="en-US" sz="1000" dirty="0" smtClean="0"/>
-              <a:t>9. Search for New Stocks</a:t>
-            </a:r>
-          </a:p>
-        </p:txBody>
-      </p:sp>
-      <p:cxnSp>
-        <p:nvCxnSpPr>
-          <p:cNvPr id="37" name="Elbow Connector 36"/>
-          <p:cNvCxnSpPr>
-            <a:stCxn id="26" idx="2"/>
-            <a:endCxn id="35" idx="0"/>
-          </p:cNvCxnSpPr>
-          <p:nvPr/>
-        </p:nvCxnSpPr>
-        <p:spPr>
-          <a:xfrm rot="5400000">
-            <a:off x="1409700" y="2857500"/>
-            <a:ext cx="381000" cy="1588"/>
-          </a:xfrm>
-          <a:prstGeom prst="bentConnector3">
-            <a:avLst>
-              <a:gd name="adj1" fmla="val 50000"/>
-            </a:avLst>
-          </a:prstGeom>
-          <a:ln>
-            <a:tailEnd type="arrow"/>
-          </a:ln>
-        </p:spPr>
-        <p:style>
-          <a:lnRef idx="1">
-            <a:schemeClr val="accent1"/>
-          </a:lnRef>
-          <a:fillRef idx="0">
-            <a:schemeClr val="accent1"/>
-          </a:fillRef>
-          <a:effectRef idx="0">
-            <a:schemeClr val="accent1"/>
-          </a:effectRef>
-          <a:fontRef idx="minor">
-            <a:schemeClr val="tx1"/>
-          </a:fontRef>
-        </p:style>
-      </p:cxnSp>
-      <p:sp>
-        <p:nvSpPr>
-          <p:cNvPr id="83" name="Rounded Rectangle 82"/>
-          <p:cNvSpPr/>
-          <p:nvPr/>
-        </p:nvSpPr>
-        <p:spPr>
-          <a:xfrm>
-            <a:off x="7696200" y="4343400"/>
-            <a:ext cx="838200" cy="457200"/>
-          </a:xfrm>
-          <a:prstGeom prst="roundRect">
-            <a:avLst/>
-          </a:prstGeom>
-        </p:spPr>
-        <p:style>
-          <a:lnRef idx="2">
-            <a:schemeClr val="accent1">
-              <a:shade val="50000"/>
-            </a:schemeClr>
-          </a:lnRef>
-          <a:fillRef idx="1">
-            <a:schemeClr val="accent1"/>
-          </a:fillRef>
-          <a:effectRef idx="0">
-            <a:schemeClr val="accent1"/>
-          </a:effectRef>
-          <a:fontRef idx="minor">
-            <a:schemeClr val="lt1"/>
-          </a:fontRef>
-        </p:style>
-        <p:txBody>
-          <a:bodyPr rtlCol="0" anchor="ctr"/>
-          <a:lstStyle/>
-          <a:p>
-            <a:pPr algn="ctr"/>
-            <a:r>
-              <a:rPr lang="en-US" sz="1000" dirty="0" smtClean="0"/>
-              <a:t>7. </a:t>
-            </a:r>
-            <a:r>
-              <a:rPr lang="en-US" sz="1000" dirty="0" err="1" smtClean="0"/>
-              <a:t>Confim</a:t>
+              <a:t>Portfolio Summary</a:t>
             </a:r>
             <a:endParaRPr lang="en-US" sz="1000" dirty="0"/>
           </a:p>
@@ -4744,13 +4829,15 @@
       </p:cxnSp>
       <p:sp>
         <p:nvSpPr>
-          <p:cNvPr id="120" name="Rounded Rectangle 119"/>
+          <p:cNvPr id="120" name="Rounded Rectangle 119">
+            <a:hlinkClick r:id="rId7" action="ppaction://hlinksldjump"/>
+          </p:cNvPr>
           <p:cNvSpPr/>
           <p:nvPr/>
         </p:nvSpPr>
         <p:spPr>
           <a:xfrm>
-            <a:off x="2667000" y="5334000"/>
+            <a:off x="2743200" y="5334000"/>
             <a:ext cx="762000" cy="457200"/>
           </a:xfrm>
           <a:prstGeom prst="roundRect">
@@ -4780,14 +4867,25 @@
             <a:pPr algn="ctr"/>
             <a:r>
               <a:rPr lang="en-US" sz="1000" dirty="0" smtClean="0"/>
-              <a:t>10. Buy Selected Stocks</a:t>
-            </a:r>
-          </a:p>
-        </p:txBody>
-      </p:sp>
-      <p:sp>
-        <p:nvSpPr>
-          <p:cNvPr id="121" name="Rounded Rectangle 120"/>
+              <a:t> Buy </a:t>
+            </a:r>
+            <a:r>
+              <a:rPr lang="en-US" sz="1000" dirty="0" smtClean="0"/>
+              <a:t>a</a:t>
+            </a:r>
+            <a:r>
+              <a:rPr lang="en-US" sz="1000" dirty="0" smtClean="0"/>
+              <a:t> Stock</a:t>
+            </a:r>
+            <a:endParaRPr lang="en-US" sz="1000" dirty="0" smtClean="0"/>
+          </a:p>
+        </p:txBody>
+      </p:sp>
+      <p:sp>
+        <p:nvSpPr>
+          <p:cNvPr id="121" name="Rounded Rectangle 120">
+            <a:hlinkClick r:id="rId8" action="ppaction://hlinksldjump"/>
+          </p:cNvPr>
           <p:cNvSpPr/>
           <p:nvPr/>
         </p:nvSpPr>
@@ -4823,7 +4921,7 @@
             <a:pPr algn="ctr"/>
             <a:r>
               <a:rPr lang="en-US" sz="1000" dirty="0" smtClean="0"/>
-              <a:t>11. Sell</a:t>
+              <a:t>Sell</a:t>
             </a:r>
           </a:p>
           <a:p>
@@ -4837,14 +4935,16 @@
       </p:sp>
       <p:sp>
         <p:nvSpPr>
-          <p:cNvPr id="123" name="Rounded Rectangle 122"/>
+          <p:cNvPr id="123" name="Rounded Rectangle 122">
+            <a:hlinkClick r:id="rId9" action="ppaction://hlinksldjump"/>
+          </p:cNvPr>
           <p:cNvSpPr/>
           <p:nvPr/>
         </p:nvSpPr>
         <p:spPr>
           <a:xfrm>
-            <a:off x="7315200" y="1981200"/>
-            <a:ext cx="762000" cy="457200"/>
+            <a:off x="7315200" y="1905000"/>
+            <a:ext cx="1143000" cy="762000"/>
           </a:xfrm>
           <a:prstGeom prst="roundRect">
             <a:avLst/>
@@ -4873,90 +4973,18 @@
             <a:pPr algn="ctr"/>
             <a:r>
               <a:rPr lang="en-US" sz="1000" dirty="0" smtClean="0"/>
-              <a:t>14. A/P</a:t>
+              <a:t>Analysis</a:t>
             </a:r>
           </a:p>
           <a:p>
             <a:pPr algn="ctr"/>
             <a:r>
               <a:rPr lang="en-US" sz="1000" dirty="0" smtClean="0"/>
-              <a:t>Stocks</a:t>
-            </a:r>
-          </a:p>
-        </p:txBody>
-      </p:sp>
-      <p:cxnSp>
-        <p:nvCxnSpPr>
-          <p:cNvPr id="139" name="Straight Arrow Connector 138"/>
-          <p:cNvCxnSpPr>
-            <a:stCxn id="27" idx="2"/>
-            <a:endCxn id="35" idx="0"/>
-          </p:cNvCxnSpPr>
-          <p:nvPr/>
-        </p:nvCxnSpPr>
-        <p:spPr>
-          <a:xfrm rot="5400000">
-            <a:off x="2705100" y="1562100"/>
-            <a:ext cx="381000" cy="2590800"/>
-          </a:xfrm>
-          <a:prstGeom prst="straightConnector1">
-            <a:avLst/>
-          </a:prstGeom>
-          <a:ln>
-            <a:tailEnd type="arrow"/>
-          </a:ln>
-        </p:spPr>
-        <p:style>
-          <a:lnRef idx="1">
-            <a:schemeClr val="accent1"/>
-          </a:lnRef>
-          <a:fillRef idx="0">
-            <a:schemeClr val="accent1"/>
-          </a:fillRef>
-          <a:effectRef idx="0">
-            <a:schemeClr val="accent1"/>
-          </a:effectRef>
-          <a:fontRef idx="minor">
-            <a:schemeClr val="tx1"/>
-          </a:fontRef>
-        </p:style>
-      </p:cxnSp>
-      <p:cxnSp>
-        <p:nvCxnSpPr>
-          <p:cNvPr id="141" name="Straight Arrow Connector 140"/>
-          <p:cNvCxnSpPr>
-            <a:stCxn id="27" idx="2"/>
-            <a:endCxn id="25" idx="0"/>
-          </p:cNvCxnSpPr>
-          <p:nvPr/>
-        </p:nvCxnSpPr>
-        <p:spPr>
-          <a:xfrm rot="16200000" flipH="1">
-            <a:off x="5657850" y="1200150"/>
-            <a:ext cx="990600" cy="3924300"/>
-          </a:xfrm>
-          <a:prstGeom prst="straightConnector1">
-            <a:avLst/>
-          </a:prstGeom>
-          <a:ln>
-            <a:tailEnd type="arrow"/>
-          </a:ln>
-        </p:spPr>
-        <p:style>
-          <a:lnRef idx="1">
-            <a:schemeClr val="accent1"/>
-          </a:lnRef>
-          <a:fillRef idx="0">
-            <a:schemeClr val="accent1"/>
-          </a:fillRef>
-          <a:effectRef idx="0">
-            <a:schemeClr val="accent1"/>
-          </a:effectRef>
-          <a:fontRef idx="minor">
-            <a:schemeClr val="tx1"/>
-          </a:fontRef>
-        </p:style>
-      </p:cxnSp>
+              <a:t>portfolios/Stocks</a:t>
+            </a:r>
+          </a:p>
+        </p:txBody>
+      </p:sp>
       <p:cxnSp>
         <p:nvCxnSpPr>
           <p:cNvPr id="154" name="Straight Arrow Connector 153"/>
@@ -4997,60 +5025,19 @@
         <p:nvCxnSpPr>
           <p:cNvPr id="184" name="Straight Arrow Connector 183"/>
           <p:cNvCxnSpPr>
-            <a:stCxn id="35" idx="2"/>
-            <a:endCxn id="120" idx="1"/>
+            <a:stCxn id="26" idx="2"/>
           </p:cNvCxnSpPr>
           <p:nvPr/>
         </p:nvCxnSpPr>
         <p:spPr>
           <a:xfrm rot="16200000" flipH="1">
-            <a:off x="1104900" y="4000500"/>
-            <a:ext cx="2057400" cy="1066800"/>
+            <a:off x="800100" y="3467100"/>
+            <a:ext cx="2743200" cy="1143000"/>
           </a:xfrm>
           <a:prstGeom prst="straightConnector1">
             <a:avLst/>
           </a:prstGeom>
           <a:ln>
-            <a:tailEnd type="arrow"/>
-          </a:ln>
-        </p:spPr>
-        <p:style>
-          <a:lnRef idx="1">
-            <a:schemeClr val="accent1"/>
-          </a:lnRef>
-          <a:fillRef idx="0">
-            <a:schemeClr val="accent1"/>
-          </a:fillRef>
-          <a:effectRef idx="0">
-            <a:schemeClr val="accent1"/>
-          </a:effectRef>
-          <a:fontRef idx="minor">
-            <a:schemeClr val="tx1"/>
-          </a:fontRef>
-        </p:style>
-      </p:cxnSp>
-      <p:cxnSp>
-        <p:nvCxnSpPr>
-          <p:cNvPr id="232" name="Straight Arrow Connector 231"/>
-          <p:cNvCxnSpPr>
-            <a:stCxn id="25" idx="2"/>
-            <a:endCxn id="83" idx="0"/>
-          </p:cNvCxnSpPr>
-          <p:nvPr/>
-        </p:nvCxnSpPr>
-        <p:spPr>
-          <a:xfrm rot="5400000">
-            <a:off x="8001000" y="4229100"/>
-            <a:ext cx="228600" cy="1588"/>
-          </a:xfrm>
-          <a:prstGeom prst="straightConnector1">
-            <a:avLst/>
-          </a:prstGeom>
-          <a:ln>
-            <a:solidFill>
-              <a:schemeClr val="accent3"/>
-            </a:solidFill>
-            <a:headEnd type="arrow"/>
             <a:tailEnd type="arrow"/>
           </a:ln>
         </p:spPr>
@@ -5080,8 +5067,8 @@
         </p:nvCxnSpPr>
         <p:spPr>
           <a:xfrm rot="5400000" flipH="1" flipV="1">
-            <a:off x="2286000" y="3429000"/>
-            <a:ext cx="2667000" cy="1143000"/>
+            <a:off x="2324100" y="3467100"/>
+            <a:ext cx="2667000" cy="1066800"/>
           </a:xfrm>
           <a:prstGeom prst="straightConnector1">
             <a:avLst/>
@@ -5153,15 +5140,14 @@
         <p:nvCxnSpPr>
           <p:cNvPr id="365" name="Straight Arrow Connector 364"/>
           <p:cNvCxnSpPr>
-            <a:stCxn id="123" idx="0"/>
-            <a:endCxn id="27" idx="2"/>
+            <a:stCxn id="123" idx="1"/>
           </p:cNvCxnSpPr>
           <p:nvPr/>
         </p:nvCxnSpPr>
         <p:spPr>
-          <a:xfrm rot="16200000" flipH="1" flipV="1">
-            <a:off x="5600700" y="571500"/>
-            <a:ext cx="685800" cy="3505200"/>
+          <a:xfrm rot="10800000" flipV="1">
+            <a:off x="4724400" y="2286000"/>
+            <a:ext cx="2590800" cy="152400"/>
           </a:xfrm>
           <a:prstGeom prst="straightConnector1">
             <a:avLst/>
@@ -5229,22 +5215,91 @@
           </a:fontRef>
         </p:style>
       </p:cxnSp>
+      <p:sp>
+        <p:nvSpPr>
+          <p:cNvPr id="28" name="Slide Number Placeholder 27"/>
+          <p:cNvSpPr>
+            <a:spLocks noGrp="1"/>
+          </p:cNvSpPr>
+          <p:nvPr>
+            <p:ph type="sldNum" sz="quarter" idx="12"/>
+          </p:nvPr>
+        </p:nvSpPr>
+        <p:spPr/>
+        <p:txBody>
+          <a:bodyPr/>
+          <a:lstStyle/>
+          <a:p>
+            <a:fld id="{B0478B60-1448-486C-BA6D-779A9B0B0C87}" type="slidenum">
+              <a:rPr lang="en-US" smtClean="0"/>
+              <a:pPr/>
+              <a:t>1</a:t>
+            </a:fld>
+            <a:endParaRPr lang="en-US"/>
+          </a:p>
+        </p:txBody>
+      </p:sp>
+      <p:sp>
+        <p:nvSpPr>
+          <p:cNvPr id="29" name="Rounded Rectangle 28">
+            <a:hlinkClick r:id="rId10" action="ppaction://hlinksldjump"/>
+          </p:cNvPr>
+          <p:cNvSpPr/>
+          <p:nvPr/>
+        </p:nvSpPr>
+        <p:spPr>
+          <a:xfrm>
+            <a:off x="2286000" y="304800"/>
+            <a:ext cx="990600" cy="457200"/>
+          </a:xfrm>
+          <a:prstGeom prst="roundRect">
+            <a:avLst/>
+          </a:prstGeom>
+        </p:spPr>
+        <p:style>
+          <a:lnRef idx="2">
+            <a:schemeClr val="accent1">
+              <a:shade val="50000"/>
+            </a:schemeClr>
+          </a:lnRef>
+          <a:fillRef idx="1">
+            <a:schemeClr val="accent1"/>
+          </a:fillRef>
+          <a:effectRef idx="0">
+            <a:schemeClr val="accent1"/>
+          </a:effectRef>
+          <a:fontRef idx="minor">
+            <a:schemeClr val="lt1"/>
+          </a:fontRef>
+        </p:style>
+        <p:txBody>
+          <a:bodyPr rtlCol="0" anchor="ctr"/>
+          <a:lstStyle/>
+          <a:p>
+            <a:pPr algn="ctr"/>
+            <a:r>
+              <a:rPr lang="en-US" sz="1000" dirty="0" smtClean="0"/>
+              <a:t>Register</a:t>
+            </a:r>
+            <a:endParaRPr lang="en-US" sz="1000" dirty="0"/>
+          </a:p>
+        </p:txBody>
+      </p:sp>
       <p:cxnSp>
         <p:nvCxnSpPr>
-          <p:cNvPr id="403" name="Straight Arrow Connector 402"/>
-          <p:cNvCxnSpPr>
-            <a:stCxn id="83" idx="1"/>
-            <a:endCxn id="27" idx="2"/>
-          </p:cNvCxnSpPr>
+          <p:cNvPr id="30" name="Elbow Connector 29"/>
+          <p:cNvCxnSpPr/>
           <p:nvPr/>
         </p:nvCxnSpPr>
         <p:spPr>
-          <a:xfrm rot="10800000">
-            <a:off x="4191000" y="2667000"/>
-            <a:ext cx="3505200" cy="1905000"/>
-          </a:xfrm>
-          <a:prstGeom prst="straightConnector1">
-            <a:avLst/>
+          <a:xfrm>
+            <a:off x="3278188" y="533400"/>
+            <a:ext cx="531812" cy="1588"/>
+          </a:xfrm>
+          <a:prstGeom prst="bentConnector3">
+            <a:avLst>
+              <a:gd name="adj1" fmla="val 88973"/>
+            </a:avLst>
           </a:prstGeom>
           <a:ln>
             <a:tailEnd type="arrow"/>
@@ -5265,30 +5320,136 @@
           </a:fontRef>
         </p:style>
       </p:cxnSp>
-      <p:sp>
-        <p:nvSpPr>
-          <p:cNvPr id="28" name="Slide Number Placeholder 27"/>
-          <p:cNvSpPr>
-            <a:spLocks noGrp="1"/>
-          </p:cNvSpPr>
-          <p:nvPr>
-            <p:ph type="sldNum" sz="quarter" idx="12"/>
-          </p:nvPr>
-        </p:nvSpPr>
-        <p:spPr/>
-        <p:txBody>
-          <a:bodyPr/>
-          <a:lstStyle/>
-          <a:p>
-            <a:fld id="{B0478B60-1448-486C-BA6D-779A9B0B0C87}" type="slidenum">
-              <a:rPr lang="en-US" smtClean="0"/>
-              <a:pPr/>
-              <a:t>1</a:t>
-            </a:fld>
-            <a:endParaRPr lang="en-US"/>
-          </a:p>
-        </p:txBody>
-      </p:sp>
+      <p:cxnSp>
+        <p:nvCxnSpPr>
+          <p:cNvPr id="36" name="Straight Arrow Connector 35"/>
+          <p:cNvCxnSpPr>
+            <a:stCxn id="25" idx="1"/>
+          </p:cNvCxnSpPr>
+          <p:nvPr/>
+        </p:nvCxnSpPr>
+        <p:spPr>
+          <a:xfrm rot="10800000">
+            <a:off x="4495800" y="2667000"/>
+            <a:ext cx="2743200" cy="2057400"/>
+          </a:xfrm>
+          <a:prstGeom prst="straightConnector1">
+            <a:avLst/>
+          </a:prstGeom>
+          <a:ln>
+            <a:solidFill>
+              <a:schemeClr val="accent3"/>
+            </a:solidFill>
+            <a:headEnd type="arrow"/>
+            <a:tailEnd type="arrow"/>
+          </a:ln>
+        </p:spPr>
+        <p:style>
+          <a:lnRef idx="1">
+            <a:schemeClr val="accent1"/>
+          </a:lnRef>
+          <a:fillRef idx="0">
+            <a:schemeClr val="accent1"/>
+          </a:fillRef>
+          <a:effectRef idx="0">
+            <a:schemeClr val="accent1"/>
+          </a:effectRef>
+          <a:fontRef idx="minor">
+            <a:schemeClr val="tx1"/>
+          </a:fontRef>
+        </p:style>
+      </p:cxnSp>
+      <p:sp>
+        <p:nvSpPr>
+          <p:cNvPr id="45" name="Rounded Rectangle 44">
+            <a:hlinkClick r:id="rId11" action="ppaction://hlinksldjump"/>
+          </p:cNvPr>
+          <p:cNvSpPr/>
+          <p:nvPr/>
+        </p:nvSpPr>
+        <p:spPr>
+          <a:xfrm>
+            <a:off x="7162800" y="2971800"/>
+            <a:ext cx="1143000" cy="762000"/>
+          </a:xfrm>
+          <a:prstGeom prst="roundRect">
+            <a:avLst/>
+          </a:prstGeom>
+        </p:spPr>
+        <p:style>
+          <a:lnRef idx="2">
+            <a:schemeClr val="accent1">
+              <a:shade val="50000"/>
+            </a:schemeClr>
+          </a:lnRef>
+          <a:fillRef idx="1">
+            <a:schemeClr val="accent1"/>
+          </a:fillRef>
+          <a:effectRef idx="0">
+            <a:schemeClr val="accent1"/>
+          </a:effectRef>
+          <a:fontRef idx="minor">
+            <a:schemeClr val="lt1"/>
+          </a:fontRef>
+        </p:style>
+        <p:txBody>
+          <a:bodyPr rtlCol="0" anchor="ctr"/>
+          <a:lstStyle/>
+          <a:p>
+            <a:pPr algn="ctr"/>
+            <a:r>
+              <a:rPr lang="en-US" sz="1000" dirty="0" smtClean="0"/>
+              <a:t>Stock</a:t>
+            </a:r>
+          </a:p>
+          <a:p>
+            <a:pPr algn="ctr"/>
+            <a:r>
+              <a:rPr lang="en-US" sz="1000" dirty="0" smtClean="0"/>
+              <a:t>Prediction</a:t>
+            </a:r>
+          </a:p>
+        </p:txBody>
+      </p:sp>
+      <p:cxnSp>
+        <p:nvCxnSpPr>
+          <p:cNvPr id="46" name="Straight Arrow Connector 45"/>
+          <p:cNvCxnSpPr>
+            <a:stCxn id="45" idx="1"/>
+          </p:cNvCxnSpPr>
+          <p:nvPr/>
+        </p:nvCxnSpPr>
+        <p:spPr>
+          <a:xfrm rot="10800000">
+            <a:off x="4648200" y="2590800"/>
+            <a:ext cx="2514600" cy="762000"/>
+          </a:xfrm>
+          <a:prstGeom prst="straightConnector1">
+            <a:avLst/>
+          </a:prstGeom>
+          <a:ln>
+            <a:solidFill>
+              <a:schemeClr val="accent3"/>
+            </a:solidFill>
+            <a:headEnd type="arrow"/>
+            <a:tailEnd type="arrow"/>
+          </a:ln>
+        </p:spPr>
+        <p:style>
+          <a:lnRef idx="1">
+            <a:schemeClr val="accent1"/>
+          </a:lnRef>
+          <a:fillRef idx="0">
+            <a:schemeClr val="accent1"/>
+          </a:fillRef>
+          <a:effectRef idx="0">
+            <a:schemeClr val="accent1"/>
+          </a:effectRef>
+          <a:fontRef idx="minor">
+            <a:schemeClr val="tx1"/>
+          </a:fontRef>
+        </p:style>
+      </p:cxnSp>
     </p:spTree>
   </p:cSld>
   <p:clrMapOvr>
@@ -5338,7 +5499,7 @@
           <a:p>
             <a:r>
               <a:rPr lang="en-US" dirty="0" smtClean="0"/>
-              <a:t>Confirm - Sell Selected Stocks</a:t>
+              <a:t>Confirm Purchase</a:t>
             </a:r>
             <a:endParaRPr lang="en-US" dirty="0"/>
           </a:p>
@@ -5356,79 +5517,42 @@
         </p:nvSpPr>
         <p:spPr>
           <a:xfrm>
-            <a:off x="838200" y="1219200"/>
+            <a:off x="1447800" y="1341437"/>
             <a:ext cx="7162800" cy="4830763"/>
           </a:xfrm>
         </p:spPr>
         <p:txBody>
-          <a:bodyPr/>
-          <a:lstStyle/>
-          <a:p>
-            <a:pPr lvl="1">
-              <a:buNone/>
-            </a:pPr>
-            <a:endParaRPr lang="en-US" dirty="0" smtClean="0"/>
-          </a:p>
-          <a:p>
-            <a:pPr lvl="1">
-              <a:buNone/>
-            </a:pPr>
-            <a:r>
-              <a:rPr lang="en-US" dirty="0" smtClean="0"/>
-              <a:t>Enter Amount:</a:t>
-            </a:r>
-          </a:p>
-          <a:p>
-            <a:pPr lvl="1">
-              <a:buNone/>
-            </a:pPr>
-            <a:r>
-              <a:rPr lang="en-US" dirty="0" smtClean="0"/>
-              <a:t>Enter Date Sold:</a:t>
-            </a:r>
-          </a:p>
-          <a:p>
-            <a:pPr lvl="1">
-              <a:buNone/>
-            </a:pPr>
-            <a:endParaRPr lang="en-US" dirty="0" smtClean="0"/>
-          </a:p>
-          <a:p>
-            <a:pPr lvl="1">
-              <a:buNone/>
-            </a:pPr>
-            <a:r>
-              <a:rPr lang="en-US" dirty="0" smtClean="0"/>
-              <a:t>		Stock Five</a:t>
-            </a:r>
-          </a:p>
-          <a:p>
-            <a:pPr lvl="1">
-              <a:buNone/>
-            </a:pPr>
-            <a:r>
-              <a:rPr lang="en-US" dirty="0" smtClean="0"/>
-              <a:t>		Stock Six</a:t>
-            </a:r>
-          </a:p>
-          <a:p>
-            <a:pPr lvl="1">
-              <a:buNone/>
-            </a:pPr>
-            <a:r>
-              <a:rPr lang="en-US" dirty="0" smtClean="0"/>
-              <a:t/>
-            </a:r>
-            <a:br>
-              <a:rPr lang="en-US" dirty="0" smtClean="0"/>
-            </a:br>
-            <a:endParaRPr lang="en-US" dirty="0" smtClean="0"/>
-          </a:p>
+          <a:bodyPr>
+            <a:normAutofit/>
+          </a:bodyPr>
+          <a:lstStyle/>
           <a:p>
             <a:pPr>
               <a:buNone/>
             </a:pPr>
-            <a:endParaRPr lang="en-US" dirty="0"/>
+            <a:r>
+              <a:rPr lang="en-US" sz="2800" dirty="0" smtClean="0"/>
+              <a:t>Stock Chosen: XXX</a:t>
+            </a:r>
+          </a:p>
+          <a:p>
+            <a:pPr>
+              <a:buNone/>
+            </a:pPr>
+            <a:r>
+              <a:rPr lang="en-US" sz="2800" dirty="0" smtClean="0"/>
+              <a:t>Close price on XXXX is $XXX</a:t>
+            </a:r>
+          </a:p>
+          <a:p>
+            <a:pPr>
+              <a:buNone/>
+            </a:pPr>
+            <a:r>
+              <a:rPr lang="en-US" sz="2800" dirty="0" smtClean="0"/>
+              <a:t>Investment Amount to be Deducted for X shares : $XXX</a:t>
+            </a:r>
+            <a:endParaRPr lang="en-US" sz="2800" dirty="0"/>
           </a:p>
         </p:txBody>
       </p:sp>
@@ -5442,7 +5566,7 @@
         </p:nvSpPr>
         <p:spPr>
           <a:xfrm>
-            <a:off x="2362200" y="4572000"/>
+            <a:off x="1524000" y="3505200"/>
             <a:ext cx="2286000" cy="838200"/>
           </a:xfrm>
           <a:prstGeom prst="roundRect">
@@ -5472,91 +5596,7 @@
             <a:pPr algn="ctr"/>
             <a:r>
               <a:rPr lang="en-US" dirty="0" smtClean="0"/>
-              <a:t>Sell</a:t>
-            </a:r>
-            <a:endParaRPr lang="en-US" dirty="0"/>
-          </a:p>
-        </p:txBody>
-      </p:sp>
-      <p:sp>
-        <p:nvSpPr>
-          <p:cNvPr id="7" name="Rectangle 6"/>
-          <p:cNvSpPr/>
-          <p:nvPr/>
-        </p:nvSpPr>
-        <p:spPr>
-          <a:xfrm>
-            <a:off x="1295400" y="3352800"/>
-            <a:ext cx="533400" cy="381000"/>
-          </a:xfrm>
-          <a:prstGeom prst="rect">
-            <a:avLst/>
-          </a:prstGeom>
-        </p:spPr>
-        <p:style>
-          <a:lnRef idx="2">
-            <a:schemeClr val="dk1"/>
-          </a:lnRef>
-          <a:fillRef idx="1">
-            <a:schemeClr val="lt1"/>
-          </a:fillRef>
-          <a:effectRef idx="0">
-            <a:schemeClr val="dk1"/>
-          </a:effectRef>
-          <a:fontRef idx="minor">
-            <a:schemeClr val="dk1"/>
-          </a:fontRef>
-        </p:style>
-        <p:txBody>
-          <a:bodyPr rtlCol="0" anchor="ctr"/>
-          <a:lstStyle/>
-          <a:p>
-            <a:pPr algn="ctr"/>
-            <a:r>
-              <a:rPr lang="en-US" dirty="0" smtClean="0"/>
-              <a:t>10</a:t>
-            </a:r>
-            <a:endParaRPr lang="en-US" dirty="0"/>
-          </a:p>
-        </p:txBody>
-      </p:sp>
-      <p:sp>
-        <p:nvSpPr>
-          <p:cNvPr id="8" name="Rectangle 7"/>
-          <p:cNvSpPr/>
-          <p:nvPr/>
-        </p:nvSpPr>
-        <p:spPr>
-          <a:xfrm>
-            <a:off x="1295400" y="3810000"/>
-            <a:ext cx="533400" cy="381000"/>
-          </a:xfrm>
-          <a:prstGeom prst="rect">
-            <a:avLst/>
-          </a:prstGeom>
-        </p:spPr>
-        <p:style>
-          <a:lnRef idx="2">
-            <a:schemeClr val="dk1"/>
-          </a:lnRef>
-          <a:fillRef idx="1">
-            <a:schemeClr val="lt1"/>
-          </a:fillRef>
-          <a:effectRef idx="0">
-            <a:schemeClr val="dk1"/>
-          </a:effectRef>
-          <a:fontRef idx="minor">
-            <a:schemeClr val="dk1"/>
-          </a:fontRef>
-        </p:style>
-        <p:txBody>
-          <a:bodyPr rtlCol="0" anchor="ctr"/>
-          <a:lstStyle/>
-          <a:p>
-            <a:pPr algn="ctr"/>
-            <a:r>
-              <a:rPr lang="en-US" dirty="0" smtClean="0"/>
-              <a:t>?</a:t>
+              <a:t>Confirm</a:t>
             </a:r>
             <a:endParaRPr lang="en-US" dirty="0"/>
           </a:p>
@@ -5583,6 +5623,190 @@
               <a:t>10</a:t>
             </a:fld>
             <a:endParaRPr lang="en-US"/>
+          </a:p>
+        </p:txBody>
+      </p:sp>
+      <p:sp>
+        <p:nvSpPr>
+          <p:cNvPr id="7" name="Rounded Rectangle 6">
+            <a:hlinkClick r:id="rId4" action="ppaction://hlinksldjump"/>
+          </p:cNvPr>
+          <p:cNvSpPr/>
+          <p:nvPr/>
+        </p:nvSpPr>
+        <p:spPr>
+          <a:xfrm>
+            <a:off x="76200" y="838200"/>
+            <a:ext cx="1143000" cy="609600"/>
+          </a:xfrm>
+          <a:prstGeom prst="roundRect">
+            <a:avLst/>
+          </a:prstGeom>
+        </p:spPr>
+        <p:style>
+          <a:lnRef idx="2">
+            <a:schemeClr val="accent1">
+              <a:shade val="50000"/>
+            </a:schemeClr>
+          </a:lnRef>
+          <a:fillRef idx="1">
+            <a:schemeClr val="accent1"/>
+          </a:fillRef>
+          <a:effectRef idx="0">
+            <a:schemeClr val="accent1"/>
+          </a:effectRef>
+          <a:fontRef idx="minor">
+            <a:schemeClr val="lt1"/>
+          </a:fontRef>
+        </p:style>
+        <p:txBody>
+          <a:bodyPr rtlCol="0" anchor="ctr"/>
+          <a:lstStyle/>
+          <a:p>
+            <a:pPr algn="ctr"/>
+            <a:r>
+              <a:rPr lang="en-US" dirty="0" smtClean="0"/>
+              <a:t>Login</a:t>
+            </a:r>
+            <a:endParaRPr lang="en-US" dirty="0"/>
+          </a:p>
+        </p:txBody>
+      </p:sp>
+      <p:sp>
+        <p:nvSpPr>
+          <p:cNvPr id="8" name="Rounded Rectangle 7">
+            <a:hlinkClick r:id="rId4" action="ppaction://hlinksldjump"/>
+          </p:cNvPr>
+          <p:cNvSpPr/>
+          <p:nvPr/>
+        </p:nvSpPr>
+        <p:spPr>
+          <a:xfrm>
+            <a:off x="76200" y="2895600"/>
+            <a:ext cx="1143000" cy="609600"/>
+          </a:xfrm>
+          <a:prstGeom prst="roundRect">
+            <a:avLst/>
+          </a:prstGeom>
+        </p:spPr>
+        <p:style>
+          <a:lnRef idx="2">
+            <a:schemeClr val="accent1">
+              <a:shade val="50000"/>
+            </a:schemeClr>
+          </a:lnRef>
+          <a:fillRef idx="1">
+            <a:schemeClr val="accent1"/>
+          </a:fillRef>
+          <a:effectRef idx="0">
+            <a:schemeClr val="accent1"/>
+          </a:effectRef>
+          <a:fontRef idx="minor">
+            <a:schemeClr val="lt1"/>
+          </a:fontRef>
+        </p:style>
+        <p:txBody>
+          <a:bodyPr rtlCol="0" anchor="ctr"/>
+          <a:lstStyle/>
+          <a:p>
+            <a:pPr algn="ctr"/>
+            <a:r>
+              <a:rPr lang="en-US" dirty="0" smtClean="0"/>
+              <a:t>Logout</a:t>
+            </a:r>
+            <a:endParaRPr lang="en-US" dirty="0"/>
+          </a:p>
+        </p:txBody>
+      </p:sp>
+      <p:sp>
+        <p:nvSpPr>
+          <p:cNvPr id="10" name="Rounded Rectangle 9">
+            <a:hlinkClick r:id="rId5" action="ppaction://hlinksldjump"/>
+          </p:cNvPr>
+          <p:cNvSpPr/>
+          <p:nvPr/>
+        </p:nvSpPr>
+        <p:spPr>
+          <a:xfrm>
+            <a:off x="76200" y="1752600"/>
+            <a:ext cx="1143000" cy="609600"/>
+          </a:xfrm>
+          <a:prstGeom prst="roundRect">
+            <a:avLst/>
+          </a:prstGeom>
+        </p:spPr>
+        <p:style>
+          <a:lnRef idx="2">
+            <a:schemeClr val="accent1">
+              <a:shade val="50000"/>
+            </a:schemeClr>
+          </a:lnRef>
+          <a:fillRef idx="1">
+            <a:schemeClr val="accent1"/>
+          </a:fillRef>
+          <a:effectRef idx="0">
+            <a:schemeClr val="accent1"/>
+          </a:effectRef>
+          <a:fontRef idx="minor">
+            <a:schemeClr val="lt1"/>
+          </a:fontRef>
+        </p:style>
+        <p:txBody>
+          <a:bodyPr rtlCol="0" anchor="ctr"/>
+          <a:lstStyle/>
+          <a:p>
+            <a:pPr algn="ctr"/>
+            <a:r>
+              <a:rPr lang="en-US" dirty="0" smtClean="0"/>
+              <a:t>Register</a:t>
+            </a:r>
+            <a:endParaRPr lang="en-US" dirty="0"/>
+          </a:p>
+        </p:txBody>
+      </p:sp>
+      <p:sp>
+        <p:nvSpPr>
+          <p:cNvPr id="11" name="Rounded Rectangle 10">
+            <a:hlinkClick r:id="rId6" action="ppaction://hlinksldjump"/>
+          </p:cNvPr>
+          <p:cNvSpPr/>
+          <p:nvPr/>
+        </p:nvSpPr>
+        <p:spPr>
+          <a:xfrm>
+            <a:off x="76200" y="3810000"/>
+            <a:ext cx="1143000" cy="609600"/>
+          </a:xfrm>
+          <a:prstGeom prst="roundRect">
+            <a:avLst/>
+          </a:prstGeom>
+        </p:spPr>
+        <p:style>
+          <a:lnRef idx="2">
+            <a:schemeClr val="accent1">
+              <a:shade val="50000"/>
+            </a:schemeClr>
+          </a:lnRef>
+          <a:fillRef idx="1">
+            <a:schemeClr val="accent1"/>
+          </a:fillRef>
+          <a:effectRef idx="0">
+            <a:schemeClr val="accent1"/>
+          </a:effectRef>
+          <a:fontRef idx="minor">
+            <a:schemeClr val="lt1"/>
+          </a:fontRef>
+        </p:style>
+        <p:txBody>
+          <a:bodyPr rtlCol="0" anchor="ctr"/>
+          <a:lstStyle/>
+          <a:p>
+            <a:pPr algn="ctr"/>
+            <a:r>
+              <a:rPr lang="en-US" dirty="0" smtClean="0"/>
+              <a:t>Home</a:t>
+            </a:r>
+            <a:endParaRPr lang="en-US" dirty="0"/>
           </a:p>
         </p:txBody>
       </p:sp>
@@ -5630,21 +5854,70 @@
         </p:nvSpPr>
         <p:spPr/>
         <p:txBody>
-          <a:bodyPr>
-            <a:normAutofit fontScale="90000"/>
-          </a:bodyPr>
+          <a:bodyPr/>
           <a:lstStyle/>
           <a:p>
             <a:r>
               <a:rPr lang="en-US" dirty="0" smtClean="0"/>
-              <a:t>Analyze and Predict Stocks</a:t>
-            </a:r>
-            <a:br>
+              <a:t>Stock Purchase Summary</a:t>
+            </a:r>
+            <a:endParaRPr lang="en-US" dirty="0"/>
+          </a:p>
+        </p:txBody>
+      </p:sp>
+      <p:sp>
+        <p:nvSpPr>
+          <p:cNvPr id="3" name="Content Placeholder 2"/>
+          <p:cNvSpPr>
+            <a:spLocks noGrp="1"/>
+          </p:cNvSpPr>
+          <p:nvPr>
+            <p:ph idx="1"/>
+          </p:nvPr>
+        </p:nvSpPr>
+        <p:spPr>
+          <a:xfrm>
+            <a:off x="2590800" y="1600200"/>
+            <a:ext cx="5410200" cy="4525963"/>
+          </a:xfrm>
+        </p:spPr>
+        <p:txBody>
+          <a:bodyPr/>
+          <a:lstStyle/>
+          <a:p>
+            <a:pPr>
+              <a:buNone/>
+            </a:pPr>
+            <a:r>
               <a:rPr lang="en-US" dirty="0" smtClean="0"/>
-            </a:br>
+              <a:t>Date of Purchase: XXXX</a:t>
+            </a:r>
+          </a:p>
+          <a:p>
+            <a:pPr>
+              <a:buNone/>
+            </a:pPr>
             <a:r>
               <a:rPr lang="en-US" dirty="0" smtClean="0"/>
-              <a:t>End Date Selection</a:t>
+              <a:t>Stock Chose: GOOG</a:t>
+            </a:r>
+          </a:p>
+          <a:p>
+            <a:pPr>
+              <a:buNone/>
+            </a:pPr>
+            <a:r>
+              <a:rPr lang="en-US" dirty="0" smtClean="0"/>
+              <a:t>Investment Amount: $</a:t>
+            </a:r>
+          </a:p>
+          <a:p>
+            <a:pPr>
+              <a:buNone/>
+            </a:pPr>
+            <a:r>
+              <a:rPr lang="en-US" dirty="0" smtClean="0"/>
+              <a:t>Quantity Purchased: XX</a:t>
             </a:r>
             <a:endParaRPr lang="en-US" dirty="0"/>
           </a:p>
@@ -5652,6 +5925,269 @@
       </p:sp>
       <p:sp>
         <p:nvSpPr>
+          <p:cNvPr id="4" name="Slide Number Placeholder 3"/>
+          <p:cNvSpPr>
+            <a:spLocks noGrp="1"/>
+          </p:cNvSpPr>
+          <p:nvPr>
+            <p:ph type="sldNum" sz="quarter" idx="12"/>
+          </p:nvPr>
+        </p:nvSpPr>
+        <p:spPr/>
+        <p:txBody>
+          <a:bodyPr/>
+          <a:lstStyle/>
+          <a:p>
+            <a:fld id="{B0478B60-1448-486C-BA6D-779A9B0B0C87}" type="slidenum">
+              <a:rPr lang="en-US" smtClean="0"/>
+              <a:pPr/>
+              <a:t>11</a:t>
+            </a:fld>
+            <a:endParaRPr lang="en-US"/>
+          </a:p>
+        </p:txBody>
+      </p:sp>
+      <p:sp>
+        <p:nvSpPr>
+          <p:cNvPr id="5" name="Rounded Rectangle 4">
+            <a:hlinkClick r:id="rId2" action="ppaction://hlinksldjump"/>
+          </p:cNvPr>
+          <p:cNvSpPr/>
+          <p:nvPr/>
+        </p:nvSpPr>
+        <p:spPr>
+          <a:xfrm>
+            <a:off x="76200" y="1524000"/>
+            <a:ext cx="1143000" cy="609600"/>
+          </a:xfrm>
+          <a:prstGeom prst="roundRect">
+            <a:avLst/>
+          </a:prstGeom>
+        </p:spPr>
+        <p:style>
+          <a:lnRef idx="2">
+            <a:schemeClr val="accent1">
+              <a:shade val="50000"/>
+            </a:schemeClr>
+          </a:lnRef>
+          <a:fillRef idx="1">
+            <a:schemeClr val="accent1"/>
+          </a:fillRef>
+          <a:effectRef idx="0">
+            <a:schemeClr val="accent1"/>
+          </a:effectRef>
+          <a:fontRef idx="minor">
+            <a:schemeClr val="lt1"/>
+          </a:fontRef>
+        </p:style>
+        <p:txBody>
+          <a:bodyPr rtlCol="0" anchor="ctr"/>
+          <a:lstStyle/>
+          <a:p>
+            <a:pPr algn="ctr"/>
+            <a:r>
+              <a:rPr lang="en-US" dirty="0" smtClean="0"/>
+              <a:t>Login</a:t>
+            </a:r>
+            <a:endParaRPr lang="en-US" dirty="0"/>
+          </a:p>
+        </p:txBody>
+      </p:sp>
+      <p:sp>
+        <p:nvSpPr>
+          <p:cNvPr id="6" name="Rounded Rectangle 5">
+            <a:hlinkClick r:id="rId2" action="ppaction://hlinksldjump"/>
+          </p:cNvPr>
+          <p:cNvSpPr/>
+          <p:nvPr/>
+        </p:nvSpPr>
+        <p:spPr>
+          <a:xfrm>
+            <a:off x="76200" y="3581400"/>
+            <a:ext cx="1143000" cy="609600"/>
+          </a:xfrm>
+          <a:prstGeom prst="roundRect">
+            <a:avLst/>
+          </a:prstGeom>
+        </p:spPr>
+        <p:style>
+          <a:lnRef idx="2">
+            <a:schemeClr val="accent1">
+              <a:shade val="50000"/>
+            </a:schemeClr>
+          </a:lnRef>
+          <a:fillRef idx="1">
+            <a:schemeClr val="accent1"/>
+          </a:fillRef>
+          <a:effectRef idx="0">
+            <a:schemeClr val="accent1"/>
+          </a:effectRef>
+          <a:fontRef idx="minor">
+            <a:schemeClr val="lt1"/>
+          </a:fontRef>
+        </p:style>
+        <p:txBody>
+          <a:bodyPr rtlCol="0" anchor="ctr"/>
+          <a:lstStyle/>
+          <a:p>
+            <a:pPr algn="ctr"/>
+            <a:r>
+              <a:rPr lang="en-US" dirty="0" smtClean="0"/>
+              <a:t>Logout</a:t>
+            </a:r>
+            <a:endParaRPr lang="en-US" dirty="0"/>
+          </a:p>
+        </p:txBody>
+      </p:sp>
+      <p:sp>
+        <p:nvSpPr>
+          <p:cNvPr id="7" name="Rounded Rectangle 6">
+            <a:hlinkClick r:id="rId3" action="ppaction://hlinksldjump"/>
+          </p:cNvPr>
+          <p:cNvSpPr/>
+          <p:nvPr/>
+        </p:nvSpPr>
+        <p:spPr>
+          <a:xfrm>
+            <a:off x="76200" y="2438400"/>
+            <a:ext cx="1143000" cy="609600"/>
+          </a:xfrm>
+          <a:prstGeom prst="roundRect">
+            <a:avLst/>
+          </a:prstGeom>
+        </p:spPr>
+        <p:style>
+          <a:lnRef idx="2">
+            <a:schemeClr val="accent1">
+              <a:shade val="50000"/>
+            </a:schemeClr>
+          </a:lnRef>
+          <a:fillRef idx="1">
+            <a:schemeClr val="accent1"/>
+          </a:fillRef>
+          <a:effectRef idx="0">
+            <a:schemeClr val="accent1"/>
+          </a:effectRef>
+          <a:fontRef idx="minor">
+            <a:schemeClr val="lt1"/>
+          </a:fontRef>
+        </p:style>
+        <p:txBody>
+          <a:bodyPr rtlCol="0" anchor="ctr"/>
+          <a:lstStyle/>
+          <a:p>
+            <a:pPr algn="ctr"/>
+            <a:r>
+              <a:rPr lang="en-US" dirty="0" smtClean="0"/>
+              <a:t>Register</a:t>
+            </a:r>
+            <a:endParaRPr lang="en-US" dirty="0"/>
+          </a:p>
+        </p:txBody>
+      </p:sp>
+      <p:sp>
+        <p:nvSpPr>
+          <p:cNvPr id="8" name="Rounded Rectangle 7">
+            <a:hlinkClick r:id="rId4" action="ppaction://hlinksldjump"/>
+          </p:cNvPr>
+          <p:cNvSpPr/>
+          <p:nvPr/>
+        </p:nvSpPr>
+        <p:spPr>
+          <a:xfrm>
+            <a:off x="76200" y="4495800"/>
+            <a:ext cx="1143000" cy="609600"/>
+          </a:xfrm>
+          <a:prstGeom prst="roundRect">
+            <a:avLst/>
+          </a:prstGeom>
+        </p:spPr>
+        <p:style>
+          <a:lnRef idx="2">
+            <a:schemeClr val="accent1">
+              <a:shade val="50000"/>
+            </a:schemeClr>
+          </a:lnRef>
+          <a:fillRef idx="1">
+            <a:schemeClr val="accent1"/>
+          </a:fillRef>
+          <a:effectRef idx="0">
+            <a:schemeClr val="accent1"/>
+          </a:effectRef>
+          <a:fontRef idx="minor">
+            <a:schemeClr val="lt1"/>
+          </a:fontRef>
+        </p:style>
+        <p:txBody>
+          <a:bodyPr rtlCol="0" anchor="ctr"/>
+          <a:lstStyle/>
+          <a:p>
+            <a:pPr algn="ctr"/>
+            <a:r>
+              <a:rPr lang="en-US" dirty="0" smtClean="0"/>
+              <a:t>Home</a:t>
+            </a:r>
+            <a:endParaRPr lang="en-US" dirty="0"/>
+          </a:p>
+        </p:txBody>
+      </p:sp>
+    </p:spTree>
+  </p:cSld>
+  <p:clrMapOvr>
+    <a:masterClrMapping/>
+  </p:clrMapOvr>
+  <p:timing>
+    <p:tnLst>
+      <p:par>
+        <p:cTn id="1" dur="indefinite" restart="never" nodeType="tmRoot"/>
+      </p:par>
+    </p:tnLst>
+  </p:timing>
+</p:sld>
+</file>
+
+<file path=ppt/slides/slide12.xml><?xml version="1.0" encoding="utf-8"?>
+<p:sld xmlns:a="http://schemas.openxmlformats.org/drawingml/2006/main" xmlns:r="http://schemas.openxmlformats.org/officeDocument/2006/relationships" xmlns:p="http://schemas.openxmlformats.org/presentationml/2006/main">
+  <p:cSld>
+    <p:spTree>
+      <p:nvGrpSpPr>
+        <p:cNvPr id="1" name=""/>
+        <p:cNvGrpSpPr/>
+        <p:nvPr/>
+      </p:nvGrpSpPr>
+      <p:grpSpPr>
+        <a:xfrm>
+          <a:off x="0" y="0"/>
+          <a:ext cx="0" cy="0"/>
+          <a:chOff x="0" y="0"/>
+          <a:chExt cx="0" cy="0"/>
+        </a:xfrm>
+      </p:grpSpPr>
+      <p:sp>
+        <p:nvSpPr>
+          <p:cNvPr id="2" name="Title 1"/>
+          <p:cNvSpPr>
+            <a:spLocks noGrp="1"/>
+          </p:cNvSpPr>
+          <p:nvPr>
+            <p:ph type="title"/>
+          </p:nvPr>
+        </p:nvSpPr>
+        <p:spPr/>
+        <p:txBody>
+          <a:bodyPr/>
+          <a:lstStyle/>
+          <a:p>
+            <a:r>
+              <a:rPr lang="en-US" dirty="0" smtClean="0"/>
+              <a:t>Sell stock</a:t>
+            </a:r>
+            <a:endParaRPr lang="en-US" dirty="0"/>
+          </a:p>
+        </p:txBody>
+      </p:sp>
+      <p:sp>
+        <p:nvSpPr>
           <p:cNvPr id="3" name="Content Placeholder 2"/>
           <p:cNvSpPr>
             <a:spLocks noGrp="1"/>
@@ -5662,79 +6198,45 @@
         </p:nvSpPr>
         <p:spPr>
           <a:xfrm>
-            <a:off x="838200" y="1219200"/>
-            <a:ext cx="7162800" cy="4830763"/>
-          </a:xfrm>
-        </p:spPr>
-        <p:txBody>
-          <a:bodyPr>
-            <a:normAutofit lnSpcReduction="10000"/>
-          </a:bodyPr>
+            <a:off x="1600200" y="1219200"/>
+            <a:ext cx="6553200" cy="4830763"/>
+          </a:xfrm>
+        </p:spPr>
+        <p:txBody>
+          <a:bodyPr/>
           <a:lstStyle/>
           <a:p>
             <a:pPr lvl="1">
-              <a:buFont typeface="Arial" pitchFamily="34" charset="0"/>
-              <a:buChar char="•"/>
+              <a:buNone/>
             </a:pPr>
             <a:r>
               <a:rPr lang="en-US" dirty="0" smtClean="0"/>
-              <a:t>Stock Two</a:t>
+              <a:t>Quantity: XX</a:t>
             </a:r>
           </a:p>
           <a:p>
             <a:pPr lvl="1">
-              <a:buFont typeface="Arial" pitchFamily="34" charset="0"/>
-              <a:buChar char="•"/>
+              <a:buNone/>
+            </a:pPr>
+            <a:r>
+              <a:rPr lang="en-US" dirty="0" smtClean="0"/>
+              <a:t>Enter Date Sold:</a:t>
+            </a:r>
+          </a:p>
+          <a:p>
+            <a:pPr lvl="1">
+              <a:buNone/>
+            </a:pPr>
+            <a:r>
+              <a:rPr lang="en-US" dirty="0" smtClean="0"/>
+              <a:t>Enter Quantity to be sold: </a:t>
+            </a:r>
+          </a:p>
+          <a:p>
+            <a:pPr lvl="1">
+              <a:buNone/>
             </a:pPr>
             <a:endParaRPr lang="en-US" dirty="0" smtClean="0"/>
-          </a:p>
-          <a:p>
-            <a:pPr lvl="1">
-              <a:buFont typeface="Arial" pitchFamily="34" charset="0"/>
-              <a:buChar char="•"/>
-            </a:pPr>
-            <a:endParaRPr lang="en-US" dirty="0" smtClean="0"/>
-          </a:p>
-          <a:p>
-            <a:pPr lvl="1">
-              <a:buFont typeface="Arial" pitchFamily="34" charset="0"/>
-              <a:buChar char="•"/>
-            </a:pPr>
-            <a:endParaRPr lang="en-US" dirty="0" smtClean="0"/>
-          </a:p>
-          <a:p>
-            <a:pPr lvl="1">
-              <a:buFont typeface="Arial" pitchFamily="34" charset="0"/>
-              <a:buChar char="•"/>
-            </a:pPr>
-            <a:r>
-              <a:rPr lang="en-US" dirty="0" smtClean="0"/>
-              <a:t>Stock Three</a:t>
-            </a:r>
-          </a:p>
-          <a:p>
-            <a:pPr lvl="1">
-              <a:buFont typeface="Arial" pitchFamily="34" charset="0"/>
-              <a:buChar char="•"/>
-            </a:pPr>
-            <a:endParaRPr lang="en-US" dirty="0" smtClean="0"/>
-          </a:p>
-          <a:p>
-            <a:pPr lvl="1">
-              <a:buFont typeface="Arial" pitchFamily="34" charset="0"/>
-              <a:buChar char="•"/>
-            </a:pPr>
-            <a:endParaRPr lang="en-US" dirty="0" smtClean="0"/>
-          </a:p>
-          <a:p>
-            <a:pPr lvl="1">
-              <a:buFont typeface="Arial" pitchFamily="34" charset="0"/>
-              <a:buChar char="•"/>
-            </a:pPr>
-            <a:r>
-              <a:rPr lang="en-US" dirty="0" smtClean="0"/>
-              <a:t>Stock Four</a:t>
-            </a:r>
           </a:p>
           <a:p>
             <a:pPr lvl="1">
@@ -5759,14 +6261,60 @@
       </p:sp>
       <p:sp>
         <p:nvSpPr>
-          <p:cNvPr id="5" name="Rectangle 4"/>
+          <p:cNvPr id="6" name="Rounded Rectangle 5">
+            <a:hlinkClick r:id="rId3" action="ppaction://hlinksldjump"/>
+          </p:cNvPr>
           <p:cNvSpPr/>
           <p:nvPr/>
         </p:nvSpPr>
         <p:spPr>
           <a:xfrm>
-            <a:off x="1830512" y="2049105"/>
-            <a:ext cx="957943" cy="533400"/>
+            <a:off x="2286000" y="2971800"/>
+            <a:ext cx="2286000" cy="838200"/>
+          </a:xfrm>
+          <a:prstGeom prst="roundRect">
+            <a:avLst/>
+          </a:prstGeom>
+        </p:spPr>
+        <p:style>
+          <a:lnRef idx="2">
+            <a:schemeClr val="accent1">
+              <a:shade val="50000"/>
+            </a:schemeClr>
+          </a:lnRef>
+          <a:fillRef idx="1">
+            <a:schemeClr val="accent1"/>
+          </a:fillRef>
+          <a:effectRef idx="0">
+            <a:schemeClr val="accent1"/>
+          </a:effectRef>
+          <a:fontRef idx="minor">
+            <a:schemeClr val="lt1"/>
+          </a:fontRef>
+        </p:style>
+        <p:txBody>
+          <a:bodyPr rtlCol="0" anchor="ctr"/>
+          <a:lstStyle/>
+          <a:p>
+            <a:pPr algn="ctr"/>
+            <a:r>
+              <a:rPr lang="en-US" dirty="0" smtClean="0"/>
+              <a:t>Sell</a:t>
+            </a:r>
+            <a:endParaRPr lang="en-US" dirty="0"/>
+          </a:p>
+        </p:txBody>
+      </p:sp>
+      <p:sp>
+        <p:nvSpPr>
+          <p:cNvPr id="8" name="Rectangle 7"/>
+          <p:cNvSpPr/>
+          <p:nvPr/>
+        </p:nvSpPr>
+        <p:spPr>
+          <a:xfrm>
+            <a:off x="6019800" y="2286000"/>
+            <a:ext cx="533400" cy="381000"/>
           </a:xfrm>
           <a:prstGeom prst="rect">
             <a:avLst/>
@@ -5791,20 +6339,738 @@
           <a:lstStyle/>
           <a:p>
             <a:pPr algn="ctr"/>
+            <a:endParaRPr lang="en-US" dirty="0"/>
+          </a:p>
+        </p:txBody>
+      </p:sp>
+      <p:sp>
+        <p:nvSpPr>
+          <p:cNvPr id="9" name="Slide Number Placeholder 8"/>
+          <p:cNvSpPr>
+            <a:spLocks noGrp="1"/>
+          </p:cNvSpPr>
+          <p:nvPr>
+            <p:ph type="sldNum" sz="quarter" idx="12"/>
+          </p:nvPr>
+        </p:nvSpPr>
+        <p:spPr/>
+        <p:txBody>
+          <a:bodyPr/>
+          <a:lstStyle/>
+          <a:p>
+            <a:fld id="{B0478B60-1448-486C-BA6D-779A9B0B0C87}" type="slidenum">
+              <a:rPr lang="en-US" smtClean="0"/>
+              <a:pPr/>
+              <a:t>12</a:t>
+            </a:fld>
             <a:endParaRPr lang="en-US"/>
           </a:p>
         </p:txBody>
       </p:sp>
       <p:sp>
         <p:nvSpPr>
-          <p:cNvPr id="7" name="Rectangle 6"/>
+          <p:cNvPr id="7" name="Rounded Rectangle 6">
+            <a:hlinkClick r:id="rId4" action="ppaction://hlinksldjump"/>
+          </p:cNvPr>
           <p:cNvSpPr/>
           <p:nvPr/>
         </p:nvSpPr>
         <p:spPr>
           <a:xfrm>
-            <a:off x="3047999" y="2042204"/>
-            <a:ext cx="914400" cy="533400"/>
+            <a:off x="76200" y="838200"/>
+            <a:ext cx="1143000" cy="609600"/>
+          </a:xfrm>
+          <a:prstGeom prst="roundRect">
+            <a:avLst/>
+          </a:prstGeom>
+        </p:spPr>
+        <p:style>
+          <a:lnRef idx="2">
+            <a:schemeClr val="accent1">
+              <a:shade val="50000"/>
+            </a:schemeClr>
+          </a:lnRef>
+          <a:fillRef idx="1">
+            <a:schemeClr val="accent1"/>
+          </a:fillRef>
+          <a:effectRef idx="0">
+            <a:schemeClr val="accent1"/>
+          </a:effectRef>
+          <a:fontRef idx="minor">
+            <a:schemeClr val="lt1"/>
+          </a:fontRef>
+        </p:style>
+        <p:txBody>
+          <a:bodyPr rtlCol="0" anchor="ctr"/>
+          <a:lstStyle/>
+          <a:p>
+            <a:pPr algn="ctr"/>
+            <a:r>
+              <a:rPr lang="en-US" dirty="0" smtClean="0"/>
+              <a:t>Login</a:t>
+            </a:r>
+            <a:endParaRPr lang="en-US" dirty="0"/>
+          </a:p>
+        </p:txBody>
+      </p:sp>
+      <p:sp>
+        <p:nvSpPr>
+          <p:cNvPr id="10" name="Rounded Rectangle 9">
+            <a:hlinkClick r:id="rId4" action="ppaction://hlinksldjump"/>
+          </p:cNvPr>
+          <p:cNvSpPr/>
+          <p:nvPr/>
+        </p:nvSpPr>
+        <p:spPr>
+          <a:xfrm>
+            <a:off x="76200" y="2895600"/>
+            <a:ext cx="1143000" cy="609600"/>
+          </a:xfrm>
+          <a:prstGeom prst="roundRect">
+            <a:avLst/>
+          </a:prstGeom>
+        </p:spPr>
+        <p:style>
+          <a:lnRef idx="2">
+            <a:schemeClr val="accent1">
+              <a:shade val="50000"/>
+            </a:schemeClr>
+          </a:lnRef>
+          <a:fillRef idx="1">
+            <a:schemeClr val="accent1"/>
+          </a:fillRef>
+          <a:effectRef idx="0">
+            <a:schemeClr val="accent1"/>
+          </a:effectRef>
+          <a:fontRef idx="minor">
+            <a:schemeClr val="lt1"/>
+          </a:fontRef>
+        </p:style>
+        <p:txBody>
+          <a:bodyPr rtlCol="0" anchor="ctr"/>
+          <a:lstStyle/>
+          <a:p>
+            <a:pPr algn="ctr"/>
+            <a:r>
+              <a:rPr lang="en-US" dirty="0" smtClean="0"/>
+              <a:t>Logout</a:t>
+            </a:r>
+            <a:endParaRPr lang="en-US" dirty="0"/>
+          </a:p>
+        </p:txBody>
+      </p:sp>
+      <p:sp>
+        <p:nvSpPr>
+          <p:cNvPr id="11" name="Rounded Rectangle 10">
+            <a:hlinkClick r:id="rId5" action="ppaction://hlinksldjump"/>
+          </p:cNvPr>
+          <p:cNvSpPr/>
+          <p:nvPr/>
+        </p:nvSpPr>
+        <p:spPr>
+          <a:xfrm>
+            <a:off x="76200" y="1752600"/>
+            <a:ext cx="1143000" cy="609600"/>
+          </a:xfrm>
+          <a:prstGeom prst="roundRect">
+            <a:avLst/>
+          </a:prstGeom>
+        </p:spPr>
+        <p:style>
+          <a:lnRef idx="2">
+            <a:schemeClr val="accent1">
+              <a:shade val="50000"/>
+            </a:schemeClr>
+          </a:lnRef>
+          <a:fillRef idx="1">
+            <a:schemeClr val="accent1"/>
+          </a:fillRef>
+          <a:effectRef idx="0">
+            <a:schemeClr val="accent1"/>
+          </a:effectRef>
+          <a:fontRef idx="minor">
+            <a:schemeClr val="lt1"/>
+          </a:fontRef>
+        </p:style>
+        <p:txBody>
+          <a:bodyPr rtlCol="0" anchor="ctr"/>
+          <a:lstStyle/>
+          <a:p>
+            <a:pPr algn="ctr"/>
+            <a:r>
+              <a:rPr lang="en-US" dirty="0" smtClean="0"/>
+              <a:t>Register</a:t>
+            </a:r>
+            <a:endParaRPr lang="en-US" dirty="0"/>
+          </a:p>
+        </p:txBody>
+      </p:sp>
+      <p:sp>
+        <p:nvSpPr>
+          <p:cNvPr id="12" name="Rounded Rectangle 11">
+            <a:hlinkClick r:id="rId6" action="ppaction://hlinksldjump"/>
+          </p:cNvPr>
+          <p:cNvSpPr/>
+          <p:nvPr/>
+        </p:nvSpPr>
+        <p:spPr>
+          <a:xfrm>
+            <a:off x="76200" y="3810000"/>
+            <a:ext cx="1143000" cy="609600"/>
+          </a:xfrm>
+          <a:prstGeom prst="roundRect">
+            <a:avLst/>
+          </a:prstGeom>
+        </p:spPr>
+        <p:style>
+          <a:lnRef idx="2">
+            <a:schemeClr val="accent1">
+              <a:shade val="50000"/>
+            </a:schemeClr>
+          </a:lnRef>
+          <a:fillRef idx="1">
+            <a:schemeClr val="accent1"/>
+          </a:fillRef>
+          <a:effectRef idx="0">
+            <a:schemeClr val="accent1"/>
+          </a:effectRef>
+          <a:fontRef idx="minor">
+            <a:schemeClr val="lt1"/>
+          </a:fontRef>
+        </p:style>
+        <p:txBody>
+          <a:bodyPr rtlCol="0" anchor="ctr"/>
+          <a:lstStyle/>
+          <a:p>
+            <a:pPr algn="ctr"/>
+            <a:r>
+              <a:rPr lang="en-US" dirty="0" smtClean="0"/>
+              <a:t>Home</a:t>
+            </a:r>
+            <a:endParaRPr lang="en-US" dirty="0"/>
+          </a:p>
+        </p:txBody>
+      </p:sp>
+    </p:spTree>
+  </p:cSld>
+  <p:clrMapOvr>
+    <a:masterClrMapping/>
+  </p:clrMapOvr>
+  <p:timing>
+    <p:tnLst>
+      <p:par>
+        <p:cTn id="1" dur="indefinite" restart="never" nodeType="tmRoot"/>
+      </p:par>
+    </p:tnLst>
+  </p:timing>
+</p:sld>
+</file>
+
+<file path=ppt/slides/slide13.xml><?xml version="1.0" encoding="utf-8"?>
+<p:sld xmlns:a="http://schemas.openxmlformats.org/drawingml/2006/main" xmlns:r="http://schemas.openxmlformats.org/officeDocument/2006/relationships" xmlns:p="http://schemas.openxmlformats.org/presentationml/2006/main">
+  <p:cSld>
+    <p:spTree>
+      <p:nvGrpSpPr>
+        <p:cNvPr id="1" name=""/>
+        <p:cNvGrpSpPr/>
+        <p:nvPr/>
+      </p:nvGrpSpPr>
+      <p:grpSpPr>
+        <a:xfrm>
+          <a:off x="0" y="0"/>
+          <a:ext cx="0" cy="0"/>
+          <a:chOff x="0" y="0"/>
+          <a:chExt cx="0" cy="0"/>
+        </a:xfrm>
+      </p:grpSpPr>
+      <p:sp>
+        <p:nvSpPr>
+          <p:cNvPr id="2" name="Title 1"/>
+          <p:cNvSpPr>
+            <a:spLocks noGrp="1"/>
+          </p:cNvSpPr>
+          <p:nvPr>
+            <p:ph type="title"/>
+          </p:nvPr>
+        </p:nvSpPr>
+        <p:spPr/>
+        <p:txBody>
+          <a:bodyPr/>
+          <a:lstStyle/>
+          <a:p>
+            <a:r>
+              <a:rPr lang="en-US" dirty="0" smtClean="0"/>
+              <a:t>Portfolio’s/Stock Statistics</a:t>
+            </a:r>
+            <a:endParaRPr lang="en-US" dirty="0"/>
+          </a:p>
+        </p:txBody>
+      </p:sp>
+      <p:sp>
+        <p:nvSpPr>
+          <p:cNvPr id="3" name="Content Placeholder 2"/>
+          <p:cNvSpPr>
+            <a:spLocks noGrp="1"/>
+          </p:cNvSpPr>
+          <p:nvPr>
+            <p:ph idx="1"/>
+          </p:nvPr>
+        </p:nvSpPr>
+        <p:spPr>
+          <a:xfrm>
+            <a:off x="1524000" y="1600200"/>
+            <a:ext cx="7848600" cy="4525963"/>
+          </a:xfrm>
+        </p:spPr>
+        <p:txBody>
+          <a:bodyPr>
+            <a:normAutofit/>
+          </a:bodyPr>
+          <a:lstStyle/>
+          <a:p>
+            <a:pPr>
+              <a:buNone/>
+            </a:pPr>
+            <a:r>
+              <a:rPr lang="en-US" sz="2400" dirty="0" smtClean="0"/>
+              <a:t>Select </a:t>
+            </a:r>
+            <a:r>
+              <a:rPr lang="en-US" sz="2400" dirty="0" err="1" smtClean="0"/>
+              <a:t>Statitic</a:t>
+            </a:r>
+            <a:r>
+              <a:rPr lang="en-US" sz="2400" dirty="0" smtClean="0"/>
+              <a:t> Type: </a:t>
+            </a:r>
+            <a:r>
+              <a:rPr lang="en-US" sz="2400" dirty="0" err="1" smtClean="0"/>
+              <a:t>stdev</a:t>
+            </a:r>
+            <a:r>
+              <a:rPr lang="en-US" sz="2400" dirty="0" smtClean="0"/>
+              <a:t>,/</a:t>
+            </a:r>
+            <a:r>
+              <a:rPr lang="en-US" sz="2400" dirty="0" err="1" smtClean="0"/>
+              <a:t>covar</a:t>
+            </a:r>
+            <a:r>
+              <a:rPr lang="en-US" sz="2400" dirty="0" smtClean="0"/>
+              <a:t>, </a:t>
+            </a:r>
+            <a:r>
+              <a:rPr lang="en-US" sz="2400" dirty="0" err="1" smtClean="0"/>
+              <a:t>cov</a:t>
+            </a:r>
+            <a:r>
+              <a:rPr lang="en-US" sz="2400" dirty="0" smtClean="0"/>
+              <a:t> matrix, </a:t>
+            </a:r>
+            <a:r>
+              <a:rPr lang="en-US" sz="2400" dirty="0" err="1" smtClean="0"/>
+              <a:t>corr</a:t>
+            </a:r>
+            <a:r>
+              <a:rPr lang="en-US" sz="2400" dirty="0" smtClean="0"/>
+              <a:t> matrix</a:t>
+            </a:r>
+          </a:p>
+          <a:p>
+            <a:pPr>
+              <a:buNone/>
+            </a:pPr>
+            <a:r>
+              <a:rPr lang="en-US" sz="2400" dirty="0" smtClean="0"/>
+              <a:t>From Date(mm/</a:t>
+            </a:r>
+            <a:r>
+              <a:rPr lang="en-US" sz="2400" dirty="0" err="1" smtClean="0"/>
+              <a:t>dd</a:t>
+            </a:r>
+            <a:r>
+              <a:rPr lang="en-US" sz="2400" dirty="0" smtClean="0"/>
+              <a:t>/</a:t>
+            </a:r>
+            <a:r>
+              <a:rPr lang="en-US" sz="2400" dirty="0" err="1" smtClean="0"/>
+              <a:t>yyyy</a:t>
+            </a:r>
+            <a:r>
+              <a:rPr lang="en-US" sz="2400" dirty="0" smtClean="0"/>
+              <a:t>):</a:t>
+            </a:r>
+          </a:p>
+          <a:p>
+            <a:pPr>
+              <a:buNone/>
+            </a:pPr>
+            <a:r>
+              <a:rPr lang="en-US" sz="2400" dirty="0" smtClean="0"/>
+              <a:t>To Date (mm./</a:t>
+            </a:r>
+            <a:r>
+              <a:rPr lang="en-US" sz="2400" dirty="0" err="1" smtClean="0"/>
+              <a:t>dd</a:t>
+            </a:r>
+            <a:r>
+              <a:rPr lang="en-US" sz="2400" dirty="0" smtClean="0"/>
+              <a:t>/</a:t>
+            </a:r>
+            <a:r>
+              <a:rPr lang="en-US" sz="2400" dirty="0" err="1" smtClean="0"/>
+              <a:t>yyyy</a:t>
+            </a:r>
+            <a:r>
+              <a:rPr lang="en-US" sz="2400" dirty="0" smtClean="0"/>
+              <a:t>): </a:t>
+            </a:r>
+          </a:p>
+          <a:p>
+            <a:pPr>
+              <a:buNone/>
+            </a:pPr>
+            <a:r>
+              <a:rPr lang="en-US" sz="2400" dirty="0" smtClean="0"/>
+              <a:t>Field 1 Type : open/close/high/low</a:t>
+            </a:r>
+          </a:p>
+          <a:p>
+            <a:pPr>
+              <a:buNone/>
+            </a:pPr>
+            <a:r>
+              <a:rPr lang="en-US" sz="2400" dirty="0" smtClean="0"/>
+              <a:t>Field 2 Type(does not exist for stock) : open/close/high/low</a:t>
+            </a:r>
+            <a:endParaRPr lang="en-US" sz="2400" dirty="0"/>
+          </a:p>
+        </p:txBody>
+      </p:sp>
+      <p:sp>
+        <p:nvSpPr>
+          <p:cNvPr id="4" name="Slide Number Placeholder 3"/>
+          <p:cNvSpPr>
+            <a:spLocks noGrp="1"/>
+          </p:cNvSpPr>
+          <p:nvPr>
+            <p:ph type="sldNum" sz="quarter" idx="12"/>
+          </p:nvPr>
+        </p:nvSpPr>
+        <p:spPr/>
+        <p:txBody>
+          <a:bodyPr/>
+          <a:lstStyle/>
+          <a:p>
+            <a:fld id="{B0478B60-1448-486C-BA6D-779A9B0B0C87}" type="slidenum">
+              <a:rPr lang="en-US" smtClean="0"/>
+              <a:pPr/>
+              <a:t>13</a:t>
+            </a:fld>
+            <a:endParaRPr lang="en-US" dirty="0"/>
+          </a:p>
+        </p:txBody>
+      </p:sp>
+      <p:sp>
+        <p:nvSpPr>
+          <p:cNvPr id="5" name="Rounded Rectangle 4">
+            <a:hlinkClick r:id="rId2" action="ppaction://hlinksldjump"/>
+          </p:cNvPr>
+          <p:cNvSpPr/>
+          <p:nvPr/>
+        </p:nvSpPr>
+        <p:spPr>
+          <a:xfrm>
+            <a:off x="76200" y="838200"/>
+            <a:ext cx="1143000" cy="609600"/>
+          </a:xfrm>
+          <a:prstGeom prst="roundRect">
+            <a:avLst/>
+          </a:prstGeom>
+        </p:spPr>
+        <p:style>
+          <a:lnRef idx="2">
+            <a:schemeClr val="accent1">
+              <a:shade val="50000"/>
+            </a:schemeClr>
+          </a:lnRef>
+          <a:fillRef idx="1">
+            <a:schemeClr val="accent1"/>
+          </a:fillRef>
+          <a:effectRef idx="0">
+            <a:schemeClr val="accent1"/>
+          </a:effectRef>
+          <a:fontRef idx="minor">
+            <a:schemeClr val="lt1"/>
+          </a:fontRef>
+        </p:style>
+        <p:txBody>
+          <a:bodyPr rtlCol="0" anchor="ctr"/>
+          <a:lstStyle/>
+          <a:p>
+            <a:pPr algn="ctr"/>
+            <a:r>
+              <a:rPr lang="en-US" dirty="0" smtClean="0"/>
+              <a:t>Login</a:t>
+            </a:r>
+            <a:endParaRPr lang="en-US" dirty="0"/>
+          </a:p>
+        </p:txBody>
+      </p:sp>
+      <p:sp>
+        <p:nvSpPr>
+          <p:cNvPr id="6" name="Rounded Rectangle 5">
+            <a:hlinkClick r:id="rId2" action="ppaction://hlinksldjump"/>
+          </p:cNvPr>
+          <p:cNvSpPr/>
+          <p:nvPr/>
+        </p:nvSpPr>
+        <p:spPr>
+          <a:xfrm>
+            <a:off x="76200" y="2895600"/>
+            <a:ext cx="1143000" cy="609600"/>
+          </a:xfrm>
+          <a:prstGeom prst="roundRect">
+            <a:avLst/>
+          </a:prstGeom>
+        </p:spPr>
+        <p:style>
+          <a:lnRef idx="2">
+            <a:schemeClr val="accent1">
+              <a:shade val="50000"/>
+            </a:schemeClr>
+          </a:lnRef>
+          <a:fillRef idx="1">
+            <a:schemeClr val="accent1"/>
+          </a:fillRef>
+          <a:effectRef idx="0">
+            <a:schemeClr val="accent1"/>
+          </a:effectRef>
+          <a:fontRef idx="minor">
+            <a:schemeClr val="lt1"/>
+          </a:fontRef>
+        </p:style>
+        <p:txBody>
+          <a:bodyPr rtlCol="0" anchor="ctr"/>
+          <a:lstStyle/>
+          <a:p>
+            <a:pPr algn="ctr"/>
+            <a:r>
+              <a:rPr lang="en-US" dirty="0" smtClean="0"/>
+              <a:t>Logout</a:t>
+            </a:r>
+            <a:endParaRPr lang="en-US" dirty="0"/>
+          </a:p>
+        </p:txBody>
+      </p:sp>
+      <p:sp>
+        <p:nvSpPr>
+          <p:cNvPr id="7" name="Rounded Rectangle 6">
+            <a:hlinkClick r:id="rId3" action="ppaction://hlinksldjump"/>
+          </p:cNvPr>
+          <p:cNvSpPr/>
+          <p:nvPr/>
+        </p:nvSpPr>
+        <p:spPr>
+          <a:xfrm>
+            <a:off x="76200" y="1752600"/>
+            <a:ext cx="1143000" cy="609600"/>
+          </a:xfrm>
+          <a:prstGeom prst="roundRect">
+            <a:avLst/>
+          </a:prstGeom>
+        </p:spPr>
+        <p:style>
+          <a:lnRef idx="2">
+            <a:schemeClr val="accent1">
+              <a:shade val="50000"/>
+            </a:schemeClr>
+          </a:lnRef>
+          <a:fillRef idx="1">
+            <a:schemeClr val="accent1"/>
+          </a:fillRef>
+          <a:effectRef idx="0">
+            <a:schemeClr val="accent1"/>
+          </a:effectRef>
+          <a:fontRef idx="minor">
+            <a:schemeClr val="lt1"/>
+          </a:fontRef>
+        </p:style>
+        <p:txBody>
+          <a:bodyPr rtlCol="0" anchor="ctr"/>
+          <a:lstStyle/>
+          <a:p>
+            <a:pPr algn="ctr"/>
+            <a:r>
+              <a:rPr lang="en-US" dirty="0" smtClean="0"/>
+              <a:t>Register</a:t>
+            </a:r>
+            <a:endParaRPr lang="en-US" dirty="0"/>
+          </a:p>
+        </p:txBody>
+      </p:sp>
+      <p:sp>
+        <p:nvSpPr>
+          <p:cNvPr id="8" name="Rounded Rectangle 7">
+            <a:hlinkClick r:id="rId4" action="ppaction://hlinksldjump"/>
+          </p:cNvPr>
+          <p:cNvSpPr/>
+          <p:nvPr/>
+        </p:nvSpPr>
+        <p:spPr>
+          <a:xfrm>
+            <a:off x="76200" y="3810000"/>
+            <a:ext cx="1143000" cy="609600"/>
+          </a:xfrm>
+          <a:prstGeom prst="roundRect">
+            <a:avLst/>
+          </a:prstGeom>
+        </p:spPr>
+        <p:style>
+          <a:lnRef idx="2">
+            <a:schemeClr val="accent1">
+              <a:shade val="50000"/>
+            </a:schemeClr>
+          </a:lnRef>
+          <a:fillRef idx="1">
+            <a:schemeClr val="accent1"/>
+          </a:fillRef>
+          <a:effectRef idx="0">
+            <a:schemeClr val="accent1"/>
+          </a:effectRef>
+          <a:fontRef idx="minor">
+            <a:schemeClr val="lt1"/>
+          </a:fontRef>
+        </p:style>
+        <p:txBody>
+          <a:bodyPr rtlCol="0" anchor="ctr"/>
+          <a:lstStyle/>
+          <a:p>
+            <a:pPr algn="ctr"/>
+            <a:r>
+              <a:rPr lang="en-US" dirty="0" smtClean="0"/>
+              <a:t>Home</a:t>
+            </a:r>
+            <a:endParaRPr lang="en-US" dirty="0"/>
+          </a:p>
+        </p:txBody>
+      </p:sp>
+    </p:spTree>
+  </p:cSld>
+  <p:clrMapOvr>
+    <a:masterClrMapping/>
+  </p:clrMapOvr>
+  <p:timing>
+    <p:tnLst>
+      <p:par>
+        <p:cTn id="1" dur="indefinite" restart="never" nodeType="tmRoot"/>
+      </p:par>
+    </p:tnLst>
+  </p:timing>
+</p:sld>
+</file>
+
+<file path=ppt/slides/slide14.xml><?xml version="1.0" encoding="utf-8"?>
+<p:sld xmlns:a="http://schemas.openxmlformats.org/drawingml/2006/main" xmlns:r="http://schemas.openxmlformats.org/officeDocument/2006/relationships" xmlns:p="http://schemas.openxmlformats.org/presentationml/2006/main">
+  <p:cSld>
+    <p:spTree>
+      <p:nvGrpSpPr>
+        <p:cNvPr id="1" name=""/>
+        <p:cNvGrpSpPr/>
+        <p:nvPr/>
+      </p:nvGrpSpPr>
+      <p:grpSpPr>
+        <a:xfrm>
+          <a:off x="0" y="0"/>
+          <a:ext cx="0" cy="0"/>
+          <a:chOff x="0" y="0"/>
+          <a:chExt cx="0" cy="0"/>
+        </a:xfrm>
+      </p:grpSpPr>
+      <p:sp>
+        <p:nvSpPr>
+          <p:cNvPr id="2" name="Title 1"/>
+          <p:cNvSpPr>
+            <a:spLocks noGrp="1"/>
+          </p:cNvSpPr>
+          <p:nvPr>
+            <p:ph type="title"/>
+          </p:nvPr>
+        </p:nvSpPr>
+        <p:spPr/>
+        <p:txBody>
+          <a:bodyPr>
+            <a:normAutofit fontScale="90000"/>
+          </a:bodyPr>
+          <a:lstStyle/>
+          <a:p>
+            <a:r>
+              <a:rPr lang="en-US" dirty="0" smtClean="0"/>
+              <a:t>Portfolios Past Performance/Historic Data</a:t>
+            </a:r>
+            <a:endParaRPr lang="en-US" dirty="0"/>
+          </a:p>
+        </p:txBody>
+      </p:sp>
+      <p:sp>
+        <p:nvSpPr>
+          <p:cNvPr id="3" name="Content Placeholder 2"/>
+          <p:cNvSpPr>
+            <a:spLocks noGrp="1"/>
+          </p:cNvSpPr>
+          <p:nvPr>
+            <p:ph idx="1"/>
+          </p:nvPr>
+        </p:nvSpPr>
+        <p:spPr>
+          <a:xfrm>
+            <a:off x="990600" y="1447800"/>
+            <a:ext cx="7162800" cy="4830763"/>
+          </a:xfrm>
+        </p:spPr>
+        <p:txBody>
+          <a:bodyPr>
+            <a:normAutofit/>
+          </a:bodyPr>
+          <a:lstStyle/>
+          <a:p>
+            <a:pPr lvl="1">
+              <a:buNone/>
+            </a:pPr>
+            <a:endParaRPr lang="en-US" dirty="0" smtClean="0"/>
+          </a:p>
+          <a:p>
+            <a:pPr lvl="1">
+              <a:buFont typeface="Arial" pitchFamily="34" charset="0"/>
+              <a:buChar char="•"/>
+            </a:pPr>
+            <a:endParaRPr lang="en-US" dirty="0" smtClean="0"/>
+          </a:p>
+          <a:p>
+            <a:pPr lvl="1">
+              <a:buFont typeface="Arial" pitchFamily="34" charset="0"/>
+              <a:buChar char="•"/>
+            </a:pPr>
+            <a:endParaRPr lang="en-US" dirty="0" smtClean="0"/>
+          </a:p>
+          <a:p>
+            <a:pPr lvl="1">
+              <a:buNone/>
+            </a:pPr>
+            <a:endParaRPr lang="en-US" dirty="0" smtClean="0"/>
+          </a:p>
+        </p:txBody>
+      </p:sp>
+      <p:sp>
+        <p:nvSpPr>
+          <p:cNvPr id="5" name="Rectangle 4"/>
+          <p:cNvSpPr/>
+          <p:nvPr/>
+        </p:nvSpPr>
+        <p:spPr>
+          <a:xfrm>
+            <a:off x="1828800" y="4343400"/>
+            <a:ext cx="3198688" cy="1676400"/>
           </a:xfrm>
           <a:prstGeom prst="rect">
             <a:avLst/>
@@ -5841,8 +7107,8 @@
         </p:nvSpPr>
         <p:spPr>
           <a:xfrm>
-            <a:off x="1828800" y="2057400"/>
-            <a:ext cx="925653" cy="480584"/>
+            <a:off x="1828800" y="4343400"/>
+            <a:ext cx="2971800" cy="829905"/>
           </a:xfrm>
           <a:custGeom>
             <a:avLst/>
@@ -6175,8 +7441,8 @@
         </p:nvSpPr>
         <p:spPr>
           <a:xfrm>
-            <a:off x="3048000" y="2133600"/>
-            <a:ext cx="887506" cy="442003"/>
+            <a:off x="1828800" y="5562600"/>
+            <a:ext cx="3124200" cy="457200"/>
           </a:xfrm>
           <a:custGeom>
             <a:avLst/>
@@ -6671,14 +7937,690 @@
       </p:sp>
       <p:sp>
         <p:nvSpPr>
-          <p:cNvPr id="33" name="Rectangle 32"/>
+          <p:cNvPr id="16" name="Slide Number Placeholder 15"/>
+          <p:cNvSpPr>
+            <a:spLocks noGrp="1"/>
+          </p:cNvSpPr>
+          <p:nvPr>
+            <p:ph type="sldNum" sz="quarter" idx="12"/>
+          </p:nvPr>
+        </p:nvSpPr>
+        <p:spPr/>
+        <p:txBody>
+          <a:bodyPr/>
+          <a:lstStyle/>
+          <a:p>
+            <a:fld id="{B0478B60-1448-486C-BA6D-779A9B0B0C87}" type="slidenum">
+              <a:rPr lang="en-US" smtClean="0"/>
+              <a:pPr/>
+              <a:t>14</a:t>
+            </a:fld>
+            <a:endParaRPr lang="en-US"/>
+          </a:p>
+        </p:txBody>
+      </p:sp>
+      <p:sp>
+        <p:nvSpPr>
+          <p:cNvPr id="2050" name="Rectangle 2"/>
+          <p:cNvSpPr>
+            <a:spLocks noChangeArrowheads="1"/>
+          </p:cNvSpPr>
+          <p:nvPr/>
+        </p:nvSpPr>
+        <p:spPr bwMode="auto">
+          <a:xfrm>
+            <a:off x="0" y="-323165"/>
+            <a:ext cx="184731" cy="646331"/>
+          </a:xfrm>
+          <a:prstGeom prst="rect">
+            <a:avLst/>
+          </a:prstGeom>
+          <a:noFill/>
+          <a:ln w="9525">
+            <a:noFill/>
+            <a:miter lim="800000"/>
+            <a:headEnd/>
+            <a:tailEnd/>
+          </a:ln>
+          <a:effectLst/>
+        </p:spPr>
+        <p:txBody>
+          <a:bodyPr vert="horz" wrap="none" lIns="91440" tIns="45720" rIns="91440" bIns="45720" numCol="1" anchor="ctr" anchorCtr="0" compatLnSpc="1">
+            <a:prstTxWarp prst="textNoShape">
+              <a:avLst/>
+            </a:prstTxWarp>
+            <a:spAutoFit/>
+          </a:bodyPr>
+          <a:lstStyle/>
+          <a:p>
+            <a:pPr marL="0" marR="0" lvl="0" indent="0" algn="l" defTabSz="914400" rtl="0" eaLnBrk="1" fontAlgn="base" latinLnBrk="0" hangingPunct="1">
+              <a:lnSpc>
+                <a:spcPct val="100000"/>
+              </a:lnSpc>
+              <a:spcBef>
+                <a:spcPct val="0"/>
+              </a:spcBef>
+              <a:spcAft>
+                <a:spcPct val="0"/>
+              </a:spcAft>
+              <a:buClrTx/>
+              <a:buSzTx/>
+              <a:buFontTx/>
+              <a:buNone/>
+              <a:tabLst/>
+            </a:pPr>
+            <a:endParaRPr kumimoji="0" lang="en-US" sz="1800" b="0" i="0" u="none" strike="noStrike" cap="none" normalizeH="0" baseline="0" dirty="0" smtClean="0">
+              <a:ln>
+                <a:noFill/>
+              </a:ln>
+              <a:solidFill>
+                <a:schemeClr val="tx1"/>
+              </a:solidFill>
+              <a:effectLst/>
+              <a:latin typeface="Arial" charset="0"/>
+              <a:cs typeface="Arial" charset="0"/>
+            </a:endParaRPr>
+          </a:p>
+          <a:p>
+            <a:pPr marL="0" marR="0" lvl="0" indent="0" algn="l" defTabSz="914400" rtl="0" eaLnBrk="0" fontAlgn="base" latinLnBrk="0" hangingPunct="0">
+              <a:lnSpc>
+                <a:spcPct val="100000"/>
+              </a:lnSpc>
+              <a:spcBef>
+                <a:spcPct val="0"/>
+              </a:spcBef>
+              <a:spcAft>
+                <a:spcPct val="0"/>
+              </a:spcAft>
+              <a:buClrTx/>
+              <a:buSzTx/>
+              <a:buFontTx/>
+              <a:buNone/>
+              <a:tabLst/>
+            </a:pPr>
+            <a:endParaRPr kumimoji="0" lang="en-US" sz="1800" b="0" i="0" u="none" strike="noStrike" cap="none" normalizeH="0" baseline="0" dirty="0" smtClean="0">
+              <a:ln>
+                <a:noFill/>
+              </a:ln>
+              <a:solidFill>
+                <a:schemeClr val="tx1"/>
+              </a:solidFill>
+              <a:effectLst/>
+              <a:latin typeface="Arial" charset="0"/>
+              <a:cs typeface="Arial" charset="0"/>
+            </a:endParaRPr>
+          </a:p>
+        </p:txBody>
+      </p:sp>
+      <p:sp>
+        <p:nvSpPr>
+          <p:cNvPr id="18" name="TextBox 17"/>
+          <p:cNvSpPr txBox="1"/>
+          <p:nvPr/>
+        </p:nvSpPr>
+        <p:spPr>
+          <a:xfrm>
+            <a:off x="1447800" y="1447800"/>
+            <a:ext cx="6019800" cy="2031325"/>
+          </a:xfrm>
+          <a:prstGeom prst="rect">
+            <a:avLst/>
+          </a:prstGeom>
+          <a:noFill/>
+        </p:spPr>
+        <p:txBody>
+          <a:bodyPr wrap="square" rtlCol="0">
+            <a:spAutoFit/>
+          </a:bodyPr>
+          <a:lstStyle/>
+          <a:p>
+            <a:pPr lvl="0" fontAlgn="base">
+              <a:spcBef>
+                <a:spcPct val="0"/>
+              </a:spcBef>
+              <a:spcAft>
+                <a:spcPct val="0"/>
+              </a:spcAft>
+            </a:pPr>
+            <a:r>
+              <a:rPr lang="en-US" dirty="0" smtClean="0">
+                <a:latin typeface="+mj-lt"/>
+                <a:cs typeface="Arial" charset="0"/>
+              </a:rPr>
+              <a:t>To Date (mm/</a:t>
+            </a:r>
+            <a:r>
+              <a:rPr lang="en-US" dirty="0" err="1" smtClean="0">
+                <a:latin typeface="+mj-lt"/>
+                <a:cs typeface="Arial" charset="0"/>
+              </a:rPr>
+              <a:t>dd</a:t>
+            </a:r>
+            <a:r>
+              <a:rPr lang="en-US" dirty="0" smtClean="0">
+                <a:latin typeface="+mj-lt"/>
+                <a:cs typeface="Arial" charset="0"/>
+              </a:rPr>
+              <a:t>/</a:t>
+            </a:r>
+            <a:r>
+              <a:rPr lang="en-US" dirty="0" err="1" smtClean="0">
+                <a:latin typeface="+mj-lt"/>
+                <a:cs typeface="Arial" charset="0"/>
+              </a:rPr>
+              <a:t>yyyy</a:t>
+            </a:r>
+            <a:r>
+              <a:rPr lang="en-US" dirty="0" smtClean="0">
+                <a:latin typeface="+mj-lt"/>
+                <a:cs typeface="Arial" charset="0"/>
+              </a:rPr>
+              <a:t>):  [ENTER]</a:t>
+            </a:r>
+          </a:p>
+          <a:p>
+            <a:pPr lvl="0" eaLnBrk="0" fontAlgn="base" hangingPunct="0">
+              <a:spcBef>
+                <a:spcPct val="0"/>
+              </a:spcBef>
+              <a:spcAft>
+                <a:spcPct val="0"/>
+              </a:spcAft>
+            </a:pPr>
+            <a:r>
+              <a:rPr lang="en-US" dirty="0" smtClean="0">
+                <a:latin typeface="+mj-lt"/>
+                <a:cs typeface="Arial" charset="0"/>
+              </a:rPr>
+              <a:t>Time Interval Ago: [SELECT]Day</a:t>
+            </a:r>
+          </a:p>
+          <a:p>
+            <a:pPr lvl="0" eaLnBrk="0" fontAlgn="base" hangingPunct="0">
+              <a:spcBef>
+                <a:spcPct val="0"/>
+              </a:spcBef>
+              <a:spcAft>
+                <a:spcPct val="0"/>
+              </a:spcAft>
+            </a:pPr>
+            <a:r>
+              <a:rPr lang="en-US" dirty="0" smtClean="0">
+                <a:latin typeface="+mj-lt"/>
+                <a:cs typeface="Arial" charset="0"/>
+              </a:rPr>
+              <a:t>                                                Week</a:t>
+            </a:r>
+          </a:p>
+          <a:p>
+            <a:pPr lvl="0" eaLnBrk="0" fontAlgn="base" hangingPunct="0">
+              <a:spcBef>
+                <a:spcPct val="0"/>
+              </a:spcBef>
+              <a:spcAft>
+                <a:spcPct val="0"/>
+              </a:spcAft>
+            </a:pPr>
+            <a:r>
+              <a:rPr lang="en-US" dirty="0" smtClean="0">
+                <a:latin typeface="+mj-lt"/>
+                <a:cs typeface="Arial" charset="0"/>
+              </a:rPr>
+              <a:t>                                               Month</a:t>
+            </a:r>
+          </a:p>
+          <a:p>
+            <a:pPr lvl="0" eaLnBrk="0" fontAlgn="base" hangingPunct="0">
+              <a:spcBef>
+                <a:spcPct val="0"/>
+              </a:spcBef>
+              <a:spcAft>
+                <a:spcPct val="0"/>
+              </a:spcAft>
+            </a:pPr>
+            <a:r>
+              <a:rPr lang="en-US" dirty="0" smtClean="0">
+                <a:latin typeface="+mj-lt"/>
+                <a:cs typeface="Arial" charset="0"/>
+              </a:rPr>
+              <a:t>                                               Quarter</a:t>
+            </a:r>
+          </a:p>
+          <a:p>
+            <a:pPr lvl="0" eaLnBrk="0" fontAlgn="base" hangingPunct="0">
+              <a:spcBef>
+                <a:spcPct val="0"/>
+              </a:spcBef>
+              <a:spcAft>
+                <a:spcPct val="0"/>
+              </a:spcAft>
+            </a:pPr>
+            <a:r>
+              <a:rPr lang="en-US" dirty="0" smtClean="0">
+                <a:latin typeface="+mj-lt"/>
+                <a:cs typeface="Arial" charset="0"/>
+              </a:rPr>
+              <a:t>                                               Year</a:t>
+            </a:r>
+          </a:p>
+          <a:p>
+            <a:pPr lvl="0" eaLnBrk="0" fontAlgn="base" hangingPunct="0">
+              <a:spcBef>
+                <a:spcPct val="0"/>
+              </a:spcBef>
+              <a:spcAft>
+                <a:spcPct val="0"/>
+              </a:spcAft>
+            </a:pPr>
+            <a:r>
+              <a:rPr lang="en-US" dirty="0" smtClean="0">
+                <a:latin typeface="+mj-lt"/>
+                <a:cs typeface="Arial" charset="0"/>
+              </a:rPr>
+              <a:t>                                               5 Years</a:t>
+            </a:r>
+            <a:endParaRPr lang="en-US" dirty="0">
+              <a:latin typeface="+mj-lt"/>
+            </a:endParaRPr>
+          </a:p>
+        </p:txBody>
+      </p:sp>
+      <p:sp>
+        <p:nvSpPr>
+          <p:cNvPr id="19" name="TextBox 18"/>
+          <p:cNvSpPr txBox="1"/>
+          <p:nvPr/>
+        </p:nvSpPr>
+        <p:spPr>
+          <a:xfrm>
+            <a:off x="1752600" y="3962400"/>
+            <a:ext cx="1066800" cy="369332"/>
+          </a:xfrm>
+          <a:prstGeom prst="rect">
+            <a:avLst/>
+          </a:prstGeom>
+          <a:noFill/>
+        </p:spPr>
+        <p:txBody>
+          <a:bodyPr wrap="square" rtlCol="0">
+            <a:spAutoFit/>
+          </a:bodyPr>
+          <a:lstStyle/>
+          <a:p>
+            <a:r>
+              <a:rPr lang="en-US" dirty="0" smtClean="0"/>
+              <a:t>Graph</a:t>
+            </a:r>
+            <a:endParaRPr lang="en-US" dirty="0"/>
+          </a:p>
+        </p:txBody>
+      </p:sp>
+      <p:sp>
+        <p:nvSpPr>
+          <p:cNvPr id="20" name="TextBox 19"/>
+          <p:cNvSpPr txBox="1"/>
+          <p:nvPr/>
+        </p:nvSpPr>
+        <p:spPr>
+          <a:xfrm>
+            <a:off x="2667000" y="4419600"/>
+            <a:ext cx="1447800" cy="369332"/>
+          </a:xfrm>
+          <a:prstGeom prst="rect">
+            <a:avLst/>
+          </a:prstGeom>
+          <a:noFill/>
+        </p:spPr>
+        <p:txBody>
+          <a:bodyPr wrap="square" rtlCol="0">
+            <a:spAutoFit/>
+          </a:bodyPr>
+          <a:lstStyle/>
+          <a:p>
+            <a:r>
+              <a:rPr lang="en-US" dirty="0" smtClean="0"/>
+              <a:t>stock1</a:t>
+            </a:r>
+            <a:endParaRPr lang="en-US" dirty="0"/>
+          </a:p>
+        </p:txBody>
+      </p:sp>
+      <p:sp>
+        <p:nvSpPr>
+          <p:cNvPr id="22" name="TextBox 21"/>
+          <p:cNvSpPr txBox="1"/>
+          <p:nvPr/>
+        </p:nvSpPr>
+        <p:spPr>
+          <a:xfrm>
+            <a:off x="2514600" y="5334000"/>
+            <a:ext cx="1447800" cy="369332"/>
+          </a:xfrm>
+          <a:prstGeom prst="rect">
+            <a:avLst/>
+          </a:prstGeom>
+          <a:noFill/>
+        </p:spPr>
+        <p:txBody>
+          <a:bodyPr wrap="square" rtlCol="0">
+            <a:spAutoFit/>
+          </a:bodyPr>
+          <a:lstStyle/>
+          <a:p>
+            <a:r>
+              <a:rPr lang="en-US" dirty="0" smtClean="0"/>
+              <a:t>stock2</a:t>
+            </a:r>
+            <a:endParaRPr lang="en-US" dirty="0"/>
+          </a:p>
+        </p:txBody>
+      </p:sp>
+      <p:sp>
+        <p:nvSpPr>
+          <p:cNvPr id="23" name="Rounded Rectangle 22">
+            <a:hlinkClick r:id="rId8" action="ppaction://hlinksldjump"/>
+          </p:cNvPr>
           <p:cNvSpPr/>
           <p:nvPr/>
         </p:nvSpPr>
         <p:spPr>
           <a:xfrm>
-            <a:off x="1828800" y="3733800"/>
-            <a:ext cx="957943" cy="533400"/>
+            <a:off x="76200" y="1371600"/>
+            <a:ext cx="1143000" cy="609600"/>
+          </a:xfrm>
+          <a:prstGeom prst="roundRect">
+            <a:avLst/>
+          </a:prstGeom>
+        </p:spPr>
+        <p:style>
+          <a:lnRef idx="2">
+            <a:schemeClr val="accent1">
+              <a:shade val="50000"/>
+            </a:schemeClr>
+          </a:lnRef>
+          <a:fillRef idx="1">
+            <a:schemeClr val="accent1"/>
+          </a:fillRef>
+          <a:effectRef idx="0">
+            <a:schemeClr val="accent1"/>
+          </a:effectRef>
+          <a:fontRef idx="minor">
+            <a:schemeClr val="lt1"/>
+          </a:fontRef>
+        </p:style>
+        <p:txBody>
+          <a:bodyPr rtlCol="0" anchor="ctr"/>
+          <a:lstStyle/>
+          <a:p>
+            <a:pPr algn="ctr"/>
+            <a:r>
+              <a:rPr lang="en-US" dirty="0" smtClean="0"/>
+              <a:t>Login</a:t>
+            </a:r>
+            <a:endParaRPr lang="en-US" dirty="0"/>
+          </a:p>
+        </p:txBody>
+      </p:sp>
+      <p:sp>
+        <p:nvSpPr>
+          <p:cNvPr id="24" name="Rounded Rectangle 23">
+            <a:hlinkClick r:id="rId8" action="ppaction://hlinksldjump"/>
+          </p:cNvPr>
+          <p:cNvSpPr/>
+          <p:nvPr/>
+        </p:nvSpPr>
+        <p:spPr>
+          <a:xfrm>
+            <a:off x="76200" y="3429000"/>
+            <a:ext cx="1143000" cy="609600"/>
+          </a:xfrm>
+          <a:prstGeom prst="roundRect">
+            <a:avLst/>
+          </a:prstGeom>
+        </p:spPr>
+        <p:style>
+          <a:lnRef idx="2">
+            <a:schemeClr val="accent1">
+              <a:shade val="50000"/>
+            </a:schemeClr>
+          </a:lnRef>
+          <a:fillRef idx="1">
+            <a:schemeClr val="accent1"/>
+          </a:fillRef>
+          <a:effectRef idx="0">
+            <a:schemeClr val="accent1"/>
+          </a:effectRef>
+          <a:fontRef idx="minor">
+            <a:schemeClr val="lt1"/>
+          </a:fontRef>
+        </p:style>
+        <p:txBody>
+          <a:bodyPr rtlCol="0" anchor="ctr"/>
+          <a:lstStyle/>
+          <a:p>
+            <a:pPr algn="ctr"/>
+            <a:r>
+              <a:rPr lang="en-US" dirty="0" smtClean="0"/>
+              <a:t>Logout</a:t>
+            </a:r>
+            <a:endParaRPr lang="en-US" dirty="0"/>
+          </a:p>
+        </p:txBody>
+      </p:sp>
+      <p:sp>
+        <p:nvSpPr>
+          <p:cNvPr id="25" name="Rounded Rectangle 24">
+            <a:hlinkClick r:id="rId9" action="ppaction://hlinksldjump"/>
+          </p:cNvPr>
+          <p:cNvSpPr/>
+          <p:nvPr/>
+        </p:nvSpPr>
+        <p:spPr>
+          <a:xfrm>
+            <a:off x="76200" y="2286000"/>
+            <a:ext cx="1143000" cy="609600"/>
+          </a:xfrm>
+          <a:prstGeom prst="roundRect">
+            <a:avLst/>
+          </a:prstGeom>
+        </p:spPr>
+        <p:style>
+          <a:lnRef idx="2">
+            <a:schemeClr val="accent1">
+              <a:shade val="50000"/>
+            </a:schemeClr>
+          </a:lnRef>
+          <a:fillRef idx="1">
+            <a:schemeClr val="accent1"/>
+          </a:fillRef>
+          <a:effectRef idx="0">
+            <a:schemeClr val="accent1"/>
+          </a:effectRef>
+          <a:fontRef idx="minor">
+            <a:schemeClr val="lt1"/>
+          </a:fontRef>
+        </p:style>
+        <p:txBody>
+          <a:bodyPr rtlCol="0" anchor="ctr"/>
+          <a:lstStyle/>
+          <a:p>
+            <a:pPr algn="ctr"/>
+            <a:r>
+              <a:rPr lang="en-US" dirty="0" smtClean="0"/>
+              <a:t>Register</a:t>
+            </a:r>
+            <a:endParaRPr lang="en-US" dirty="0"/>
+          </a:p>
+        </p:txBody>
+      </p:sp>
+      <p:sp>
+        <p:nvSpPr>
+          <p:cNvPr id="26" name="Rounded Rectangle 25">
+            <a:hlinkClick r:id="rId10" action="ppaction://hlinksldjump"/>
+          </p:cNvPr>
+          <p:cNvSpPr/>
+          <p:nvPr/>
+        </p:nvSpPr>
+        <p:spPr>
+          <a:xfrm>
+            <a:off x="76200" y="4343400"/>
+            <a:ext cx="1143000" cy="609600"/>
+          </a:xfrm>
+          <a:prstGeom prst="roundRect">
+            <a:avLst/>
+          </a:prstGeom>
+        </p:spPr>
+        <p:style>
+          <a:lnRef idx="2">
+            <a:schemeClr val="accent1">
+              <a:shade val="50000"/>
+            </a:schemeClr>
+          </a:lnRef>
+          <a:fillRef idx="1">
+            <a:schemeClr val="accent1"/>
+          </a:fillRef>
+          <a:effectRef idx="0">
+            <a:schemeClr val="accent1"/>
+          </a:effectRef>
+          <a:fontRef idx="minor">
+            <a:schemeClr val="lt1"/>
+          </a:fontRef>
+        </p:style>
+        <p:txBody>
+          <a:bodyPr rtlCol="0" anchor="ctr"/>
+          <a:lstStyle/>
+          <a:p>
+            <a:pPr algn="ctr"/>
+            <a:r>
+              <a:rPr lang="en-US" dirty="0" smtClean="0"/>
+              <a:t>Home</a:t>
+            </a:r>
+            <a:endParaRPr lang="en-US" dirty="0"/>
+          </a:p>
+        </p:txBody>
+      </p:sp>
+    </p:spTree>
+    <p:controls>
+      <p:control spid="2049" name="DefaultOcx" r:id="rId2" imgW="914400" imgH="228600"/>
+      <p:control spid="2051" name="HTMLOption1" r:id="rId3" imgW="257040" imgH="304920"/>
+      <p:control spid="2052" name="HTMLOption2" r:id="rId4" imgW="257040" imgH="304920"/>
+      <p:control spid="2053" name="HTMLOption3" r:id="rId5" imgW="257040" imgH="304920"/>
+    </p:controls>
+  </p:cSld>
+  <p:clrMapOvr>
+    <a:masterClrMapping/>
+  </p:clrMapOvr>
+  <p:timing>
+    <p:tnLst>
+      <p:par>
+        <p:cTn id="1" dur="indefinite" restart="never" nodeType="tmRoot"/>
+      </p:par>
+    </p:tnLst>
+  </p:timing>
+</p:sld>
+</file>
+
+<file path=ppt/slides/slide15.xml><?xml version="1.0" encoding="utf-8"?>
+<p:sld xmlns:a="http://schemas.openxmlformats.org/drawingml/2006/main" xmlns:r="http://schemas.openxmlformats.org/officeDocument/2006/relationships" xmlns:p="http://schemas.openxmlformats.org/presentationml/2006/main">
+  <p:cSld>
+    <p:spTree>
+      <p:nvGrpSpPr>
+        <p:cNvPr id="1" name=""/>
+        <p:cNvGrpSpPr/>
+        <p:nvPr/>
+      </p:nvGrpSpPr>
+      <p:grpSpPr>
+        <a:xfrm>
+          <a:off x="0" y="0"/>
+          <a:ext cx="0" cy="0"/>
+          <a:chOff x="0" y="0"/>
+          <a:chExt cx="0" cy="0"/>
+        </a:xfrm>
+      </p:grpSpPr>
+      <p:sp>
+        <p:nvSpPr>
+          <p:cNvPr id="2" name="Title 1"/>
+          <p:cNvSpPr>
+            <a:spLocks noGrp="1"/>
+          </p:cNvSpPr>
+          <p:nvPr>
+            <p:ph type="title"/>
+          </p:nvPr>
+        </p:nvSpPr>
+        <p:spPr/>
+        <p:txBody>
+          <a:bodyPr>
+            <a:normAutofit/>
+          </a:bodyPr>
+          <a:lstStyle/>
+          <a:p>
+            <a:r>
+              <a:rPr lang="en-US" dirty="0" smtClean="0"/>
+              <a:t>Portfolio’s/Stock’s Predicted Value</a:t>
+            </a:r>
+            <a:endParaRPr lang="en-US" dirty="0"/>
+          </a:p>
+        </p:txBody>
+      </p:sp>
+      <p:sp>
+        <p:nvSpPr>
+          <p:cNvPr id="3" name="Content Placeholder 2"/>
+          <p:cNvSpPr>
+            <a:spLocks noGrp="1"/>
+          </p:cNvSpPr>
+          <p:nvPr>
+            <p:ph idx="1"/>
+          </p:nvPr>
+        </p:nvSpPr>
+        <p:spPr>
+          <a:xfrm>
+            <a:off x="990600" y="1447800"/>
+            <a:ext cx="7162800" cy="4830763"/>
+          </a:xfrm>
+        </p:spPr>
+        <p:txBody>
+          <a:bodyPr>
+            <a:normAutofit/>
+          </a:bodyPr>
+          <a:lstStyle/>
+          <a:p>
+            <a:pPr lvl="1">
+              <a:buNone/>
+            </a:pPr>
+            <a:endParaRPr lang="en-US" dirty="0" smtClean="0"/>
+          </a:p>
+          <a:p>
+            <a:pPr lvl="1">
+              <a:buFont typeface="Arial" pitchFamily="34" charset="0"/>
+              <a:buChar char="•"/>
+            </a:pPr>
+            <a:endParaRPr lang="en-US" dirty="0" smtClean="0"/>
+          </a:p>
+          <a:p>
+            <a:pPr lvl="1">
+              <a:buFont typeface="Arial" pitchFamily="34" charset="0"/>
+              <a:buChar char="•"/>
+            </a:pPr>
+            <a:endParaRPr lang="en-US" dirty="0" smtClean="0"/>
+          </a:p>
+          <a:p>
+            <a:pPr lvl="1">
+              <a:buNone/>
+            </a:pPr>
+            <a:endParaRPr lang="en-US" dirty="0" smtClean="0"/>
+          </a:p>
+        </p:txBody>
+      </p:sp>
+      <p:sp>
+        <p:nvSpPr>
+          <p:cNvPr id="5" name="Rectangle 4"/>
+          <p:cNvSpPr/>
+          <p:nvPr/>
+        </p:nvSpPr>
+        <p:spPr>
+          <a:xfrm>
+            <a:off x="1828800" y="4343400"/>
+            <a:ext cx="3198688" cy="1676400"/>
           </a:xfrm>
           <a:prstGeom prst="rect">
             <a:avLst/>
@@ -6709,52 +8651,14 @@
       </p:sp>
       <p:sp>
         <p:nvSpPr>
-          <p:cNvPr id="34" name="Rectangle 33"/>
+          <p:cNvPr id="8" name="Freeform 7"/>
           <p:cNvSpPr/>
           <p:nvPr/>
         </p:nvSpPr>
         <p:spPr>
           <a:xfrm>
-            <a:off x="3046287" y="3726899"/>
-            <a:ext cx="914400" cy="533400"/>
-          </a:xfrm>
-          <a:prstGeom prst="rect">
-            <a:avLst/>
-          </a:prstGeom>
-        </p:spPr>
-        <p:style>
-          <a:lnRef idx="2">
-            <a:schemeClr val="dk1"/>
-          </a:lnRef>
-          <a:fillRef idx="1">
-            <a:schemeClr val="lt1"/>
-          </a:fillRef>
-          <a:effectRef idx="0">
-            <a:schemeClr val="dk1"/>
-          </a:effectRef>
-          <a:fontRef idx="minor">
-            <a:schemeClr val="dk1"/>
-          </a:fontRef>
-        </p:style>
-        <p:txBody>
-          <a:bodyPr rtlCol="0" anchor="ctr"/>
-          <a:lstStyle/>
-          <a:p>
-            <a:pPr algn="ctr"/>
-            <a:endParaRPr lang="en-US"/>
-          </a:p>
-        </p:txBody>
-      </p:sp>
-      <p:sp>
-        <p:nvSpPr>
-          <p:cNvPr id="35" name="Freeform 34"/>
-          <p:cNvSpPr/>
-          <p:nvPr/>
-        </p:nvSpPr>
-        <p:spPr>
-          <a:xfrm>
-            <a:off x="1828800" y="3810000"/>
-            <a:ext cx="925653" cy="480584"/>
+            <a:off x="1828800" y="4343400"/>
+            <a:ext cx="3200400" cy="990600"/>
           </a:xfrm>
           <a:custGeom>
             <a:avLst/>
@@ -7081,571 +8985,363 @@
       </p:sp>
       <p:sp>
         <p:nvSpPr>
-          <p:cNvPr id="36" name="Freeform 35"/>
-          <p:cNvSpPr/>
+          <p:cNvPr id="16" name="Slide Number Placeholder 15"/>
+          <p:cNvSpPr>
+            <a:spLocks noGrp="1"/>
+          </p:cNvSpPr>
+          <p:nvPr>
+            <p:ph type="sldNum" sz="quarter" idx="12"/>
+          </p:nvPr>
+        </p:nvSpPr>
+        <p:spPr/>
+        <p:txBody>
+          <a:bodyPr/>
+          <a:lstStyle/>
+          <a:p>
+            <a:fld id="{B0478B60-1448-486C-BA6D-779A9B0B0C87}" type="slidenum">
+              <a:rPr lang="en-US" smtClean="0"/>
+              <a:pPr/>
+              <a:t>15</a:t>
+            </a:fld>
+            <a:endParaRPr lang="en-US"/>
+          </a:p>
+        </p:txBody>
+      </p:sp>
+      <p:sp>
+        <p:nvSpPr>
+          <p:cNvPr id="2050" name="Rectangle 2"/>
+          <p:cNvSpPr>
+            <a:spLocks noChangeArrowheads="1"/>
+          </p:cNvSpPr>
           <p:nvPr/>
         </p:nvSpPr>
-        <p:spPr>
-          <a:xfrm>
-            <a:off x="3048000" y="3886200"/>
-            <a:ext cx="887506" cy="442003"/>
-          </a:xfrm>
-          <a:custGeom>
-            <a:avLst/>
-            <a:gdLst>
-              <a:gd name="connsiteX0" fmla="*/ 0 w 1707676"/>
-              <a:gd name="connsiteY0" fmla="*/ 205483 h 832207"/>
-              <a:gd name="connsiteX1" fmla="*/ 30822 w 1707676"/>
-              <a:gd name="connsiteY1" fmla="*/ 195209 h 832207"/>
-              <a:gd name="connsiteX2" fmla="*/ 143838 w 1707676"/>
-              <a:gd name="connsiteY2" fmla="*/ 215757 h 832207"/>
-              <a:gd name="connsiteX3" fmla="*/ 174660 w 1707676"/>
-              <a:gd name="connsiteY3" fmla="*/ 277402 h 832207"/>
-              <a:gd name="connsiteX4" fmla="*/ 246580 w 1707676"/>
-              <a:gd name="connsiteY4" fmla="*/ 359595 h 832207"/>
-              <a:gd name="connsiteX5" fmla="*/ 277402 w 1707676"/>
-              <a:gd name="connsiteY5" fmla="*/ 369870 h 832207"/>
-              <a:gd name="connsiteX6" fmla="*/ 380144 w 1707676"/>
-              <a:gd name="connsiteY6" fmla="*/ 359595 h 832207"/>
-              <a:gd name="connsiteX7" fmla="*/ 441789 w 1707676"/>
-              <a:gd name="connsiteY7" fmla="*/ 339047 h 832207"/>
-              <a:gd name="connsiteX8" fmla="*/ 513708 w 1707676"/>
-              <a:gd name="connsiteY8" fmla="*/ 318499 h 832207"/>
-              <a:gd name="connsiteX9" fmla="*/ 534256 w 1707676"/>
-              <a:gd name="connsiteY9" fmla="*/ 297950 h 832207"/>
-              <a:gd name="connsiteX10" fmla="*/ 565078 w 1707676"/>
-              <a:gd name="connsiteY10" fmla="*/ 277402 h 832207"/>
-              <a:gd name="connsiteX11" fmla="*/ 636998 w 1707676"/>
-              <a:gd name="connsiteY11" fmla="*/ 205483 h 832207"/>
-              <a:gd name="connsiteX12" fmla="*/ 678094 w 1707676"/>
-              <a:gd name="connsiteY12" fmla="*/ 143838 h 832207"/>
-              <a:gd name="connsiteX13" fmla="*/ 688368 w 1707676"/>
-              <a:gd name="connsiteY13" fmla="*/ 113016 h 832207"/>
-              <a:gd name="connsiteX14" fmla="*/ 739739 w 1707676"/>
-              <a:gd name="connsiteY14" fmla="*/ 41096 h 832207"/>
-              <a:gd name="connsiteX15" fmla="*/ 770562 w 1707676"/>
-              <a:gd name="connsiteY15" fmla="*/ 30822 h 832207"/>
-              <a:gd name="connsiteX16" fmla="*/ 821932 w 1707676"/>
-              <a:gd name="connsiteY16" fmla="*/ 41096 h 832207"/>
-              <a:gd name="connsiteX17" fmla="*/ 842481 w 1707676"/>
-              <a:gd name="connsiteY17" fmla="*/ 71919 h 832207"/>
-              <a:gd name="connsiteX18" fmla="*/ 873303 w 1707676"/>
-              <a:gd name="connsiteY18" fmla="*/ 92467 h 832207"/>
-              <a:gd name="connsiteX19" fmla="*/ 914400 w 1707676"/>
-              <a:gd name="connsiteY19" fmla="*/ 154112 h 832207"/>
-              <a:gd name="connsiteX20" fmla="*/ 934948 w 1707676"/>
-              <a:gd name="connsiteY20" fmla="*/ 184935 h 832207"/>
-              <a:gd name="connsiteX21" fmla="*/ 965771 w 1707676"/>
-              <a:gd name="connsiteY21" fmla="*/ 195209 h 832207"/>
-              <a:gd name="connsiteX22" fmla="*/ 996593 w 1707676"/>
-              <a:gd name="connsiteY22" fmla="*/ 226031 h 832207"/>
-              <a:gd name="connsiteX23" fmla="*/ 1191802 w 1707676"/>
-              <a:gd name="connsiteY23" fmla="*/ 226031 h 832207"/>
-              <a:gd name="connsiteX24" fmla="*/ 1284269 w 1707676"/>
-              <a:gd name="connsiteY24" fmla="*/ 164386 h 832207"/>
-              <a:gd name="connsiteX25" fmla="*/ 1304818 w 1707676"/>
-              <a:gd name="connsiteY25" fmla="*/ 133564 h 832207"/>
-              <a:gd name="connsiteX26" fmla="*/ 1345914 w 1707676"/>
-              <a:gd name="connsiteY26" fmla="*/ 92467 h 832207"/>
-              <a:gd name="connsiteX27" fmla="*/ 1417833 w 1707676"/>
-              <a:gd name="connsiteY27" fmla="*/ 0 h 832207"/>
-              <a:gd name="connsiteX28" fmla="*/ 1438382 w 1707676"/>
-              <a:gd name="connsiteY28" fmla="*/ 41096 h 832207"/>
-              <a:gd name="connsiteX29" fmla="*/ 1458930 w 1707676"/>
-              <a:gd name="connsiteY29" fmla="*/ 71919 h 832207"/>
-              <a:gd name="connsiteX30" fmla="*/ 1469204 w 1707676"/>
-              <a:gd name="connsiteY30" fmla="*/ 123290 h 832207"/>
-              <a:gd name="connsiteX31" fmla="*/ 1479478 w 1707676"/>
-              <a:gd name="connsiteY31" fmla="*/ 164386 h 832207"/>
-              <a:gd name="connsiteX32" fmla="*/ 1489753 w 1707676"/>
-              <a:gd name="connsiteY32" fmla="*/ 215757 h 832207"/>
-              <a:gd name="connsiteX33" fmla="*/ 1510301 w 1707676"/>
-              <a:gd name="connsiteY33" fmla="*/ 277402 h 832207"/>
-              <a:gd name="connsiteX34" fmla="*/ 1520575 w 1707676"/>
-              <a:gd name="connsiteY34" fmla="*/ 308225 h 832207"/>
-              <a:gd name="connsiteX35" fmla="*/ 1530849 w 1707676"/>
-              <a:gd name="connsiteY35" fmla="*/ 339047 h 832207"/>
-              <a:gd name="connsiteX36" fmla="*/ 1561672 w 1707676"/>
-              <a:gd name="connsiteY36" fmla="*/ 390418 h 832207"/>
-              <a:gd name="connsiteX37" fmla="*/ 1582220 w 1707676"/>
-              <a:gd name="connsiteY37" fmla="*/ 452063 h 832207"/>
-              <a:gd name="connsiteX38" fmla="*/ 1592494 w 1707676"/>
-              <a:gd name="connsiteY38" fmla="*/ 482885 h 832207"/>
-              <a:gd name="connsiteX39" fmla="*/ 1602768 w 1707676"/>
-              <a:gd name="connsiteY39" fmla="*/ 534256 h 832207"/>
-              <a:gd name="connsiteX40" fmla="*/ 1623317 w 1707676"/>
-              <a:gd name="connsiteY40" fmla="*/ 554804 h 832207"/>
-              <a:gd name="connsiteX41" fmla="*/ 1633591 w 1707676"/>
-              <a:gd name="connsiteY41" fmla="*/ 606175 h 832207"/>
-              <a:gd name="connsiteX42" fmla="*/ 1643865 w 1707676"/>
-              <a:gd name="connsiteY42" fmla="*/ 636998 h 832207"/>
-              <a:gd name="connsiteX43" fmla="*/ 1654139 w 1707676"/>
-              <a:gd name="connsiteY43" fmla="*/ 698643 h 832207"/>
-              <a:gd name="connsiteX44" fmla="*/ 1695236 w 1707676"/>
-              <a:gd name="connsiteY44" fmla="*/ 780836 h 832207"/>
-              <a:gd name="connsiteX45" fmla="*/ 1705510 w 1707676"/>
-              <a:gd name="connsiteY45" fmla="*/ 832207 h 832207"/>
-            </a:gdLst>
-            <a:ahLst/>
-            <a:cxnLst>
-              <a:cxn ang="0">
-                <a:pos x="connsiteX0" y="connsiteY0"/>
-              </a:cxn>
-              <a:cxn ang="0">
-                <a:pos x="connsiteX1" y="connsiteY1"/>
-              </a:cxn>
-              <a:cxn ang="0">
-                <a:pos x="connsiteX2" y="connsiteY2"/>
-              </a:cxn>
-              <a:cxn ang="0">
-                <a:pos x="connsiteX3" y="connsiteY3"/>
-              </a:cxn>
-              <a:cxn ang="0">
-                <a:pos x="connsiteX4" y="connsiteY4"/>
-              </a:cxn>
-              <a:cxn ang="0">
-                <a:pos x="connsiteX5" y="connsiteY5"/>
-              </a:cxn>
-              <a:cxn ang="0">
-                <a:pos x="connsiteX6" y="connsiteY6"/>
-              </a:cxn>
-              <a:cxn ang="0">
-                <a:pos x="connsiteX7" y="connsiteY7"/>
-              </a:cxn>
-              <a:cxn ang="0">
-                <a:pos x="connsiteX8" y="connsiteY8"/>
-              </a:cxn>
-              <a:cxn ang="0">
-                <a:pos x="connsiteX9" y="connsiteY9"/>
-              </a:cxn>
-              <a:cxn ang="0">
-                <a:pos x="connsiteX10" y="connsiteY10"/>
-              </a:cxn>
-              <a:cxn ang="0">
-                <a:pos x="connsiteX11" y="connsiteY11"/>
-              </a:cxn>
-              <a:cxn ang="0">
-                <a:pos x="connsiteX12" y="connsiteY12"/>
-              </a:cxn>
-              <a:cxn ang="0">
-                <a:pos x="connsiteX13" y="connsiteY13"/>
-              </a:cxn>
-              <a:cxn ang="0">
-                <a:pos x="connsiteX14" y="connsiteY14"/>
-              </a:cxn>
-              <a:cxn ang="0">
-                <a:pos x="connsiteX15" y="connsiteY15"/>
-              </a:cxn>
-              <a:cxn ang="0">
-                <a:pos x="connsiteX16" y="connsiteY16"/>
-              </a:cxn>
-              <a:cxn ang="0">
-                <a:pos x="connsiteX17" y="connsiteY17"/>
-              </a:cxn>
-              <a:cxn ang="0">
-                <a:pos x="connsiteX18" y="connsiteY18"/>
-              </a:cxn>
-              <a:cxn ang="0">
-                <a:pos x="connsiteX19" y="connsiteY19"/>
-              </a:cxn>
-              <a:cxn ang="0">
-                <a:pos x="connsiteX20" y="connsiteY20"/>
-              </a:cxn>
-              <a:cxn ang="0">
-                <a:pos x="connsiteX21" y="connsiteY21"/>
-              </a:cxn>
-              <a:cxn ang="0">
-                <a:pos x="connsiteX22" y="connsiteY22"/>
-              </a:cxn>
-              <a:cxn ang="0">
-                <a:pos x="connsiteX23" y="connsiteY23"/>
-              </a:cxn>
-              <a:cxn ang="0">
-                <a:pos x="connsiteX24" y="connsiteY24"/>
-              </a:cxn>
-              <a:cxn ang="0">
-                <a:pos x="connsiteX25" y="connsiteY25"/>
-              </a:cxn>
-              <a:cxn ang="0">
-                <a:pos x="connsiteX26" y="connsiteY26"/>
-              </a:cxn>
-              <a:cxn ang="0">
-                <a:pos x="connsiteX27" y="connsiteY27"/>
-              </a:cxn>
-              <a:cxn ang="0">
-                <a:pos x="connsiteX28" y="connsiteY28"/>
-              </a:cxn>
-              <a:cxn ang="0">
-                <a:pos x="connsiteX29" y="connsiteY29"/>
-              </a:cxn>
-              <a:cxn ang="0">
-                <a:pos x="connsiteX30" y="connsiteY30"/>
-              </a:cxn>
-              <a:cxn ang="0">
-                <a:pos x="connsiteX31" y="connsiteY31"/>
-              </a:cxn>
-              <a:cxn ang="0">
-                <a:pos x="connsiteX32" y="connsiteY32"/>
-              </a:cxn>
-              <a:cxn ang="0">
-                <a:pos x="connsiteX33" y="connsiteY33"/>
-              </a:cxn>
-              <a:cxn ang="0">
-                <a:pos x="connsiteX34" y="connsiteY34"/>
-              </a:cxn>
-              <a:cxn ang="0">
-                <a:pos x="connsiteX35" y="connsiteY35"/>
-              </a:cxn>
-              <a:cxn ang="0">
-                <a:pos x="connsiteX36" y="connsiteY36"/>
-              </a:cxn>
-              <a:cxn ang="0">
-                <a:pos x="connsiteX37" y="connsiteY37"/>
-              </a:cxn>
-              <a:cxn ang="0">
-                <a:pos x="connsiteX38" y="connsiteY38"/>
-              </a:cxn>
-              <a:cxn ang="0">
-                <a:pos x="connsiteX39" y="connsiteY39"/>
-              </a:cxn>
-              <a:cxn ang="0">
-                <a:pos x="connsiteX40" y="connsiteY40"/>
-              </a:cxn>
-              <a:cxn ang="0">
-                <a:pos x="connsiteX41" y="connsiteY41"/>
-              </a:cxn>
-              <a:cxn ang="0">
-                <a:pos x="connsiteX42" y="connsiteY42"/>
-              </a:cxn>
-              <a:cxn ang="0">
-                <a:pos x="connsiteX43" y="connsiteY43"/>
-              </a:cxn>
-              <a:cxn ang="0">
-                <a:pos x="connsiteX44" y="connsiteY44"/>
-              </a:cxn>
-              <a:cxn ang="0">
-                <a:pos x="connsiteX45" y="connsiteY45"/>
-              </a:cxn>
-            </a:cxnLst>
-            <a:rect l="l" t="t" r="r" b="b"/>
-            <a:pathLst>
-              <a:path w="1707676" h="832207">
-                <a:moveTo>
-                  <a:pt x="0" y="205483"/>
-                </a:moveTo>
-                <a:cubicBezTo>
-                  <a:pt x="10274" y="202058"/>
-                  <a:pt x="19992" y="195209"/>
-                  <a:pt x="30822" y="195209"/>
-                </a:cubicBezTo>
-                <a:cubicBezTo>
-                  <a:pt x="88910" y="195209"/>
-                  <a:pt x="100491" y="201308"/>
-                  <a:pt x="143838" y="215757"/>
-                </a:cubicBezTo>
-                <a:cubicBezTo>
-                  <a:pt x="202733" y="304102"/>
-                  <a:pt x="132118" y="192319"/>
-                  <a:pt x="174660" y="277402"/>
-                </a:cubicBezTo>
-                <a:cubicBezTo>
-                  <a:pt x="186189" y="300459"/>
-                  <a:pt x="230511" y="354238"/>
-                  <a:pt x="246580" y="359595"/>
-                </a:cubicBezTo>
-                <a:lnTo>
-                  <a:pt x="277402" y="369870"/>
-                </a:lnTo>
-                <a:cubicBezTo>
-                  <a:pt x="311649" y="366445"/>
-                  <a:pt x="346315" y="365938"/>
-                  <a:pt x="380144" y="359595"/>
-                </a:cubicBezTo>
-                <a:cubicBezTo>
-                  <a:pt x="401433" y="355603"/>
-                  <a:pt x="420776" y="344300"/>
-                  <a:pt x="441789" y="339047"/>
-                </a:cubicBezTo>
-                <a:cubicBezTo>
-                  <a:pt x="493392" y="326146"/>
-                  <a:pt x="469489" y="333238"/>
-                  <a:pt x="513708" y="318499"/>
-                </a:cubicBezTo>
-                <a:cubicBezTo>
-                  <a:pt x="520557" y="311649"/>
-                  <a:pt x="526692" y="304001"/>
-                  <a:pt x="534256" y="297950"/>
-                </a:cubicBezTo>
-                <a:cubicBezTo>
-                  <a:pt x="543898" y="290236"/>
-                  <a:pt x="555900" y="285662"/>
-                  <a:pt x="565078" y="277402"/>
-                </a:cubicBezTo>
-                <a:cubicBezTo>
-                  <a:pt x="590278" y="254722"/>
-                  <a:pt x="636998" y="205483"/>
-                  <a:pt x="636998" y="205483"/>
-                </a:cubicBezTo>
-                <a:cubicBezTo>
-                  <a:pt x="660593" y="111101"/>
-                  <a:pt x="626493" y="208339"/>
-                  <a:pt x="678094" y="143838"/>
-                </a:cubicBezTo>
-                <a:cubicBezTo>
-                  <a:pt x="684859" y="135381"/>
-                  <a:pt x="684102" y="122970"/>
-                  <a:pt x="688368" y="113016"/>
-                </a:cubicBezTo>
-                <a:cubicBezTo>
-                  <a:pt x="701223" y="83021"/>
-                  <a:pt x="711550" y="59889"/>
-                  <a:pt x="739739" y="41096"/>
-                </a:cubicBezTo>
-                <a:cubicBezTo>
-                  <a:pt x="748750" y="35089"/>
-                  <a:pt x="760288" y="34247"/>
-                  <a:pt x="770562" y="30822"/>
-                </a:cubicBezTo>
-                <a:cubicBezTo>
-                  <a:pt x="787685" y="34247"/>
-                  <a:pt x="806770" y="32432"/>
-                  <a:pt x="821932" y="41096"/>
-                </a:cubicBezTo>
-                <a:cubicBezTo>
-                  <a:pt x="832653" y="47223"/>
-                  <a:pt x="833749" y="63187"/>
-                  <a:pt x="842481" y="71919"/>
-                </a:cubicBezTo>
-                <a:cubicBezTo>
-                  <a:pt x="851212" y="80650"/>
-                  <a:pt x="863029" y="85618"/>
-                  <a:pt x="873303" y="92467"/>
-                </a:cubicBezTo>
-                <a:cubicBezTo>
-                  <a:pt x="914723" y="175309"/>
-                  <a:pt x="872560" y="101812"/>
-                  <a:pt x="914400" y="154112"/>
-                </a:cubicBezTo>
-                <a:cubicBezTo>
-                  <a:pt x="922114" y="163754"/>
-                  <a:pt x="925306" y="177221"/>
-                  <a:pt x="934948" y="184935"/>
-                </a:cubicBezTo>
-                <a:cubicBezTo>
-                  <a:pt x="943405" y="191701"/>
-                  <a:pt x="955497" y="191784"/>
-                  <a:pt x="965771" y="195209"/>
-                </a:cubicBezTo>
-                <a:cubicBezTo>
-                  <a:pt x="976045" y="205483"/>
-                  <a:pt x="985431" y="216729"/>
-                  <a:pt x="996593" y="226031"/>
-                </a:cubicBezTo>
-                <a:cubicBezTo>
-                  <a:pt x="1060013" y="278881"/>
-                  <a:pt x="1074867" y="240648"/>
-                  <a:pt x="1191802" y="226031"/>
-                </a:cubicBezTo>
-                <a:cubicBezTo>
-                  <a:pt x="1222624" y="205483"/>
-                  <a:pt x="1255599" y="187843"/>
-                  <a:pt x="1284269" y="164386"/>
-                </a:cubicBezTo>
-                <a:cubicBezTo>
-                  <a:pt x="1293826" y="156567"/>
-                  <a:pt x="1296782" y="142939"/>
-                  <a:pt x="1304818" y="133564"/>
-                </a:cubicBezTo>
-                <a:cubicBezTo>
-                  <a:pt x="1317426" y="118855"/>
-                  <a:pt x="1332954" y="106867"/>
-                  <a:pt x="1345914" y="92467"/>
-                </a:cubicBezTo>
-                <a:cubicBezTo>
-                  <a:pt x="1391643" y="41657"/>
-                  <a:pt x="1388702" y="43697"/>
-                  <a:pt x="1417833" y="0"/>
-                </a:cubicBezTo>
-                <a:cubicBezTo>
-                  <a:pt x="1424683" y="13699"/>
-                  <a:pt x="1430783" y="27798"/>
-                  <a:pt x="1438382" y="41096"/>
-                </a:cubicBezTo>
-                <a:cubicBezTo>
-                  <a:pt x="1444508" y="51817"/>
-                  <a:pt x="1454594" y="60357"/>
-                  <a:pt x="1458930" y="71919"/>
-                </a:cubicBezTo>
-                <a:cubicBezTo>
-                  <a:pt x="1465061" y="88270"/>
-                  <a:pt x="1465416" y="106243"/>
-                  <a:pt x="1469204" y="123290"/>
-                </a:cubicBezTo>
-                <a:cubicBezTo>
-                  <a:pt x="1472267" y="137074"/>
-                  <a:pt x="1476415" y="150602"/>
-                  <a:pt x="1479478" y="164386"/>
-                </a:cubicBezTo>
-                <a:cubicBezTo>
-                  <a:pt x="1483266" y="181433"/>
-                  <a:pt x="1485158" y="198910"/>
-                  <a:pt x="1489753" y="215757"/>
-                </a:cubicBezTo>
-                <a:cubicBezTo>
-                  <a:pt x="1495452" y="236654"/>
-                  <a:pt x="1503452" y="256854"/>
-                  <a:pt x="1510301" y="277402"/>
-                </a:cubicBezTo>
-                <a:lnTo>
-                  <a:pt x="1520575" y="308225"/>
-                </a:lnTo>
-                <a:cubicBezTo>
-                  <a:pt x="1524000" y="318499"/>
-                  <a:pt x="1525277" y="329761"/>
-                  <a:pt x="1530849" y="339047"/>
-                </a:cubicBezTo>
-                <a:cubicBezTo>
-                  <a:pt x="1541123" y="356171"/>
-                  <a:pt x="1553409" y="372238"/>
-                  <a:pt x="1561672" y="390418"/>
-                </a:cubicBezTo>
-                <a:cubicBezTo>
-                  <a:pt x="1570635" y="410136"/>
-                  <a:pt x="1575371" y="431515"/>
-                  <a:pt x="1582220" y="452063"/>
-                </a:cubicBezTo>
-                <a:cubicBezTo>
-                  <a:pt x="1585645" y="462337"/>
-                  <a:pt x="1590370" y="472266"/>
-                  <a:pt x="1592494" y="482885"/>
-                </a:cubicBezTo>
-                <a:cubicBezTo>
-                  <a:pt x="1595919" y="500009"/>
-                  <a:pt x="1595889" y="518205"/>
-                  <a:pt x="1602768" y="534256"/>
-                </a:cubicBezTo>
-                <a:cubicBezTo>
-                  <a:pt x="1606584" y="543159"/>
-                  <a:pt x="1616467" y="547955"/>
-                  <a:pt x="1623317" y="554804"/>
-                </a:cubicBezTo>
-                <a:cubicBezTo>
-                  <a:pt x="1626742" y="571928"/>
-                  <a:pt x="1629356" y="589234"/>
-                  <a:pt x="1633591" y="606175"/>
-                </a:cubicBezTo>
-                <a:cubicBezTo>
-                  <a:pt x="1636218" y="616682"/>
-                  <a:pt x="1641516" y="626426"/>
-                  <a:pt x="1643865" y="636998"/>
-                </a:cubicBezTo>
-                <a:cubicBezTo>
-                  <a:pt x="1648384" y="657334"/>
-                  <a:pt x="1648658" y="678545"/>
-                  <a:pt x="1654139" y="698643"/>
-                </a:cubicBezTo>
-                <a:cubicBezTo>
-                  <a:pt x="1665739" y="741178"/>
-                  <a:pt x="1673519" y="748260"/>
-                  <a:pt x="1695236" y="780836"/>
-                </a:cubicBezTo>
-                <a:cubicBezTo>
-                  <a:pt x="1707676" y="818156"/>
-                  <a:pt x="1705510" y="800828"/>
-                  <a:pt x="1705510" y="832207"/>
-                </a:cubicBezTo>
-              </a:path>
-            </a:pathLst>
-          </a:custGeom>
-        </p:spPr>
-        <p:style>
-          <a:lnRef idx="1">
-            <a:schemeClr val="accent1"/>
-          </a:lnRef>
-          <a:fillRef idx="0">
-            <a:schemeClr val="accent1"/>
-          </a:fillRef>
-          <a:effectRef idx="0">
-            <a:schemeClr val="accent1"/>
-          </a:effectRef>
-          <a:fontRef idx="minor">
-            <a:schemeClr val="tx1"/>
-          </a:fontRef>
-        </p:style>
-        <p:txBody>
-          <a:bodyPr rtlCol="0" anchor="ctr"/>
-          <a:lstStyle/>
-          <a:p>
-            <a:pPr algn="ctr"/>
-            <a:endParaRPr lang="en-US"/>
-          </a:p>
-        </p:txBody>
-      </p:sp>
-      <p:sp>
-        <p:nvSpPr>
-          <p:cNvPr id="37" name="Rectangle 36"/>
-          <p:cNvSpPr/>
-          <p:nvPr/>
-        </p:nvSpPr>
-        <p:spPr>
-          <a:xfrm>
-            <a:off x="1830512" y="5249505"/>
-            <a:ext cx="957943" cy="533400"/>
+        <p:spPr bwMode="auto">
+          <a:xfrm>
+            <a:off x="0" y="-323165"/>
+            <a:ext cx="184731" cy="646331"/>
           </a:xfrm>
           <a:prstGeom prst="rect">
             <a:avLst/>
           </a:prstGeom>
-        </p:spPr>
-        <p:style>
-          <a:lnRef idx="2">
-            <a:schemeClr val="dk1"/>
-          </a:lnRef>
-          <a:fillRef idx="1">
-            <a:schemeClr val="lt1"/>
-          </a:fillRef>
-          <a:effectRef idx="0">
-            <a:schemeClr val="dk1"/>
-          </a:effectRef>
-          <a:fontRef idx="minor">
-            <a:schemeClr val="dk1"/>
-          </a:fontRef>
-        </p:style>
-        <p:txBody>
-          <a:bodyPr rtlCol="0" anchor="ctr"/>
-          <a:lstStyle/>
-          <a:p>
-            <a:pPr algn="ctr"/>
-            <a:endParaRPr lang="en-US"/>
-          </a:p>
-        </p:txBody>
-      </p:sp>
-      <p:sp>
-        <p:nvSpPr>
-          <p:cNvPr id="38" name="Rectangle 37"/>
-          <p:cNvSpPr/>
+          <a:noFill/>
+          <a:ln w="9525">
+            <a:noFill/>
+            <a:miter lim="800000"/>
+            <a:headEnd/>
+            <a:tailEnd/>
+          </a:ln>
+          <a:effectLst/>
+        </p:spPr>
+        <p:txBody>
+          <a:bodyPr vert="horz" wrap="none" lIns="91440" tIns="45720" rIns="91440" bIns="45720" numCol="1" anchor="ctr" anchorCtr="0" compatLnSpc="1">
+            <a:prstTxWarp prst="textNoShape">
+              <a:avLst/>
+            </a:prstTxWarp>
+            <a:spAutoFit/>
+          </a:bodyPr>
+          <a:lstStyle/>
+          <a:p>
+            <a:pPr marL="0" marR="0" lvl="0" indent="0" algn="l" defTabSz="914400" rtl="0" eaLnBrk="1" fontAlgn="base" latinLnBrk="0" hangingPunct="1">
+              <a:lnSpc>
+                <a:spcPct val="100000"/>
+              </a:lnSpc>
+              <a:spcBef>
+                <a:spcPct val="0"/>
+              </a:spcBef>
+              <a:spcAft>
+                <a:spcPct val="0"/>
+              </a:spcAft>
+              <a:buClrTx/>
+              <a:buSzTx/>
+              <a:buFontTx/>
+              <a:buNone/>
+              <a:tabLst/>
+            </a:pPr>
+            <a:endParaRPr kumimoji="0" lang="en-US" sz="1800" b="0" i="0" u="none" strike="noStrike" cap="none" normalizeH="0" baseline="0" dirty="0" smtClean="0">
+              <a:ln>
+                <a:noFill/>
+              </a:ln>
+              <a:solidFill>
+                <a:schemeClr val="tx1"/>
+              </a:solidFill>
+              <a:effectLst/>
+              <a:latin typeface="Arial" charset="0"/>
+              <a:cs typeface="Arial" charset="0"/>
+            </a:endParaRPr>
+          </a:p>
+          <a:p>
+            <a:pPr marL="0" marR="0" lvl="0" indent="0" algn="l" defTabSz="914400" rtl="0" eaLnBrk="0" fontAlgn="base" latinLnBrk="0" hangingPunct="0">
+              <a:lnSpc>
+                <a:spcPct val="100000"/>
+              </a:lnSpc>
+              <a:spcBef>
+                <a:spcPct val="0"/>
+              </a:spcBef>
+              <a:spcAft>
+                <a:spcPct val="0"/>
+              </a:spcAft>
+              <a:buClrTx/>
+              <a:buSzTx/>
+              <a:buFontTx/>
+              <a:buNone/>
+              <a:tabLst/>
+            </a:pPr>
+            <a:endParaRPr kumimoji="0" lang="en-US" sz="1800" b="0" i="0" u="none" strike="noStrike" cap="none" normalizeH="0" baseline="0" dirty="0" smtClean="0">
+              <a:ln>
+                <a:noFill/>
+              </a:ln>
+              <a:solidFill>
+                <a:schemeClr val="tx1"/>
+              </a:solidFill>
+              <a:effectLst/>
+              <a:latin typeface="Arial" charset="0"/>
+              <a:cs typeface="Arial" charset="0"/>
+            </a:endParaRPr>
+          </a:p>
+        </p:txBody>
+      </p:sp>
+      <p:sp>
+        <p:nvSpPr>
+          <p:cNvPr id="18" name="TextBox 17"/>
+          <p:cNvSpPr txBox="1"/>
           <p:nvPr/>
         </p:nvSpPr>
         <p:spPr>
           <a:xfrm>
-            <a:off x="3047999" y="5242604"/>
-            <a:ext cx="914400" cy="533400"/>
+            <a:off x="1447800" y="1447800"/>
+            <a:ext cx="6019800" cy="2031325"/>
           </a:xfrm>
           <a:prstGeom prst="rect">
             <a:avLst/>
           </a:prstGeom>
+          <a:noFill/>
+        </p:spPr>
+        <p:txBody>
+          <a:bodyPr wrap="square" rtlCol="0">
+            <a:spAutoFit/>
+          </a:bodyPr>
+          <a:lstStyle/>
+          <a:p>
+            <a:pPr lvl="0" fontAlgn="base">
+              <a:spcBef>
+                <a:spcPct val="0"/>
+              </a:spcBef>
+              <a:spcAft>
+                <a:spcPct val="0"/>
+              </a:spcAft>
+            </a:pPr>
+            <a:r>
+              <a:rPr lang="en-US" dirty="0" smtClean="0">
+                <a:latin typeface="+mj-lt"/>
+                <a:cs typeface="Arial" charset="0"/>
+              </a:rPr>
+              <a:t>To Date (mm/</a:t>
+            </a:r>
+            <a:r>
+              <a:rPr lang="en-US" dirty="0" err="1" smtClean="0">
+                <a:latin typeface="+mj-lt"/>
+                <a:cs typeface="Arial" charset="0"/>
+              </a:rPr>
+              <a:t>dd</a:t>
+            </a:r>
+            <a:r>
+              <a:rPr lang="en-US" dirty="0" smtClean="0">
+                <a:latin typeface="+mj-lt"/>
+                <a:cs typeface="Arial" charset="0"/>
+              </a:rPr>
+              <a:t>/</a:t>
+            </a:r>
+            <a:r>
+              <a:rPr lang="en-US" dirty="0" err="1" smtClean="0">
+                <a:latin typeface="+mj-lt"/>
+                <a:cs typeface="Arial" charset="0"/>
+              </a:rPr>
+              <a:t>yyyy</a:t>
+            </a:r>
+            <a:r>
+              <a:rPr lang="en-US" dirty="0" smtClean="0">
+                <a:latin typeface="+mj-lt"/>
+                <a:cs typeface="Arial" charset="0"/>
+              </a:rPr>
+              <a:t>):  [ENTER]</a:t>
+            </a:r>
+          </a:p>
+          <a:p>
+            <a:pPr lvl="0" eaLnBrk="0" fontAlgn="base" hangingPunct="0">
+              <a:spcBef>
+                <a:spcPct val="0"/>
+              </a:spcBef>
+              <a:spcAft>
+                <a:spcPct val="0"/>
+              </a:spcAft>
+            </a:pPr>
+            <a:r>
+              <a:rPr lang="en-US" dirty="0" smtClean="0">
+                <a:latin typeface="+mj-lt"/>
+                <a:cs typeface="Arial" charset="0"/>
+              </a:rPr>
+              <a:t>Time Interval Ago: [SELECT]Day</a:t>
+            </a:r>
+          </a:p>
+          <a:p>
+            <a:pPr lvl="0" eaLnBrk="0" fontAlgn="base" hangingPunct="0">
+              <a:spcBef>
+                <a:spcPct val="0"/>
+              </a:spcBef>
+              <a:spcAft>
+                <a:spcPct val="0"/>
+              </a:spcAft>
+            </a:pPr>
+            <a:r>
+              <a:rPr lang="en-US" dirty="0" smtClean="0">
+                <a:latin typeface="+mj-lt"/>
+                <a:cs typeface="Arial" charset="0"/>
+              </a:rPr>
+              <a:t>                                                Week</a:t>
+            </a:r>
+          </a:p>
+          <a:p>
+            <a:pPr lvl="0" eaLnBrk="0" fontAlgn="base" hangingPunct="0">
+              <a:spcBef>
+                <a:spcPct val="0"/>
+              </a:spcBef>
+              <a:spcAft>
+                <a:spcPct val="0"/>
+              </a:spcAft>
+            </a:pPr>
+            <a:r>
+              <a:rPr lang="en-US" dirty="0" smtClean="0">
+                <a:latin typeface="+mj-lt"/>
+                <a:cs typeface="Arial" charset="0"/>
+              </a:rPr>
+              <a:t>                                               Month</a:t>
+            </a:r>
+          </a:p>
+          <a:p>
+            <a:pPr lvl="0" eaLnBrk="0" fontAlgn="base" hangingPunct="0">
+              <a:spcBef>
+                <a:spcPct val="0"/>
+              </a:spcBef>
+              <a:spcAft>
+                <a:spcPct val="0"/>
+              </a:spcAft>
+            </a:pPr>
+            <a:r>
+              <a:rPr lang="en-US" dirty="0" smtClean="0">
+                <a:latin typeface="+mj-lt"/>
+                <a:cs typeface="Arial" charset="0"/>
+              </a:rPr>
+              <a:t>                                               </a:t>
+            </a:r>
+            <a:r>
+              <a:rPr lang="en-US" dirty="0" smtClean="0">
+                <a:latin typeface="+mj-lt"/>
+                <a:cs typeface="Arial" charset="0"/>
+              </a:rPr>
+              <a:t>Quarter</a:t>
+            </a:r>
+          </a:p>
+          <a:p>
+            <a:pPr lvl="0" eaLnBrk="0" fontAlgn="base" hangingPunct="0">
+              <a:spcBef>
+                <a:spcPct val="0"/>
+              </a:spcBef>
+              <a:spcAft>
+                <a:spcPct val="0"/>
+              </a:spcAft>
+            </a:pPr>
+            <a:r>
+              <a:rPr lang="en-US" dirty="0" smtClean="0">
+                <a:latin typeface="+mj-lt"/>
+                <a:cs typeface="Arial" charset="0"/>
+              </a:rPr>
+              <a:t>Select Polynomial for AR: [1-20]</a:t>
+            </a:r>
+            <a:endParaRPr lang="en-US" dirty="0" smtClean="0">
+              <a:latin typeface="+mj-lt"/>
+              <a:cs typeface="Arial" charset="0"/>
+            </a:endParaRPr>
+          </a:p>
+          <a:p>
+            <a:pPr lvl="0" eaLnBrk="0" fontAlgn="base" hangingPunct="0">
+              <a:spcBef>
+                <a:spcPct val="0"/>
+              </a:spcBef>
+              <a:spcAft>
+                <a:spcPct val="0"/>
+              </a:spcAft>
+            </a:pPr>
+            <a:r>
+              <a:rPr lang="en-US" dirty="0" smtClean="0">
+                <a:latin typeface="+mj-lt"/>
+                <a:cs typeface="Arial" charset="0"/>
+              </a:rPr>
+              <a:t>                                               </a:t>
+            </a:r>
+          </a:p>
+        </p:txBody>
+      </p:sp>
+      <p:sp>
+        <p:nvSpPr>
+          <p:cNvPr id="19" name="TextBox 18"/>
+          <p:cNvSpPr txBox="1"/>
+          <p:nvPr/>
+        </p:nvSpPr>
+        <p:spPr>
+          <a:xfrm>
+            <a:off x="1752600" y="3962400"/>
+            <a:ext cx="1066800" cy="369332"/>
+          </a:xfrm>
+          <a:prstGeom prst="rect">
+            <a:avLst/>
+          </a:prstGeom>
+          <a:noFill/>
+        </p:spPr>
+        <p:txBody>
+          <a:bodyPr wrap="square" rtlCol="0">
+            <a:spAutoFit/>
+          </a:bodyPr>
+          <a:lstStyle/>
+          <a:p>
+            <a:r>
+              <a:rPr lang="en-US" dirty="0" smtClean="0"/>
+              <a:t>Graph</a:t>
+            </a:r>
+            <a:endParaRPr lang="en-US" dirty="0"/>
+          </a:p>
+        </p:txBody>
+      </p:sp>
+      <p:sp>
+        <p:nvSpPr>
+          <p:cNvPr id="23" name="Rounded Rectangle 22">
+            <a:hlinkClick r:id="rId8" action="ppaction://hlinksldjump"/>
+          </p:cNvPr>
+          <p:cNvSpPr/>
+          <p:nvPr/>
+        </p:nvSpPr>
+        <p:spPr>
+          <a:xfrm>
+            <a:off x="76200" y="1371600"/>
+            <a:ext cx="1143000" cy="609600"/>
+          </a:xfrm>
+          <a:prstGeom prst="roundRect">
+            <a:avLst/>
+          </a:prstGeom>
         </p:spPr>
         <p:style>
           <a:lnRef idx="2">
-            <a:schemeClr val="dk1"/>
+            <a:schemeClr val="accent1">
+              <a:shade val="50000"/>
+            </a:schemeClr>
           </a:lnRef>
           <a:fillRef idx="1">
-            <a:schemeClr val="lt1"/>
+            <a:schemeClr val="accent1"/>
           </a:fillRef>
           <a:effectRef idx="0">
-            <a:schemeClr val="dk1"/>
+            <a:schemeClr val="accent1"/>
           </a:effectRef>
           <a:fontRef idx="minor">
-            <a:schemeClr val="dk1"/>
+            <a:schemeClr val="lt1"/>
           </a:fontRef>
         </p:style>
         <p:txBody>
@@ -7653,333 +9349,45 @@
           <a:lstStyle/>
           <a:p>
             <a:pPr algn="ctr"/>
-            <a:endParaRPr lang="en-US"/>
-          </a:p>
-        </p:txBody>
-      </p:sp>
-      <p:sp>
-        <p:nvSpPr>
-          <p:cNvPr id="39" name="Freeform 38"/>
+            <a:r>
+              <a:rPr lang="en-US" dirty="0" smtClean="0"/>
+              <a:t>Login</a:t>
+            </a:r>
+            <a:endParaRPr lang="en-US" dirty="0"/>
+          </a:p>
+        </p:txBody>
+      </p:sp>
+      <p:sp>
+        <p:nvSpPr>
+          <p:cNvPr id="24" name="Rounded Rectangle 23">
+            <a:hlinkClick r:id="rId8" action="ppaction://hlinksldjump"/>
+          </p:cNvPr>
           <p:cNvSpPr/>
           <p:nvPr/>
         </p:nvSpPr>
         <p:spPr>
           <a:xfrm>
-            <a:off x="1828800" y="5257800"/>
-            <a:ext cx="925653" cy="480584"/>
-          </a:xfrm>
-          <a:custGeom>
+            <a:off x="76200" y="3429000"/>
+            <a:ext cx="1143000" cy="609600"/>
+          </a:xfrm>
+          <a:prstGeom prst="roundRect">
             <a:avLst/>
-            <a:gdLst>
-              <a:gd name="connsiteX0" fmla="*/ 0 w 1777429"/>
-              <a:gd name="connsiteY0" fmla="*/ 873304 h 873304"/>
-              <a:gd name="connsiteX1" fmla="*/ 41096 w 1777429"/>
-              <a:gd name="connsiteY1" fmla="*/ 832207 h 873304"/>
-              <a:gd name="connsiteX2" fmla="*/ 51370 w 1777429"/>
-              <a:gd name="connsiteY2" fmla="*/ 801385 h 873304"/>
-              <a:gd name="connsiteX3" fmla="*/ 71919 w 1777429"/>
-              <a:gd name="connsiteY3" fmla="*/ 770562 h 873304"/>
-              <a:gd name="connsiteX4" fmla="*/ 92467 w 1777429"/>
-              <a:gd name="connsiteY4" fmla="*/ 719191 h 873304"/>
-              <a:gd name="connsiteX5" fmla="*/ 113015 w 1777429"/>
-              <a:gd name="connsiteY5" fmla="*/ 678095 h 873304"/>
-              <a:gd name="connsiteX6" fmla="*/ 123290 w 1777429"/>
-              <a:gd name="connsiteY6" fmla="*/ 647272 h 873304"/>
-              <a:gd name="connsiteX7" fmla="*/ 143838 w 1777429"/>
-              <a:gd name="connsiteY7" fmla="*/ 616450 h 873304"/>
-              <a:gd name="connsiteX8" fmla="*/ 226031 w 1777429"/>
-              <a:gd name="connsiteY8" fmla="*/ 493160 h 873304"/>
-              <a:gd name="connsiteX9" fmla="*/ 277402 w 1777429"/>
-              <a:gd name="connsiteY9" fmla="*/ 452063 h 873304"/>
-              <a:gd name="connsiteX10" fmla="*/ 349321 w 1777429"/>
-              <a:gd name="connsiteY10" fmla="*/ 421241 h 873304"/>
-              <a:gd name="connsiteX11" fmla="*/ 410966 w 1777429"/>
-              <a:gd name="connsiteY11" fmla="*/ 400692 h 873304"/>
-              <a:gd name="connsiteX12" fmla="*/ 523982 w 1777429"/>
-              <a:gd name="connsiteY12" fmla="*/ 410967 h 873304"/>
-              <a:gd name="connsiteX13" fmla="*/ 565078 w 1777429"/>
-              <a:gd name="connsiteY13" fmla="*/ 431515 h 873304"/>
-              <a:gd name="connsiteX14" fmla="*/ 657546 w 1777429"/>
-              <a:gd name="connsiteY14" fmla="*/ 452063 h 873304"/>
-              <a:gd name="connsiteX15" fmla="*/ 883577 w 1777429"/>
-              <a:gd name="connsiteY15" fmla="*/ 441789 h 873304"/>
-              <a:gd name="connsiteX16" fmla="*/ 1027415 w 1777429"/>
-              <a:gd name="connsiteY16" fmla="*/ 359596 h 873304"/>
-              <a:gd name="connsiteX17" fmla="*/ 1058238 w 1777429"/>
-              <a:gd name="connsiteY17" fmla="*/ 328773 h 873304"/>
-              <a:gd name="connsiteX18" fmla="*/ 1119883 w 1777429"/>
-              <a:gd name="connsiteY18" fmla="*/ 277403 h 873304"/>
-              <a:gd name="connsiteX19" fmla="*/ 1140431 w 1777429"/>
-              <a:gd name="connsiteY19" fmla="*/ 246580 h 873304"/>
-              <a:gd name="connsiteX20" fmla="*/ 1222624 w 1777429"/>
-              <a:gd name="connsiteY20" fmla="*/ 205483 h 873304"/>
-              <a:gd name="connsiteX21" fmla="*/ 1243173 w 1777429"/>
-              <a:gd name="connsiteY21" fmla="*/ 184935 h 873304"/>
-              <a:gd name="connsiteX22" fmla="*/ 1273995 w 1777429"/>
-              <a:gd name="connsiteY22" fmla="*/ 174661 h 873304"/>
-              <a:gd name="connsiteX23" fmla="*/ 1489752 w 1777429"/>
-              <a:gd name="connsiteY23" fmla="*/ 184935 h 873304"/>
-              <a:gd name="connsiteX24" fmla="*/ 1592494 w 1777429"/>
-              <a:gd name="connsiteY24" fmla="*/ 174661 h 873304"/>
-              <a:gd name="connsiteX25" fmla="*/ 1654139 w 1777429"/>
-              <a:gd name="connsiteY25" fmla="*/ 133564 h 873304"/>
-              <a:gd name="connsiteX26" fmla="*/ 1674687 w 1777429"/>
-              <a:gd name="connsiteY26" fmla="*/ 102742 h 873304"/>
-              <a:gd name="connsiteX27" fmla="*/ 1715784 w 1777429"/>
-              <a:gd name="connsiteY27" fmla="*/ 61645 h 873304"/>
-              <a:gd name="connsiteX28" fmla="*/ 1777429 w 1777429"/>
-              <a:gd name="connsiteY28" fmla="*/ 0 h 873304"/>
-            </a:gdLst>
-            <a:ahLst/>
-            <a:cxnLst>
-              <a:cxn ang="0">
-                <a:pos x="connsiteX0" y="connsiteY0"/>
-              </a:cxn>
-              <a:cxn ang="0">
-                <a:pos x="connsiteX1" y="connsiteY1"/>
-              </a:cxn>
-              <a:cxn ang="0">
-                <a:pos x="connsiteX2" y="connsiteY2"/>
-              </a:cxn>
-              <a:cxn ang="0">
-                <a:pos x="connsiteX3" y="connsiteY3"/>
-              </a:cxn>
-              <a:cxn ang="0">
-                <a:pos x="connsiteX4" y="connsiteY4"/>
-              </a:cxn>
-              <a:cxn ang="0">
-                <a:pos x="connsiteX5" y="connsiteY5"/>
-              </a:cxn>
-              <a:cxn ang="0">
-                <a:pos x="connsiteX6" y="connsiteY6"/>
-              </a:cxn>
-              <a:cxn ang="0">
-                <a:pos x="connsiteX7" y="connsiteY7"/>
-              </a:cxn>
-              <a:cxn ang="0">
-                <a:pos x="connsiteX8" y="connsiteY8"/>
-              </a:cxn>
-              <a:cxn ang="0">
-                <a:pos x="connsiteX9" y="connsiteY9"/>
-              </a:cxn>
-              <a:cxn ang="0">
-                <a:pos x="connsiteX10" y="connsiteY10"/>
-              </a:cxn>
-              <a:cxn ang="0">
-                <a:pos x="connsiteX11" y="connsiteY11"/>
-              </a:cxn>
-              <a:cxn ang="0">
-                <a:pos x="connsiteX12" y="connsiteY12"/>
-              </a:cxn>
-              <a:cxn ang="0">
-                <a:pos x="connsiteX13" y="connsiteY13"/>
-              </a:cxn>
-              <a:cxn ang="0">
-                <a:pos x="connsiteX14" y="connsiteY14"/>
-              </a:cxn>
-              <a:cxn ang="0">
-                <a:pos x="connsiteX15" y="connsiteY15"/>
-              </a:cxn>
-              <a:cxn ang="0">
-                <a:pos x="connsiteX16" y="connsiteY16"/>
-              </a:cxn>
-              <a:cxn ang="0">
-                <a:pos x="connsiteX17" y="connsiteY17"/>
-              </a:cxn>
-              <a:cxn ang="0">
-                <a:pos x="connsiteX18" y="connsiteY18"/>
-              </a:cxn>
-              <a:cxn ang="0">
-                <a:pos x="connsiteX19" y="connsiteY19"/>
-              </a:cxn>
-              <a:cxn ang="0">
-                <a:pos x="connsiteX20" y="connsiteY20"/>
-              </a:cxn>
-              <a:cxn ang="0">
-                <a:pos x="connsiteX21" y="connsiteY21"/>
-              </a:cxn>
-              <a:cxn ang="0">
-                <a:pos x="connsiteX22" y="connsiteY22"/>
-              </a:cxn>
-              <a:cxn ang="0">
-                <a:pos x="connsiteX23" y="connsiteY23"/>
-              </a:cxn>
-              <a:cxn ang="0">
-                <a:pos x="connsiteX24" y="connsiteY24"/>
-              </a:cxn>
-              <a:cxn ang="0">
-                <a:pos x="connsiteX25" y="connsiteY25"/>
-              </a:cxn>
-              <a:cxn ang="0">
-                <a:pos x="connsiteX26" y="connsiteY26"/>
-              </a:cxn>
-              <a:cxn ang="0">
-                <a:pos x="connsiteX27" y="connsiteY27"/>
-              </a:cxn>
-              <a:cxn ang="0">
-                <a:pos x="connsiteX28" y="connsiteY28"/>
-              </a:cxn>
-            </a:cxnLst>
-            <a:rect l="l" t="t" r="r" b="b"/>
-            <a:pathLst>
-              <a:path w="1777429" h="873304">
-                <a:moveTo>
-                  <a:pt x="0" y="873304"/>
-                </a:moveTo>
-                <a:cubicBezTo>
-                  <a:pt x="13699" y="859605"/>
-                  <a:pt x="29836" y="847972"/>
-                  <a:pt x="41096" y="832207"/>
-                </a:cubicBezTo>
-                <a:cubicBezTo>
-                  <a:pt x="47391" y="823394"/>
-                  <a:pt x="46527" y="811071"/>
-                  <a:pt x="51370" y="801385"/>
-                </a:cubicBezTo>
-                <a:cubicBezTo>
-                  <a:pt x="56892" y="790340"/>
-                  <a:pt x="66397" y="781607"/>
-                  <a:pt x="71919" y="770562"/>
-                </a:cubicBezTo>
-                <a:cubicBezTo>
-                  <a:pt x="80167" y="754066"/>
-                  <a:pt x="84977" y="736044"/>
-                  <a:pt x="92467" y="719191"/>
-                </a:cubicBezTo>
-                <a:cubicBezTo>
-                  <a:pt x="98687" y="705195"/>
-                  <a:pt x="106982" y="692172"/>
-                  <a:pt x="113015" y="678095"/>
-                </a:cubicBezTo>
-                <a:cubicBezTo>
-                  <a:pt x="117281" y="668141"/>
-                  <a:pt x="118447" y="656959"/>
-                  <a:pt x="123290" y="647272"/>
-                </a:cubicBezTo>
-                <a:cubicBezTo>
-                  <a:pt x="128812" y="636228"/>
-                  <a:pt x="136989" y="626724"/>
-                  <a:pt x="143838" y="616450"/>
-                </a:cubicBezTo>
-                <a:cubicBezTo>
-                  <a:pt x="192698" y="469867"/>
-                  <a:pt x="123414" y="647090"/>
-                  <a:pt x="226031" y="493160"/>
-                </a:cubicBezTo>
-                <a:cubicBezTo>
-                  <a:pt x="252586" y="453326"/>
-                  <a:pt x="234865" y="466242"/>
-                  <a:pt x="277402" y="452063"/>
-                </a:cubicBezTo>
-                <a:cubicBezTo>
-                  <a:pt x="326303" y="419462"/>
-                  <a:pt x="289006" y="439336"/>
-                  <a:pt x="349321" y="421241"/>
-                </a:cubicBezTo>
-                <a:cubicBezTo>
-                  <a:pt x="370067" y="415017"/>
-                  <a:pt x="410966" y="400692"/>
-                  <a:pt x="410966" y="400692"/>
-                </a:cubicBezTo>
-                <a:cubicBezTo>
-                  <a:pt x="448638" y="404117"/>
-                  <a:pt x="486889" y="403548"/>
-                  <a:pt x="523982" y="410967"/>
-                </a:cubicBezTo>
-                <a:cubicBezTo>
-                  <a:pt x="539000" y="413971"/>
-                  <a:pt x="551001" y="425482"/>
-                  <a:pt x="565078" y="431515"/>
-                </a:cubicBezTo>
-                <a:cubicBezTo>
-                  <a:pt x="597268" y="445310"/>
-                  <a:pt x="620603" y="445906"/>
-                  <a:pt x="657546" y="452063"/>
-                </a:cubicBezTo>
-                <a:cubicBezTo>
-                  <a:pt x="743262" y="480635"/>
-                  <a:pt x="720963" y="477926"/>
-                  <a:pt x="883577" y="441789"/>
-                </a:cubicBezTo>
-                <a:cubicBezTo>
-                  <a:pt x="904295" y="437185"/>
-                  <a:pt x="1007654" y="379357"/>
-                  <a:pt x="1027415" y="359596"/>
-                </a:cubicBezTo>
-                <a:cubicBezTo>
-                  <a:pt x="1037689" y="349322"/>
-                  <a:pt x="1047076" y="338075"/>
-                  <a:pt x="1058238" y="328773"/>
-                </a:cubicBezTo>
-                <a:cubicBezTo>
-                  <a:pt x="1102318" y="292040"/>
-                  <a:pt x="1078954" y="326517"/>
-                  <a:pt x="1119883" y="277403"/>
-                </a:cubicBezTo>
-                <a:cubicBezTo>
-                  <a:pt x="1127788" y="267917"/>
-                  <a:pt x="1131700" y="255311"/>
-                  <a:pt x="1140431" y="246580"/>
-                </a:cubicBezTo>
-                <a:cubicBezTo>
-                  <a:pt x="1160948" y="226063"/>
-                  <a:pt x="1198101" y="215293"/>
-                  <a:pt x="1222624" y="205483"/>
-                </a:cubicBezTo>
-                <a:cubicBezTo>
-                  <a:pt x="1229474" y="198634"/>
-                  <a:pt x="1234867" y="189919"/>
-                  <a:pt x="1243173" y="184935"/>
-                </a:cubicBezTo>
-                <a:cubicBezTo>
-                  <a:pt x="1252459" y="179363"/>
-                  <a:pt x="1263165" y="174661"/>
-                  <a:pt x="1273995" y="174661"/>
-                </a:cubicBezTo>
-                <a:cubicBezTo>
-                  <a:pt x="1345995" y="174661"/>
-                  <a:pt x="1417833" y="181510"/>
-                  <a:pt x="1489752" y="184935"/>
-                </a:cubicBezTo>
-                <a:cubicBezTo>
-                  <a:pt x="1523999" y="181510"/>
-                  <a:pt x="1559643" y="184927"/>
-                  <a:pt x="1592494" y="174661"/>
-                </a:cubicBezTo>
-                <a:cubicBezTo>
-                  <a:pt x="1616066" y="167295"/>
-                  <a:pt x="1654139" y="133564"/>
-                  <a:pt x="1654139" y="133564"/>
-                </a:cubicBezTo>
-                <a:cubicBezTo>
-                  <a:pt x="1660988" y="123290"/>
-                  <a:pt x="1666651" y="112117"/>
-                  <a:pt x="1674687" y="102742"/>
-                </a:cubicBezTo>
-                <a:cubicBezTo>
-                  <a:pt x="1687295" y="88033"/>
-                  <a:pt x="1702085" y="75344"/>
-                  <a:pt x="1715784" y="61645"/>
-                </a:cubicBezTo>
-                <a:lnTo>
-                  <a:pt x="1777429" y="0"/>
-                </a:lnTo>
-              </a:path>
-            </a:pathLst>
-          </a:custGeom>
+          </a:prstGeom>
         </p:spPr>
         <p:style>
-          <a:lnRef idx="1">
-            <a:schemeClr val="accent1"/>
+          <a:lnRef idx="2">
+            <a:schemeClr val="accent1">
+              <a:shade val="50000"/>
+            </a:schemeClr>
           </a:lnRef>
-          <a:fillRef idx="0">
+          <a:fillRef idx="1">
             <a:schemeClr val="accent1"/>
           </a:fillRef>
           <a:effectRef idx="0">
             <a:schemeClr val="accent1"/>
           </a:effectRef>
           <a:fontRef idx="minor">
-            <a:schemeClr val="tx1"/>
+            <a:schemeClr val="lt1"/>
           </a:fontRef>
         </p:style>
         <p:txBody>
@@ -7987,501 +9395,45 @@
           <a:lstStyle/>
           <a:p>
             <a:pPr algn="ctr"/>
-            <a:endParaRPr lang="en-US"/>
-          </a:p>
-        </p:txBody>
-      </p:sp>
-      <p:sp>
-        <p:nvSpPr>
-          <p:cNvPr id="40" name="Freeform 39"/>
+            <a:r>
+              <a:rPr lang="en-US" dirty="0" smtClean="0"/>
+              <a:t>Logout</a:t>
+            </a:r>
+            <a:endParaRPr lang="en-US" dirty="0"/>
+          </a:p>
+        </p:txBody>
+      </p:sp>
+      <p:sp>
+        <p:nvSpPr>
+          <p:cNvPr id="25" name="Rounded Rectangle 24">
+            <a:hlinkClick r:id="rId9" action="ppaction://hlinksldjump"/>
+          </p:cNvPr>
           <p:cNvSpPr/>
           <p:nvPr/>
         </p:nvSpPr>
         <p:spPr>
           <a:xfrm>
-            <a:off x="3048000" y="5334000"/>
-            <a:ext cx="887506" cy="442003"/>
-          </a:xfrm>
-          <a:custGeom>
+            <a:off x="76200" y="2286000"/>
+            <a:ext cx="1143000" cy="609600"/>
+          </a:xfrm>
+          <a:prstGeom prst="roundRect">
             <a:avLst/>
-            <a:gdLst>
-              <a:gd name="connsiteX0" fmla="*/ 0 w 1707676"/>
-              <a:gd name="connsiteY0" fmla="*/ 205483 h 832207"/>
-              <a:gd name="connsiteX1" fmla="*/ 30822 w 1707676"/>
-              <a:gd name="connsiteY1" fmla="*/ 195209 h 832207"/>
-              <a:gd name="connsiteX2" fmla="*/ 143838 w 1707676"/>
-              <a:gd name="connsiteY2" fmla="*/ 215757 h 832207"/>
-              <a:gd name="connsiteX3" fmla="*/ 174660 w 1707676"/>
-              <a:gd name="connsiteY3" fmla="*/ 277402 h 832207"/>
-              <a:gd name="connsiteX4" fmla="*/ 246580 w 1707676"/>
-              <a:gd name="connsiteY4" fmla="*/ 359595 h 832207"/>
-              <a:gd name="connsiteX5" fmla="*/ 277402 w 1707676"/>
-              <a:gd name="connsiteY5" fmla="*/ 369870 h 832207"/>
-              <a:gd name="connsiteX6" fmla="*/ 380144 w 1707676"/>
-              <a:gd name="connsiteY6" fmla="*/ 359595 h 832207"/>
-              <a:gd name="connsiteX7" fmla="*/ 441789 w 1707676"/>
-              <a:gd name="connsiteY7" fmla="*/ 339047 h 832207"/>
-              <a:gd name="connsiteX8" fmla="*/ 513708 w 1707676"/>
-              <a:gd name="connsiteY8" fmla="*/ 318499 h 832207"/>
-              <a:gd name="connsiteX9" fmla="*/ 534256 w 1707676"/>
-              <a:gd name="connsiteY9" fmla="*/ 297950 h 832207"/>
-              <a:gd name="connsiteX10" fmla="*/ 565078 w 1707676"/>
-              <a:gd name="connsiteY10" fmla="*/ 277402 h 832207"/>
-              <a:gd name="connsiteX11" fmla="*/ 636998 w 1707676"/>
-              <a:gd name="connsiteY11" fmla="*/ 205483 h 832207"/>
-              <a:gd name="connsiteX12" fmla="*/ 678094 w 1707676"/>
-              <a:gd name="connsiteY12" fmla="*/ 143838 h 832207"/>
-              <a:gd name="connsiteX13" fmla="*/ 688368 w 1707676"/>
-              <a:gd name="connsiteY13" fmla="*/ 113016 h 832207"/>
-              <a:gd name="connsiteX14" fmla="*/ 739739 w 1707676"/>
-              <a:gd name="connsiteY14" fmla="*/ 41096 h 832207"/>
-              <a:gd name="connsiteX15" fmla="*/ 770562 w 1707676"/>
-              <a:gd name="connsiteY15" fmla="*/ 30822 h 832207"/>
-              <a:gd name="connsiteX16" fmla="*/ 821932 w 1707676"/>
-              <a:gd name="connsiteY16" fmla="*/ 41096 h 832207"/>
-              <a:gd name="connsiteX17" fmla="*/ 842481 w 1707676"/>
-              <a:gd name="connsiteY17" fmla="*/ 71919 h 832207"/>
-              <a:gd name="connsiteX18" fmla="*/ 873303 w 1707676"/>
-              <a:gd name="connsiteY18" fmla="*/ 92467 h 832207"/>
-              <a:gd name="connsiteX19" fmla="*/ 914400 w 1707676"/>
-              <a:gd name="connsiteY19" fmla="*/ 154112 h 832207"/>
-              <a:gd name="connsiteX20" fmla="*/ 934948 w 1707676"/>
-              <a:gd name="connsiteY20" fmla="*/ 184935 h 832207"/>
-              <a:gd name="connsiteX21" fmla="*/ 965771 w 1707676"/>
-              <a:gd name="connsiteY21" fmla="*/ 195209 h 832207"/>
-              <a:gd name="connsiteX22" fmla="*/ 996593 w 1707676"/>
-              <a:gd name="connsiteY22" fmla="*/ 226031 h 832207"/>
-              <a:gd name="connsiteX23" fmla="*/ 1191802 w 1707676"/>
-              <a:gd name="connsiteY23" fmla="*/ 226031 h 832207"/>
-              <a:gd name="connsiteX24" fmla="*/ 1284269 w 1707676"/>
-              <a:gd name="connsiteY24" fmla="*/ 164386 h 832207"/>
-              <a:gd name="connsiteX25" fmla="*/ 1304818 w 1707676"/>
-              <a:gd name="connsiteY25" fmla="*/ 133564 h 832207"/>
-              <a:gd name="connsiteX26" fmla="*/ 1345914 w 1707676"/>
-              <a:gd name="connsiteY26" fmla="*/ 92467 h 832207"/>
-              <a:gd name="connsiteX27" fmla="*/ 1417833 w 1707676"/>
-              <a:gd name="connsiteY27" fmla="*/ 0 h 832207"/>
-              <a:gd name="connsiteX28" fmla="*/ 1438382 w 1707676"/>
-              <a:gd name="connsiteY28" fmla="*/ 41096 h 832207"/>
-              <a:gd name="connsiteX29" fmla="*/ 1458930 w 1707676"/>
-              <a:gd name="connsiteY29" fmla="*/ 71919 h 832207"/>
-              <a:gd name="connsiteX30" fmla="*/ 1469204 w 1707676"/>
-              <a:gd name="connsiteY30" fmla="*/ 123290 h 832207"/>
-              <a:gd name="connsiteX31" fmla="*/ 1479478 w 1707676"/>
-              <a:gd name="connsiteY31" fmla="*/ 164386 h 832207"/>
-              <a:gd name="connsiteX32" fmla="*/ 1489753 w 1707676"/>
-              <a:gd name="connsiteY32" fmla="*/ 215757 h 832207"/>
-              <a:gd name="connsiteX33" fmla="*/ 1510301 w 1707676"/>
-              <a:gd name="connsiteY33" fmla="*/ 277402 h 832207"/>
-              <a:gd name="connsiteX34" fmla="*/ 1520575 w 1707676"/>
-              <a:gd name="connsiteY34" fmla="*/ 308225 h 832207"/>
-              <a:gd name="connsiteX35" fmla="*/ 1530849 w 1707676"/>
-              <a:gd name="connsiteY35" fmla="*/ 339047 h 832207"/>
-              <a:gd name="connsiteX36" fmla="*/ 1561672 w 1707676"/>
-              <a:gd name="connsiteY36" fmla="*/ 390418 h 832207"/>
-              <a:gd name="connsiteX37" fmla="*/ 1582220 w 1707676"/>
-              <a:gd name="connsiteY37" fmla="*/ 452063 h 832207"/>
-              <a:gd name="connsiteX38" fmla="*/ 1592494 w 1707676"/>
-              <a:gd name="connsiteY38" fmla="*/ 482885 h 832207"/>
-              <a:gd name="connsiteX39" fmla="*/ 1602768 w 1707676"/>
-              <a:gd name="connsiteY39" fmla="*/ 534256 h 832207"/>
-              <a:gd name="connsiteX40" fmla="*/ 1623317 w 1707676"/>
-              <a:gd name="connsiteY40" fmla="*/ 554804 h 832207"/>
-              <a:gd name="connsiteX41" fmla="*/ 1633591 w 1707676"/>
-              <a:gd name="connsiteY41" fmla="*/ 606175 h 832207"/>
-              <a:gd name="connsiteX42" fmla="*/ 1643865 w 1707676"/>
-              <a:gd name="connsiteY42" fmla="*/ 636998 h 832207"/>
-              <a:gd name="connsiteX43" fmla="*/ 1654139 w 1707676"/>
-              <a:gd name="connsiteY43" fmla="*/ 698643 h 832207"/>
-              <a:gd name="connsiteX44" fmla="*/ 1695236 w 1707676"/>
-              <a:gd name="connsiteY44" fmla="*/ 780836 h 832207"/>
-              <a:gd name="connsiteX45" fmla="*/ 1705510 w 1707676"/>
-              <a:gd name="connsiteY45" fmla="*/ 832207 h 832207"/>
-            </a:gdLst>
-            <a:ahLst/>
-            <a:cxnLst>
-              <a:cxn ang="0">
-                <a:pos x="connsiteX0" y="connsiteY0"/>
-              </a:cxn>
-              <a:cxn ang="0">
-                <a:pos x="connsiteX1" y="connsiteY1"/>
-              </a:cxn>
-              <a:cxn ang="0">
-                <a:pos x="connsiteX2" y="connsiteY2"/>
-              </a:cxn>
-              <a:cxn ang="0">
-                <a:pos x="connsiteX3" y="connsiteY3"/>
-              </a:cxn>
-              <a:cxn ang="0">
-                <a:pos x="connsiteX4" y="connsiteY4"/>
-              </a:cxn>
-              <a:cxn ang="0">
-                <a:pos x="connsiteX5" y="connsiteY5"/>
-              </a:cxn>
-              <a:cxn ang="0">
-                <a:pos x="connsiteX6" y="connsiteY6"/>
-              </a:cxn>
-              <a:cxn ang="0">
-                <a:pos x="connsiteX7" y="connsiteY7"/>
-              </a:cxn>
-              <a:cxn ang="0">
-                <a:pos x="connsiteX8" y="connsiteY8"/>
-              </a:cxn>
-              <a:cxn ang="0">
-                <a:pos x="connsiteX9" y="connsiteY9"/>
-              </a:cxn>
-              <a:cxn ang="0">
-                <a:pos x="connsiteX10" y="connsiteY10"/>
-              </a:cxn>
-              <a:cxn ang="0">
-                <a:pos x="connsiteX11" y="connsiteY11"/>
-              </a:cxn>
-              <a:cxn ang="0">
-                <a:pos x="connsiteX12" y="connsiteY12"/>
-              </a:cxn>
-              <a:cxn ang="0">
-                <a:pos x="connsiteX13" y="connsiteY13"/>
-              </a:cxn>
-              <a:cxn ang="0">
-                <a:pos x="connsiteX14" y="connsiteY14"/>
-              </a:cxn>
-              <a:cxn ang="0">
-                <a:pos x="connsiteX15" y="connsiteY15"/>
-              </a:cxn>
-              <a:cxn ang="0">
-                <a:pos x="connsiteX16" y="connsiteY16"/>
-              </a:cxn>
-              <a:cxn ang="0">
-                <a:pos x="connsiteX17" y="connsiteY17"/>
-              </a:cxn>
-              <a:cxn ang="0">
-                <a:pos x="connsiteX18" y="connsiteY18"/>
-              </a:cxn>
-              <a:cxn ang="0">
-                <a:pos x="connsiteX19" y="connsiteY19"/>
-              </a:cxn>
-              <a:cxn ang="0">
-                <a:pos x="connsiteX20" y="connsiteY20"/>
-              </a:cxn>
-              <a:cxn ang="0">
-                <a:pos x="connsiteX21" y="connsiteY21"/>
-              </a:cxn>
-              <a:cxn ang="0">
-                <a:pos x="connsiteX22" y="connsiteY22"/>
-              </a:cxn>
-              <a:cxn ang="0">
-                <a:pos x="connsiteX23" y="connsiteY23"/>
-              </a:cxn>
-              <a:cxn ang="0">
-                <a:pos x="connsiteX24" y="connsiteY24"/>
-              </a:cxn>
-              <a:cxn ang="0">
-                <a:pos x="connsiteX25" y="connsiteY25"/>
-              </a:cxn>
-              <a:cxn ang="0">
-                <a:pos x="connsiteX26" y="connsiteY26"/>
-              </a:cxn>
-              <a:cxn ang="0">
-                <a:pos x="connsiteX27" y="connsiteY27"/>
-              </a:cxn>
-              <a:cxn ang="0">
-                <a:pos x="connsiteX28" y="connsiteY28"/>
-              </a:cxn>
-              <a:cxn ang="0">
-                <a:pos x="connsiteX29" y="connsiteY29"/>
-              </a:cxn>
-              <a:cxn ang="0">
-                <a:pos x="connsiteX30" y="connsiteY30"/>
-              </a:cxn>
-              <a:cxn ang="0">
-                <a:pos x="connsiteX31" y="connsiteY31"/>
-              </a:cxn>
-              <a:cxn ang="0">
-                <a:pos x="connsiteX32" y="connsiteY32"/>
-              </a:cxn>
-              <a:cxn ang="0">
-                <a:pos x="connsiteX33" y="connsiteY33"/>
-              </a:cxn>
-              <a:cxn ang="0">
-                <a:pos x="connsiteX34" y="connsiteY34"/>
-              </a:cxn>
-              <a:cxn ang="0">
-                <a:pos x="connsiteX35" y="connsiteY35"/>
-              </a:cxn>
-              <a:cxn ang="0">
-                <a:pos x="connsiteX36" y="connsiteY36"/>
-              </a:cxn>
-              <a:cxn ang="0">
-                <a:pos x="connsiteX37" y="connsiteY37"/>
-              </a:cxn>
-              <a:cxn ang="0">
-                <a:pos x="connsiteX38" y="connsiteY38"/>
-              </a:cxn>
-              <a:cxn ang="0">
-                <a:pos x="connsiteX39" y="connsiteY39"/>
-              </a:cxn>
-              <a:cxn ang="0">
-                <a:pos x="connsiteX40" y="connsiteY40"/>
-              </a:cxn>
-              <a:cxn ang="0">
-                <a:pos x="connsiteX41" y="connsiteY41"/>
-              </a:cxn>
-              <a:cxn ang="0">
-                <a:pos x="connsiteX42" y="connsiteY42"/>
-              </a:cxn>
-              <a:cxn ang="0">
-                <a:pos x="connsiteX43" y="connsiteY43"/>
-              </a:cxn>
-              <a:cxn ang="0">
-                <a:pos x="connsiteX44" y="connsiteY44"/>
-              </a:cxn>
-              <a:cxn ang="0">
-                <a:pos x="connsiteX45" y="connsiteY45"/>
-              </a:cxn>
-            </a:cxnLst>
-            <a:rect l="l" t="t" r="r" b="b"/>
-            <a:pathLst>
-              <a:path w="1707676" h="832207">
-                <a:moveTo>
-                  <a:pt x="0" y="205483"/>
-                </a:moveTo>
-                <a:cubicBezTo>
-                  <a:pt x="10274" y="202058"/>
-                  <a:pt x="19992" y="195209"/>
-                  <a:pt x="30822" y="195209"/>
-                </a:cubicBezTo>
-                <a:cubicBezTo>
-                  <a:pt x="88910" y="195209"/>
-                  <a:pt x="100491" y="201308"/>
-                  <a:pt x="143838" y="215757"/>
-                </a:cubicBezTo>
-                <a:cubicBezTo>
-                  <a:pt x="202733" y="304102"/>
-                  <a:pt x="132118" y="192319"/>
-                  <a:pt x="174660" y="277402"/>
-                </a:cubicBezTo>
-                <a:cubicBezTo>
-                  <a:pt x="186189" y="300459"/>
-                  <a:pt x="230511" y="354238"/>
-                  <a:pt x="246580" y="359595"/>
-                </a:cubicBezTo>
-                <a:lnTo>
-                  <a:pt x="277402" y="369870"/>
-                </a:lnTo>
-                <a:cubicBezTo>
-                  <a:pt x="311649" y="366445"/>
-                  <a:pt x="346315" y="365938"/>
-                  <a:pt x="380144" y="359595"/>
-                </a:cubicBezTo>
-                <a:cubicBezTo>
-                  <a:pt x="401433" y="355603"/>
-                  <a:pt x="420776" y="344300"/>
-                  <a:pt x="441789" y="339047"/>
-                </a:cubicBezTo>
-                <a:cubicBezTo>
-                  <a:pt x="493392" y="326146"/>
-                  <a:pt x="469489" y="333238"/>
-                  <a:pt x="513708" y="318499"/>
-                </a:cubicBezTo>
-                <a:cubicBezTo>
-                  <a:pt x="520557" y="311649"/>
-                  <a:pt x="526692" y="304001"/>
-                  <a:pt x="534256" y="297950"/>
-                </a:cubicBezTo>
-                <a:cubicBezTo>
-                  <a:pt x="543898" y="290236"/>
-                  <a:pt x="555900" y="285662"/>
-                  <a:pt x="565078" y="277402"/>
-                </a:cubicBezTo>
-                <a:cubicBezTo>
-                  <a:pt x="590278" y="254722"/>
-                  <a:pt x="636998" y="205483"/>
-                  <a:pt x="636998" y="205483"/>
-                </a:cubicBezTo>
-                <a:cubicBezTo>
-                  <a:pt x="660593" y="111101"/>
-                  <a:pt x="626493" y="208339"/>
-                  <a:pt x="678094" y="143838"/>
-                </a:cubicBezTo>
-                <a:cubicBezTo>
-                  <a:pt x="684859" y="135381"/>
-                  <a:pt x="684102" y="122970"/>
-                  <a:pt x="688368" y="113016"/>
-                </a:cubicBezTo>
-                <a:cubicBezTo>
-                  <a:pt x="701223" y="83021"/>
-                  <a:pt x="711550" y="59889"/>
-                  <a:pt x="739739" y="41096"/>
-                </a:cubicBezTo>
-                <a:cubicBezTo>
-                  <a:pt x="748750" y="35089"/>
-                  <a:pt x="760288" y="34247"/>
-                  <a:pt x="770562" y="30822"/>
-                </a:cubicBezTo>
-                <a:cubicBezTo>
-                  <a:pt x="787685" y="34247"/>
-                  <a:pt x="806770" y="32432"/>
-                  <a:pt x="821932" y="41096"/>
-                </a:cubicBezTo>
-                <a:cubicBezTo>
-                  <a:pt x="832653" y="47223"/>
-                  <a:pt x="833749" y="63187"/>
-                  <a:pt x="842481" y="71919"/>
-                </a:cubicBezTo>
-                <a:cubicBezTo>
-                  <a:pt x="851212" y="80650"/>
-                  <a:pt x="863029" y="85618"/>
-                  <a:pt x="873303" y="92467"/>
-                </a:cubicBezTo>
-                <a:cubicBezTo>
-                  <a:pt x="914723" y="175309"/>
-                  <a:pt x="872560" y="101812"/>
-                  <a:pt x="914400" y="154112"/>
-                </a:cubicBezTo>
-                <a:cubicBezTo>
-                  <a:pt x="922114" y="163754"/>
-                  <a:pt x="925306" y="177221"/>
-                  <a:pt x="934948" y="184935"/>
-                </a:cubicBezTo>
-                <a:cubicBezTo>
-                  <a:pt x="943405" y="191701"/>
-                  <a:pt x="955497" y="191784"/>
-                  <a:pt x="965771" y="195209"/>
-                </a:cubicBezTo>
-                <a:cubicBezTo>
-                  <a:pt x="976045" y="205483"/>
-                  <a:pt x="985431" y="216729"/>
-                  <a:pt x="996593" y="226031"/>
-                </a:cubicBezTo>
-                <a:cubicBezTo>
-                  <a:pt x="1060013" y="278881"/>
-                  <a:pt x="1074867" y="240648"/>
-                  <a:pt x="1191802" y="226031"/>
-                </a:cubicBezTo>
-                <a:cubicBezTo>
-                  <a:pt x="1222624" y="205483"/>
-                  <a:pt x="1255599" y="187843"/>
-                  <a:pt x="1284269" y="164386"/>
-                </a:cubicBezTo>
-                <a:cubicBezTo>
-                  <a:pt x="1293826" y="156567"/>
-                  <a:pt x="1296782" y="142939"/>
-                  <a:pt x="1304818" y="133564"/>
-                </a:cubicBezTo>
-                <a:cubicBezTo>
-                  <a:pt x="1317426" y="118855"/>
-                  <a:pt x="1332954" y="106867"/>
-                  <a:pt x="1345914" y="92467"/>
-                </a:cubicBezTo>
-                <a:cubicBezTo>
-                  <a:pt x="1391643" y="41657"/>
-                  <a:pt x="1388702" y="43697"/>
-                  <a:pt x="1417833" y="0"/>
-                </a:cubicBezTo>
-                <a:cubicBezTo>
-                  <a:pt x="1424683" y="13699"/>
-                  <a:pt x="1430783" y="27798"/>
-                  <a:pt x="1438382" y="41096"/>
-                </a:cubicBezTo>
-                <a:cubicBezTo>
-                  <a:pt x="1444508" y="51817"/>
-                  <a:pt x="1454594" y="60357"/>
-                  <a:pt x="1458930" y="71919"/>
-                </a:cubicBezTo>
-                <a:cubicBezTo>
-                  <a:pt x="1465061" y="88270"/>
-                  <a:pt x="1465416" y="106243"/>
-                  <a:pt x="1469204" y="123290"/>
-                </a:cubicBezTo>
-                <a:cubicBezTo>
-                  <a:pt x="1472267" y="137074"/>
-                  <a:pt x="1476415" y="150602"/>
-                  <a:pt x="1479478" y="164386"/>
-                </a:cubicBezTo>
-                <a:cubicBezTo>
-                  <a:pt x="1483266" y="181433"/>
-                  <a:pt x="1485158" y="198910"/>
-                  <a:pt x="1489753" y="215757"/>
-                </a:cubicBezTo>
-                <a:cubicBezTo>
-                  <a:pt x="1495452" y="236654"/>
-                  <a:pt x="1503452" y="256854"/>
-                  <a:pt x="1510301" y="277402"/>
-                </a:cubicBezTo>
-                <a:lnTo>
-                  <a:pt x="1520575" y="308225"/>
-                </a:lnTo>
-                <a:cubicBezTo>
-                  <a:pt x="1524000" y="318499"/>
-                  <a:pt x="1525277" y="329761"/>
-                  <a:pt x="1530849" y="339047"/>
-                </a:cubicBezTo>
-                <a:cubicBezTo>
-                  <a:pt x="1541123" y="356171"/>
-                  <a:pt x="1553409" y="372238"/>
-                  <a:pt x="1561672" y="390418"/>
-                </a:cubicBezTo>
-                <a:cubicBezTo>
-                  <a:pt x="1570635" y="410136"/>
-                  <a:pt x="1575371" y="431515"/>
-                  <a:pt x="1582220" y="452063"/>
-                </a:cubicBezTo>
-                <a:cubicBezTo>
-                  <a:pt x="1585645" y="462337"/>
-                  <a:pt x="1590370" y="472266"/>
-                  <a:pt x="1592494" y="482885"/>
-                </a:cubicBezTo>
-                <a:cubicBezTo>
-                  <a:pt x="1595919" y="500009"/>
-                  <a:pt x="1595889" y="518205"/>
-                  <a:pt x="1602768" y="534256"/>
-                </a:cubicBezTo>
-                <a:cubicBezTo>
-                  <a:pt x="1606584" y="543159"/>
-                  <a:pt x="1616467" y="547955"/>
-                  <a:pt x="1623317" y="554804"/>
-                </a:cubicBezTo>
-                <a:cubicBezTo>
-                  <a:pt x="1626742" y="571928"/>
-                  <a:pt x="1629356" y="589234"/>
-                  <a:pt x="1633591" y="606175"/>
-                </a:cubicBezTo>
-                <a:cubicBezTo>
-                  <a:pt x="1636218" y="616682"/>
-                  <a:pt x="1641516" y="626426"/>
-                  <a:pt x="1643865" y="636998"/>
-                </a:cubicBezTo>
-                <a:cubicBezTo>
-                  <a:pt x="1648384" y="657334"/>
-                  <a:pt x="1648658" y="678545"/>
-                  <a:pt x="1654139" y="698643"/>
-                </a:cubicBezTo>
-                <a:cubicBezTo>
-                  <a:pt x="1665739" y="741178"/>
-                  <a:pt x="1673519" y="748260"/>
-                  <a:pt x="1695236" y="780836"/>
-                </a:cubicBezTo>
-                <a:cubicBezTo>
-                  <a:pt x="1707676" y="818156"/>
-                  <a:pt x="1705510" y="800828"/>
-                  <a:pt x="1705510" y="832207"/>
-                </a:cubicBezTo>
-              </a:path>
-            </a:pathLst>
-          </a:custGeom>
+          </a:prstGeom>
         </p:spPr>
         <p:style>
-          <a:lnRef idx="1">
-            <a:schemeClr val="accent1"/>
+          <a:lnRef idx="2">
+            <a:schemeClr val="accent1">
+              <a:shade val="50000"/>
+            </a:schemeClr>
           </a:lnRef>
-          <a:fillRef idx="0">
+          <a:fillRef idx="1">
             <a:schemeClr val="accent1"/>
           </a:fillRef>
           <a:effectRef idx="0">
             <a:schemeClr val="accent1"/>
           </a:effectRef>
           <a:fontRef idx="minor">
-            <a:schemeClr val="tx1"/>
+            <a:schemeClr val="lt1"/>
           </a:fontRef>
         </p:style>
         <p:txBody>
@@ -8489,35 +9441,67 @@
           <a:lstStyle/>
           <a:p>
             <a:pPr algn="ctr"/>
-            <a:endParaRPr lang="en-US"/>
-          </a:p>
-        </p:txBody>
-      </p:sp>
-      <p:sp>
-        <p:nvSpPr>
-          <p:cNvPr id="16" name="Slide Number Placeholder 15"/>
-          <p:cNvSpPr>
-            <a:spLocks noGrp="1"/>
-          </p:cNvSpPr>
-          <p:nvPr>
-            <p:ph type="sldNum" sz="quarter" idx="12"/>
-          </p:nvPr>
-        </p:nvSpPr>
-        <p:spPr/>
-        <p:txBody>
-          <a:bodyPr/>
-          <a:lstStyle/>
-          <a:p>
-            <a:fld id="{B0478B60-1448-486C-BA6D-779A9B0B0C87}" type="slidenum">
-              <a:rPr lang="en-US" smtClean="0"/>
-              <a:pPr/>
-              <a:t>11</a:t>
-            </a:fld>
-            <a:endParaRPr lang="en-US"/>
+            <a:r>
+              <a:rPr lang="en-US" dirty="0" smtClean="0"/>
+              <a:t>Register</a:t>
+            </a:r>
+            <a:endParaRPr lang="en-US" dirty="0"/>
+          </a:p>
+        </p:txBody>
+      </p:sp>
+      <p:sp>
+        <p:nvSpPr>
+          <p:cNvPr id="26" name="Rounded Rectangle 25">
+            <a:hlinkClick r:id="rId10" action="ppaction://hlinksldjump"/>
+          </p:cNvPr>
+          <p:cNvSpPr/>
+          <p:nvPr/>
+        </p:nvSpPr>
+        <p:spPr>
+          <a:xfrm>
+            <a:off x="76200" y="4343400"/>
+            <a:ext cx="1143000" cy="609600"/>
+          </a:xfrm>
+          <a:prstGeom prst="roundRect">
+            <a:avLst/>
+          </a:prstGeom>
+        </p:spPr>
+        <p:style>
+          <a:lnRef idx="2">
+            <a:schemeClr val="accent1">
+              <a:shade val="50000"/>
+            </a:schemeClr>
+          </a:lnRef>
+          <a:fillRef idx="1">
+            <a:schemeClr val="accent1"/>
+          </a:fillRef>
+          <a:effectRef idx="0">
+            <a:schemeClr val="accent1"/>
+          </a:effectRef>
+          <a:fontRef idx="minor">
+            <a:schemeClr val="lt1"/>
+          </a:fontRef>
+        </p:style>
+        <p:txBody>
+          <a:bodyPr rtlCol="0" anchor="ctr"/>
+          <a:lstStyle/>
+          <a:p>
+            <a:pPr algn="ctr"/>
+            <a:r>
+              <a:rPr lang="en-US" dirty="0" smtClean="0"/>
+              <a:t>Home</a:t>
+            </a:r>
+            <a:endParaRPr lang="en-US" dirty="0"/>
           </a:p>
         </p:txBody>
       </p:sp>
     </p:spTree>
+    <p:controls>
+      <p:control spid="40962" name="DefaultOcx" r:id="rId2" imgW="914400" imgH="228600"/>
+      <p:control spid="40963" name="HTMLOption1" r:id="rId3" imgW="257040" imgH="304920"/>
+      <p:control spid="40964" name="HTMLOption2" r:id="rId4" imgW="257040" imgH="304920"/>
+      <p:control spid="40965" name="HTMLOption3" r:id="rId5" imgW="257040" imgH="304920"/>
+    </p:controls>
   </p:cSld>
   <p:clrMapOvr>
     <a:masterClrMapping/>
@@ -8566,7 +9550,7 @@
           <a:p>
             <a:r>
               <a:rPr lang="en-US" dirty="0" smtClean="0"/>
-              <a:t>Login</a:t>
+              <a:t>Register</a:t>
             </a:r>
             <a:endParaRPr lang="en-US" dirty="0"/>
           </a:p>
@@ -8580,7 +9564,7 @@
         </p:nvSpPr>
         <p:spPr>
           <a:xfrm>
-            <a:off x="609600" y="2362200"/>
+            <a:off x="1981200" y="2362200"/>
             <a:ext cx="1828800" cy="646331"/>
           </a:xfrm>
           <a:prstGeom prst="rect">
@@ -8597,14 +9581,14 @@
             <a:pPr algn="r"/>
             <a:r>
               <a:rPr lang="en-US" dirty="0" smtClean="0"/>
-              <a:t>Username:</a:t>
+              <a:t>Enter Username:</a:t>
             </a:r>
           </a:p>
           <a:p>
             <a:pPr algn="r"/>
             <a:r>
               <a:rPr lang="en-US" dirty="0" smtClean="0"/>
-              <a:t>Password:</a:t>
+              <a:t>Enter Password:</a:t>
             </a:r>
             <a:endParaRPr lang="en-US" dirty="0"/>
           </a:p>
@@ -8620,7 +9604,7 @@
         </p:nvSpPr>
         <p:spPr>
           <a:xfrm>
-            <a:off x="2133600" y="3200400"/>
+            <a:off x="3505200" y="3200400"/>
             <a:ext cx="1447800" cy="533400"/>
           </a:xfrm>
           <a:prstGeom prst="roundRect">
@@ -8650,53 +9634,7 @@
             <a:pPr algn="ctr"/>
             <a:r>
               <a:rPr lang="en-US" dirty="0" smtClean="0"/>
-              <a:t>Login</a:t>
-            </a:r>
-            <a:endParaRPr lang="en-US" dirty="0"/>
-          </a:p>
-        </p:txBody>
-      </p:sp>
-      <p:sp>
-        <p:nvSpPr>
-          <p:cNvPr id="7" name="Rounded Rectangle 6">
-            <a:hlinkClick r:id="rId4" action="ppaction://hlinksldjump"/>
-          </p:cNvPr>
-          <p:cNvSpPr/>
-          <p:nvPr/>
-        </p:nvSpPr>
-        <p:spPr>
-          <a:xfrm>
-            <a:off x="5334000" y="3200400"/>
-            <a:ext cx="1447800" cy="533400"/>
-          </a:xfrm>
-          <a:prstGeom prst="roundRect">
-            <a:avLst/>
-          </a:prstGeom>
-        </p:spPr>
-        <p:style>
-          <a:lnRef idx="2">
-            <a:schemeClr val="accent1">
-              <a:shade val="50000"/>
-            </a:schemeClr>
-          </a:lnRef>
-          <a:fillRef idx="1">
-            <a:schemeClr val="accent1"/>
-          </a:fillRef>
-          <a:effectRef idx="0">
-            <a:schemeClr val="accent1"/>
-          </a:effectRef>
-          <a:fontRef idx="minor">
-            <a:schemeClr val="lt1"/>
-          </a:fontRef>
-        </p:style>
-        <p:txBody>
-          <a:bodyPr rtlCol="0" anchor="ctr"/>
-          <a:lstStyle/>
-          <a:p>
-            <a:pPr algn="ctr"/>
-            <a:r>
-              <a:rPr lang="en-US" dirty="0" smtClean="0"/>
-              <a:t>New User?</a:t>
+              <a:t>Submit</a:t>
             </a:r>
             <a:endParaRPr lang="en-US" dirty="0"/>
           </a:p>
@@ -8710,7 +9648,7 @@
         </p:nvSpPr>
         <p:spPr>
           <a:xfrm>
-            <a:off x="2438400" y="2438400"/>
+            <a:off x="3810000" y="2438400"/>
             <a:ext cx="2133600" cy="228600"/>
           </a:xfrm>
           <a:prstGeom prst="rect">
@@ -8748,7 +9686,7 @@
         </p:nvSpPr>
         <p:spPr>
           <a:xfrm>
-            <a:off x="2438400" y="2743200"/>
+            <a:off x="3810000" y="2743200"/>
             <a:ext cx="2133600" cy="228600"/>
           </a:xfrm>
           <a:prstGeom prst="rect">
@@ -8799,6 +9737,190 @@
               <a:t>2</a:t>
             </a:fld>
             <a:endParaRPr lang="en-US"/>
+          </a:p>
+        </p:txBody>
+      </p:sp>
+      <p:sp>
+        <p:nvSpPr>
+          <p:cNvPr id="11" name="Rounded Rectangle 10">
+            <a:hlinkClick r:id="rId3" action="ppaction://hlinksldjump"/>
+          </p:cNvPr>
+          <p:cNvSpPr/>
+          <p:nvPr/>
+        </p:nvSpPr>
+        <p:spPr>
+          <a:xfrm>
+            <a:off x="228600" y="838200"/>
+            <a:ext cx="1143000" cy="609600"/>
+          </a:xfrm>
+          <a:prstGeom prst="roundRect">
+            <a:avLst/>
+          </a:prstGeom>
+        </p:spPr>
+        <p:style>
+          <a:lnRef idx="2">
+            <a:schemeClr val="accent1">
+              <a:shade val="50000"/>
+            </a:schemeClr>
+          </a:lnRef>
+          <a:fillRef idx="1">
+            <a:schemeClr val="accent1"/>
+          </a:fillRef>
+          <a:effectRef idx="0">
+            <a:schemeClr val="accent1"/>
+          </a:effectRef>
+          <a:fontRef idx="minor">
+            <a:schemeClr val="lt1"/>
+          </a:fontRef>
+        </p:style>
+        <p:txBody>
+          <a:bodyPr rtlCol="0" anchor="ctr"/>
+          <a:lstStyle/>
+          <a:p>
+            <a:pPr algn="ctr"/>
+            <a:r>
+              <a:rPr lang="en-US" dirty="0" smtClean="0"/>
+              <a:t>Login</a:t>
+            </a:r>
+            <a:endParaRPr lang="en-US" dirty="0"/>
+          </a:p>
+        </p:txBody>
+      </p:sp>
+      <p:sp>
+        <p:nvSpPr>
+          <p:cNvPr id="12" name="Rounded Rectangle 11">
+            <a:hlinkClick r:id="rId4" action="ppaction://hlinksldjump"/>
+          </p:cNvPr>
+          <p:cNvSpPr/>
+          <p:nvPr/>
+        </p:nvSpPr>
+        <p:spPr>
+          <a:xfrm>
+            <a:off x="228600" y="2895600"/>
+            <a:ext cx="1143000" cy="609600"/>
+          </a:xfrm>
+          <a:prstGeom prst="roundRect">
+            <a:avLst/>
+          </a:prstGeom>
+        </p:spPr>
+        <p:style>
+          <a:lnRef idx="2">
+            <a:schemeClr val="accent1">
+              <a:shade val="50000"/>
+            </a:schemeClr>
+          </a:lnRef>
+          <a:fillRef idx="1">
+            <a:schemeClr val="accent1"/>
+          </a:fillRef>
+          <a:effectRef idx="0">
+            <a:schemeClr val="accent1"/>
+          </a:effectRef>
+          <a:fontRef idx="minor">
+            <a:schemeClr val="lt1"/>
+          </a:fontRef>
+        </p:style>
+        <p:txBody>
+          <a:bodyPr rtlCol="0" anchor="ctr"/>
+          <a:lstStyle/>
+          <a:p>
+            <a:pPr algn="ctr"/>
+            <a:r>
+              <a:rPr lang="en-US" dirty="0" smtClean="0"/>
+              <a:t>Logout</a:t>
+            </a:r>
+            <a:endParaRPr lang="en-US" dirty="0"/>
+          </a:p>
+        </p:txBody>
+      </p:sp>
+      <p:sp>
+        <p:nvSpPr>
+          <p:cNvPr id="13" name="Rounded Rectangle 12">
+            <a:hlinkClick r:id="rId4" action="ppaction://hlinksldjump"/>
+          </p:cNvPr>
+          <p:cNvSpPr/>
+          <p:nvPr/>
+        </p:nvSpPr>
+        <p:spPr>
+          <a:xfrm>
+            <a:off x="228600" y="1752600"/>
+            <a:ext cx="1143000" cy="609600"/>
+          </a:xfrm>
+          <a:prstGeom prst="roundRect">
+            <a:avLst/>
+          </a:prstGeom>
+        </p:spPr>
+        <p:style>
+          <a:lnRef idx="2">
+            <a:schemeClr val="accent1">
+              <a:shade val="50000"/>
+            </a:schemeClr>
+          </a:lnRef>
+          <a:fillRef idx="1">
+            <a:schemeClr val="accent1"/>
+          </a:fillRef>
+          <a:effectRef idx="0">
+            <a:schemeClr val="accent1"/>
+          </a:effectRef>
+          <a:fontRef idx="minor">
+            <a:schemeClr val="lt1"/>
+          </a:fontRef>
+        </p:style>
+        <p:txBody>
+          <a:bodyPr rtlCol="0" anchor="ctr"/>
+          <a:lstStyle/>
+          <a:p>
+            <a:pPr algn="ctr"/>
+            <a:r>
+              <a:rPr lang="en-US" dirty="0" smtClean="0"/>
+              <a:t>Register</a:t>
+            </a:r>
+            <a:endParaRPr lang="en-US" dirty="0"/>
+          </a:p>
+        </p:txBody>
+      </p:sp>
+      <p:sp>
+        <p:nvSpPr>
+          <p:cNvPr id="14" name="Rounded Rectangle 13">
+            <a:hlinkClick r:id="rId4" action="ppaction://hlinksldjump"/>
+          </p:cNvPr>
+          <p:cNvSpPr/>
+          <p:nvPr/>
+        </p:nvSpPr>
+        <p:spPr>
+          <a:xfrm>
+            <a:off x="228600" y="3810000"/>
+            <a:ext cx="1143000" cy="609600"/>
+          </a:xfrm>
+          <a:prstGeom prst="roundRect">
+            <a:avLst/>
+          </a:prstGeom>
+        </p:spPr>
+        <p:style>
+          <a:lnRef idx="2">
+            <a:schemeClr val="accent1">
+              <a:shade val="50000"/>
+            </a:schemeClr>
+          </a:lnRef>
+          <a:fillRef idx="1">
+            <a:schemeClr val="accent1"/>
+          </a:fillRef>
+          <a:effectRef idx="0">
+            <a:schemeClr val="accent1"/>
+          </a:effectRef>
+          <a:fontRef idx="minor">
+            <a:schemeClr val="lt1"/>
+          </a:fontRef>
+        </p:style>
+        <p:txBody>
+          <a:bodyPr rtlCol="0" anchor="ctr"/>
+          <a:lstStyle/>
+          <a:p>
+            <a:pPr algn="ctr"/>
+            <a:r>
+              <a:rPr lang="en-US" dirty="0" smtClean="0"/>
+              <a:t>Home</a:t>
+            </a:r>
+            <a:endParaRPr lang="en-US" dirty="0"/>
           </a:p>
         </p:txBody>
       </p:sp>
@@ -8851,7 +9973,7 @@
           <a:p>
             <a:r>
               <a:rPr lang="en-US" dirty="0" smtClean="0"/>
-              <a:t>Home Page</a:t>
+              <a:t>Login</a:t>
             </a:r>
             <a:endParaRPr lang="en-US" dirty="0"/>
           </a:p>
@@ -8859,64 +9981,37 @@
       </p:sp>
       <p:sp>
         <p:nvSpPr>
-          <p:cNvPr id="3" name="Content Placeholder 2"/>
-          <p:cNvSpPr>
-            <a:spLocks noGrp="1"/>
-          </p:cNvSpPr>
-          <p:nvPr>
-            <p:ph idx="1"/>
-          </p:nvPr>
-        </p:nvSpPr>
-        <p:spPr>
-          <a:xfrm>
-            <a:off x="457200" y="1600201"/>
-            <a:ext cx="8229600" cy="4495800"/>
-          </a:xfrm>
-        </p:spPr>
-        <p:txBody>
-          <a:bodyPr/>
-          <a:lstStyle/>
-          <a:p>
+          <p:cNvPr id="4" name="TextBox 3"/>
+          <p:cNvSpPr txBox="1"/>
+          <p:nvPr/>
+        </p:nvSpPr>
+        <p:spPr>
+          <a:xfrm>
+            <a:off x="2209800" y="2362200"/>
+            <a:ext cx="1828800" cy="646331"/>
+          </a:xfrm>
+          <a:prstGeom prst="rect">
+            <a:avLst/>
+          </a:prstGeom>
+          <a:noFill/>
+        </p:spPr>
+        <p:txBody>
+          <a:bodyPr wrap="square" rtlCol="0">
+            <a:spAutoFit/>
+          </a:bodyPr>
+          <a:lstStyle/>
+          <a:p>
+            <a:pPr algn="r"/>
             <a:r>
               <a:rPr lang="en-US" dirty="0" smtClean="0"/>
-              <a:t>Hello Jane….</a:t>
-            </a:r>
-          </a:p>
-          <a:p>
-            <a:pPr algn="just"/>
-            <a:endParaRPr lang="en-US" dirty="0" smtClean="0"/>
-          </a:p>
-          <a:p>
-            <a:pPr algn="just"/>
-            <a:r>
-              <a:rPr lang="en-US" dirty="0" smtClean="0">
-                <a:hlinkClick r:id="rId3" action="ppaction://hlinksldjump"/>
-              </a:rPr>
-              <a:t>Portfolio One </a:t>
-            </a:r>
+              <a:t>Username:</a:t>
+            </a:r>
+          </a:p>
+          <a:p>
+            <a:pPr algn="r"/>
             <a:r>
               <a:rPr lang="en-US" dirty="0" smtClean="0"/>
-              <a:t>…………………………………… $1,000</a:t>
-            </a:r>
-          </a:p>
-          <a:p>
-            <a:pPr algn="just"/>
-            <a:r>
-              <a:rPr lang="en-US" dirty="0" smtClean="0">
-                <a:hlinkClick r:id="rId3" action="ppaction://hlinksldjump"/>
-              </a:rPr>
-              <a:t>Portfolio Two </a:t>
-            </a:r>
-            <a:r>
-              <a:rPr lang="en-US" dirty="0" smtClean="0"/>
-              <a:t>…………………………………… $2,000</a:t>
-            </a:r>
-          </a:p>
-          <a:p>
-            <a:pPr algn="just"/>
-            <a:r>
-              <a:rPr lang="en-US" dirty="0" smtClean="0"/>
-              <a:t>Net Worth ……………………………………….  $  </a:t>
+              <a:t>Password:</a:t>
             </a:r>
             <a:endParaRPr lang="en-US" dirty="0"/>
           </a:p>
@@ -8924,16 +10019,16 @@
       </p:sp>
       <p:sp>
         <p:nvSpPr>
-          <p:cNvPr id="4" name="Rounded Rectangle 3">
-            <a:hlinkClick r:id="rId4" action="ppaction://hlinksldjump"/>
+          <p:cNvPr id="6" name="Rounded Rectangle 5">
+            <a:hlinkClick r:id="rId3" action="ppaction://hlinksldjump"/>
           </p:cNvPr>
           <p:cNvSpPr/>
           <p:nvPr/>
         </p:nvSpPr>
         <p:spPr>
           <a:xfrm>
-            <a:off x="1219200" y="5181600"/>
-            <a:ext cx="2209800" cy="762000"/>
+            <a:off x="2133600" y="3200400"/>
+            <a:ext cx="1447800" cy="533400"/>
           </a:xfrm>
           <a:prstGeom prst="roundRect">
             <a:avLst/>
@@ -8962,14 +10057,137 @@
             <a:pPr algn="ctr"/>
             <a:r>
               <a:rPr lang="en-US" dirty="0" smtClean="0"/>
-              <a:t>New Portfolio</a:t>
-            </a:r>
-          </a:p>
-        </p:txBody>
-      </p:sp>
-      <p:sp>
-        <p:nvSpPr>
-          <p:cNvPr id="5" name="Slide Number Placeholder 4"/>
+              <a:t>Login</a:t>
+            </a:r>
+            <a:endParaRPr lang="en-US" dirty="0"/>
+          </a:p>
+        </p:txBody>
+      </p:sp>
+      <p:sp>
+        <p:nvSpPr>
+          <p:cNvPr id="7" name="Rounded Rectangle 6">
+            <a:hlinkClick r:id="rId4" action="ppaction://hlinksldjump"/>
+          </p:cNvPr>
+          <p:cNvSpPr/>
+          <p:nvPr/>
+        </p:nvSpPr>
+        <p:spPr>
+          <a:xfrm>
+            <a:off x="5334000" y="3200400"/>
+            <a:ext cx="1447800" cy="533400"/>
+          </a:xfrm>
+          <a:prstGeom prst="roundRect">
+            <a:avLst/>
+          </a:prstGeom>
+        </p:spPr>
+        <p:style>
+          <a:lnRef idx="2">
+            <a:schemeClr val="accent1">
+              <a:shade val="50000"/>
+            </a:schemeClr>
+          </a:lnRef>
+          <a:fillRef idx="1">
+            <a:schemeClr val="accent1"/>
+          </a:fillRef>
+          <a:effectRef idx="0">
+            <a:schemeClr val="accent1"/>
+          </a:effectRef>
+          <a:fontRef idx="minor">
+            <a:schemeClr val="lt1"/>
+          </a:fontRef>
+        </p:style>
+        <p:txBody>
+          <a:bodyPr rtlCol="0" anchor="ctr"/>
+          <a:lstStyle/>
+          <a:p>
+            <a:pPr algn="ctr"/>
+            <a:r>
+              <a:rPr lang="en-US" dirty="0" smtClean="0"/>
+              <a:t>New User?</a:t>
+            </a:r>
+            <a:endParaRPr lang="en-US" dirty="0"/>
+          </a:p>
+        </p:txBody>
+      </p:sp>
+      <p:sp>
+        <p:nvSpPr>
+          <p:cNvPr id="8" name="Rectangle 7"/>
+          <p:cNvSpPr/>
+          <p:nvPr/>
+        </p:nvSpPr>
+        <p:spPr>
+          <a:xfrm>
+            <a:off x="4038600" y="2438400"/>
+            <a:ext cx="2133600" cy="228600"/>
+          </a:xfrm>
+          <a:prstGeom prst="rect">
+            <a:avLst/>
+          </a:prstGeom>
+        </p:spPr>
+        <p:style>
+          <a:lnRef idx="2">
+            <a:schemeClr val="dk1"/>
+          </a:lnRef>
+          <a:fillRef idx="1">
+            <a:schemeClr val="lt1"/>
+          </a:fillRef>
+          <a:effectRef idx="0">
+            <a:schemeClr val="dk1"/>
+          </a:effectRef>
+          <a:fontRef idx="minor">
+            <a:schemeClr val="dk1"/>
+          </a:fontRef>
+        </p:style>
+        <p:txBody>
+          <a:bodyPr rtlCol="0" anchor="ctr"/>
+          <a:lstStyle/>
+          <a:p>
+            <a:pPr algn="ctr"/>
+            <a:endParaRPr lang="en-US"/>
+          </a:p>
+        </p:txBody>
+      </p:sp>
+      <p:sp>
+        <p:nvSpPr>
+          <p:cNvPr id="9" name="Rectangle 8"/>
+          <p:cNvSpPr/>
+          <p:nvPr/>
+        </p:nvSpPr>
+        <p:spPr>
+          <a:xfrm>
+            <a:off x="4038600" y="2743200"/>
+            <a:ext cx="2133600" cy="228600"/>
+          </a:xfrm>
+          <a:prstGeom prst="rect">
+            <a:avLst/>
+          </a:prstGeom>
+        </p:spPr>
+        <p:style>
+          <a:lnRef idx="2">
+            <a:schemeClr val="dk1"/>
+          </a:lnRef>
+          <a:fillRef idx="1">
+            <a:schemeClr val="lt1"/>
+          </a:fillRef>
+          <a:effectRef idx="0">
+            <a:schemeClr val="dk1"/>
+          </a:effectRef>
+          <a:fontRef idx="minor">
+            <a:schemeClr val="dk1"/>
+          </a:fontRef>
+        </p:style>
+        <p:txBody>
+          <a:bodyPr rtlCol="0" anchor="ctr"/>
+          <a:lstStyle/>
+          <a:p>
+            <a:pPr algn="ctr"/>
+            <a:endParaRPr lang="en-US"/>
+          </a:p>
+        </p:txBody>
+      </p:sp>
+      <p:sp>
+        <p:nvSpPr>
+          <p:cNvPr id="10" name="Slide Number Placeholder 9"/>
           <p:cNvSpPr>
             <a:spLocks noGrp="1"/>
           </p:cNvSpPr>
@@ -8988,6 +10206,190 @@
               <a:t>3</a:t>
             </a:fld>
             <a:endParaRPr lang="en-US"/>
+          </a:p>
+        </p:txBody>
+      </p:sp>
+      <p:sp>
+        <p:nvSpPr>
+          <p:cNvPr id="11" name="Rounded Rectangle 10">
+            <a:hlinkClick r:id="rId3" action="ppaction://hlinksldjump"/>
+          </p:cNvPr>
+          <p:cNvSpPr/>
+          <p:nvPr/>
+        </p:nvSpPr>
+        <p:spPr>
+          <a:xfrm>
+            <a:off x="152400" y="838200"/>
+            <a:ext cx="1143000" cy="609600"/>
+          </a:xfrm>
+          <a:prstGeom prst="roundRect">
+            <a:avLst/>
+          </a:prstGeom>
+        </p:spPr>
+        <p:style>
+          <a:lnRef idx="2">
+            <a:schemeClr val="accent1">
+              <a:shade val="50000"/>
+            </a:schemeClr>
+          </a:lnRef>
+          <a:fillRef idx="1">
+            <a:schemeClr val="accent1"/>
+          </a:fillRef>
+          <a:effectRef idx="0">
+            <a:schemeClr val="accent1"/>
+          </a:effectRef>
+          <a:fontRef idx="minor">
+            <a:schemeClr val="lt1"/>
+          </a:fontRef>
+        </p:style>
+        <p:txBody>
+          <a:bodyPr rtlCol="0" anchor="ctr"/>
+          <a:lstStyle/>
+          <a:p>
+            <a:pPr algn="ctr"/>
+            <a:r>
+              <a:rPr lang="en-US" dirty="0" smtClean="0"/>
+              <a:t>Login</a:t>
+            </a:r>
+            <a:endParaRPr lang="en-US" dirty="0"/>
+          </a:p>
+        </p:txBody>
+      </p:sp>
+      <p:sp>
+        <p:nvSpPr>
+          <p:cNvPr id="12" name="Rounded Rectangle 11">
+            <a:hlinkClick r:id="rId5" action="ppaction://hlinksldjump"/>
+          </p:cNvPr>
+          <p:cNvSpPr/>
+          <p:nvPr/>
+        </p:nvSpPr>
+        <p:spPr>
+          <a:xfrm>
+            <a:off x="152400" y="2895600"/>
+            <a:ext cx="1143000" cy="609600"/>
+          </a:xfrm>
+          <a:prstGeom prst="roundRect">
+            <a:avLst/>
+          </a:prstGeom>
+        </p:spPr>
+        <p:style>
+          <a:lnRef idx="2">
+            <a:schemeClr val="accent1">
+              <a:shade val="50000"/>
+            </a:schemeClr>
+          </a:lnRef>
+          <a:fillRef idx="1">
+            <a:schemeClr val="accent1"/>
+          </a:fillRef>
+          <a:effectRef idx="0">
+            <a:schemeClr val="accent1"/>
+          </a:effectRef>
+          <a:fontRef idx="minor">
+            <a:schemeClr val="lt1"/>
+          </a:fontRef>
+        </p:style>
+        <p:txBody>
+          <a:bodyPr rtlCol="0" anchor="ctr"/>
+          <a:lstStyle/>
+          <a:p>
+            <a:pPr algn="ctr"/>
+            <a:r>
+              <a:rPr lang="en-US" dirty="0" smtClean="0"/>
+              <a:t>Logout</a:t>
+            </a:r>
+            <a:endParaRPr lang="en-US" dirty="0"/>
+          </a:p>
+        </p:txBody>
+      </p:sp>
+      <p:sp>
+        <p:nvSpPr>
+          <p:cNvPr id="13" name="Rounded Rectangle 12">
+            <a:hlinkClick r:id="rId5" action="ppaction://hlinksldjump"/>
+          </p:cNvPr>
+          <p:cNvSpPr/>
+          <p:nvPr/>
+        </p:nvSpPr>
+        <p:spPr>
+          <a:xfrm>
+            <a:off x="152400" y="1752600"/>
+            <a:ext cx="1143000" cy="609600"/>
+          </a:xfrm>
+          <a:prstGeom prst="roundRect">
+            <a:avLst/>
+          </a:prstGeom>
+        </p:spPr>
+        <p:style>
+          <a:lnRef idx="2">
+            <a:schemeClr val="accent1">
+              <a:shade val="50000"/>
+            </a:schemeClr>
+          </a:lnRef>
+          <a:fillRef idx="1">
+            <a:schemeClr val="accent1"/>
+          </a:fillRef>
+          <a:effectRef idx="0">
+            <a:schemeClr val="accent1"/>
+          </a:effectRef>
+          <a:fontRef idx="minor">
+            <a:schemeClr val="lt1"/>
+          </a:fontRef>
+        </p:style>
+        <p:txBody>
+          <a:bodyPr rtlCol="0" anchor="ctr"/>
+          <a:lstStyle/>
+          <a:p>
+            <a:pPr algn="ctr"/>
+            <a:r>
+              <a:rPr lang="en-US" dirty="0" smtClean="0"/>
+              <a:t>Register</a:t>
+            </a:r>
+            <a:endParaRPr lang="en-US" dirty="0"/>
+          </a:p>
+        </p:txBody>
+      </p:sp>
+      <p:sp>
+        <p:nvSpPr>
+          <p:cNvPr id="14" name="Rounded Rectangle 13">
+            <a:hlinkClick r:id="rId5" action="ppaction://hlinksldjump"/>
+          </p:cNvPr>
+          <p:cNvSpPr/>
+          <p:nvPr/>
+        </p:nvSpPr>
+        <p:spPr>
+          <a:xfrm>
+            <a:off x="152400" y="3810000"/>
+            <a:ext cx="1143000" cy="609600"/>
+          </a:xfrm>
+          <a:prstGeom prst="roundRect">
+            <a:avLst/>
+          </a:prstGeom>
+        </p:spPr>
+        <p:style>
+          <a:lnRef idx="2">
+            <a:schemeClr val="accent1">
+              <a:shade val="50000"/>
+            </a:schemeClr>
+          </a:lnRef>
+          <a:fillRef idx="1">
+            <a:schemeClr val="accent1"/>
+          </a:fillRef>
+          <a:effectRef idx="0">
+            <a:schemeClr val="accent1"/>
+          </a:effectRef>
+          <a:fontRef idx="minor">
+            <a:schemeClr val="lt1"/>
+          </a:fontRef>
+        </p:style>
+        <p:txBody>
+          <a:bodyPr rtlCol="0" anchor="ctr"/>
+          <a:lstStyle/>
+          <a:p>
+            <a:pPr algn="ctr"/>
+            <a:r>
+              <a:rPr lang="en-US" dirty="0" smtClean="0"/>
+              <a:t>Home</a:t>
+            </a:r>
+            <a:endParaRPr lang="en-US" dirty="0"/>
           </a:p>
         </p:txBody>
       </p:sp>
@@ -9033,18 +10435,19 @@
             <p:ph type="title"/>
           </p:nvPr>
         </p:nvSpPr>
-        <p:spPr/>
+        <p:spPr>
+          <a:xfrm>
+            <a:off x="685800" y="274638"/>
+            <a:ext cx="8229600" cy="1143000"/>
+          </a:xfrm>
+        </p:spPr>
         <p:txBody>
           <a:bodyPr/>
           <a:lstStyle/>
           <a:p>
             <a:r>
               <a:rPr lang="en-US" dirty="0" smtClean="0"/>
-              <a:t>Portfolio One </a:t>
-            </a:r>
-            <a:r>
-              <a:rPr lang="en-US" dirty="0" smtClean="0"/>
-              <a:t>Summary</a:t>
+              <a:t>Home Page</a:t>
             </a:r>
             <a:endParaRPr lang="en-US" dirty="0"/>
           </a:p>
@@ -9060,123 +10463,312 @@
             <p:ph idx="1"/>
           </p:nvPr>
         </p:nvSpPr>
-        <p:spPr/>
-        <p:txBody>
-          <a:bodyPr>
-            <a:normAutofit lnSpcReduction="10000"/>
-          </a:bodyPr>
-          <a:lstStyle/>
-          <a:p>
-            <a:pPr lvl="1">
+        <p:spPr>
+          <a:xfrm>
+            <a:off x="1295400" y="1600201"/>
+            <a:ext cx="8229600" cy="4495800"/>
+          </a:xfrm>
+        </p:spPr>
+        <p:txBody>
+          <a:bodyPr/>
+          <a:lstStyle/>
+          <a:p>
+            <a:pPr>
               <a:buNone/>
             </a:pPr>
             <a:r>
-              <a:rPr lang="en-US" dirty="0" smtClean="0"/>
-              <a:t>Trading Strategy is: Buy and Hold</a:t>
-            </a:r>
-          </a:p>
-          <a:p>
-            <a:pPr lvl="1">
-              <a:buFont typeface="Wingdings" pitchFamily="2" charset="2"/>
-              <a:buChar char="q"/>
-            </a:pPr>
+              <a:rPr lang="en-US" b="1" dirty="0" smtClean="0"/>
+              <a:t> </a:t>
+            </a:r>
+            <a:r>
+              <a:rPr lang="en-US" b="1" dirty="0" smtClean="0">
+                <a:hlinkClick r:id="rId3"/>
+              </a:rPr>
+              <a:t>Home </a:t>
+            </a:r>
+            <a:r>
+              <a:rPr lang="en-US" b="1" dirty="0" smtClean="0"/>
+              <a:t>  </a:t>
+            </a:r>
+            <a:r>
+              <a:rPr lang="en-US" b="1" dirty="0" smtClean="0">
+                <a:hlinkClick r:id="rId3"/>
+              </a:rPr>
+              <a:t>Create Portfolio</a:t>
+            </a:r>
+            <a:r>
+              <a:rPr lang="en-US" b="1" dirty="0" smtClean="0"/>
+              <a:t>   </a:t>
+            </a:r>
+            <a:r>
+              <a:rPr lang="en-US" b="1" dirty="0" smtClean="0">
+                <a:hlinkClick r:id="rId4"/>
+              </a:rPr>
+              <a:t>Cash Management</a:t>
+            </a:r>
+            <a:endParaRPr lang="en-US" b="1" dirty="0" smtClean="0"/>
+          </a:p>
+          <a:p>
             <a:endParaRPr lang="en-US" dirty="0" smtClean="0"/>
           </a:p>
           <a:p>
-            <a:pPr lvl="1">
-              <a:buFont typeface="Wingdings" pitchFamily="2" charset="2"/>
-              <a:buChar char="q"/>
-            </a:pPr>
-            <a:r>
-              <a:rPr lang="en-US" dirty="0" smtClean="0"/>
-              <a:t>Stock </a:t>
-            </a:r>
-            <a:r>
-              <a:rPr lang="en-US" dirty="0" smtClean="0"/>
-              <a:t>Two </a:t>
-            </a:r>
-            <a:endParaRPr lang="en-US" dirty="0" smtClean="0"/>
-          </a:p>
-          <a:p>
-            <a:pPr lvl="1">
-              <a:buFont typeface="Wingdings" pitchFamily="2" charset="2"/>
-              <a:buChar char="q"/>
-            </a:pPr>
-            <a:r>
-              <a:rPr lang="en-US" dirty="0" smtClean="0"/>
-              <a:t>Stock Four</a:t>
-            </a:r>
-          </a:p>
-          <a:p>
-            <a:pPr lvl="1">
-              <a:buFont typeface="Wingdings" pitchFamily="2" charset="2"/>
-              <a:buChar char="q"/>
-            </a:pPr>
-            <a:r>
-              <a:rPr lang="en-US" dirty="0" smtClean="0"/>
-              <a:t>Stock One</a:t>
-            </a:r>
-          </a:p>
-          <a:p>
-            <a:pPr lvl="1">
-              <a:buFont typeface="Wingdings" pitchFamily="2" charset="2"/>
-              <a:buChar char="q"/>
-            </a:pPr>
-            <a:r>
-              <a:rPr lang="en-US" dirty="0" smtClean="0"/>
-              <a:t>Stock Three</a:t>
-            </a:r>
-          </a:p>
-          <a:p>
-            <a:pPr lvl="1">
-              <a:buFont typeface="Wingdings" pitchFamily="2" charset="2"/>
-              <a:buChar char="q"/>
-            </a:pPr>
-            <a:endParaRPr lang="en-US" dirty="0" smtClean="0"/>
-          </a:p>
-          <a:p>
-            <a:pPr lvl="1">
-              <a:buFont typeface="Wingdings" pitchFamily="2" charset="2"/>
-              <a:buChar char="q"/>
-            </a:pPr>
-            <a:endParaRPr lang="en-US" dirty="0" smtClean="0"/>
-          </a:p>
-          <a:p>
-            <a:pPr lvl="1">
+            <a:pPr>
               <a:buNone/>
             </a:pPr>
             <a:r>
               <a:rPr lang="en-US" dirty="0" smtClean="0"/>
-              <a:t>Cash Amount is ….</a:t>
-            </a:r>
-          </a:p>
-          <a:p>
-            <a:pPr lvl="1">
-              <a:buFont typeface="Wingdings" pitchFamily="2" charset="2"/>
-              <a:buChar char="q"/>
-            </a:pPr>
-            <a:endParaRPr lang="en-US" dirty="0" smtClean="0"/>
-          </a:p>
-          <a:p>
-            <a:pPr lvl="1">
+              <a:t>Hello Jane. Here are your portfolios.</a:t>
+            </a:r>
+          </a:p>
+          <a:p>
+            <a:pPr>
               <a:buNone/>
             </a:pPr>
             <a:endParaRPr lang="en-US" dirty="0" smtClean="0"/>
           </a:p>
-        </p:txBody>
-      </p:sp>
-      <p:sp>
-        <p:nvSpPr>
-          <p:cNvPr id="4" name="Rounded Rectangle 3">
-            <a:hlinkClick r:id="rId3" action="ppaction://hlinksldjump"/>
+          <a:p>
+            <a:pPr algn="just"/>
+            <a:endParaRPr lang="en-US" dirty="0" smtClean="0"/>
+          </a:p>
+        </p:txBody>
+      </p:sp>
+      <p:sp>
+        <p:nvSpPr>
+          <p:cNvPr id="5" name="Slide Number Placeholder 4"/>
+          <p:cNvSpPr>
+            <a:spLocks noGrp="1"/>
+          </p:cNvSpPr>
+          <p:nvPr>
+            <p:ph type="sldNum" sz="quarter" idx="12"/>
+          </p:nvPr>
+        </p:nvSpPr>
+        <p:spPr/>
+        <p:txBody>
+          <a:bodyPr/>
+          <a:lstStyle/>
+          <a:p>
+            <a:fld id="{B0478B60-1448-486C-BA6D-779A9B0B0C87}" type="slidenum">
+              <a:rPr lang="en-US" smtClean="0"/>
+              <a:pPr/>
+              <a:t>4</a:t>
+            </a:fld>
+            <a:endParaRPr lang="en-US" dirty="0"/>
+          </a:p>
+        </p:txBody>
+      </p:sp>
+      <p:graphicFrame>
+        <p:nvGraphicFramePr>
+          <p:cNvPr id="6" name="Table 5"/>
+          <p:cNvGraphicFramePr>
+            <a:graphicFrameLocks noGrp="1"/>
+          </p:cNvGraphicFramePr>
+          <p:nvPr/>
+        </p:nvGraphicFramePr>
+        <p:xfrm>
+          <a:off x="1371600" y="3505200"/>
+          <a:ext cx="7467600" cy="2180838"/>
+        </p:xfrm>
+        <a:graphic>
+          <a:graphicData uri="http://schemas.openxmlformats.org/drawingml/2006/table">
+            <a:tbl>
+              <a:tblPr firstRow="1" bandRow="1">
+                <a:tableStyleId>{5C22544A-7EE6-4342-B048-85BDC9FD1C3A}</a:tableStyleId>
+              </a:tblPr>
+              <a:tblGrid>
+                <a:gridCol w="1866900"/>
+                <a:gridCol w="1866900"/>
+                <a:gridCol w="2443103"/>
+                <a:gridCol w="1290697"/>
+              </a:tblGrid>
+              <a:tr h="647841">
+                <a:tc>
+                  <a:txBody>
+                    <a:bodyPr/>
+                    <a:lstStyle/>
+                    <a:p>
+                      <a:r>
+                        <a:rPr lang="en-US" dirty="0" smtClean="0"/>
+                        <a:t>NAME</a:t>
+                      </a:r>
+                      <a:endParaRPr lang="en-US" dirty="0"/>
+                    </a:p>
+                  </a:txBody>
+                  <a:tcPr/>
+                </a:tc>
+                <a:tc>
+                  <a:txBody>
+                    <a:bodyPr/>
+                    <a:lstStyle/>
+                    <a:p>
+                      <a:r>
+                        <a:rPr lang="en-US" dirty="0" smtClean="0"/>
+                        <a:t>CASH</a:t>
+                      </a:r>
+                      <a:endParaRPr lang="en-US" dirty="0"/>
+                    </a:p>
+                  </a:txBody>
+                  <a:tcPr/>
+                </a:tc>
+                <a:tc>
+                  <a:txBody>
+                    <a:bodyPr/>
+                    <a:lstStyle/>
+                    <a:p>
+                      <a:r>
+                        <a:rPr lang="en-US" dirty="0" smtClean="0"/>
+                        <a:t>STRATEGY</a:t>
+                      </a:r>
+                      <a:endParaRPr lang="en-US" dirty="0"/>
+                    </a:p>
+                  </a:txBody>
+                  <a:tcPr/>
+                </a:tc>
+                <a:tc>
+                  <a:txBody>
+                    <a:bodyPr/>
+                    <a:lstStyle/>
+                    <a:p>
+                      <a:r>
+                        <a:rPr lang="en-US" dirty="0" smtClean="0"/>
+                        <a:t>VALUE</a:t>
+                      </a:r>
+                      <a:endParaRPr lang="en-US" dirty="0"/>
+                    </a:p>
+                  </a:txBody>
+                  <a:tcPr/>
+                </a:tc>
+              </a:tr>
+              <a:tr h="876159">
+                <a:tc>
+                  <a:txBody>
+                    <a:bodyPr/>
+                    <a:lstStyle/>
+                    <a:p>
+                      <a:r>
+                        <a:rPr lang="en-US" dirty="0">
+                          <a:hlinkClick r:id="rId5"/>
+                        </a:rPr>
+                        <a:t>myportfolio</a:t>
+                      </a:r>
+                      <a:endParaRPr lang="en-US" dirty="0"/>
+                    </a:p>
+                  </a:txBody>
+                  <a:tcPr anchor="ctr"/>
+                </a:tc>
+                <a:tc>
+                  <a:txBody>
+                    <a:bodyPr/>
+                    <a:lstStyle/>
+                    <a:p>
+                      <a:r>
+                        <a:rPr lang="en-US"/>
+                        <a:t>2655.17</a:t>
+                      </a:r>
+                    </a:p>
+                  </a:txBody>
+                  <a:tcPr anchor="ctr"/>
+                </a:tc>
+                <a:tc>
+                  <a:txBody>
+                    <a:bodyPr/>
+                    <a:lstStyle/>
+                    <a:p>
+                      <a:r>
+                        <a:rPr lang="en-US"/>
+                        <a:t>shannon ratchet</a:t>
+                      </a:r>
+                    </a:p>
+                  </a:txBody>
+                  <a:tcPr anchor="ctr"/>
+                </a:tc>
+                <a:tc>
+                  <a:txBody>
+                    <a:bodyPr/>
+                    <a:lstStyle/>
+                    <a:p>
+                      <a:r>
+                        <a:rPr lang="en-US" dirty="0" smtClean="0"/>
+                        <a:t>3899.91</a:t>
+                      </a:r>
+                      <a:endParaRPr lang="en-US" dirty="0"/>
+                    </a:p>
+                  </a:txBody>
+                  <a:tcPr anchor="ctr"/>
+                </a:tc>
+              </a:tr>
+              <a:tr h="656838">
+                <a:tc>
+                  <a:txBody>
+                    <a:bodyPr/>
+                    <a:lstStyle/>
+                    <a:p>
+                      <a:r>
+                        <a:rPr lang="en-US" dirty="0">
+                          <a:hlinkClick r:id="rId6"/>
+                        </a:rPr>
+                        <a:t>my1</a:t>
+                      </a:r>
+                      <a:endParaRPr lang="en-US" dirty="0"/>
+                    </a:p>
+                  </a:txBody>
+                  <a:tcPr anchor="ctr"/>
+                </a:tc>
+                <a:tc>
+                  <a:txBody>
+                    <a:bodyPr/>
+                    <a:lstStyle/>
+                    <a:p>
+                      <a:r>
+                        <a:rPr lang="en-US"/>
+                        <a:t>31318.08</a:t>
+                      </a:r>
+                    </a:p>
+                  </a:txBody>
+                  <a:tcPr anchor="ctr"/>
+                </a:tc>
+                <a:tc>
+                  <a:txBody>
+                    <a:bodyPr/>
+                    <a:lstStyle/>
+                    <a:p>
+                      <a:r>
+                        <a:rPr lang="en-US"/>
+                        <a:t>buy n hold</a:t>
+                      </a:r>
+                    </a:p>
+                  </a:txBody>
+                  <a:tcPr anchor="ctr"/>
+                </a:tc>
+                <a:tc>
+                  <a:txBody>
+                    <a:bodyPr/>
+                    <a:lstStyle/>
+                    <a:p>
+                      <a:r>
+                        <a:rPr lang="en-US" dirty="0"/>
+                        <a:t>33959.9812</a:t>
+                      </a:r>
+                    </a:p>
+                  </a:txBody>
+                  <a:tcPr anchor="ctr"/>
+                </a:tc>
+              </a:tr>
+            </a:tbl>
+          </a:graphicData>
+        </a:graphic>
+      </p:graphicFrame>
+      <p:sp>
+        <p:nvSpPr>
+          <p:cNvPr id="7" name="Rounded Rectangle 6">
+            <a:hlinkClick r:id="rId7" action="ppaction://hlinksldjump"/>
           </p:cNvPr>
           <p:cNvSpPr/>
           <p:nvPr/>
         </p:nvSpPr>
         <p:spPr>
           <a:xfrm>
-            <a:off x="7010400" y="2438400"/>
-            <a:ext cx="1981200" cy="533400"/>
+            <a:off x="76200" y="838200"/>
+            <a:ext cx="1143000" cy="609600"/>
           </a:xfrm>
           <a:prstGeom prst="roundRect">
             <a:avLst/>
@@ -9205,7 +10797,7 @@
             <a:pPr algn="ctr"/>
             <a:r>
               <a:rPr lang="en-US" dirty="0" smtClean="0"/>
-              <a:t>Buy New Stocks</a:t>
+              <a:t>Login</a:t>
             </a:r>
             <a:endParaRPr lang="en-US" dirty="0"/>
           </a:p>
@@ -9213,16 +10805,16 @@
       </p:sp>
       <p:sp>
         <p:nvSpPr>
-          <p:cNvPr id="5" name="Rounded Rectangle 4">
-            <a:hlinkClick r:id="rId4" action="ppaction://hlinksldjump"/>
+          <p:cNvPr id="8" name="Rounded Rectangle 7">
+            <a:hlinkClick r:id="rId8" action="ppaction://hlinksldjump"/>
           </p:cNvPr>
           <p:cNvSpPr/>
           <p:nvPr/>
         </p:nvSpPr>
         <p:spPr>
           <a:xfrm>
-            <a:off x="7010400" y="152400"/>
-            <a:ext cx="1981200" cy="609600"/>
+            <a:off x="76200" y="2895600"/>
+            <a:ext cx="1143000" cy="609600"/>
           </a:xfrm>
           <a:prstGeom prst="roundRect">
             <a:avLst/>
@@ -9251,7 +10843,7 @@
             <a:pPr algn="ctr"/>
             <a:r>
               <a:rPr lang="en-US" dirty="0" smtClean="0"/>
-              <a:t>Home</a:t>
+              <a:t>Logout</a:t>
             </a:r>
             <a:endParaRPr lang="en-US" dirty="0"/>
           </a:p>
@@ -9259,16 +10851,16 @@
       </p:sp>
       <p:sp>
         <p:nvSpPr>
-          <p:cNvPr id="6" name="Rounded Rectangle 5">
-            <a:hlinkClick r:id="rId5" action="ppaction://hlinksldjump"/>
+          <p:cNvPr id="9" name="Rounded Rectangle 8">
+            <a:hlinkClick r:id="rId8" action="ppaction://hlinksldjump"/>
           </p:cNvPr>
           <p:cNvSpPr/>
           <p:nvPr/>
         </p:nvSpPr>
         <p:spPr>
           <a:xfrm>
-            <a:off x="7010400" y="990600"/>
-            <a:ext cx="1981200" cy="609600"/>
+            <a:off x="76200" y="1752600"/>
+            <a:ext cx="1143000" cy="609600"/>
           </a:xfrm>
           <a:prstGeom prst="roundRect">
             <a:avLst/>
@@ -9297,7 +10889,7 @@
             <a:pPr algn="ctr"/>
             <a:r>
               <a:rPr lang="en-US" dirty="0" smtClean="0"/>
-              <a:t>Logout</a:t>
+              <a:t>Register</a:t>
             </a:r>
             <a:endParaRPr lang="en-US" dirty="0"/>
           </a:p>
@@ -9305,16 +10897,16 @@
       </p:sp>
       <p:sp>
         <p:nvSpPr>
-          <p:cNvPr id="8" name="Rounded Rectangle 7">
-            <a:hlinkClick r:id="rId6" action="ppaction://hlinksldjump"/>
+          <p:cNvPr id="10" name="Rounded Rectangle 9">
+            <a:hlinkClick r:id="rId8" action="ppaction://hlinksldjump"/>
           </p:cNvPr>
           <p:cNvSpPr/>
           <p:nvPr/>
         </p:nvSpPr>
         <p:spPr>
           <a:xfrm>
-            <a:off x="7010400" y="3200400"/>
-            <a:ext cx="1981200" cy="533400"/>
+            <a:off x="76200" y="3810000"/>
+            <a:ext cx="1143000" cy="609600"/>
           </a:xfrm>
           <a:prstGeom prst="roundRect">
             <a:avLst/>
@@ -9343,171 +10935,9 @@
             <a:pPr algn="ctr"/>
             <a:r>
               <a:rPr lang="en-US" dirty="0" smtClean="0"/>
-              <a:t>Portfolio Statistics</a:t>
+              <a:t>Home</a:t>
             </a:r>
             <a:endParaRPr lang="en-US" dirty="0"/>
-          </a:p>
-        </p:txBody>
-      </p:sp>
-      <p:sp>
-        <p:nvSpPr>
-          <p:cNvPr id="11" name="Rounded Rectangle 10">
-            <a:hlinkClick r:id="rId7" action="ppaction://hlinksldjump"/>
-          </p:cNvPr>
-          <p:cNvSpPr/>
-          <p:nvPr/>
-        </p:nvSpPr>
-        <p:spPr>
-          <a:xfrm>
-            <a:off x="1143000" y="4572000"/>
-            <a:ext cx="1752600" cy="381000"/>
-          </a:xfrm>
-          <a:prstGeom prst="roundRect">
-            <a:avLst/>
-          </a:prstGeom>
-        </p:spPr>
-        <p:style>
-          <a:lnRef idx="2">
-            <a:schemeClr val="accent1">
-              <a:shade val="50000"/>
-            </a:schemeClr>
-          </a:lnRef>
-          <a:fillRef idx="1">
-            <a:schemeClr val="accent1"/>
-          </a:fillRef>
-          <a:effectRef idx="0">
-            <a:schemeClr val="accent1"/>
-          </a:effectRef>
-          <a:fontRef idx="minor">
-            <a:schemeClr val="lt1"/>
-          </a:fontRef>
-        </p:style>
-        <p:txBody>
-          <a:bodyPr rtlCol="0" anchor="ctr"/>
-          <a:lstStyle/>
-          <a:p>
-            <a:pPr algn="ctr"/>
-            <a:r>
-              <a:rPr lang="en-US" dirty="0" smtClean="0"/>
-              <a:t>Sell</a:t>
-            </a:r>
-            <a:endParaRPr lang="en-US" dirty="0"/>
-          </a:p>
-        </p:txBody>
-      </p:sp>
-      <p:sp>
-        <p:nvSpPr>
-          <p:cNvPr id="13" name="Rounded Rectangle 12">
-            <a:hlinkClick r:id="rId7" action="ppaction://hlinksldjump"/>
-          </p:cNvPr>
-          <p:cNvSpPr/>
-          <p:nvPr/>
-        </p:nvSpPr>
-        <p:spPr>
-          <a:xfrm>
-            <a:off x="7010400" y="1752600"/>
-            <a:ext cx="1981200" cy="533400"/>
-          </a:xfrm>
-          <a:prstGeom prst="roundRect">
-            <a:avLst/>
-          </a:prstGeom>
-        </p:spPr>
-        <p:style>
-          <a:lnRef idx="2">
-            <a:schemeClr val="accent1">
-              <a:shade val="50000"/>
-            </a:schemeClr>
-          </a:lnRef>
-          <a:fillRef idx="1">
-            <a:schemeClr val="accent1"/>
-          </a:fillRef>
-          <a:effectRef idx="0">
-            <a:schemeClr val="accent1"/>
-          </a:effectRef>
-          <a:fontRef idx="minor">
-            <a:schemeClr val="lt1"/>
-          </a:fontRef>
-        </p:style>
-        <p:txBody>
-          <a:bodyPr rtlCol="0" anchor="ctr"/>
-          <a:lstStyle/>
-          <a:p>
-            <a:pPr algn="ctr"/>
-            <a:r>
-              <a:rPr lang="en-US" dirty="0" smtClean="0"/>
-              <a:t>Delete Portfolio </a:t>
-            </a:r>
-            <a:endParaRPr lang="en-US" dirty="0"/>
-          </a:p>
-        </p:txBody>
-      </p:sp>
-      <p:sp>
-        <p:nvSpPr>
-          <p:cNvPr id="14" name="Rounded Rectangle 13">
-            <a:hlinkClick r:id="rId6" action="ppaction://hlinksldjump"/>
-          </p:cNvPr>
-          <p:cNvSpPr/>
-          <p:nvPr/>
-        </p:nvSpPr>
-        <p:spPr>
-          <a:xfrm>
-            <a:off x="7010400" y="5410200"/>
-            <a:ext cx="1981200" cy="533400"/>
-          </a:xfrm>
-          <a:prstGeom prst="roundRect">
-            <a:avLst/>
-          </a:prstGeom>
-        </p:spPr>
-        <p:style>
-          <a:lnRef idx="2">
-            <a:schemeClr val="accent1">
-              <a:shade val="50000"/>
-            </a:schemeClr>
-          </a:lnRef>
-          <a:fillRef idx="1">
-            <a:schemeClr val="accent1"/>
-          </a:fillRef>
-          <a:effectRef idx="0">
-            <a:schemeClr val="accent1"/>
-          </a:effectRef>
-          <a:fontRef idx="minor">
-            <a:schemeClr val="lt1"/>
-          </a:fontRef>
-        </p:style>
-        <p:txBody>
-          <a:bodyPr rtlCol="0" anchor="ctr"/>
-          <a:lstStyle/>
-          <a:p>
-            <a:pPr algn="ctr"/>
-            <a:r>
-              <a:rPr lang="en-US" dirty="0" smtClean="0"/>
-              <a:t>Manage Cash</a:t>
-            </a:r>
-            <a:endParaRPr lang="en-US" dirty="0"/>
-          </a:p>
-        </p:txBody>
-      </p:sp>
-      <p:sp>
-        <p:nvSpPr>
-          <p:cNvPr id="12" name="Slide Number Placeholder 11"/>
-          <p:cNvSpPr>
-            <a:spLocks noGrp="1"/>
-          </p:cNvSpPr>
-          <p:nvPr>
-            <p:ph type="sldNum" sz="quarter" idx="12"/>
-          </p:nvPr>
-        </p:nvSpPr>
-        <p:spPr/>
-        <p:txBody>
-          <a:bodyPr/>
-          <a:lstStyle/>
-          <a:p>
-            <a:fld id="{B0478B60-1448-486C-BA6D-779A9B0B0C87}" type="slidenum">
-              <a:rPr lang="en-US" smtClean="0"/>
-              <a:pPr/>
-              <a:t>4</a:t>
-            </a:fld>
-            <a:endParaRPr lang="en-US"/>
           </a:p>
         </p:txBody>
       </p:sp>
@@ -9560,7 +10990,7 @@
           <a:p>
             <a:r>
               <a:rPr lang="en-US" dirty="0" smtClean="0"/>
-              <a:t>Cash Management</a:t>
+              <a:t>Portfolio One Summary</a:t>
             </a:r>
             <a:endParaRPr lang="en-US" dirty="0"/>
           </a:p>
@@ -9578,43 +11008,61 @@
         </p:nvSpPr>
         <p:spPr>
           <a:xfrm>
-            <a:off x="457200" y="1600200"/>
-            <a:ext cx="4572000" cy="4525963"/>
-          </a:xfrm>
-        </p:spPr>
-        <p:txBody>
-          <a:bodyPr/>
-          <a:lstStyle/>
-          <a:p>
+            <a:off x="304800" y="1524000"/>
+            <a:ext cx="8229600" cy="4525963"/>
+          </a:xfrm>
+        </p:spPr>
+        <p:txBody>
+          <a:bodyPr>
+            <a:normAutofit/>
+          </a:bodyPr>
+          <a:lstStyle/>
+          <a:p>
+            <a:pPr lvl="1">
+              <a:buNone/>
+            </a:pPr>
             <a:r>
               <a:rPr lang="en-US" dirty="0" smtClean="0"/>
-              <a:t>You have $500 available.</a:t>
-            </a:r>
-          </a:p>
-          <a:p>
-            <a:pPr>
+              <a:t>        Trading Strategy is: </a:t>
+            </a:r>
+            <a:r>
+              <a:rPr lang="en-US" dirty="0" smtClean="0"/>
+              <a:t>XX</a:t>
+            </a:r>
+            <a:endParaRPr lang="en-US" dirty="0" smtClean="0"/>
+          </a:p>
+          <a:p>
+            <a:pPr lvl="1">
+              <a:buFont typeface="Wingdings" pitchFamily="2" charset="2"/>
+              <a:buChar char="q"/>
+            </a:pPr>
+            <a:endParaRPr lang="en-US" dirty="0" smtClean="0"/>
+          </a:p>
+          <a:p>
+            <a:pPr lvl="1">
               <a:buNone/>
             </a:pPr>
             <a:endParaRPr lang="en-US" dirty="0" smtClean="0"/>
           </a:p>
           <a:p>
-            <a:pPr algn="r">
+            <a:pPr lvl="1">
+              <a:buFont typeface="Wingdings" pitchFamily="2" charset="2"/>
+              <a:buChar char="q"/>
+            </a:pPr>
+            <a:endParaRPr lang="en-US" dirty="0" smtClean="0"/>
+          </a:p>
+          <a:p>
+            <a:pPr lvl="1">
+              <a:buFont typeface="Wingdings" pitchFamily="2" charset="2"/>
+              <a:buChar char="q"/>
+            </a:pPr>
+            <a:endParaRPr lang="en-US" dirty="0" smtClean="0"/>
+          </a:p>
+          <a:p>
+            <a:pPr lvl="1">
               <a:buNone/>
             </a:pPr>
-            <a:r>
-              <a:rPr lang="en-US" dirty="0" smtClean="0"/>
-              <a:t>Account Info: </a:t>
-            </a:r>
-          </a:p>
-          <a:p>
-            <a:pPr algn="r">
-              <a:buNone/>
-            </a:pPr>
-            <a:r>
-              <a:rPr lang="en-US" dirty="0" smtClean="0"/>
-              <a:t>Amount :</a:t>
-            </a:r>
-            <a:endParaRPr lang="en-US" dirty="0"/>
+            <a:endParaRPr lang="en-US" dirty="0" smtClean="0"/>
           </a:p>
         </p:txBody>
       </p:sp>
@@ -9628,8 +11076,8 @@
         </p:nvSpPr>
         <p:spPr>
           <a:xfrm>
-            <a:off x="2286000" y="4191000"/>
-            <a:ext cx="2057400" cy="838200"/>
+            <a:off x="304800" y="5562600"/>
+            <a:ext cx="1981200" cy="533400"/>
           </a:xfrm>
           <a:prstGeom prst="roundRect">
             <a:avLst/>
@@ -9658,7 +11106,7 @@
             <a:pPr algn="ctr"/>
             <a:r>
               <a:rPr lang="en-US" dirty="0" smtClean="0"/>
-              <a:t>Deposit</a:t>
+              <a:t>Buy New Stocks</a:t>
             </a:r>
             <a:endParaRPr lang="en-US" dirty="0"/>
           </a:p>
@@ -9666,16 +11114,16 @@
       </p:sp>
       <p:sp>
         <p:nvSpPr>
-          <p:cNvPr id="5" name="Rounded Rectangle 4">
-            <a:hlinkClick r:id="rId3" action="ppaction://hlinksldjump"/>
+          <p:cNvPr id="8" name="Rounded Rectangle 7">
+            <a:hlinkClick r:id="rId4" action="ppaction://hlinksldjump"/>
           </p:cNvPr>
           <p:cNvSpPr/>
           <p:nvPr/>
         </p:nvSpPr>
         <p:spPr>
           <a:xfrm>
-            <a:off x="5105400" y="4191000"/>
-            <a:ext cx="2057400" cy="838200"/>
+            <a:off x="2667000" y="5562600"/>
+            <a:ext cx="1981200" cy="533400"/>
           </a:xfrm>
           <a:prstGeom prst="roundRect">
             <a:avLst/>
@@ -9704,7 +11152,7 @@
             <a:pPr algn="ctr"/>
             <a:r>
               <a:rPr lang="en-US" dirty="0" smtClean="0"/>
-              <a:t>Withdrawal</a:t>
+              <a:t>Portfolio’s Statistics</a:t>
             </a:r>
             <a:endParaRPr lang="en-US" dirty="0"/>
           </a:p>
@@ -9712,83 +11160,7 @@
       </p:sp>
       <p:sp>
         <p:nvSpPr>
-          <p:cNvPr id="6" name="Rectangle 5"/>
-          <p:cNvSpPr/>
-          <p:nvPr/>
-        </p:nvSpPr>
-        <p:spPr>
-          <a:xfrm>
-            <a:off x="5029200" y="2895600"/>
-            <a:ext cx="2819400" cy="381000"/>
-          </a:xfrm>
-          <a:prstGeom prst="rect">
-            <a:avLst/>
-          </a:prstGeom>
-        </p:spPr>
-        <p:style>
-          <a:lnRef idx="2">
-            <a:schemeClr val="dk1"/>
-          </a:lnRef>
-          <a:fillRef idx="1">
-            <a:schemeClr val="lt1"/>
-          </a:fillRef>
-          <a:effectRef idx="0">
-            <a:schemeClr val="dk1"/>
-          </a:effectRef>
-          <a:fontRef idx="minor">
-            <a:schemeClr val="dk1"/>
-          </a:fontRef>
-        </p:style>
-        <p:txBody>
-          <a:bodyPr rtlCol="0" anchor="ctr"/>
-          <a:lstStyle/>
-          <a:p>
-            <a:pPr algn="ctr"/>
-            <a:endParaRPr lang="en-US"/>
-          </a:p>
-        </p:txBody>
-      </p:sp>
-      <p:sp>
-        <p:nvSpPr>
-          <p:cNvPr id="7" name="Rectangle 6"/>
-          <p:cNvSpPr/>
-          <p:nvPr/>
-        </p:nvSpPr>
-        <p:spPr>
-          <a:xfrm>
-            <a:off x="5029200" y="3429000"/>
-            <a:ext cx="2819400" cy="381000"/>
-          </a:xfrm>
-          <a:prstGeom prst="rect">
-            <a:avLst/>
-          </a:prstGeom>
-        </p:spPr>
-        <p:style>
-          <a:lnRef idx="2">
-            <a:schemeClr val="dk1"/>
-          </a:lnRef>
-          <a:fillRef idx="1">
-            <a:schemeClr val="lt1"/>
-          </a:fillRef>
-          <a:effectRef idx="0">
-            <a:schemeClr val="dk1"/>
-          </a:effectRef>
-          <a:fontRef idx="minor">
-            <a:schemeClr val="dk1"/>
-          </a:fontRef>
-        </p:style>
-        <p:txBody>
-          <a:bodyPr rtlCol="0" anchor="ctr"/>
-          <a:lstStyle/>
-          <a:p>
-            <a:pPr algn="ctr"/>
-            <a:endParaRPr lang="en-US"/>
-          </a:p>
-        </p:txBody>
-      </p:sp>
-      <p:sp>
-        <p:nvSpPr>
-          <p:cNvPr id="8" name="Slide Number Placeholder 7"/>
+          <p:cNvPr id="12" name="Slide Number Placeholder 11"/>
           <p:cNvSpPr>
             <a:spLocks noGrp="1"/>
           </p:cNvSpPr>
@@ -9806,7 +11178,838 @@
               <a:pPr/>
               <a:t>5</a:t>
             </a:fld>
-            <a:endParaRPr lang="en-US"/>
+            <a:endParaRPr lang="en-US" dirty="0"/>
+          </a:p>
+        </p:txBody>
+      </p:sp>
+      <p:graphicFrame>
+        <p:nvGraphicFramePr>
+          <p:cNvPr id="18" name="Table 17"/>
+          <p:cNvGraphicFramePr>
+            <a:graphicFrameLocks noGrp="1"/>
+          </p:cNvGraphicFramePr>
+          <p:nvPr/>
+        </p:nvGraphicFramePr>
+        <p:xfrm>
+          <a:off x="1523998" y="2438400"/>
+          <a:ext cx="7391403" cy="2133600"/>
+        </p:xfrm>
+        <a:graphic>
+          <a:graphicData uri="http://schemas.openxmlformats.org/drawingml/2006/table">
+            <a:tbl>
+              <a:tblPr firstRow="1" bandRow="1">
+                <a:tableStyleId>{5C22544A-7EE6-4342-B048-85BDC9FD1C3A}</a:tableStyleId>
+              </a:tblPr>
+              <a:tblGrid>
+                <a:gridCol w="688300"/>
+                <a:gridCol w="759502"/>
+                <a:gridCol w="533400"/>
+                <a:gridCol w="457200"/>
+                <a:gridCol w="1066800"/>
+                <a:gridCol w="1422400"/>
+                <a:gridCol w="821267"/>
+                <a:gridCol w="821267"/>
+                <a:gridCol w="821267"/>
+              </a:tblGrid>
+              <a:tr h="1371600">
+                <a:tc>
+                  <a:txBody>
+                    <a:bodyPr/>
+                    <a:lstStyle/>
+                    <a:p>
+                      <a:r>
+                        <a:rPr lang="en-US" dirty="0" smtClean="0"/>
+                        <a:t>STOCK</a:t>
+                      </a:r>
+                      <a:endParaRPr lang="en-US" dirty="0"/>
+                    </a:p>
+                  </a:txBody>
+                  <a:tcPr vert="vert270"/>
+                </a:tc>
+                <a:tc>
+                  <a:txBody>
+                    <a:bodyPr/>
+                    <a:lstStyle/>
+                    <a:p>
+                      <a:r>
+                        <a:rPr lang="en-US" dirty="0" smtClean="0"/>
+                        <a:t>DATE</a:t>
+                      </a:r>
+                      <a:r>
+                        <a:rPr lang="en-US" baseline="0" dirty="0" smtClean="0"/>
+                        <a:t> PURCHASED</a:t>
+                      </a:r>
+                      <a:endParaRPr lang="en-US" dirty="0"/>
+                    </a:p>
+                  </a:txBody>
+                  <a:tcPr vert="vert270"/>
+                </a:tc>
+                <a:tc>
+                  <a:txBody>
+                    <a:bodyPr/>
+                    <a:lstStyle/>
+                    <a:p>
+                      <a:r>
+                        <a:rPr lang="en-US" dirty="0" smtClean="0"/>
+                        <a:t>INVESTMENT</a:t>
+                      </a:r>
+                      <a:endParaRPr lang="en-US" dirty="0"/>
+                    </a:p>
+                  </a:txBody>
+                  <a:tcPr vert="vert270"/>
+                </a:tc>
+                <a:tc>
+                  <a:txBody>
+                    <a:bodyPr/>
+                    <a:lstStyle/>
+                    <a:p>
+                      <a:r>
+                        <a:rPr lang="en-US" dirty="0" smtClean="0"/>
+                        <a:t>QUANTITY</a:t>
+                      </a:r>
+                      <a:endParaRPr lang="en-US" dirty="0"/>
+                    </a:p>
+                  </a:txBody>
+                  <a:tcPr vert="vert270"/>
+                </a:tc>
+                <a:tc>
+                  <a:txBody>
+                    <a:bodyPr/>
+                    <a:lstStyle/>
+                    <a:p>
+                      <a:r>
+                        <a:rPr lang="en-US" dirty="0" smtClean="0"/>
+                        <a:t>CURRENT </a:t>
+                      </a:r>
+                      <a:r>
+                        <a:rPr lang="en-US" dirty="0" smtClean="0"/>
+                        <a:t>VALUE(based on strategy)</a:t>
+                      </a:r>
+                      <a:endParaRPr lang="en-US" dirty="0"/>
+                    </a:p>
+                  </a:txBody>
+                  <a:tcPr vert="vert270"/>
+                </a:tc>
+                <a:tc gridSpan="4">
+                  <a:txBody>
+                    <a:bodyPr/>
+                    <a:lstStyle/>
+                    <a:p>
+                      <a:endParaRPr lang="en-US" dirty="0"/>
+                    </a:p>
+                  </a:txBody>
+                  <a:tcPr vert="vert270"/>
+                </a:tc>
+                <a:tc hMerge="1">
+                  <a:txBody>
+                    <a:bodyPr/>
+                    <a:lstStyle/>
+                    <a:p>
+                      <a:endParaRPr lang="en-US" dirty="0"/>
+                    </a:p>
+                  </a:txBody>
+                  <a:tcPr vert="vert270"/>
+                </a:tc>
+                <a:tc hMerge="1">
+                  <a:txBody>
+                    <a:bodyPr/>
+                    <a:lstStyle/>
+                    <a:p>
+                      <a:endParaRPr lang="en-US" dirty="0"/>
+                    </a:p>
+                  </a:txBody>
+                  <a:tcPr vert="vert270"/>
+                </a:tc>
+                <a:tc hMerge="1">
+                  <a:txBody>
+                    <a:bodyPr/>
+                    <a:lstStyle/>
+                    <a:p>
+                      <a:endParaRPr lang="en-US" dirty="0"/>
+                    </a:p>
+                  </a:txBody>
+                  <a:tcPr vert="vert270"/>
+                </a:tc>
+              </a:tr>
+              <a:tr h="381000">
+                <a:tc>
+                  <a:txBody>
+                    <a:bodyPr/>
+                    <a:lstStyle/>
+                    <a:p>
+                      <a:r>
+                        <a:rPr lang="en-US" sz="1400" dirty="0" smtClean="0"/>
+                        <a:t>SSSS</a:t>
+                      </a:r>
+                      <a:endParaRPr lang="en-US" sz="1400" dirty="0"/>
+                    </a:p>
+                  </a:txBody>
+                  <a:tcPr anchor="ctr"/>
+                </a:tc>
+                <a:tc>
+                  <a:txBody>
+                    <a:bodyPr/>
+                    <a:lstStyle/>
+                    <a:p>
+                      <a:r>
+                        <a:rPr lang="en-US" sz="1400" dirty="0" smtClean="0"/>
+                        <a:t>m/d/y</a:t>
+                      </a:r>
+                      <a:endParaRPr lang="en-US" sz="1400" dirty="0"/>
+                    </a:p>
+                  </a:txBody>
+                  <a:tcPr anchor="ctr"/>
+                </a:tc>
+                <a:tc>
+                  <a:txBody>
+                    <a:bodyPr/>
+                    <a:lstStyle/>
+                    <a:p>
+                      <a:r>
+                        <a:rPr lang="en-US" dirty="0" smtClean="0"/>
+                        <a:t>XX</a:t>
+                      </a:r>
+                      <a:endParaRPr lang="en-US" dirty="0"/>
+                    </a:p>
+                  </a:txBody>
+                  <a:tcPr anchor="ctr"/>
+                </a:tc>
+                <a:tc>
+                  <a:txBody>
+                    <a:bodyPr/>
+                    <a:lstStyle/>
+                    <a:p>
+                      <a:r>
+                        <a:rPr lang="en-US" dirty="0" smtClean="0"/>
+                        <a:t>XX</a:t>
+                      </a:r>
+                      <a:endParaRPr lang="en-US" dirty="0"/>
+                    </a:p>
+                  </a:txBody>
+                  <a:tcPr anchor="ctr"/>
+                </a:tc>
+                <a:tc>
+                  <a:txBody>
+                    <a:bodyPr/>
+                    <a:lstStyle/>
+                    <a:p>
+                      <a:r>
+                        <a:rPr lang="en-US" dirty="0" smtClean="0"/>
+                        <a:t>XXX</a:t>
+                      </a:r>
+                      <a:endParaRPr lang="en-US" dirty="0"/>
+                    </a:p>
+                  </a:txBody>
+                  <a:tcPr anchor="ctr"/>
+                </a:tc>
+                <a:tc>
+                  <a:txBody>
+                    <a:bodyPr/>
+                    <a:lstStyle/>
+                    <a:p>
+                      <a:endParaRPr lang="en-US" dirty="0"/>
+                    </a:p>
+                  </a:txBody>
+                  <a:tcPr/>
+                </a:tc>
+                <a:tc>
+                  <a:txBody>
+                    <a:bodyPr/>
+                    <a:lstStyle/>
+                    <a:p>
+                      <a:r>
+                        <a:rPr lang="en-US" baseline="0" dirty="0" smtClean="0"/>
+                        <a:t> </a:t>
+                      </a:r>
+                      <a:endParaRPr lang="en-US" dirty="0"/>
+                    </a:p>
+                  </a:txBody>
+                  <a:tcPr/>
+                </a:tc>
+                <a:tc>
+                  <a:txBody>
+                    <a:bodyPr/>
+                    <a:lstStyle/>
+                    <a:p>
+                      <a:endParaRPr lang="en-US" dirty="0"/>
+                    </a:p>
+                  </a:txBody>
+                  <a:tcPr/>
+                </a:tc>
+                <a:tc>
+                  <a:txBody>
+                    <a:bodyPr/>
+                    <a:lstStyle/>
+                    <a:p>
+                      <a:endParaRPr lang="en-US" dirty="0"/>
+                    </a:p>
+                  </a:txBody>
+                  <a:tcPr/>
+                </a:tc>
+              </a:tr>
+              <a:tr h="381000">
+                <a:tc>
+                  <a:txBody>
+                    <a:bodyPr/>
+                    <a:lstStyle/>
+                    <a:p>
+                      <a:endParaRPr lang="en-US"/>
+                    </a:p>
+                  </a:txBody>
+                  <a:tcPr/>
+                </a:tc>
+                <a:tc>
+                  <a:txBody>
+                    <a:bodyPr/>
+                    <a:lstStyle/>
+                    <a:p>
+                      <a:endParaRPr lang="en-US"/>
+                    </a:p>
+                  </a:txBody>
+                  <a:tcPr/>
+                </a:tc>
+                <a:tc>
+                  <a:txBody>
+                    <a:bodyPr/>
+                    <a:lstStyle/>
+                    <a:p>
+                      <a:endParaRPr lang="en-US"/>
+                    </a:p>
+                  </a:txBody>
+                  <a:tcPr/>
+                </a:tc>
+                <a:tc>
+                  <a:txBody>
+                    <a:bodyPr/>
+                    <a:lstStyle/>
+                    <a:p>
+                      <a:endParaRPr lang="en-US"/>
+                    </a:p>
+                  </a:txBody>
+                  <a:tcPr/>
+                </a:tc>
+                <a:tc>
+                  <a:txBody>
+                    <a:bodyPr/>
+                    <a:lstStyle/>
+                    <a:p>
+                      <a:endParaRPr lang="en-US"/>
+                    </a:p>
+                  </a:txBody>
+                  <a:tcPr/>
+                </a:tc>
+                <a:tc>
+                  <a:txBody>
+                    <a:bodyPr/>
+                    <a:lstStyle/>
+                    <a:p>
+                      <a:endParaRPr lang="en-US"/>
+                    </a:p>
+                  </a:txBody>
+                  <a:tcPr/>
+                </a:tc>
+                <a:tc>
+                  <a:txBody>
+                    <a:bodyPr/>
+                    <a:lstStyle/>
+                    <a:p>
+                      <a:endParaRPr lang="en-US" dirty="0"/>
+                    </a:p>
+                  </a:txBody>
+                  <a:tcPr/>
+                </a:tc>
+                <a:tc>
+                  <a:txBody>
+                    <a:bodyPr/>
+                    <a:lstStyle/>
+                    <a:p>
+                      <a:endParaRPr lang="en-US" dirty="0"/>
+                    </a:p>
+                  </a:txBody>
+                  <a:tcPr/>
+                </a:tc>
+                <a:tc>
+                  <a:txBody>
+                    <a:bodyPr/>
+                    <a:lstStyle/>
+                    <a:p>
+                      <a:endParaRPr lang="en-US" dirty="0"/>
+                    </a:p>
+                  </a:txBody>
+                  <a:tcPr/>
+                </a:tc>
+              </a:tr>
+            </a:tbl>
+          </a:graphicData>
+        </a:graphic>
+      </p:graphicFrame>
+      <p:sp>
+        <p:nvSpPr>
+          <p:cNvPr id="19" name="Rounded Rectangle 18">
+            <a:hlinkClick r:id="rId5" action="ppaction://hlinksldjump"/>
+          </p:cNvPr>
+          <p:cNvSpPr/>
+          <p:nvPr/>
+        </p:nvSpPr>
+        <p:spPr>
+          <a:xfrm>
+            <a:off x="8077200" y="3886200"/>
+            <a:ext cx="685800" cy="304800"/>
+          </a:xfrm>
+          <a:prstGeom prst="roundRect">
+            <a:avLst/>
+          </a:prstGeom>
+        </p:spPr>
+        <p:style>
+          <a:lnRef idx="2">
+            <a:schemeClr val="accent1">
+              <a:shade val="50000"/>
+            </a:schemeClr>
+          </a:lnRef>
+          <a:fillRef idx="1">
+            <a:schemeClr val="accent1"/>
+          </a:fillRef>
+          <a:effectRef idx="0">
+            <a:schemeClr val="accent1"/>
+          </a:effectRef>
+          <a:fontRef idx="minor">
+            <a:schemeClr val="lt1"/>
+          </a:fontRef>
+        </p:style>
+        <p:txBody>
+          <a:bodyPr rtlCol="0" anchor="ctr"/>
+          <a:lstStyle/>
+          <a:p>
+            <a:pPr algn="ctr"/>
+            <a:r>
+              <a:rPr lang="en-US" sz="1400" dirty="0" smtClean="0"/>
+              <a:t>Sell</a:t>
+            </a:r>
+            <a:endParaRPr lang="en-US" sz="1400" dirty="0"/>
+          </a:p>
+        </p:txBody>
+      </p:sp>
+      <p:sp>
+        <p:nvSpPr>
+          <p:cNvPr id="20" name="Rounded Rectangle 19">
+            <a:hlinkClick r:id="rId6" action="ppaction://hlinksldjump"/>
+          </p:cNvPr>
+          <p:cNvSpPr/>
+          <p:nvPr/>
+        </p:nvSpPr>
+        <p:spPr>
+          <a:xfrm>
+            <a:off x="6858000" y="5486400"/>
+            <a:ext cx="1981200" cy="609600"/>
+          </a:xfrm>
+          <a:prstGeom prst="roundRect">
+            <a:avLst/>
+          </a:prstGeom>
+        </p:spPr>
+        <p:style>
+          <a:lnRef idx="2">
+            <a:schemeClr val="accent1">
+              <a:shade val="50000"/>
+            </a:schemeClr>
+          </a:lnRef>
+          <a:fillRef idx="1">
+            <a:schemeClr val="accent1"/>
+          </a:fillRef>
+          <a:effectRef idx="0">
+            <a:schemeClr val="accent1"/>
+          </a:effectRef>
+          <a:fontRef idx="minor">
+            <a:schemeClr val="lt1"/>
+          </a:fontRef>
+        </p:style>
+        <p:txBody>
+          <a:bodyPr rtlCol="0" anchor="ctr"/>
+          <a:lstStyle/>
+          <a:p>
+            <a:pPr algn="ctr"/>
+            <a:r>
+              <a:rPr lang="en-US" dirty="0" smtClean="0"/>
+              <a:t>Portfolio’s Past Performance</a:t>
+            </a:r>
+            <a:endParaRPr lang="en-US" dirty="0"/>
+          </a:p>
+        </p:txBody>
+      </p:sp>
+      <p:sp>
+        <p:nvSpPr>
+          <p:cNvPr id="21" name="Rounded Rectangle 20">
+            <a:hlinkClick r:id="rId7" action="ppaction://hlinksldjump"/>
+          </p:cNvPr>
+          <p:cNvSpPr/>
+          <p:nvPr/>
+        </p:nvSpPr>
+        <p:spPr>
+          <a:xfrm>
+            <a:off x="7239000" y="3886200"/>
+            <a:ext cx="685800" cy="304800"/>
+          </a:xfrm>
+          <a:prstGeom prst="roundRect">
+            <a:avLst/>
+          </a:prstGeom>
+        </p:spPr>
+        <p:style>
+          <a:lnRef idx="2">
+            <a:schemeClr val="accent1">
+              <a:shade val="50000"/>
+            </a:schemeClr>
+          </a:lnRef>
+          <a:fillRef idx="1">
+            <a:schemeClr val="accent1"/>
+          </a:fillRef>
+          <a:effectRef idx="0">
+            <a:schemeClr val="accent1"/>
+          </a:effectRef>
+          <a:fontRef idx="minor">
+            <a:schemeClr val="lt1"/>
+          </a:fontRef>
+        </p:style>
+        <p:txBody>
+          <a:bodyPr rtlCol="0" anchor="ctr"/>
+          <a:lstStyle/>
+          <a:p>
+            <a:pPr algn="ctr"/>
+            <a:r>
+              <a:rPr lang="en-US" sz="1200" dirty="0" smtClean="0"/>
+              <a:t>Predict</a:t>
+            </a:r>
+            <a:endParaRPr lang="en-US" sz="1200" dirty="0"/>
+          </a:p>
+        </p:txBody>
+      </p:sp>
+      <p:sp>
+        <p:nvSpPr>
+          <p:cNvPr id="22" name="Rounded Rectangle 21">
+            <a:hlinkClick r:id="rId4" action="ppaction://hlinksldjump"/>
+          </p:cNvPr>
+          <p:cNvSpPr/>
+          <p:nvPr/>
+        </p:nvSpPr>
+        <p:spPr>
+          <a:xfrm>
+            <a:off x="6019800" y="3886200"/>
+            <a:ext cx="914400" cy="304800"/>
+          </a:xfrm>
+          <a:prstGeom prst="roundRect">
+            <a:avLst/>
+          </a:prstGeom>
+        </p:spPr>
+        <p:style>
+          <a:lnRef idx="2">
+            <a:schemeClr val="accent1">
+              <a:shade val="50000"/>
+            </a:schemeClr>
+          </a:lnRef>
+          <a:fillRef idx="1">
+            <a:schemeClr val="accent1"/>
+          </a:fillRef>
+          <a:effectRef idx="0">
+            <a:schemeClr val="accent1"/>
+          </a:effectRef>
+          <a:fontRef idx="minor">
+            <a:schemeClr val="lt1"/>
+          </a:fontRef>
+        </p:style>
+        <p:txBody>
+          <a:bodyPr rtlCol="0" anchor="ctr"/>
+          <a:lstStyle/>
+          <a:p>
+            <a:pPr algn="ctr"/>
+            <a:r>
+              <a:rPr lang="en-US" sz="1000" dirty="0" smtClean="0"/>
+              <a:t>Statistical </a:t>
+            </a:r>
+          </a:p>
+          <a:p>
+            <a:pPr algn="ctr"/>
+            <a:r>
+              <a:rPr lang="en-US" sz="1000" dirty="0" smtClean="0"/>
+              <a:t>Analysis</a:t>
+            </a:r>
+            <a:endParaRPr lang="en-US" sz="1000" dirty="0"/>
+          </a:p>
+        </p:txBody>
+      </p:sp>
+      <p:sp>
+        <p:nvSpPr>
+          <p:cNvPr id="24" name="Rounded Rectangle 23">
+            <a:hlinkClick r:id="rId6" action="ppaction://hlinksldjump"/>
+          </p:cNvPr>
+          <p:cNvSpPr/>
+          <p:nvPr/>
+        </p:nvSpPr>
+        <p:spPr>
+          <a:xfrm>
+            <a:off x="5105400" y="3886200"/>
+            <a:ext cx="685800" cy="304800"/>
+          </a:xfrm>
+          <a:prstGeom prst="roundRect">
+            <a:avLst/>
+          </a:prstGeom>
+        </p:spPr>
+        <p:style>
+          <a:lnRef idx="2">
+            <a:schemeClr val="accent1">
+              <a:shade val="50000"/>
+            </a:schemeClr>
+          </a:lnRef>
+          <a:fillRef idx="1">
+            <a:schemeClr val="accent1"/>
+          </a:fillRef>
+          <a:effectRef idx="0">
+            <a:schemeClr val="accent1"/>
+          </a:effectRef>
+          <a:fontRef idx="minor">
+            <a:schemeClr val="lt1"/>
+          </a:fontRef>
+        </p:style>
+        <p:txBody>
+          <a:bodyPr rtlCol="0" anchor="ctr"/>
+          <a:lstStyle/>
+          <a:p>
+            <a:pPr algn="ctr"/>
+            <a:r>
+              <a:rPr lang="en-US" sz="1000" dirty="0" smtClean="0"/>
+              <a:t>Historic Data</a:t>
+            </a:r>
+          </a:p>
+        </p:txBody>
+      </p:sp>
+      <p:sp>
+        <p:nvSpPr>
+          <p:cNvPr id="25" name="Rounded Rectangle 24">
+            <a:hlinkClick r:id="rId8" action="ppaction://hlinksldjump"/>
+          </p:cNvPr>
+          <p:cNvSpPr/>
+          <p:nvPr/>
+        </p:nvSpPr>
+        <p:spPr>
+          <a:xfrm>
+            <a:off x="228600" y="1066800"/>
+            <a:ext cx="1143000" cy="609600"/>
+          </a:xfrm>
+          <a:prstGeom prst="roundRect">
+            <a:avLst/>
+          </a:prstGeom>
+        </p:spPr>
+        <p:style>
+          <a:lnRef idx="2">
+            <a:schemeClr val="accent1">
+              <a:shade val="50000"/>
+            </a:schemeClr>
+          </a:lnRef>
+          <a:fillRef idx="1">
+            <a:schemeClr val="accent1"/>
+          </a:fillRef>
+          <a:effectRef idx="0">
+            <a:schemeClr val="accent1"/>
+          </a:effectRef>
+          <a:fontRef idx="minor">
+            <a:schemeClr val="lt1"/>
+          </a:fontRef>
+        </p:style>
+        <p:txBody>
+          <a:bodyPr rtlCol="0" anchor="ctr"/>
+          <a:lstStyle/>
+          <a:p>
+            <a:pPr algn="ctr"/>
+            <a:r>
+              <a:rPr lang="en-US" dirty="0" smtClean="0"/>
+              <a:t>Login</a:t>
+            </a:r>
+            <a:endParaRPr lang="en-US" dirty="0"/>
+          </a:p>
+        </p:txBody>
+      </p:sp>
+      <p:sp>
+        <p:nvSpPr>
+          <p:cNvPr id="26" name="Rounded Rectangle 25">
+            <a:hlinkClick r:id="rId8" action="ppaction://hlinksldjump"/>
+          </p:cNvPr>
+          <p:cNvSpPr/>
+          <p:nvPr/>
+        </p:nvSpPr>
+        <p:spPr>
+          <a:xfrm>
+            <a:off x="228600" y="3124200"/>
+            <a:ext cx="1143000" cy="609600"/>
+          </a:xfrm>
+          <a:prstGeom prst="roundRect">
+            <a:avLst/>
+          </a:prstGeom>
+        </p:spPr>
+        <p:style>
+          <a:lnRef idx="2">
+            <a:schemeClr val="accent1">
+              <a:shade val="50000"/>
+            </a:schemeClr>
+          </a:lnRef>
+          <a:fillRef idx="1">
+            <a:schemeClr val="accent1"/>
+          </a:fillRef>
+          <a:effectRef idx="0">
+            <a:schemeClr val="accent1"/>
+          </a:effectRef>
+          <a:fontRef idx="minor">
+            <a:schemeClr val="lt1"/>
+          </a:fontRef>
+        </p:style>
+        <p:txBody>
+          <a:bodyPr rtlCol="0" anchor="ctr"/>
+          <a:lstStyle/>
+          <a:p>
+            <a:pPr algn="ctr"/>
+            <a:r>
+              <a:rPr lang="en-US" dirty="0" smtClean="0"/>
+              <a:t>Logout</a:t>
+            </a:r>
+            <a:endParaRPr lang="en-US" dirty="0"/>
+          </a:p>
+        </p:txBody>
+      </p:sp>
+      <p:sp>
+        <p:nvSpPr>
+          <p:cNvPr id="27" name="Rounded Rectangle 26">
+            <a:hlinkClick r:id="rId9" action="ppaction://hlinksldjump"/>
+          </p:cNvPr>
+          <p:cNvSpPr/>
+          <p:nvPr/>
+        </p:nvSpPr>
+        <p:spPr>
+          <a:xfrm>
+            <a:off x="228600" y="1981200"/>
+            <a:ext cx="1143000" cy="609600"/>
+          </a:xfrm>
+          <a:prstGeom prst="roundRect">
+            <a:avLst/>
+          </a:prstGeom>
+        </p:spPr>
+        <p:style>
+          <a:lnRef idx="2">
+            <a:schemeClr val="accent1">
+              <a:shade val="50000"/>
+            </a:schemeClr>
+          </a:lnRef>
+          <a:fillRef idx="1">
+            <a:schemeClr val="accent1"/>
+          </a:fillRef>
+          <a:effectRef idx="0">
+            <a:schemeClr val="accent1"/>
+          </a:effectRef>
+          <a:fontRef idx="minor">
+            <a:schemeClr val="lt1"/>
+          </a:fontRef>
+        </p:style>
+        <p:txBody>
+          <a:bodyPr rtlCol="0" anchor="ctr"/>
+          <a:lstStyle/>
+          <a:p>
+            <a:pPr algn="ctr"/>
+            <a:r>
+              <a:rPr lang="en-US" dirty="0" smtClean="0"/>
+              <a:t>Register</a:t>
+            </a:r>
+            <a:endParaRPr lang="en-US" dirty="0"/>
+          </a:p>
+        </p:txBody>
+      </p:sp>
+      <p:sp>
+        <p:nvSpPr>
+          <p:cNvPr id="28" name="Rounded Rectangle 27">
+            <a:hlinkClick r:id="rId10" action="ppaction://hlinksldjump"/>
+          </p:cNvPr>
+          <p:cNvSpPr/>
+          <p:nvPr/>
+        </p:nvSpPr>
+        <p:spPr>
+          <a:xfrm>
+            <a:off x="228600" y="4038600"/>
+            <a:ext cx="1143000" cy="609600"/>
+          </a:xfrm>
+          <a:prstGeom prst="roundRect">
+            <a:avLst/>
+          </a:prstGeom>
+        </p:spPr>
+        <p:style>
+          <a:lnRef idx="2">
+            <a:schemeClr val="accent1">
+              <a:shade val="50000"/>
+            </a:schemeClr>
+          </a:lnRef>
+          <a:fillRef idx="1">
+            <a:schemeClr val="accent1"/>
+          </a:fillRef>
+          <a:effectRef idx="0">
+            <a:schemeClr val="accent1"/>
+          </a:effectRef>
+          <a:fontRef idx="minor">
+            <a:schemeClr val="lt1"/>
+          </a:fontRef>
+        </p:style>
+        <p:txBody>
+          <a:bodyPr rtlCol="0" anchor="ctr"/>
+          <a:lstStyle/>
+          <a:p>
+            <a:pPr algn="ctr"/>
+            <a:r>
+              <a:rPr lang="en-US" dirty="0" smtClean="0"/>
+              <a:t>Home</a:t>
+            </a:r>
+            <a:endParaRPr lang="en-US" dirty="0"/>
+          </a:p>
+        </p:txBody>
+      </p:sp>
+      <p:sp>
+        <p:nvSpPr>
+          <p:cNvPr id="17" name="Rounded Rectangle 16">
+            <a:hlinkClick r:id="rId7" action="ppaction://hlinksldjump"/>
+          </p:cNvPr>
+          <p:cNvSpPr/>
+          <p:nvPr/>
+        </p:nvSpPr>
+        <p:spPr>
+          <a:xfrm>
+            <a:off x="4800600" y="5562600"/>
+            <a:ext cx="1981200" cy="533400"/>
+          </a:xfrm>
+          <a:prstGeom prst="roundRect">
+            <a:avLst/>
+          </a:prstGeom>
+        </p:spPr>
+        <p:style>
+          <a:lnRef idx="2">
+            <a:schemeClr val="accent1">
+              <a:shade val="50000"/>
+            </a:schemeClr>
+          </a:lnRef>
+          <a:fillRef idx="1">
+            <a:schemeClr val="accent1"/>
+          </a:fillRef>
+          <a:effectRef idx="0">
+            <a:schemeClr val="accent1"/>
+          </a:effectRef>
+          <a:fontRef idx="minor">
+            <a:schemeClr val="lt1"/>
+          </a:fontRef>
+        </p:style>
+        <p:txBody>
+          <a:bodyPr rtlCol="0" anchor="ctr"/>
+          <a:lstStyle/>
+          <a:p>
+            <a:pPr algn="ctr"/>
+            <a:r>
+              <a:rPr lang="en-US" smtClean="0"/>
+              <a:t>Portfolio’s </a:t>
+            </a:r>
+            <a:r>
+              <a:rPr lang="en-US" dirty="0" smtClean="0"/>
+              <a:t>Prediction</a:t>
+            </a:r>
+            <a:endParaRPr lang="en-US" dirty="0"/>
           </a:p>
         </p:txBody>
       </p:sp>
@@ -9859,7 +12062,7 @@
           <a:p>
             <a:r>
               <a:rPr lang="en-US" dirty="0" smtClean="0"/>
-              <a:t>Cash Transaction Confirmation</a:t>
+              <a:t>Cash Management</a:t>
             </a:r>
             <a:endParaRPr lang="en-US" dirty="0"/>
           </a:p>
@@ -9875,14 +12078,22 @@
             <p:ph idx="1"/>
           </p:nvPr>
         </p:nvSpPr>
-        <p:spPr/>
+        <p:spPr>
+          <a:xfrm>
+            <a:off x="1676400" y="1600200"/>
+            <a:ext cx="4572000" cy="4525963"/>
+          </a:xfrm>
+        </p:spPr>
         <p:txBody>
           <a:bodyPr/>
           <a:lstStyle/>
           <a:p>
+            <a:pPr>
+              <a:buNone/>
+            </a:pPr>
             <a:r>
               <a:rPr lang="en-US" dirty="0" smtClean="0"/>
-              <a:t>You Wish to Deposit/Withdraw $XXXXX ?</a:t>
+              <a:t>You have $XXX available.</a:t>
             </a:r>
           </a:p>
           <a:p>
@@ -9890,6 +12101,25 @@
               <a:buNone/>
             </a:pPr>
             <a:endParaRPr lang="en-US" dirty="0" smtClean="0"/>
+          </a:p>
+          <a:p>
+            <a:pPr algn="r">
+              <a:buNone/>
+            </a:pPr>
+            <a:r>
+              <a:rPr lang="en-US" dirty="0" smtClean="0"/>
+              <a:t>Portfolio: </a:t>
+            </a:r>
+          </a:p>
+          <a:p>
+            <a:pPr algn="r">
+              <a:buNone/>
+            </a:pPr>
+            <a:r>
+              <a:rPr lang="en-US" dirty="0" smtClean="0"/>
+              <a:t>Amount :</a:t>
+            </a:r>
+            <a:endParaRPr lang="en-US" dirty="0"/>
           </a:p>
         </p:txBody>
       </p:sp>
@@ -9903,7 +12133,7 @@
         </p:nvSpPr>
         <p:spPr>
           <a:xfrm>
-            <a:off x="1219200" y="4191000"/>
+            <a:off x="3962400" y="4191000"/>
             <a:ext cx="2057400" cy="838200"/>
           </a:xfrm>
           <a:prstGeom prst="roundRect">
@@ -9933,7 +12163,7 @@
             <a:pPr algn="ctr"/>
             <a:r>
               <a:rPr lang="en-US" dirty="0" smtClean="0"/>
-              <a:t>YES</a:t>
+              <a:t>Deposit</a:t>
             </a:r>
             <a:endParaRPr lang="en-US" dirty="0"/>
           </a:p>
@@ -9942,14 +12172,14 @@
       <p:sp>
         <p:nvSpPr>
           <p:cNvPr id="5" name="Rounded Rectangle 4">
-            <a:hlinkClick r:id="rId4" action="ppaction://hlinksldjump"/>
+            <a:hlinkClick r:id="rId3" action="ppaction://hlinksldjump"/>
           </p:cNvPr>
           <p:cNvSpPr/>
           <p:nvPr/>
         </p:nvSpPr>
         <p:spPr>
           <a:xfrm>
-            <a:off x="4038600" y="4191000"/>
+            <a:off x="6781800" y="4191000"/>
             <a:ext cx="2057400" cy="838200"/>
           </a:xfrm>
           <a:prstGeom prst="roundRect">
@@ -9979,7 +12209,7 @@
             <a:pPr algn="ctr"/>
             <a:r>
               <a:rPr lang="en-US" dirty="0" smtClean="0"/>
-              <a:t>CANCEL</a:t>
+              <a:t>Withdrawal</a:t>
             </a:r>
             <a:endParaRPr lang="en-US" dirty="0"/>
           </a:p>
@@ -9987,7 +12217,83 @@
       </p:sp>
       <p:sp>
         <p:nvSpPr>
-          <p:cNvPr id="6" name="Slide Number Placeholder 5"/>
+          <p:cNvPr id="6" name="Rectangle 5"/>
+          <p:cNvSpPr/>
+          <p:nvPr/>
+        </p:nvSpPr>
+        <p:spPr>
+          <a:xfrm>
+            <a:off x="6172200" y="2895600"/>
+            <a:ext cx="2819400" cy="381000"/>
+          </a:xfrm>
+          <a:prstGeom prst="rect">
+            <a:avLst/>
+          </a:prstGeom>
+        </p:spPr>
+        <p:style>
+          <a:lnRef idx="2">
+            <a:schemeClr val="dk1"/>
+          </a:lnRef>
+          <a:fillRef idx="1">
+            <a:schemeClr val="lt1"/>
+          </a:fillRef>
+          <a:effectRef idx="0">
+            <a:schemeClr val="dk1"/>
+          </a:effectRef>
+          <a:fontRef idx="minor">
+            <a:schemeClr val="dk1"/>
+          </a:fontRef>
+        </p:style>
+        <p:txBody>
+          <a:bodyPr rtlCol="0" anchor="ctr"/>
+          <a:lstStyle/>
+          <a:p>
+            <a:pPr algn="ctr"/>
+            <a:endParaRPr lang="en-US"/>
+          </a:p>
+        </p:txBody>
+      </p:sp>
+      <p:sp>
+        <p:nvSpPr>
+          <p:cNvPr id="7" name="Rectangle 6"/>
+          <p:cNvSpPr/>
+          <p:nvPr/>
+        </p:nvSpPr>
+        <p:spPr>
+          <a:xfrm>
+            <a:off x="6172200" y="3429000"/>
+            <a:ext cx="2819400" cy="381000"/>
+          </a:xfrm>
+          <a:prstGeom prst="rect">
+            <a:avLst/>
+          </a:prstGeom>
+        </p:spPr>
+        <p:style>
+          <a:lnRef idx="2">
+            <a:schemeClr val="dk1"/>
+          </a:lnRef>
+          <a:fillRef idx="1">
+            <a:schemeClr val="lt1"/>
+          </a:fillRef>
+          <a:effectRef idx="0">
+            <a:schemeClr val="dk1"/>
+          </a:effectRef>
+          <a:fontRef idx="minor">
+            <a:schemeClr val="dk1"/>
+          </a:fontRef>
+        </p:style>
+        <p:txBody>
+          <a:bodyPr rtlCol="0" anchor="ctr"/>
+          <a:lstStyle/>
+          <a:p>
+            <a:pPr algn="ctr"/>
+            <a:endParaRPr lang="en-US"/>
+          </a:p>
+        </p:txBody>
+      </p:sp>
+      <p:sp>
+        <p:nvSpPr>
+          <p:cNvPr id="8" name="Slide Number Placeholder 7"/>
           <p:cNvSpPr>
             <a:spLocks noGrp="1"/>
           </p:cNvSpPr>
@@ -10005,7 +12311,191 @@
               <a:pPr/>
               <a:t>6</a:t>
             </a:fld>
-            <a:endParaRPr lang="en-US"/>
+            <a:endParaRPr lang="en-US" dirty="0"/>
+          </a:p>
+        </p:txBody>
+      </p:sp>
+      <p:sp>
+        <p:nvSpPr>
+          <p:cNvPr id="9" name="Rounded Rectangle 8">
+            <a:hlinkClick r:id="rId4" action="ppaction://hlinksldjump"/>
+          </p:cNvPr>
+          <p:cNvSpPr/>
+          <p:nvPr/>
+        </p:nvSpPr>
+        <p:spPr>
+          <a:xfrm>
+            <a:off x="304800" y="1066800"/>
+            <a:ext cx="1143000" cy="609600"/>
+          </a:xfrm>
+          <a:prstGeom prst="roundRect">
+            <a:avLst/>
+          </a:prstGeom>
+        </p:spPr>
+        <p:style>
+          <a:lnRef idx="2">
+            <a:schemeClr val="accent1">
+              <a:shade val="50000"/>
+            </a:schemeClr>
+          </a:lnRef>
+          <a:fillRef idx="1">
+            <a:schemeClr val="accent1"/>
+          </a:fillRef>
+          <a:effectRef idx="0">
+            <a:schemeClr val="accent1"/>
+          </a:effectRef>
+          <a:fontRef idx="minor">
+            <a:schemeClr val="lt1"/>
+          </a:fontRef>
+        </p:style>
+        <p:txBody>
+          <a:bodyPr rtlCol="0" anchor="ctr"/>
+          <a:lstStyle/>
+          <a:p>
+            <a:pPr algn="ctr"/>
+            <a:r>
+              <a:rPr lang="en-US" dirty="0" smtClean="0"/>
+              <a:t>Login</a:t>
+            </a:r>
+            <a:endParaRPr lang="en-US" dirty="0"/>
+          </a:p>
+        </p:txBody>
+      </p:sp>
+      <p:sp>
+        <p:nvSpPr>
+          <p:cNvPr id="10" name="Rounded Rectangle 9">
+            <a:hlinkClick r:id="rId4" action="ppaction://hlinksldjump"/>
+          </p:cNvPr>
+          <p:cNvSpPr/>
+          <p:nvPr/>
+        </p:nvSpPr>
+        <p:spPr>
+          <a:xfrm>
+            <a:off x="304800" y="3124200"/>
+            <a:ext cx="1143000" cy="609600"/>
+          </a:xfrm>
+          <a:prstGeom prst="roundRect">
+            <a:avLst/>
+          </a:prstGeom>
+        </p:spPr>
+        <p:style>
+          <a:lnRef idx="2">
+            <a:schemeClr val="accent1">
+              <a:shade val="50000"/>
+            </a:schemeClr>
+          </a:lnRef>
+          <a:fillRef idx="1">
+            <a:schemeClr val="accent1"/>
+          </a:fillRef>
+          <a:effectRef idx="0">
+            <a:schemeClr val="accent1"/>
+          </a:effectRef>
+          <a:fontRef idx="minor">
+            <a:schemeClr val="lt1"/>
+          </a:fontRef>
+        </p:style>
+        <p:txBody>
+          <a:bodyPr rtlCol="0" anchor="ctr"/>
+          <a:lstStyle/>
+          <a:p>
+            <a:pPr algn="ctr"/>
+            <a:r>
+              <a:rPr lang="en-US" dirty="0" smtClean="0"/>
+              <a:t>Logout</a:t>
+            </a:r>
+            <a:endParaRPr lang="en-US" dirty="0"/>
+          </a:p>
+        </p:txBody>
+      </p:sp>
+      <p:sp>
+        <p:nvSpPr>
+          <p:cNvPr id="11" name="Rounded Rectangle 10">
+            <a:hlinkClick r:id="rId5" action="ppaction://hlinksldjump"/>
+          </p:cNvPr>
+          <p:cNvSpPr/>
+          <p:nvPr/>
+        </p:nvSpPr>
+        <p:spPr>
+          <a:xfrm>
+            <a:off x="304800" y="1981200"/>
+            <a:ext cx="1143000" cy="609600"/>
+          </a:xfrm>
+          <a:prstGeom prst="roundRect">
+            <a:avLst/>
+          </a:prstGeom>
+        </p:spPr>
+        <p:style>
+          <a:lnRef idx="2">
+            <a:schemeClr val="accent1">
+              <a:shade val="50000"/>
+            </a:schemeClr>
+          </a:lnRef>
+          <a:fillRef idx="1">
+            <a:schemeClr val="accent1"/>
+          </a:fillRef>
+          <a:effectRef idx="0">
+            <a:schemeClr val="accent1"/>
+          </a:effectRef>
+          <a:fontRef idx="minor">
+            <a:schemeClr val="lt1"/>
+          </a:fontRef>
+        </p:style>
+        <p:txBody>
+          <a:bodyPr rtlCol="0" anchor="ctr"/>
+          <a:lstStyle/>
+          <a:p>
+            <a:pPr algn="ctr"/>
+            <a:r>
+              <a:rPr lang="en-US" dirty="0" smtClean="0"/>
+              <a:t>Register</a:t>
+            </a:r>
+            <a:endParaRPr lang="en-US" dirty="0"/>
+          </a:p>
+        </p:txBody>
+      </p:sp>
+      <p:sp>
+        <p:nvSpPr>
+          <p:cNvPr id="12" name="Rounded Rectangle 11">
+            <a:hlinkClick r:id="rId6" action="ppaction://hlinksldjump"/>
+          </p:cNvPr>
+          <p:cNvSpPr/>
+          <p:nvPr/>
+        </p:nvSpPr>
+        <p:spPr>
+          <a:xfrm>
+            <a:off x="304800" y="4038600"/>
+            <a:ext cx="1143000" cy="609600"/>
+          </a:xfrm>
+          <a:prstGeom prst="roundRect">
+            <a:avLst/>
+          </a:prstGeom>
+        </p:spPr>
+        <p:style>
+          <a:lnRef idx="2">
+            <a:schemeClr val="accent1">
+              <a:shade val="50000"/>
+            </a:schemeClr>
+          </a:lnRef>
+          <a:fillRef idx="1">
+            <a:schemeClr val="accent1"/>
+          </a:fillRef>
+          <a:effectRef idx="0">
+            <a:schemeClr val="accent1"/>
+          </a:effectRef>
+          <a:fontRef idx="minor">
+            <a:schemeClr val="lt1"/>
+          </a:fontRef>
+        </p:style>
+        <p:txBody>
+          <a:bodyPr rtlCol="0" anchor="ctr"/>
+          <a:lstStyle/>
+          <a:p>
+            <a:pPr algn="ctr"/>
+            <a:r>
+              <a:rPr lang="en-US" dirty="0" smtClean="0"/>
+              <a:t>Home</a:t>
+            </a:r>
+            <a:endParaRPr lang="en-US" dirty="0"/>
           </a:p>
         </p:txBody>
       </p:sp>
@@ -10058,7 +12548,7 @@
           <a:p>
             <a:r>
               <a:rPr lang="en-US" dirty="0" smtClean="0"/>
-              <a:t>Add Portfolio</a:t>
+              <a:t>Cash Transaction Confirmation</a:t>
             </a:r>
             <a:endParaRPr lang="en-US" dirty="0"/>
           </a:p>
@@ -10079,36 +12569,19 @@
           <a:bodyPr/>
           <a:lstStyle/>
           <a:p>
+            <a:pPr>
+              <a:buNone/>
+            </a:pPr>
             <a:r>
               <a:rPr lang="en-US" dirty="0" smtClean="0"/>
-              <a:t>Portfolio </a:t>
-            </a:r>
-            <a:r>
-              <a:rPr lang="en-US" dirty="0" smtClean="0"/>
-              <a:t>Name: </a:t>
-            </a:r>
-          </a:p>
-          <a:p>
-            <a:r>
-              <a:rPr lang="en-US" dirty="0" smtClean="0"/>
-              <a:t>Cash Amount:</a:t>
-            </a:r>
-          </a:p>
-          <a:p>
-            <a:r>
-              <a:rPr lang="en-US" dirty="0" smtClean="0"/>
-              <a:t>Select </a:t>
-            </a:r>
-            <a:r>
-              <a:rPr lang="en-US" dirty="0" smtClean="0"/>
-              <a:t>Trading Strategy [Dropdown] </a:t>
-            </a:r>
-          </a:p>
-          <a:p>
+              <a:t>          You Wish to Deposit/Withdraw $XXXXX ?</a:t>
+            </a:r>
+          </a:p>
+          <a:p>
+            <a:pPr>
+              <a:buNone/>
+            </a:pPr>
             <a:endParaRPr lang="en-US" dirty="0" smtClean="0"/>
-          </a:p>
-          <a:p>
-            <a:endParaRPr lang="en-US" dirty="0"/>
           </a:p>
         </p:txBody>
       </p:sp>
@@ -10122,8 +12595,8 @@
         </p:nvSpPr>
         <p:spPr>
           <a:xfrm>
-            <a:off x="1447800" y="4419600"/>
-            <a:ext cx="2362200" cy="914400"/>
+            <a:off x="2057400" y="2286000"/>
+            <a:ext cx="2057400" cy="838200"/>
           </a:xfrm>
           <a:prstGeom prst="roundRect">
             <a:avLst/>
@@ -10152,7 +12625,7 @@
             <a:pPr algn="ctr"/>
             <a:r>
               <a:rPr lang="en-US" dirty="0" smtClean="0"/>
-              <a:t>Submit</a:t>
+              <a:t>YES</a:t>
             </a:r>
             <a:endParaRPr lang="en-US" dirty="0"/>
           </a:p>
@@ -10168,8 +12641,8 @@
         </p:nvSpPr>
         <p:spPr>
           <a:xfrm>
-            <a:off x="4191000" y="4343400"/>
-            <a:ext cx="2362200" cy="914400"/>
+            <a:off x="4876800" y="2286000"/>
+            <a:ext cx="2057400" cy="838200"/>
           </a:xfrm>
           <a:prstGeom prst="roundRect">
             <a:avLst/>
@@ -10197,8 +12670,8 @@
           <a:p>
             <a:pPr algn="ctr"/>
             <a:r>
-              <a:rPr lang="en-US" smtClean="0"/>
-              <a:t>Reset</a:t>
+              <a:rPr lang="en-US" dirty="0" smtClean="0"/>
+              <a:t>CANCEL</a:t>
             </a:r>
             <a:endParaRPr lang="en-US" dirty="0"/>
           </a:p>
@@ -10206,83 +12679,7 @@
       </p:sp>
       <p:sp>
         <p:nvSpPr>
-          <p:cNvPr id="6" name="Rectangle 5"/>
-          <p:cNvSpPr/>
-          <p:nvPr/>
-        </p:nvSpPr>
-        <p:spPr>
-          <a:xfrm>
-            <a:off x="3733800" y="1676400"/>
-            <a:ext cx="3200400" cy="457200"/>
-          </a:xfrm>
-          <a:prstGeom prst="rect">
-            <a:avLst/>
-          </a:prstGeom>
-        </p:spPr>
-        <p:style>
-          <a:lnRef idx="2">
-            <a:schemeClr val="dk1"/>
-          </a:lnRef>
-          <a:fillRef idx="1">
-            <a:schemeClr val="lt1"/>
-          </a:fillRef>
-          <a:effectRef idx="0">
-            <a:schemeClr val="dk1"/>
-          </a:effectRef>
-          <a:fontRef idx="minor">
-            <a:schemeClr val="dk1"/>
-          </a:fontRef>
-        </p:style>
-        <p:txBody>
-          <a:bodyPr rtlCol="0" anchor="ctr"/>
-          <a:lstStyle/>
-          <a:p>
-            <a:pPr algn="ctr"/>
-            <a:endParaRPr lang="en-US"/>
-          </a:p>
-        </p:txBody>
-      </p:sp>
-      <p:sp>
-        <p:nvSpPr>
-          <p:cNvPr id="7" name="Rectangle 6"/>
-          <p:cNvSpPr/>
-          <p:nvPr/>
-        </p:nvSpPr>
-        <p:spPr>
-          <a:xfrm>
-            <a:off x="3733800" y="2286000"/>
-            <a:ext cx="3200400" cy="457200"/>
-          </a:xfrm>
-          <a:prstGeom prst="rect">
-            <a:avLst/>
-          </a:prstGeom>
-        </p:spPr>
-        <p:style>
-          <a:lnRef idx="2">
-            <a:schemeClr val="dk1"/>
-          </a:lnRef>
-          <a:fillRef idx="1">
-            <a:schemeClr val="lt1"/>
-          </a:fillRef>
-          <a:effectRef idx="0">
-            <a:schemeClr val="dk1"/>
-          </a:effectRef>
-          <a:fontRef idx="minor">
-            <a:schemeClr val="dk1"/>
-          </a:fontRef>
-        </p:style>
-        <p:txBody>
-          <a:bodyPr rtlCol="0" anchor="ctr"/>
-          <a:lstStyle/>
-          <a:p>
-            <a:pPr algn="ctr"/>
-            <a:endParaRPr lang="en-US"/>
-          </a:p>
-        </p:txBody>
-      </p:sp>
-      <p:sp>
-        <p:nvSpPr>
-          <p:cNvPr id="8" name="Slide Number Placeholder 7"/>
+          <p:cNvPr id="6" name="Slide Number Placeholder 5"/>
           <p:cNvSpPr>
             <a:spLocks noGrp="1"/>
           </p:cNvSpPr>
@@ -10301,6 +12698,190 @@
               <a:t>7</a:t>
             </a:fld>
             <a:endParaRPr lang="en-US"/>
+          </a:p>
+        </p:txBody>
+      </p:sp>
+      <p:sp>
+        <p:nvSpPr>
+          <p:cNvPr id="7" name="Rounded Rectangle 6">
+            <a:hlinkClick r:id="rId5" action="ppaction://hlinksldjump"/>
+          </p:cNvPr>
+          <p:cNvSpPr/>
+          <p:nvPr/>
+        </p:nvSpPr>
+        <p:spPr>
+          <a:xfrm>
+            <a:off x="152400" y="1371600"/>
+            <a:ext cx="1143000" cy="609600"/>
+          </a:xfrm>
+          <a:prstGeom prst="roundRect">
+            <a:avLst/>
+          </a:prstGeom>
+        </p:spPr>
+        <p:style>
+          <a:lnRef idx="2">
+            <a:schemeClr val="accent1">
+              <a:shade val="50000"/>
+            </a:schemeClr>
+          </a:lnRef>
+          <a:fillRef idx="1">
+            <a:schemeClr val="accent1"/>
+          </a:fillRef>
+          <a:effectRef idx="0">
+            <a:schemeClr val="accent1"/>
+          </a:effectRef>
+          <a:fontRef idx="minor">
+            <a:schemeClr val="lt1"/>
+          </a:fontRef>
+        </p:style>
+        <p:txBody>
+          <a:bodyPr rtlCol="0" anchor="ctr"/>
+          <a:lstStyle/>
+          <a:p>
+            <a:pPr algn="ctr"/>
+            <a:r>
+              <a:rPr lang="en-US" dirty="0" smtClean="0"/>
+              <a:t>Login</a:t>
+            </a:r>
+            <a:endParaRPr lang="en-US" dirty="0"/>
+          </a:p>
+        </p:txBody>
+      </p:sp>
+      <p:sp>
+        <p:nvSpPr>
+          <p:cNvPr id="8" name="Rounded Rectangle 7">
+            <a:hlinkClick r:id="rId5" action="ppaction://hlinksldjump"/>
+          </p:cNvPr>
+          <p:cNvSpPr/>
+          <p:nvPr/>
+        </p:nvSpPr>
+        <p:spPr>
+          <a:xfrm>
+            <a:off x="152400" y="3429000"/>
+            <a:ext cx="1143000" cy="609600"/>
+          </a:xfrm>
+          <a:prstGeom prst="roundRect">
+            <a:avLst/>
+          </a:prstGeom>
+        </p:spPr>
+        <p:style>
+          <a:lnRef idx="2">
+            <a:schemeClr val="accent1">
+              <a:shade val="50000"/>
+            </a:schemeClr>
+          </a:lnRef>
+          <a:fillRef idx="1">
+            <a:schemeClr val="accent1"/>
+          </a:fillRef>
+          <a:effectRef idx="0">
+            <a:schemeClr val="accent1"/>
+          </a:effectRef>
+          <a:fontRef idx="minor">
+            <a:schemeClr val="lt1"/>
+          </a:fontRef>
+        </p:style>
+        <p:txBody>
+          <a:bodyPr rtlCol="0" anchor="ctr"/>
+          <a:lstStyle/>
+          <a:p>
+            <a:pPr algn="ctr"/>
+            <a:r>
+              <a:rPr lang="en-US" dirty="0" smtClean="0"/>
+              <a:t>Logout</a:t>
+            </a:r>
+            <a:endParaRPr lang="en-US" dirty="0"/>
+          </a:p>
+        </p:txBody>
+      </p:sp>
+      <p:sp>
+        <p:nvSpPr>
+          <p:cNvPr id="9" name="Rounded Rectangle 8">
+            <a:hlinkClick r:id="rId6" action="ppaction://hlinksldjump"/>
+          </p:cNvPr>
+          <p:cNvSpPr/>
+          <p:nvPr/>
+        </p:nvSpPr>
+        <p:spPr>
+          <a:xfrm>
+            <a:off x="152400" y="2286000"/>
+            <a:ext cx="1143000" cy="609600"/>
+          </a:xfrm>
+          <a:prstGeom prst="roundRect">
+            <a:avLst/>
+          </a:prstGeom>
+        </p:spPr>
+        <p:style>
+          <a:lnRef idx="2">
+            <a:schemeClr val="accent1">
+              <a:shade val="50000"/>
+            </a:schemeClr>
+          </a:lnRef>
+          <a:fillRef idx="1">
+            <a:schemeClr val="accent1"/>
+          </a:fillRef>
+          <a:effectRef idx="0">
+            <a:schemeClr val="accent1"/>
+          </a:effectRef>
+          <a:fontRef idx="minor">
+            <a:schemeClr val="lt1"/>
+          </a:fontRef>
+        </p:style>
+        <p:txBody>
+          <a:bodyPr rtlCol="0" anchor="ctr"/>
+          <a:lstStyle/>
+          <a:p>
+            <a:pPr algn="ctr"/>
+            <a:r>
+              <a:rPr lang="en-US" dirty="0" smtClean="0"/>
+              <a:t>Register</a:t>
+            </a:r>
+            <a:endParaRPr lang="en-US" dirty="0"/>
+          </a:p>
+        </p:txBody>
+      </p:sp>
+      <p:sp>
+        <p:nvSpPr>
+          <p:cNvPr id="10" name="Rounded Rectangle 9">
+            <a:hlinkClick r:id="rId3" action="ppaction://hlinksldjump"/>
+          </p:cNvPr>
+          <p:cNvSpPr/>
+          <p:nvPr/>
+        </p:nvSpPr>
+        <p:spPr>
+          <a:xfrm>
+            <a:off x="152400" y="4343400"/>
+            <a:ext cx="1143000" cy="609600"/>
+          </a:xfrm>
+          <a:prstGeom prst="roundRect">
+            <a:avLst/>
+          </a:prstGeom>
+        </p:spPr>
+        <p:style>
+          <a:lnRef idx="2">
+            <a:schemeClr val="accent1">
+              <a:shade val="50000"/>
+            </a:schemeClr>
+          </a:lnRef>
+          <a:fillRef idx="1">
+            <a:schemeClr val="accent1"/>
+          </a:fillRef>
+          <a:effectRef idx="0">
+            <a:schemeClr val="accent1"/>
+          </a:effectRef>
+          <a:fontRef idx="minor">
+            <a:schemeClr val="lt1"/>
+          </a:fontRef>
+        </p:style>
+        <p:txBody>
+          <a:bodyPr rtlCol="0" anchor="ctr"/>
+          <a:lstStyle/>
+          <a:p>
+            <a:pPr algn="ctr"/>
+            <a:r>
+              <a:rPr lang="en-US" dirty="0" smtClean="0"/>
+              <a:t>Home</a:t>
+            </a:r>
+            <a:endParaRPr lang="en-US" dirty="0"/>
           </a:p>
         </p:txBody>
       </p:sp>
@@ -10353,7 +12934,7 @@
           <a:p>
             <a:r>
               <a:rPr lang="en-US" dirty="0" smtClean="0"/>
-              <a:t>Search for New Stocks</a:t>
+              <a:t>Add Portfolio</a:t>
             </a:r>
             <a:endParaRPr lang="en-US" dirty="0"/>
           </a:p>
@@ -10369,55 +12950,44 @@
             <p:ph idx="1"/>
           </p:nvPr>
         </p:nvSpPr>
-        <p:spPr/>
+        <p:spPr>
+          <a:xfrm>
+            <a:off x="1219200" y="1524000"/>
+            <a:ext cx="7543800" cy="4525963"/>
+          </a:xfrm>
+        </p:spPr>
         <p:txBody>
           <a:bodyPr/>
           <a:lstStyle/>
           <a:p>
-            <a:r>
-              <a:rPr lang="en-US" dirty="0" smtClean="0"/>
-              <a:t>Enter Search: </a:t>
-            </a:r>
-            <a:r>
-              <a:rPr lang="en-US" dirty="0" smtClean="0"/>
-              <a:t>Drop Down Menu</a:t>
-            </a:r>
-          </a:p>
-          <a:p>
-            <a:pPr lvl="1">
+            <a:pPr>
               <a:buNone/>
             </a:pPr>
             <a:r>
               <a:rPr lang="en-US" dirty="0" smtClean="0"/>
-              <a:t>(Print) Cash </a:t>
-            </a:r>
-            <a:r>
-              <a:rPr lang="en-US" dirty="0" smtClean="0"/>
-              <a:t>Available : XXXX</a:t>
-            </a:r>
-          </a:p>
-          <a:p>
-            <a:pPr lvl="1">
+              <a:t>Portfolio Name: </a:t>
+            </a:r>
+          </a:p>
+          <a:p>
+            <a:pPr>
               <a:buNone/>
             </a:pPr>
             <a:r>
               <a:rPr lang="en-US" dirty="0" smtClean="0"/>
-              <a:t>Enter Investment Amount: </a:t>
-            </a:r>
-            <a:endParaRPr lang="en-US" dirty="0" smtClean="0"/>
-          </a:p>
-          <a:p>
-            <a:pPr lvl="1">
+              <a:t>Cash Amount:</a:t>
+            </a:r>
+          </a:p>
+          <a:p>
+            <a:pPr>
               <a:buNone/>
             </a:pPr>
             <a:r>
               <a:rPr lang="en-US" dirty="0" smtClean="0"/>
-              <a:t>Enter </a:t>
-            </a:r>
-            <a:r>
-              <a:rPr lang="en-US" dirty="0" smtClean="0"/>
-              <a:t>Date Purchased: [default is today]</a:t>
-            </a:r>
+              <a:t>Select Trading Strategy [Dropdown] </a:t>
+            </a:r>
+          </a:p>
+          <a:p>
+            <a:endParaRPr lang="en-US" dirty="0" smtClean="0"/>
           </a:p>
           <a:p>
             <a:endParaRPr lang="en-US" dirty="0"/>
@@ -10426,7 +12996,7 @@
       </p:sp>
       <p:sp>
         <p:nvSpPr>
-          <p:cNvPr id="6" name="Rounded Rectangle 5">
+          <p:cNvPr id="4" name="Rounded Rectangle 3">
             <a:hlinkClick r:id="rId3" action="ppaction://hlinksldjump"/>
           </p:cNvPr>
           <p:cNvSpPr/>
@@ -10434,8 +13004,8 @@
         </p:nvSpPr>
         <p:spPr>
           <a:xfrm>
-            <a:off x="2286000" y="4572000"/>
-            <a:ext cx="2286000" cy="838200"/>
+            <a:off x="1447800" y="4419600"/>
+            <a:ext cx="2362200" cy="914400"/>
           </a:xfrm>
           <a:prstGeom prst="roundRect">
             <a:avLst/>
@@ -10464,7 +13034,7 @@
             <a:pPr algn="ctr"/>
             <a:r>
               <a:rPr lang="en-US" dirty="0" smtClean="0"/>
-              <a:t>Buy</a:t>
+              <a:t>Submit</a:t>
             </a:r>
             <a:endParaRPr lang="en-US" dirty="0"/>
           </a:p>
@@ -10472,19 +13042,20 @@
       </p:sp>
       <p:sp>
         <p:nvSpPr>
-          <p:cNvPr id="7" name="Rectangle 6"/>
+          <p:cNvPr id="5" name="Rounded Rectangle 4">
+            <a:hlinkClick r:id="rId4" action="ppaction://hlinksldjump"/>
+          </p:cNvPr>
           <p:cNvSpPr/>
           <p:nvPr/>
         </p:nvSpPr>
         <p:spPr>
           <a:xfrm>
-            <a:off x="5029200" y="2819400"/>
-            <a:ext cx="1219200" cy="304800"/>
-          </a:xfrm>
-          <a:prstGeom prst="rect">
+            <a:off x="4191000" y="4343400"/>
+            <a:ext cx="2362200" cy="914400"/>
+          </a:xfrm>
+          <a:prstGeom prst="roundRect">
             <a:avLst/>
           </a:prstGeom>
-          <a:noFill/>
         </p:spPr>
         <p:style>
           <a:lnRef idx="2">
@@ -10507,6 +13078,86 @@
           <a:lstStyle/>
           <a:p>
             <a:pPr algn="ctr"/>
+            <a:r>
+              <a:rPr lang="en-US" smtClean="0"/>
+              <a:t>Reset</a:t>
+            </a:r>
+            <a:endParaRPr lang="en-US" dirty="0"/>
+          </a:p>
+        </p:txBody>
+      </p:sp>
+      <p:sp>
+        <p:nvSpPr>
+          <p:cNvPr id="6" name="Rectangle 5"/>
+          <p:cNvSpPr/>
+          <p:nvPr/>
+        </p:nvSpPr>
+        <p:spPr>
+          <a:xfrm>
+            <a:off x="4114800" y="1600200"/>
+            <a:ext cx="3200400" cy="457200"/>
+          </a:xfrm>
+          <a:prstGeom prst="rect">
+            <a:avLst/>
+          </a:prstGeom>
+        </p:spPr>
+        <p:style>
+          <a:lnRef idx="2">
+            <a:schemeClr val="dk1"/>
+          </a:lnRef>
+          <a:fillRef idx="1">
+            <a:schemeClr val="lt1"/>
+          </a:fillRef>
+          <a:effectRef idx="0">
+            <a:schemeClr val="dk1"/>
+          </a:effectRef>
+          <a:fontRef idx="minor">
+            <a:schemeClr val="dk1"/>
+          </a:fontRef>
+        </p:style>
+        <p:txBody>
+          <a:bodyPr rtlCol="0" anchor="ctr"/>
+          <a:lstStyle/>
+          <a:p>
+            <a:pPr algn="ctr"/>
+            <a:endParaRPr lang="en-US"/>
+          </a:p>
+        </p:txBody>
+      </p:sp>
+      <p:sp>
+        <p:nvSpPr>
+          <p:cNvPr id="7" name="Rectangle 6"/>
+          <p:cNvSpPr/>
+          <p:nvPr/>
+        </p:nvSpPr>
+        <p:spPr>
+          <a:xfrm>
+            <a:off x="4114800" y="2209800"/>
+            <a:ext cx="3200400" cy="457200"/>
+          </a:xfrm>
+          <a:prstGeom prst="rect">
+            <a:avLst/>
+          </a:prstGeom>
+        </p:spPr>
+        <p:style>
+          <a:lnRef idx="2">
+            <a:schemeClr val="dk1"/>
+          </a:lnRef>
+          <a:fillRef idx="1">
+            <a:schemeClr val="lt1"/>
+          </a:fillRef>
+          <a:effectRef idx="0">
+            <a:schemeClr val="dk1"/>
+          </a:effectRef>
+          <a:fontRef idx="minor">
+            <a:schemeClr val="dk1"/>
+          </a:fontRef>
+        </p:style>
+        <p:txBody>
+          <a:bodyPr rtlCol="0" anchor="ctr"/>
+          <a:lstStyle/>
+          <a:p>
+            <a:pPr algn="ctr"/>
             <a:endParaRPr lang="en-US"/>
           </a:p>
         </p:txBody>
@@ -10532,6 +13183,190 @@
               <a:t>8</a:t>
             </a:fld>
             <a:endParaRPr lang="en-US"/>
+          </a:p>
+        </p:txBody>
+      </p:sp>
+      <p:sp>
+        <p:nvSpPr>
+          <p:cNvPr id="9" name="Rounded Rectangle 8">
+            <a:hlinkClick r:id="rId5" action="ppaction://hlinksldjump"/>
+          </p:cNvPr>
+          <p:cNvSpPr/>
+          <p:nvPr/>
+        </p:nvSpPr>
+        <p:spPr>
+          <a:xfrm>
+            <a:off x="76200" y="838200"/>
+            <a:ext cx="1143000" cy="609600"/>
+          </a:xfrm>
+          <a:prstGeom prst="roundRect">
+            <a:avLst/>
+          </a:prstGeom>
+        </p:spPr>
+        <p:style>
+          <a:lnRef idx="2">
+            <a:schemeClr val="accent1">
+              <a:shade val="50000"/>
+            </a:schemeClr>
+          </a:lnRef>
+          <a:fillRef idx="1">
+            <a:schemeClr val="accent1"/>
+          </a:fillRef>
+          <a:effectRef idx="0">
+            <a:schemeClr val="accent1"/>
+          </a:effectRef>
+          <a:fontRef idx="minor">
+            <a:schemeClr val="lt1"/>
+          </a:fontRef>
+        </p:style>
+        <p:txBody>
+          <a:bodyPr rtlCol="0" anchor="ctr"/>
+          <a:lstStyle/>
+          <a:p>
+            <a:pPr algn="ctr"/>
+            <a:r>
+              <a:rPr lang="en-US" dirty="0" smtClean="0"/>
+              <a:t>Login</a:t>
+            </a:r>
+            <a:endParaRPr lang="en-US" dirty="0"/>
+          </a:p>
+        </p:txBody>
+      </p:sp>
+      <p:sp>
+        <p:nvSpPr>
+          <p:cNvPr id="10" name="Rounded Rectangle 9">
+            <a:hlinkClick r:id="rId5" action="ppaction://hlinksldjump"/>
+          </p:cNvPr>
+          <p:cNvSpPr/>
+          <p:nvPr/>
+        </p:nvSpPr>
+        <p:spPr>
+          <a:xfrm>
+            <a:off x="76200" y="2895600"/>
+            <a:ext cx="1143000" cy="609600"/>
+          </a:xfrm>
+          <a:prstGeom prst="roundRect">
+            <a:avLst/>
+          </a:prstGeom>
+        </p:spPr>
+        <p:style>
+          <a:lnRef idx="2">
+            <a:schemeClr val="accent1">
+              <a:shade val="50000"/>
+            </a:schemeClr>
+          </a:lnRef>
+          <a:fillRef idx="1">
+            <a:schemeClr val="accent1"/>
+          </a:fillRef>
+          <a:effectRef idx="0">
+            <a:schemeClr val="accent1"/>
+          </a:effectRef>
+          <a:fontRef idx="minor">
+            <a:schemeClr val="lt1"/>
+          </a:fontRef>
+        </p:style>
+        <p:txBody>
+          <a:bodyPr rtlCol="0" anchor="ctr"/>
+          <a:lstStyle/>
+          <a:p>
+            <a:pPr algn="ctr"/>
+            <a:r>
+              <a:rPr lang="en-US" dirty="0" smtClean="0"/>
+              <a:t>Logout</a:t>
+            </a:r>
+            <a:endParaRPr lang="en-US" dirty="0"/>
+          </a:p>
+        </p:txBody>
+      </p:sp>
+      <p:sp>
+        <p:nvSpPr>
+          <p:cNvPr id="11" name="Rounded Rectangle 10">
+            <a:hlinkClick r:id="rId6" action="ppaction://hlinksldjump"/>
+          </p:cNvPr>
+          <p:cNvSpPr/>
+          <p:nvPr/>
+        </p:nvSpPr>
+        <p:spPr>
+          <a:xfrm>
+            <a:off x="76200" y="1752600"/>
+            <a:ext cx="1143000" cy="609600"/>
+          </a:xfrm>
+          <a:prstGeom prst="roundRect">
+            <a:avLst/>
+          </a:prstGeom>
+        </p:spPr>
+        <p:style>
+          <a:lnRef idx="2">
+            <a:schemeClr val="accent1">
+              <a:shade val="50000"/>
+            </a:schemeClr>
+          </a:lnRef>
+          <a:fillRef idx="1">
+            <a:schemeClr val="accent1"/>
+          </a:fillRef>
+          <a:effectRef idx="0">
+            <a:schemeClr val="accent1"/>
+          </a:effectRef>
+          <a:fontRef idx="minor">
+            <a:schemeClr val="lt1"/>
+          </a:fontRef>
+        </p:style>
+        <p:txBody>
+          <a:bodyPr rtlCol="0" anchor="ctr"/>
+          <a:lstStyle/>
+          <a:p>
+            <a:pPr algn="ctr"/>
+            <a:r>
+              <a:rPr lang="en-US" dirty="0" smtClean="0"/>
+              <a:t>Register</a:t>
+            </a:r>
+            <a:endParaRPr lang="en-US" dirty="0"/>
+          </a:p>
+        </p:txBody>
+      </p:sp>
+      <p:sp>
+        <p:nvSpPr>
+          <p:cNvPr id="12" name="Rounded Rectangle 11">
+            <a:hlinkClick r:id="rId4" action="ppaction://hlinksldjump"/>
+          </p:cNvPr>
+          <p:cNvSpPr/>
+          <p:nvPr/>
+        </p:nvSpPr>
+        <p:spPr>
+          <a:xfrm>
+            <a:off x="76200" y="3810000"/>
+            <a:ext cx="1143000" cy="609600"/>
+          </a:xfrm>
+          <a:prstGeom prst="roundRect">
+            <a:avLst/>
+          </a:prstGeom>
+        </p:spPr>
+        <p:style>
+          <a:lnRef idx="2">
+            <a:schemeClr val="accent1">
+              <a:shade val="50000"/>
+            </a:schemeClr>
+          </a:lnRef>
+          <a:fillRef idx="1">
+            <a:schemeClr val="accent1"/>
+          </a:fillRef>
+          <a:effectRef idx="0">
+            <a:schemeClr val="accent1"/>
+          </a:effectRef>
+          <a:fontRef idx="minor">
+            <a:schemeClr val="lt1"/>
+          </a:fontRef>
+        </p:style>
+        <p:txBody>
+          <a:bodyPr rtlCol="0" anchor="ctr"/>
+          <a:lstStyle/>
+          <a:p>
+            <a:pPr algn="ctr"/>
+            <a:r>
+              <a:rPr lang="en-US" dirty="0" smtClean="0"/>
+              <a:t>Home</a:t>
+            </a:r>
+            <a:endParaRPr lang="en-US" dirty="0"/>
           </a:p>
         </p:txBody>
       </p:sp>
@@ -10583,41 +13418,49 @@
           <a:lstStyle/>
           <a:p>
             <a:r>
+              <a:rPr lang="en-US" smtClean="0"/>
+              <a:t>Buy</a:t>
+            </a:r>
+            <a:endParaRPr lang="en-US" dirty="0"/>
+          </a:p>
+        </p:txBody>
+      </p:sp>
+      <p:sp>
+        <p:nvSpPr>
+          <p:cNvPr id="3" name="Content Placeholder 2"/>
+          <p:cNvSpPr>
+            <a:spLocks noGrp="1"/>
+          </p:cNvSpPr>
+          <p:nvPr>
+            <p:ph idx="1"/>
+          </p:nvPr>
+        </p:nvSpPr>
+        <p:spPr>
+          <a:xfrm>
+            <a:off x="1219200" y="1600200"/>
+            <a:ext cx="8229600" cy="4525963"/>
+          </a:xfrm>
+        </p:spPr>
+        <p:txBody>
+          <a:bodyPr/>
+          <a:lstStyle/>
+          <a:p>
+            <a:pPr>
+              <a:buNone/>
+            </a:pPr>
+            <a:r>
               <a:rPr lang="en-US" dirty="0" smtClean="0"/>
-              <a:t>Confirm - Buy Selected Stocks</a:t>
-            </a:r>
-            <a:endParaRPr lang="en-US" dirty="0"/>
-          </a:p>
-        </p:txBody>
-      </p:sp>
-      <p:sp>
-        <p:nvSpPr>
-          <p:cNvPr id="3" name="Content Placeholder 2"/>
-          <p:cNvSpPr>
-            <a:spLocks noGrp="1"/>
-          </p:cNvSpPr>
-          <p:nvPr>
-            <p:ph idx="1"/>
-          </p:nvPr>
-        </p:nvSpPr>
-        <p:spPr>
-          <a:xfrm>
-            <a:off x="838200" y="1219200"/>
-            <a:ext cx="7162800" cy="4830763"/>
-          </a:xfrm>
-        </p:spPr>
-        <p:txBody>
-          <a:bodyPr/>
-          <a:lstStyle/>
+              <a:t>    Enter Search: Drop Down Menu</a:t>
+            </a:r>
+          </a:p>
           <a:p>
             <a:pPr lvl="1">
               <a:buNone/>
             </a:pPr>
             <a:r>
               <a:rPr lang="en-US" dirty="0" smtClean="0"/>
-              <a:t>Cash Available : XXXX</a:t>
-            </a:r>
-            <a:endParaRPr lang="en-US" dirty="0" smtClean="0"/>
+              <a:t>(Print) Cash Available : XXXX</a:t>
+            </a:r>
           </a:p>
           <a:p>
             <a:pPr lvl="1">
@@ -10625,13 +13468,8 @@
             </a:pPr>
             <a:r>
               <a:rPr lang="en-US" dirty="0" smtClean="0"/>
-              <a:t>Enter </a:t>
-            </a:r>
-            <a:r>
-              <a:rPr lang="en-US" dirty="0" smtClean="0"/>
-              <a:t>Investment Amount: XXXX</a:t>
-            </a:r>
-            <a:endParaRPr lang="en-US" dirty="0" smtClean="0"/>
+              <a:t>Enter Investment Amount: </a:t>
+            </a:r>
           </a:p>
           <a:p>
             <a:pPr lvl="1">
@@ -10639,13 +13477,11 @@
             </a:pPr>
             <a:r>
               <a:rPr lang="en-US" dirty="0" smtClean="0"/>
-              <a:t>Enter Date Purchased: [default is today</a:t>
-            </a:r>
-            <a:r>
-              <a:rPr lang="en-US" dirty="0" smtClean="0"/>
-              <a:t>]</a:t>
-            </a:r>
-            <a:endParaRPr lang="en-US" dirty="0" smtClean="0"/>
+              <a:t>Enter Date Purchased: </a:t>
+            </a:r>
+          </a:p>
+          <a:p>
+            <a:endParaRPr lang="en-US" dirty="0"/>
           </a:p>
         </p:txBody>
       </p:sp>
@@ -10659,7 +13495,7 @@
         </p:nvSpPr>
         <p:spPr>
           <a:xfrm>
-            <a:off x="2057400" y="3657600"/>
+            <a:off x="1981200" y="4191000"/>
             <a:ext cx="2286000" cy="838200"/>
           </a:xfrm>
           <a:prstGeom prst="roundRect">
@@ -10697,7 +13533,48 @@
       </p:sp>
       <p:sp>
         <p:nvSpPr>
-          <p:cNvPr id="9" name="Slide Number Placeholder 8"/>
+          <p:cNvPr id="7" name="Rectangle 6"/>
+          <p:cNvSpPr/>
+          <p:nvPr/>
+        </p:nvSpPr>
+        <p:spPr>
+          <a:xfrm>
+            <a:off x="5638800" y="2819400"/>
+            <a:ext cx="1219200" cy="304800"/>
+          </a:xfrm>
+          <a:prstGeom prst="rect">
+            <a:avLst/>
+          </a:prstGeom>
+          <a:noFill/>
+        </p:spPr>
+        <p:style>
+          <a:lnRef idx="2">
+            <a:schemeClr val="accent1">
+              <a:shade val="50000"/>
+            </a:schemeClr>
+          </a:lnRef>
+          <a:fillRef idx="1">
+            <a:schemeClr val="accent1"/>
+          </a:fillRef>
+          <a:effectRef idx="0">
+            <a:schemeClr val="accent1"/>
+          </a:effectRef>
+          <a:fontRef idx="minor">
+            <a:schemeClr val="lt1"/>
+          </a:fontRef>
+        </p:style>
+        <p:txBody>
+          <a:bodyPr rtlCol="0" anchor="ctr"/>
+          <a:lstStyle/>
+          <a:p>
+            <a:pPr algn="ctr"/>
+            <a:endParaRPr lang="en-US"/>
+          </a:p>
+        </p:txBody>
+      </p:sp>
+      <p:sp>
+        <p:nvSpPr>
+          <p:cNvPr id="8" name="Slide Number Placeholder 7"/>
           <p:cNvSpPr>
             <a:spLocks noGrp="1"/>
           </p:cNvSpPr>
@@ -10715,6 +13592,231 @@
               <a:pPr/>
               <a:t>9</a:t>
             </a:fld>
+            <a:endParaRPr lang="en-US"/>
+          </a:p>
+        </p:txBody>
+      </p:sp>
+      <p:sp>
+        <p:nvSpPr>
+          <p:cNvPr id="9" name="Rounded Rectangle 8">
+            <a:hlinkClick r:id="rId4" action="ppaction://hlinksldjump"/>
+          </p:cNvPr>
+          <p:cNvSpPr/>
+          <p:nvPr/>
+        </p:nvSpPr>
+        <p:spPr>
+          <a:xfrm>
+            <a:off x="76200" y="838200"/>
+            <a:ext cx="1143000" cy="609600"/>
+          </a:xfrm>
+          <a:prstGeom prst="roundRect">
+            <a:avLst/>
+          </a:prstGeom>
+        </p:spPr>
+        <p:style>
+          <a:lnRef idx="2">
+            <a:schemeClr val="accent1">
+              <a:shade val="50000"/>
+            </a:schemeClr>
+          </a:lnRef>
+          <a:fillRef idx="1">
+            <a:schemeClr val="accent1"/>
+          </a:fillRef>
+          <a:effectRef idx="0">
+            <a:schemeClr val="accent1"/>
+          </a:effectRef>
+          <a:fontRef idx="minor">
+            <a:schemeClr val="lt1"/>
+          </a:fontRef>
+        </p:style>
+        <p:txBody>
+          <a:bodyPr rtlCol="0" anchor="ctr"/>
+          <a:lstStyle/>
+          <a:p>
+            <a:pPr algn="ctr"/>
+            <a:r>
+              <a:rPr lang="en-US" dirty="0" smtClean="0"/>
+              <a:t>Login</a:t>
+            </a:r>
+            <a:endParaRPr lang="en-US" dirty="0"/>
+          </a:p>
+        </p:txBody>
+      </p:sp>
+      <p:sp>
+        <p:nvSpPr>
+          <p:cNvPr id="10" name="Rounded Rectangle 9">
+            <a:hlinkClick r:id="rId4" action="ppaction://hlinksldjump"/>
+          </p:cNvPr>
+          <p:cNvSpPr/>
+          <p:nvPr/>
+        </p:nvSpPr>
+        <p:spPr>
+          <a:xfrm>
+            <a:off x="76200" y="2895600"/>
+            <a:ext cx="1143000" cy="609600"/>
+          </a:xfrm>
+          <a:prstGeom prst="roundRect">
+            <a:avLst/>
+          </a:prstGeom>
+        </p:spPr>
+        <p:style>
+          <a:lnRef idx="2">
+            <a:schemeClr val="accent1">
+              <a:shade val="50000"/>
+            </a:schemeClr>
+          </a:lnRef>
+          <a:fillRef idx="1">
+            <a:schemeClr val="accent1"/>
+          </a:fillRef>
+          <a:effectRef idx="0">
+            <a:schemeClr val="accent1"/>
+          </a:effectRef>
+          <a:fontRef idx="minor">
+            <a:schemeClr val="lt1"/>
+          </a:fontRef>
+        </p:style>
+        <p:txBody>
+          <a:bodyPr rtlCol="0" anchor="ctr"/>
+          <a:lstStyle/>
+          <a:p>
+            <a:pPr algn="ctr"/>
+            <a:r>
+              <a:rPr lang="en-US" dirty="0" smtClean="0"/>
+              <a:t>Logout</a:t>
+            </a:r>
+            <a:endParaRPr lang="en-US" dirty="0"/>
+          </a:p>
+        </p:txBody>
+      </p:sp>
+      <p:sp>
+        <p:nvSpPr>
+          <p:cNvPr id="11" name="Rounded Rectangle 10">
+            <a:hlinkClick r:id="rId5" action="ppaction://hlinksldjump"/>
+          </p:cNvPr>
+          <p:cNvSpPr/>
+          <p:nvPr/>
+        </p:nvSpPr>
+        <p:spPr>
+          <a:xfrm>
+            <a:off x="76200" y="1752600"/>
+            <a:ext cx="1143000" cy="609600"/>
+          </a:xfrm>
+          <a:prstGeom prst="roundRect">
+            <a:avLst/>
+          </a:prstGeom>
+        </p:spPr>
+        <p:style>
+          <a:lnRef idx="2">
+            <a:schemeClr val="accent1">
+              <a:shade val="50000"/>
+            </a:schemeClr>
+          </a:lnRef>
+          <a:fillRef idx="1">
+            <a:schemeClr val="accent1"/>
+          </a:fillRef>
+          <a:effectRef idx="0">
+            <a:schemeClr val="accent1"/>
+          </a:effectRef>
+          <a:fontRef idx="minor">
+            <a:schemeClr val="lt1"/>
+          </a:fontRef>
+        </p:style>
+        <p:txBody>
+          <a:bodyPr rtlCol="0" anchor="ctr"/>
+          <a:lstStyle/>
+          <a:p>
+            <a:pPr algn="ctr"/>
+            <a:r>
+              <a:rPr lang="en-US" dirty="0" smtClean="0"/>
+              <a:t>Register</a:t>
+            </a:r>
+            <a:endParaRPr lang="en-US" dirty="0"/>
+          </a:p>
+        </p:txBody>
+      </p:sp>
+      <p:sp>
+        <p:nvSpPr>
+          <p:cNvPr id="12" name="Rounded Rectangle 11">
+            <a:hlinkClick r:id="rId6" action="ppaction://hlinksldjump"/>
+          </p:cNvPr>
+          <p:cNvSpPr/>
+          <p:nvPr/>
+        </p:nvSpPr>
+        <p:spPr>
+          <a:xfrm>
+            <a:off x="76200" y="3810000"/>
+            <a:ext cx="1143000" cy="609600"/>
+          </a:xfrm>
+          <a:prstGeom prst="roundRect">
+            <a:avLst/>
+          </a:prstGeom>
+        </p:spPr>
+        <p:style>
+          <a:lnRef idx="2">
+            <a:schemeClr val="accent1">
+              <a:shade val="50000"/>
+            </a:schemeClr>
+          </a:lnRef>
+          <a:fillRef idx="1">
+            <a:schemeClr val="accent1"/>
+          </a:fillRef>
+          <a:effectRef idx="0">
+            <a:schemeClr val="accent1"/>
+          </a:effectRef>
+          <a:fontRef idx="minor">
+            <a:schemeClr val="lt1"/>
+          </a:fontRef>
+        </p:style>
+        <p:txBody>
+          <a:bodyPr rtlCol="0" anchor="ctr"/>
+          <a:lstStyle/>
+          <a:p>
+            <a:pPr algn="ctr"/>
+            <a:r>
+              <a:rPr lang="en-US" dirty="0" smtClean="0"/>
+              <a:t>Home</a:t>
+            </a:r>
+            <a:endParaRPr lang="en-US" dirty="0"/>
+          </a:p>
+        </p:txBody>
+      </p:sp>
+      <p:sp>
+        <p:nvSpPr>
+          <p:cNvPr id="13" name="Rectangle 12"/>
+          <p:cNvSpPr/>
+          <p:nvPr/>
+        </p:nvSpPr>
+        <p:spPr>
+          <a:xfrm>
+            <a:off x="5105400" y="3276600"/>
+            <a:ext cx="1219200" cy="304800"/>
+          </a:xfrm>
+          <a:prstGeom prst="rect">
+            <a:avLst/>
+          </a:prstGeom>
+          <a:noFill/>
+        </p:spPr>
+        <p:style>
+          <a:lnRef idx="2">
+            <a:schemeClr val="accent1">
+              <a:shade val="50000"/>
+            </a:schemeClr>
+          </a:lnRef>
+          <a:fillRef idx="1">
+            <a:schemeClr val="accent1"/>
+          </a:fillRef>
+          <a:effectRef idx="0">
+            <a:schemeClr val="accent1"/>
+          </a:effectRef>
+          <a:fontRef idx="minor">
+            <a:schemeClr val="lt1"/>
+          </a:fontRef>
+        </p:style>
+        <p:txBody>
+          <a:bodyPr rtlCol="0" anchor="ctr"/>
+          <a:lstStyle/>
+          <a:p>
+            <a:pPr algn="ctr"/>
             <a:endParaRPr lang="en-US"/>
           </a:p>
         </p:txBody>
@@ -11012,7 +14114,33 @@
       </a:bgFillStyleLst>
     </a:fmtScheme>
   </a:themeElements>
-  <a:objectDefaults/>
+  <a:objectDefaults>
+    <a:spDef>
+      <a:spPr/>
+      <a:bodyPr rtlCol="0" anchor="ctr"/>
+      <a:lstStyle>
+        <a:defPPr algn="ctr">
+          <a:defRPr dirty="0" smtClean="0"/>
+        </a:defPPr>
+      </a:lstStyle>
+      <a:style>
+        <a:lnRef idx="2">
+          <a:schemeClr val="accent1">
+            <a:shade val="50000"/>
+          </a:schemeClr>
+        </a:lnRef>
+        <a:fillRef idx="1">
+          <a:schemeClr val="accent1"/>
+        </a:fillRef>
+        <a:effectRef idx="0">
+          <a:schemeClr val="accent1"/>
+        </a:effectRef>
+        <a:fontRef idx="minor">
+          <a:schemeClr val="lt1"/>
+        </a:fontRef>
+      </a:style>
+    </a:spDef>
+  </a:objectDefaults>
   <a:extraClrSchemeLst/>
 </a:theme>
 </file>
